--- a/paperview/zeuspresentation.pptx
+++ b/paperview/zeuspresentation.pptx
@@ -5,7 +5,7 @@
     <p:sldMasterId id="2147483648" r:id="rId1"/>
   </p:sldMasterIdLst>
   <p:notesMasterIdLst>
-    <p:notesMasterId r:id="rId16"/>
+    <p:notesMasterId r:id="rId30"/>
   </p:notesMasterIdLst>
   <p:sldIdLst>
     <p:sldId id="256" r:id="rId2"/>
@@ -13,15 +13,29 @@
     <p:sldId id="258" r:id="rId4"/>
     <p:sldId id="260" r:id="rId5"/>
     <p:sldId id="261" r:id="rId6"/>
-    <p:sldId id="262" r:id="rId7"/>
+    <p:sldId id="278" r:id="rId7"/>
     <p:sldId id="269" r:id="rId8"/>
     <p:sldId id="259" r:id="rId9"/>
-    <p:sldId id="268" r:id="rId10"/>
-    <p:sldId id="263" r:id="rId11"/>
+    <p:sldId id="263" r:id="rId10"/>
+    <p:sldId id="279" r:id="rId11"/>
     <p:sldId id="264" r:id="rId12"/>
     <p:sldId id="265" r:id="rId13"/>
     <p:sldId id="266" r:id="rId14"/>
     <p:sldId id="267" r:id="rId15"/>
+    <p:sldId id="272" r:id="rId16"/>
+    <p:sldId id="273" r:id="rId17"/>
+    <p:sldId id="280" r:id="rId18"/>
+    <p:sldId id="270" r:id="rId19"/>
+    <p:sldId id="274" r:id="rId20"/>
+    <p:sldId id="281" r:id="rId21"/>
+    <p:sldId id="271" r:id="rId22"/>
+    <p:sldId id="275" r:id="rId23"/>
+    <p:sldId id="276" r:id="rId24"/>
+    <p:sldId id="282" r:id="rId25"/>
+    <p:sldId id="277" r:id="rId26"/>
+    <p:sldId id="285" r:id="rId27"/>
+    <p:sldId id="284" r:id="rId28"/>
+    <p:sldId id="283" r:id="rId29"/>
   </p:sldIdLst>
   <p:sldSz cx="12192000" cy="6858000"/>
   <p:notesSz cx="6858000" cy="9144000"/>
@@ -210,7 +224,7 @@
           <a:p>
             <a:fld id="{03C7591F-E050-C44E-A3D8-79B085E510DB}" type="datetimeFigureOut">
               <a:rPr lang="en-SA" smtClean="0"/>
-              <a:t>20/02/2024 R</a:t>
+              <a:t>22/02/2024 R</a:t>
             </a:fld>
             <a:endParaRPr lang="en-SA"/>
           </a:p>
@@ -810,6 +824,270 @@
 </p:notes>
 </file>
 
+<file path=ppt/notesSlides/notesSlide4.xml><?xml version="1.0" encoding="utf-8"?>
+<p:notes xmlns:a="http://schemas.openxmlformats.org/drawingml/2006/main" xmlns:r="http://schemas.openxmlformats.org/officeDocument/2006/relationships" xmlns:p="http://schemas.openxmlformats.org/presentationml/2006/main">
+  <p:cSld>
+    <p:spTree>
+      <p:nvGrpSpPr>
+        <p:cNvPr id="1" name=""/>
+        <p:cNvGrpSpPr/>
+        <p:nvPr/>
+      </p:nvGrpSpPr>
+      <p:grpSpPr>
+        <a:xfrm>
+          <a:off x="0" y="0"/>
+          <a:ext cx="0" cy="0"/>
+          <a:chOff x="0" y="0"/>
+          <a:chExt cx="0" cy="0"/>
+        </a:xfrm>
+      </p:grpSpPr>
+      <p:sp>
+        <p:nvSpPr>
+          <p:cNvPr id="2" name="Slide Image Placeholder 1"/>
+          <p:cNvSpPr>
+            <a:spLocks noGrp="1" noRot="1" noChangeAspect="1"/>
+          </p:cNvSpPr>
+          <p:nvPr>
+            <p:ph type="sldImg"/>
+          </p:nvPr>
+        </p:nvSpPr>
+        <p:spPr/>
+      </p:sp>
+      <p:sp>
+        <p:nvSpPr>
+          <p:cNvPr id="3" name="Notes Placeholder 2"/>
+          <p:cNvSpPr>
+            <a:spLocks noGrp="1"/>
+          </p:cNvSpPr>
+          <p:nvPr>
+            <p:ph type="body" idx="1"/>
+          </p:nvPr>
+        </p:nvSpPr>
+        <p:spPr/>
+        <p:txBody>
+          <a:bodyPr/>
+          <a:lstStyle/>
+          <a:p>
+            <a:r>
+              <a:rPr lang="en-SA" dirty="0"/>
+              <a:t>一开始</a:t>
+            </a:r>
+            <a:r>
+              <a:rPr lang="zh-CN" altLang="en-US" dirty="0"/>
+              <a:t>， </a:t>
+            </a:r>
+            <a:r>
+              <a:rPr lang="en-US" altLang="zh-CN" dirty="0"/>
+              <a:t>go</a:t>
+            </a:r>
+            <a:r>
+              <a:rPr lang="zh-CN" altLang="en-US" dirty="0"/>
+              <a:t> </a:t>
+            </a:r>
+            <a:r>
+              <a:rPr lang="en-US" altLang="zh-CN" dirty="0"/>
+              <a:t>through</a:t>
+            </a:r>
+            <a:r>
+              <a:rPr lang="zh-CN" altLang="en-US" dirty="0"/>
+              <a:t> </a:t>
+            </a:r>
+            <a:r>
+              <a:rPr lang="en-US" altLang="zh-CN" dirty="0"/>
+              <a:t>each</a:t>
+            </a:r>
+            <a:r>
+              <a:rPr lang="zh-CN" altLang="en-US" dirty="0"/>
+              <a:t> </a:t>
+            </a:r>
+            <a:r>
+              <a:rPr lang="en-US" altLang="zh-CN" dirty="0"/>
+              <a:t>power</a:t>
+            </a:r>
+            <a:r>
+              <a:rPr lang="zh-CN" altLang="en-US" dirty="0"/>
+              <a:t> </a:t>
+            </a:r>
+            <a:r>
+              <a:rPr lang="en-US" altLang="zh-CN" dirty="0"/>
+              <a:t>limit</a:t>
+            </a:r>
+            <a:r>
+              <a:rPr lang="zh-CN" altLang="en-US" dirty="0"/>
+              <a:t> </a:t>
+            </a:r>
+            <a:endParaRPr lang="en-SA" dirty="0"/>
+          </a:p>
+        </p:txBody>
+      </p:sp>
+      <p:sp>
+        <p:nvSpPr>
+          <p:cNvPr id="4" name="Slide Number Placeholder 3"/>
+          <p:cNvSpPr>
+            <a:spLocks noGrp="1"/>
+          </p:cNvSpPr>
+          <p:nvPr>
+            <p:ph type="sldNum" sz="quarter" idx="5"/>
+          </p:nvPr>
+        </p:nvSpPr>
+        <p:spPr/>
+        <p:txBody>
+          <a:bodyPr/>
+          <a:lstStyle/>
+          <a:p>
+            <a:fld id="{06A23FBF-B721-4A48-93F8-EC1885D2D624}" type="slidenum">
+              <a:rPr lang="en-SA" smtClean="0"/>
+              <a:t>22</a:t>
+            </a:fld>
+            <a:endParaRPr lang="en-SA"/>
+          </a:p>
+        </p:txBody>
+      </p:sp>
+    </p:spTree>
+    <p:extLst>
+      <p:ext uri="{BB962C8B-B14F-4D97-AF65-F5344CB8AC3E}">
+        <p14:creationId xmlns:p14="http://schemas.microsoft.com/office/powerpoint/2010/main" val="874458492"/>
+      </p:ext>
+    </p:extLst>
+  </p:cSld>
+  <p:clrMapOvr>
+    <a:masterClrMapping/>
+  </p:clrMapOvr>
+</p:notes>
+</file>
+
+<file path=ppt/notesSlides/notesSlide5.xml><?xml version="1.0" encoding="utf-8"?>
+<p:notes xmlns:a="http://schemas.openxmlformats.org/drawingml/2006/main" xmlns:r="http://schemas.openxmlformats.org/officeDocument/2006/relationships" xmlns:p="http://schemas.openxmlformats.org/presentationml/2006/main">
+  <p:cSld>
+    <p:spTree>
+      <p:nvGrpSpPr>
+        <p:cNvPr id="1" name=""/>
+        <p:cNvGrpSpPr/>
+        <p:nvPr/>
+      </p:nvGrpSpPr>
+      <p:grpSpPr>
+        <a:xfrm>
+          <a:off x="0" y="0"/>
+          <a:ext cx="0" cy="0"/>
+          <a:chOff x="0" y="0"/>
+          <a:chExt cx="0" cy="0"/>
+        </a:xfrm>
+      </p:grpSpPr>
+      <p:sp>
+        <p:nvSpPr>
+          <p:cNvPr id="2" name="Slide Image Placeholder 1"/>
+          <p:cNvSpPr>
+            <a:spLocks noGrp="1" noRot="1" noChangeAspect="1"/>
+          </p:cNvSpPr>
+          <p:nvPr>
+            <p:ph type="sldImg"/>
+          </p:nvPr>
+        </p:nvSpPr>
+        <p:spPr/>
+      </p:sp>
+      <p:sp>
+        <p:nvSpPr>
+          <p:cNvPr id="3" name="Notes Placeholder 2"/>
+          <p:cNvSpPr>
+            <a:spLocks noGrp="1"/>
+          </p:cNvSpPr>
+          <p:nvPr>
+            <p:ph type="body" idx="1"/>
+          </p:nvPr>
+        </p:nvSpPr>
+        <p:spPr/>
+        <p:txBody>
+          <a:bodyPr/>
+          <a:lstStyle/>
+          <a:p>
+            <a:r>
+              <a:rPr lang="en-SA" dirty="0"/>
+              <a:t>一开始</a:t>
+            </a:r>
+            <a:r>
+              <a:rPr lang="zh-CN" altLang="en-US" dirty="0"/>
+              <a:t>， </a:t>
+            </a:r>
+            <a:r>
+              <a:rPr lang="en-US" altLang="zh-CN" dirty="0"/>
+              <a:t>go</a:t>
+            </a:r>
+            <a:r>
+              <a:rPr lang="zh-CN" altLang="en-US" dirty="0"/>
+              <a:t> </a:t>
+            </a:r>
+            <a:r>
+              <a:rPr lang="en-US" altLang="zh-CN" dirty="0"/>
+              <a:t>through</a:t>
+            </a:r>
+            <a:r>
+              <a:rPr lang="zh-CN" altLang="en-US" dirty="0"/>
+              <a:t> </a:t>
+            </a:r>
+            <a:r>
+              <a:rPr lang="en-US" altLang="zh-CN" dirty="0"/>
+              <a:t>each</a:t>
+            </a:r>
+            <a:r>
+              <a:rPr lang="zh-CN" altLang="en-US" dirty="0"/>
+              <a:t> </a:t>
+            </a:r>
+            <a:r>
+              <a:rPr lang="en-US" altLang="zh-CN" dirty="0"/>
+              <a:t>power</a:t>
+            </a:r>
+            <a:r>
+              <a:rPr lang="zh-CN" altLang="en-US" dirty="0"/>
+              <a:t> </a:t>
+            </a:r>
+            <a:r>
+              <a:rPr lang="en-US" altLang="zh-CN" dirty="0"/>
+              <a:t>limit</a:t>
+            </a:r>
+            <a:r>
+              <a:rPr lang="zh-CN" altLang="en-US" dirty="0"/>
+              <a:t> </a:t>
+            </a:r>
+            <a:endParaRPr lang="en-SA" dirty="0"/>
+          </a:p>
+        </p:txBody>
+      </p:sp>
+      <p:sp>
+        <p:nvSpPr>
+          <p:cNvPr id="4" name="Slide Number Placeholder 3"/>
+          <p:cNvSpPr>
+            <a:spLocks noGrp="1"/>
+          </p:cNvSpPr>
+          <p:nvPr>
+            <p:ph type="sldNum" sz="quarter" idx="5"/>
+          </p:nvPr>
+        </p:nvSpPr>
+        <p:spPr/>
+        <p:txBody>
+          <a:bodyPr/>
+          <a:lstStyle/>
+          <a:p>
+            <a:fld id="{06A23FBF-B721-4A48-93F8-EC1885D2D624}" type="slidenum">
+              <a:rPr lang="en-SA" smtClean="0"/>
+              <a:t>23</a:t>
+            </a:fld>
+            <a:endParaRPr lang="en-SA"/>
+          </a:p>
+        </p:txBody>
+      </p:sp>
+    </p:spTree>
+    <p:extLst>
+      <p:ext uri="{BB962C8B-B14F-4D97-AF65-F5344CB8AC3E}">
+        <p14:creationId xmlns:p14="http://schemas.microsoft.com/office/powerpoint/2010/main" val="1969342233"/>
+      </p:ext>
+    </p:extLst>
+  </p:cSld>
+  <p:clrMapOvr>
+    <a:masterClrMapping/>
+  </p:clrMapOvr>
+</p:notes>
+</file>
+
 <file path=ppt/slideLayouts/slideLayout1.xml><?xml version="1.0" encoding="utf-8"?>
 <p:sldLayout xmlns:a="http://schemas.openxmlformats.org/drawingml/2006/main" xmlns:r="http://schemas.openxmlformats.org/officeDocument/2006/relationships" xmlns:p="http://schemas.openxmlformats.org/presentationml/2006/main" type="title" preserve="1">
   <p:cSld name="Title Slide">
@@ -959,7 +1237,7 @@
           <a:p>
             <a:fld id="{B4F2347B-C685-C34E-9983-4D82371570CB}" type="datetimeFigureOut">
               <a:rPr lang="en-SA" smtClean="0"/>
-              <a:t>20/02/2024 R</a:t>
+              <a:t>22/02/2024 R</a:t>
             </a:fld>
             <a:endParaRPr lang="en-SA"/>
           </a:p>
@@ -1159,7 +1437,7 @@
           <a:p>
             <a:fld id="{B4F2347B-C685-C34E-9983-4D82371570CB}" type="datetimeFigureOut">
               <a:rPr lang="en-SA" smtClean="0"/>
-              <a:t>20/02/2024 R</a:t>
+              <a:t>22/02/2024 R</a:t>
             </a:fld>
             <a:endParaRPr lang="en-SA"/>
           </a:p>
@@ -1369,7 +1647,7 @@
           <a:p>
             <a:fld id="{B4F2347B-C685-C34E-9983-4D82371570CB}" type="datetimeFigureOut">
               <a:rPr lang="en-SA" smtClean="0"/>
-              <a:t>20/02/2024 R</a:t>
+              <a:t>22/02/2024 R</a:t>
             </a:fld>
             <a:endParaRPr lang="en-SA"/>
           </a:p>
@@ -1569,7 +1847,7 @@
           <a:p>
             <a:fld id="{B4F2347B-C685-C34E-9983-4D82371570CB}" type="datetimeFigureOut">
               <a:rPr lang="en-SA" smtClean="0"/>
-              <a:t>20/02/2024 R</a:t>
+              <a:t>22/02/2024 R</a:t>
             </a:fld>
             <a:endParaRPr lang="en-SA"/>
           </a:p>
@@ -1845,7 +2123,7 @@
           <a:p>
             <a:fld id="{B4F2347B-C685-C34E-9983-4D82371570CB}" type="datetimeFigureOut">
               <a:rPr lang="en-SA" smtClean="0"/>
-              <a:t>20/02/2024 R</a:t>
+              <a:t>22/02/2024 R</a:t>
             </a:fld>
             <a:endParaRPr lang="en-SA"/>
           </a:p>
@@ -2113,7 +2391,7 @@
           <a:p>
             <a:fld id="{B4F2347B-C685-C34E-9983-4D82371570CB}" type="datetimeFigureOut">
               <a:rPr lang="en-SA" smtClean="0"/>
-              <a:t>20/02/2024 R</a:t>
+              <a:t>22/02/2024 R</a:t>
             </a:fld>
             <a:endParaRPr lang="en-SA"/>
           </a:p>
@@ -2528,7 +2806,7 @@
           <a:p>
             <a:fld id="{B4F2347B-C685-C34E-9983-4D82371570CB}" type="datetimeFigureOut">
               <a:rPr lang="en-SA" smtClean="0"/>
-              <a:t>20/02/2024 R</a:t>
+              <a:t>22/02/2024 R</a:t>
             </a:fld>
             <a:endParaRPr lang="en-SA"/>
           </a:p>
@@ -2670,7 +2948,7 @@
           <a:p>
             <a:fld id="{B4F2347B-C685-C34E-9983-4D82371570CB}" type="datetimeFigureOut">
               <a:rPr lang="en-SA" smtClean="0"/>
-              <a:t>20/02/2024 R</a:t>
+              <a:t>22/02/2024 R</a:t>
             </a:fld>
             <a:endParaRPr lang="en-SA"/>
           </a:p>
@@ -2783,7 +3061,7 @@
           <a:p>
             <a:fld id="{B4F2347B-C685-C34E-9983-4D82371570CB}" type="datetimeFigureOut">
               <a:rPr lang="en-SA" smtClean="0"/>
-              <a:t>20/02/2024 R</a:t>
+              <a:t>22/02/2024 R</a:t>
             </a:fld>
             <a:endParaRPr lang="en-SA"/>
           </a:p>
@@ -3096,7 +3374,7 @@
           <a:p>
             <a:fld id="{B4F2347B-C685-C34E-9983-4D82371570CB}" type="datetimeFigureOut">
               <a:rPr lang="en-SA" smtClean="0"/>
-              <a:t>20/02/2024 R</a:t>
+              <a:t>22/02/2024 R</a:t>
             </a:fld>
             <a:endParaRPr lang="en-SA"/>
           </a:p>
@@ -3385,7 +3663,7 @@
           <a:p>
             <a:fld id="{B4F2347B-C685-C34E-9983-4D82371570CB}" type="datetimeFigureOut">
               <a:rPr lang="en-SA" smtClean="0"/>
-              <a:t>20/02/2024 R</a:t>
+              <a:t>22/02/2024 R</a:t>
             </a:fld>
             <a:endParaRPr lang="en-SA"/>
           </a:p>
@@ -3628,7 +3906,7 @@
           <a:p>
             <a:fld id="{B4F2347B-C685-C34E-9983-4D82371570CB}" type="datetimeFigureOut">
               <a:rPr lang="en-SA" smtClean="0"/>
-              <a:t>20/02/2024 R</a:t>
+              <a:t>22/02/2024 R</a:t>
             </a:fld>
             <a:endParaRPr lang="en-SA"/>
           </a:p>
@@ -4201,13 +4479,7 @@
       </p:grpSpPr>
       <p:sp>
         <p:nvSpPr>
-          <p:cNvPr id="2" name="Title 1">
-            <a:extLst>
-              <a:ext uri="{FF2B5EF4-FFF2-40B4-BE49-F238E27FC236}">
-                <a16:creationId xmlns:a16="http://schemas.microsoft.com/office/drawing/2014/main" id="{695D55AA-D2D5-F8AA-F9DC-B17BED342CA6}"/>
-              </a:ext>
-            </a:extLst>
-          </p:cNvPr>
+          <p:cNvPr id="2" name="Title 1"/>
           <p:cNvSpPr>
             <a:spLocks noGrp="1"/>
           </p:cNvSpPr>
@@ -4217,34 +4489,20 @@
         </p:nvSpPr>
         <p:spPr/>
         <p:txBody>
-          <a:bodyPr>
-            <a:normAutofit/>
-          </a:bodyPr>
+          <a:bodyPr/>
           <a:lstStyle/>
           <a:p>
             <a:r>
-              <a:rPr lang="en-US" sz="3600" b="0" dirty="0">
-                <a:solidFill>
-                  <a:srgbClr val="FF5600"/>
-                </a:solidFill>
-                <a:effectLst/>
-                <a:latin typeface="GillSans" panose="020B0A02020104020203" pitchFamily="34" charset="77"/>
-              </a:rPr>
-              <a:t>Understanding GPU Energy Consumption </a:t>
-            </a:r>
-            <a:endParaRPr lang="en-SA" sz="3600" dirty="0"/>
-          </a:p>
-        </p:txBody>
-      </p:sp>
-      <p:sp>
-        <p:nvSpPr>
-          <p:cNvPr id="3" name="Content Placeholder 2">
-            <a:extLst>
-              <a:ext uri="{FF2B5EF4-FFF2-40B4-BE49-F238E27FC236}">
-                <a16:creationId xmlns:a16="http://schemas.microsoft.com/office/drawing/2014/main" id="{ADDBE3F1-5241-BB2E-1DBD-94B58F189375}"/>
-              </a:ext>
-            </a:extLst>
-          </p:cNvPr>
+              <a:rPr lang="en-US" dirty="0"/>
+              <a:t>Outline</a:t>
+            </a:r>
+            <a:endParaRPr lang="el-GR" dirty="0"/>
+          </a:p>
+        </p:txBody>
+      </p:sp>
+      <p:sp>
+        <p:nvSpPr>
+          <p:cNvPr id="3" name="Content Placeholder 2"/>
           <p:cNvSpPr>
             <a:spLocks noGrp="1"/>
           </p:cNvSpPr>
@@ -4252,88 +4510,105 @@
             <p:ph idx="1"/>
           </p:nvPr>
         </p:nvSpPr>
-        <p:spPr>
-          <a:xfrm>
-            <a:off x="838199" y="1825625"/>
-            <a:ext cx="11244209" cy="2068281"/>
-          </a:xfrm>
-        </p:spPr>
-        <p:txBody>
-          <a:bodyPr>
-            <a:normAutofit/>
-          </a:bodyPr>
+        <p:spPr/>
+        <p:txBody>
+          <a:bodyPr/>
           <a:lstStyle/>
           <a:p>
-            <a:pPr marL="0" indent="0">
-              <a:buNone/>
-            </a:pPr>
-            <a:r>
-              <a:rPr lang="en-US" sz="3600" dirty="0">
-                <a:effectLst/>
-                <a:latin typeface="GillSans" panose="020B0A02020104020203" pitchFamily="34" charset="77"/>
-              </a:rPr>
-              <a:t>Energy to Accuracy (ETA) </a:t>
-            </a:r>
-            <a:endParaRPr lang="en-US" sz="3600" dirty="0">
-              <a:effectLst/>
+            <a:r>
+              <a:rPr lang="en-US" dirty="0">
+                <a:solidFill>
+                  <a:schemeClr val="bg2">
+                    <a:lumMod val="90000"/>
+                  </a:schemeClr>
+                </a:solidFill>
+              </a:rPr>
+              <a:t>Background</a:t>
+            </a:r>
+          </a:p>
+          <a:p>
+            <a:r>
+              <a:rPr lang="en-US" dirty="0"/>
+              <a:t>Motivation</a:t>
+            </a:r>
+          </a:p>
+          <a:p>
+            <a:r>
+              <a:rPr lang="en-US" altLang="zh-CN" dirty="0">
+                <a:solidFill>
+                  <a:schemeClr val="bg2">
+                    <a:lumMod val="90000"/>
+                  </a:schemeClr>
+                </a:solidFill>
+              </a:rPr>
+              <a:t>Overview</a:t>
+            </a:r>
+            <a:endParaRPr lang="en-US" dirty="0">
+              <a:solidFill>
+                <a:schemeClr val="bg2">
+                  <a:lumMod val="90000"/>
+                </a:schemeClr>
+              </a:solidFill>
             </a:endParaRPr>
           </a:p>
           <a:p>
-            <a:pPr>
-              <a:buFont typeface="Arial" panose="020B0604020202020204" pitchFamily="34" charset="0"/>
-              <a:buChar char="•"/>
-            </a:pPr>
-            <a:r>
-              <a:rPr lang="en-US" sz="3600" b="0" dirty="0">
-                <a:effectLst/>
-                <a:latin typeface="GillSans" panose="020B0A02020104020203" pitchFamily="34" charset="77"/>
-              </a:rPr>
-              <a:t>Energy needed to reach the user-specified </a:t>
-            </a:r>
-            <a:r>
-              <a:rPr lang="en-US" sz="3600" b="0" dirty="0">
-                <a:solidFill>
-                  <a:srgbClr val="F47F23"/>
-                </a:solidFill>
-                <a:effectLst/>
-                <a:latin typeface="GillSans" panose="020B0A02020104020203" pitchFamily="34" charset="77"/>
-              </a:rPr>
-              <a:t>target accuracy </a:t>
-            </a:r>
-            <a:endParaRPr lang="en-US" sz="3600" dirty="0">
-              <a:effectLst/>
-              <a:latin typeface="ArialMT"/>
+            <a:r>
+              <a:rPr lang="en-US" dirty="0">
+                <a:solidFill>
+                  <a:schemeClr val="bg2">
+                    <a:lumMod val="90000"/>
+                  </a:schemeClr>
+                </a:solidFill>
+              </a:rPr>
+              <a:t>Me</a:t>
+            </a:r>
+            <a:r>
+              <a:rPr lang="en-US" altLang="zh-CN" dirty="0">
+                <a:solidFill>
+                  <a:schemeClr val="bg2">
+                    <a:lumMod val="90000"/>
+                  </a:schemeClr>
+                </a:solidFill>
+              </a:rPr>
+              <a:t>thod</a:t>
+            </a:r>
+            <a:endParaRPr lang="en-US" dirty="0">
+              <a:solidFill>
+                <a:schemeClr val="bg2">
+                  <a:lumMod val="90000"/>
+                </a:schemeClr>
+              </a:solidFill>
             </a:endParaRPr>
           </a:p>
           <a:p>
-            <a:pPr>
-              <a:buFont typeface="Arial" panose="020B0604020202020204" pitchFamily="34" charset="0"/>
-              <a:buChar char="•"/>
-            </a:pPr>
-            <a:r>
-              <a:rPr lang="en-US" sz="3600" b="0" dirty="0">
-                <a:effectLst/>
-                <a:latin typeface="GillSans" panose="020B0A02020104020203" pitchFamily="34" charset="77"/>
-              </a:rPr>
-              <a:t>Energy-counterpart of </a:t>
-            </a:r>
-            <a:r>
-              <a:rPr lang="en-US" sz="3600" b="0" i="1" dirty="0">
-                <a:effectLst/>
-                <a:latin typeface="GillSans" panose="020B0A02020104020203" pitchFamily="34" charset="77"/>
-              </a:rPr>
-              <a:t>Time to Accuracy </a:t>
-            </a:r>
-            <a:r>
-              <a:rPr lang="en-US" sz="3600" b="0" dirty="0">
-                <a:effectLst/>
-                <a:latin typeface="GillSans" panose="020B0A02020104020203" pitchFamily="34" charset="77"/>
-              </a:rPr>
-              <a:t>(TTA) </a:t>
-            </a:r>
-            <a:endParaRPr lang="en-US" sz="3600" dirty="0">
-              <a:effectLst/>
-              <a:latin typeface="ArialMT"/>
+            <a:r>
+              <a:rPr lang="en-US" dirty="0">
+                <a:solidFill>
+                  <a:schemeClr val="bg2">
+                    <a:lumMod val="90000"/>
+                  </a:schemeClr>
+                </a:solidFill>
+              </a:rPr>
+              <a:t>Evaluation</a:t>
+            </a:r>
+          </a:p>
+          <a:p>
+            <a:r>
+              <a:rPr lang="en-US" dirty="0">
+                <a:solidFill>
+                  <a:schemeClr val="bg2">
+                    <a:lumMod val="90000"/>
+                  </a:schemeClr>
+                </a:solidFill>
+              </a:rPr>
+              <a:t>Summary and Discussion</a:t>
+            </a:r>
+            <a:endParaRPr lang="el-GR" dirty="0">
+              <a:solidFill>
+                <a:schemeClr val="bg2">
+                  <a:lumMod val="90000"/>
+                </a:schemeClr>
+              </a:solidFill>
             </a:endParaRPr>
           </a:p>
         </p:txBody>
@@ -4341,7 +4616,7 @@
     </p:spTree>
     <p:extLst>
       <p:ext uri="{BB962C8B-B14F-4D97-AF65-F5344CB8AC3E}">
-        <p14:creationId xmlns:p14="http://schemas.microsoft.com/office/powerpoint/2010/main" val="3240778873"/>
+        <p14:creationId xmlns:p14="http://schemas.microsoft.com/office/powerpoint/2010/main" val="9971072"/>
       </p:ext>
     </p:extLst>
   </p:cSld>
@@ -4623,7 +4898,7 @@
         </p:nvSpPr>
         <p:spPr>
           <a:xfrm>
-            <a:off x="990600" y="517525"/>
+            <a:off x="474134" y="312196"/>
             <a:ext cx="10515600" cy="1325563"/>
           </a:xfrm>
           <a:prstGeom prst="rect">
@@ -4700,8 +4975,8 @@
         </p:blipFill>
         <p:spPr>
           <a:xfrm>
-            <a:off x="685800" y="2534132"/>
-            <a:ext cx="7772400" cy="3917148"/>
+            <a:off x="0" y="2224963"/>
+            <a:ext cx="8573407" cy="4320841"/>
           </a:xfrm>
           <a:prstGeom prst="rect">
             <a:avLst/>
@@ -4726,7 +5001,7 @@
         </p:nvSpPr>
         <p:spPr>
           <a:xfrm>
-            <a:off x="685800" y="1461213"/>
+            <a:off x="558800" y="1453692"/>
             <a:ext cx="8801457" cy="763750"/>
           </a:xfrm>
         </p:spPr>
@@ -4845,10 +5120,172 @@
       </p:grpSpPr>
       <p:sp>
         <p:nvSpPr>
-          <p:cNvPr id="2" name="Title 1">
-            <a:extLst>
-              <a:ext uri="{FF2B5EF4-FFF2-40B4-BE49-F238E27FC236}">
-                <a16:creationId xmlns:a16="http://schemas.microsoft.com/office/drawing/2014/main" id="{5624ECF0-E76C-5B2E-928C-48BED7E7DAE8}"/>
+          <p:cNvPr id="11" name="Title 1">
+            <a:extLst>
+              <a:ext uri="{FF2B5EF4-FFF2-40B4-BE49-F238E27FC236}">
+                <a16:creationId xmlns:a16="http://schemas.microsoft.com/office/drawing/2014/main" id="{14161596-AA78-1603-FF38-81875A55FE80}"/>
+              </a:ext>
+            </a:extLst>
+          </p:cNvPr>
+          <p:cNvSpPr txBox="1">
+            <a:spLocks/>
+          </p:cNvSpPr>
+          <p:nvPr/>
+        </p:nvSpPr>
+        <p:spPr>
+          <a:xfrm>
+            <a:off x="982133" y="237595"/>
+            <a:ext cx="10515600" cy="1325563"/>
+          </a:xfrm>
+          <a:prstGeom prst="rect">
+            <a:avLst/>
+          </a:prstGeom>
+        </p:spPr>
+        <p:txBody>
+          <a:bodyPr vert="horz" lIns="91440" tIns="45720" rIns="91440" bIns="45720" rtlCol="0" anchor="ctr">
+            <a:normAutofit/>
+          </a:bodyPr>
+          <a:lstStyle>
+            <a:lvl1pPr algn="l" defTabSz="914400" rtl="0" eaLnBrk="1" latinLnBrk="0" hangingPunct="1">
+              <a:lnSpc>
+                <a:spcPct val="90000"/>
+              </a:lnSpc>
+              <a:spcBef>
+                <a:spcPct val="0"/>
+              </a:spcBef>
+              <a:buNone/>
+              <a:defRPr sz="4400" kern="1200">
+                <a:solidFill>
+                  <a:schemeClr val="tx1"/>
+                </a:solidFill>
+                <a:latin typeface="+mj-lt"/>
+                <a:ea typeface="+mj-ea"/>
+                <a:cs typeface="+mj-cs"/>
+              </a:defRPr>
+            </a:lvl1pPr>
+          </a:lstStyle>
+          <a:p>
+            <a:r>
+              <a:rPr lang="en-US" altLang="zh-CN" sz="3600" dirty="0">
+                <a:solidFill>
+                  <a:srgbClr val="FF5600"/>
+                </a:solidFill>
+                <a:latin typeface="GillSans" panose="020B0A02020104020203" pitchFamily="34" charset="77"/>
+              </a:rPr>
+              <a:t>Relationship</a:t>
+            </a:r>
+            <a:r>
+              <a:rPr lang="zh-CN" altLang="en-US" sz="3600" dirty="0">
+                <a:solidFill>
+                  <a:srgbClr val="FF5600"/>
+                </a:solidFill>
+                <a:latin typeface="GillSans" panose="020B0A02020104020203" pitchFamily="34" charset="77"/>
+              </a:rPr>
+              <a:t> </a:t>
+            </a:r>
+            <a:r>
+              <a:rPr lang="en-US" altLang="zh-CN" sz="3600" dirty="0">
+                <a:solidFill>
+                  <a:srgbClr val="FF5600"/>
+                </a:solidFill>
+                <a:latin typeface="GillSans" panose="020B0A02020104020203" pitchFamily="34" charset="77"/>
+              </a:rPr>
+              <a:t>Between</a:t>
+            </a:r>
+            <a:r>
+              <a:rPr lang="zh-CN" altLang="en-US" sz="3600" dirty="0">
+                <a:solidFill>
+                  <a:srgbClr val="FF5600"/>
+                </a:solidFill>
+                <a:latin typeface="GillSans" panose="020B0A02020104020203" pitchFamily="34" charset="77"/>
+              </a:rPr>
+              <a:t> </a:t>
+            </a:r>
+            <a:r>
+              <a:rPr lang="en-US" altLang="zh-CN" sz="3600" dirty="0">
+                <a:solidFill>
+                  <a:srgbClr val="FF5600"/>
+                </a:solidFill>
+                <a:latin typeface="GillSans" panose="020B0A02020104020203" pitchFamily="34" charset="77"/>
+              </a:rPr>
+              <a:t>Time</a:t>
+            </a:r>
+            <a:r>
+              <a:rPr lang="zh-CN" altLang="en-US" sz="3600" dirty="0">
+                <a:solidFill>
+                  <a:srgbClr val="FF5600"/>
+                </a:solidFill>
+                <a:latin typeface="GillSans" panose="020B0A02020104020203" pitchFamily="34" charset="77"/>
+              </a:rPr>
+              <a:t> </a:t>
+            </a:r>
+            <a:r>
+              <a:rPr lang="en-US" altLang="zh-CN" sz="3600" dirty="0">
+                <a:solidFill>
+                  <a:srgbClr val="FF5600"/>
+                </a:solidFill>
+                <a:latin typeface="GillSans" panose="020B0A02020104020203" pitchFamily="34" charset="77"/>
+              </a:rPr>
+              <a:t>and</a:t>
+            </a:r>
+            <a:r>
+              <a:rPr lang="zh-CN" altLang="en-US" sz="3600" dirty="0">
+                <a:solidFill>
+                  <a:srgbClr val="FF5600"/>
+                </a:solidFill>
+                <a:latin typeface="GillSans" panose="020B0A02020104020203" pitchFamily="34" charset="77"/>
+              </a:rPr>
+              <a:t> </a:t>
+            </a:r>
+            <a:r>
+              <a:rPr lang="en-US" altLang="zh-CN" sz="3600" dirty="0">
+                <a:solidFill>
+                  <a:srgbClr val="FF5600"/>
+                </a:solidFill>
+                <a:latin typeface="GillSans" panose="020B0A02020104020203" pitchFamily="34" charset="77"/>
+              </a:rPr>
+              <a:t>Energy</a:t>
+            </a:r>
+            <a:endParaRPr lang="en-SA" sz="3600" dirty="0"/>
+          </a:p>
+        </p:txBody>
+      </p:sp>
+      <p:pic>
+        <p:nvPicPr>
+          <p:cNvPr id="15" name="Picture 14">
+            <a:extLst>
+              <a:ext uri="{FF2B5EF4-FFF2-40B4-BE49-F238E27FC236}">
+                <a16:creationId xmlns:a16="http://schemas.microsoft.com/office/drawing/2014/main" id="{FA117685-1A02-FCEE-0EB0-B88E256F01BB}"/>
+              </a:ext>
+            </a:extLst>
+          </p:cNvPr>
+          <p:cNvPicPr>
+            <a:picLocks noChangeAspect="1"/>
+          </p:cNvPicPr>
+          <p:nvPr/>
+        </p:nvPicPr>
+        <p:blipFill>
+          <a:blip r:embed="rId2"/>
+          <a:stretch>
+            <a:fillRect/>
+          </a:stretch>
+        </p:blipFill>
+        <p:spPr>
+          <a:xfrm>
+            <a:off x="88543" y="1655233"/>
+            <a:ext cx="4743418" cy="4038600"/>
+          </a:xfrm>
+          <a:prstGeom prst="rect">
+            <a:avLst/>
+          </a:prstGeom>
+        </p:spPr>
+      </p:pic>
+      <p:sp>
+        <p:nvSpPr>
+          <p:cNvPr id="16" name="Content Placeholder 2">
+            <a:extLst>
+              <a:ext uri="{FF2B5EF4-FFF2-40B4-BE49-F238E27FC236}">
+                <a16:creationId xmlns:a16="http://schemas.microsoft.com/office/drawing/2014/main" id="{F8939C1B-EC64-F63A-7870-191C4F07D199}"/>
               </a:ext>
             </a:extLst>
           </p:cNvPr>
@@ -4856,40 +5293,145 @@
             <a:spLocks noGrp="1"/>
           </p:cNvSpPr>
           <p:nvPr>
-            <p:ph type="title"/>
-          </p:nvPr>
-        </p:nvSpPr>
-        <p:spPr/>
-        <p:txBody>
-          <a:bodyPr/>
+            <p:ph idx="1"/>
+          </p:nvPr>
+        </p:nvSpPr>
+        <p:spPr>
+          <a:xfrm>
+            <a:off x="4724400" y="2310180"/>
+            <a:ext cx="8801457" cy="763750"/>
+          </a:xfrm>
+        </p:spPr>
+        <p:txBody>
+          <a:bodyPr>
+            <a:noAutofit/>
+          </a:bodyPr>
           <a:lstStyle/>
           <a:p>
-            <a:endParaRPr lang="en-SA"/>
-          </a:p>
-        </p:txBody>
-      </p:sp>
-      <p:sp>
-        <p:nvSpPr>
-          <p:cNvPr id="3" name="Content Placeholder 2">
-            <a:extLst>
-              <a:ext uri="{FF2B5EF4-FFF2-40B4-BE49-F238E27FC236}">
-                <a16:creationId xmlns:a16="http://schemas.microsoft.com/office/drawing/2014/main" id="{7A186C46-35B8-C700-1EE9-7AD8E1B4CEB8}"/>
-              </a:ext>
-            </a:extLst>
-          </p:cNvPr>
-          <p:cNvSpPr>
-            <a:spLocks noGrp="1"/>
-          </p:cNvSpPr>
-          <p:nvPr>
-            <p:ph idx="1"/>
-          </p:nvPr>
-        </p:nvSpPr>
-        <p:spPr/>
-        <p:txBody>
-          <a:bodyPr/>
+            <a:pPr marL="742950" indent="-742950">
+              <a:buAutoNum type="arabicPeriod"/>
+            </a:pPr>
+            <a:r>
+              <a:rPr lang="en-US" altLang="zh-CN" dirty="0">
+                <a:effectLst/>
+                <a:latin typeface="ArialMT"/>
+              </a:rPr>
+              <a:t>faster</a:t>
+            </a:r>
+            <a:r>
+              <a:rPr lang="zh-CN" altLang="en-US" dirty="0">
+                <a:effectLst/>
+                <a:latin typeface="ArialMT"/>
+              </a:rPr>
+              <a:t>  </a:t>
+            </a:r>
+            <a:r>
+              <a:rPr lang="en-US" altLang="zh-CN" dirty="0">
+                <a:effectLst/>
+                <a:latin typeface="ArialMT"/>
+              </a:rPr>
+              <a:t>!=</a:t>
+            </a:r>
+            <a:r>
+              <a:rPr lang="zh-CN" altLang="en-US" dirty="0">
+                <a:effectLst/>
+                <a:latin typeface="ArialMT"/>
+              </a:rPr>
+              <a:t> </a:t>
+            </a:r>
+            <a:r>
+              <a:rPr lang="en-US" altLang="zh-CN" dirty="0">
+                <a:latin typeface="ArialMT"/>
+              </a:rPr>
+              <a:t>energy</a:t>
+            </a:r>
+            <a:r>
+              <a:rPr lang="zh-CN" altLang="en-US" dirty="0">
+                <a:latin typeface="ArialMT"/>
+              </a:rPr>
+              <a:t> </a:t>
+            </a:r>
+            <a:r>
+              <a:rPr lang="en-US" altLang="zh-CN" dirty="0">
+                <a:latin typeface="ArialMT"/>
+              </a:rPr>
+              <a:t>efficient</a:t>
+            </a:r>
+          </a:p>
+          <a:p>
+            <a:pPr marL="742950" indent="-742950">
+              <a:buAutoNum type="arabicPeriod"/>
+            </a:pPr>
+            <a:r>
+              <a:rPr lang="en-US" dirty="0">
+                <a:latin typeface="ArialMT"/>
+              </a:rPr>
+              <a:t>Efficient time and energy show a </a:t>
+            </a:r>
+            <a:r>
+              <a:rPr lang="en-US" dirty="0">
+                <a:solidFill>
+                  <a:srgbClr val="FF0000"/>
+                </a:solidFill>
+                <a:latin typeface="ArialMT"/>
+              </a:rPr>
+              <a:t>trade-off </a:t>
+            </a:r>
+          </a:p>
+        </p:txBody>
+      </p:sp>
+      <p:sp>
+        <p:nvSpPr>
+          <p:cNvPr id="19" name="TextBox 18">
+            <a:extLst>
+              <a:ext uri="{FF2B5EF4-FFF2-40B4-BE49-F238E27FC236}">
+                <a16:creationId xmlns:a16="http://schemas.microsoft.com/office/drawing/2014/main" id="{E4794ACA-315D-ECFF-3E56-30818458E94F}"/>
+              </a:ext>
+            </a:extLst>
+          </p:cNvPr>
+          <p:cNvSpPr txBox="1"/>
+          <p:nvPr/>
+        </p:nvSpPr>
+        <p:spPr>
+          <a:xfrm>
+            <a:off x="2353733" y="5942277"/>
+            <a:ext cx="7772400" cy="646331"/>
+          </a:xfrm>
+          <a:prstGeom prst="rect">
+            <a:avLst/>
+          </a:prstGeom>
+          <a:noFill/>
+        </p:spPr>
+        <p:txBody>
+          <a:bodyPr wrap="square">
+            <a:spAutoFit/>
+          </a:bodyPr>
           <a:lstStyle/>
           <a:p>
-            <a:endParaRPr lang="en-SA"/>
+            <a:r>
+              <a:rPr lang="en-US" sz="1800" b="0" dirty="0">
+                <a:effectLst/>
+                <a:latin typeface="GillSans" panose="020B0A02020104020203" pitchFamily="34" charset="77"/>
+              </a:rPr>
+              <a:t>Results from training DeepSpeech2 on </a:t>
+            </a:r>
+            <a:r>
+              <a:rPr lang="en-US" sz="1800" b="0" dirty="0" err="1">
+                <a:effectLst/>
+                <a:latin typeface="GillSans" panose="020B0A02020104020203" pitchFamily="34" charset="77"/>
+              </a:rPr>
+              <a:t>LibriSpeech</a:t>
+            </a:r>
+            <a:r>
+              <a:rPr lang="en-US" sz="1800" b="0" dirty="0">
+                <a:effectLst/>
+                <a:latin typeface="GillSans" panose="020B0A02020104020203" pitchFamily="34" charset="77"/>
+              </a:rPr>
+              <a:t> on an NVIDIA V100 GPU. Similar trends found across 6 DL workloads and 4 GPU generations. </a:t>
+            </a:r>
+            <a:endParaRPr lang="en-US" dirty="0">
+              <a:effectLst/>
+            </a:endParaRPr>
           </a:p>
         </p:txBody>
       </p:sp>
@@ -4897,6 +5439,1684 @@
     <p:extLst>
       <p:ext uri="{BB962C8B-B14F-4D97-AF65-F5344CB8AC3E}">
         <p14:creationId xmlns:p14="http://schemas.microsoft.com/office/powerpoint/2010/main" val="2030726583"/>
+      </p:ext>
+    </p:extLst>
+  </p:cSld>
+  <p:clrMapOvr>
+    <a:masterClrMapping/>
+  </p:clrMapOvr>
+</p:sld>
+</file>
+
+<file path=ppt/slides/slide15.xml><?xml version="1.0" encoding="utf-8"?>
+<p:sld xmlns:a="http://schemas.openxmlformats.org/drawingml/2006/main" xmlns:r="http://schemas.openxmlformats.org/officeDocument/2006/relationships" xmlns:p="http://schemas.openxmlformats.org/presentationml/2006/main">
+  <p:cSld>
+    <p:spTree>
+      <p:nvGrpSpPr>
+        <p:cNvPr id="1" name=""/>
+        <p:cNvGrpSpPr/>
+        <p:nvPr/>
+      </p:nvGrpSpPr>
+      <p:grpSpPr>
+        <a:xfrm>
+          <a:off x="0" y="0"/>
+          <a:ext cx="0" cy="0"/>
+          <a:chOff x="0" y="0"/>
+          <a:chExt cx="0" cy="0"/>
+        </a:xfrm>
+      </p:grpSpPr>
+      <p:sp>
+        <p:nvSpPr>
+          <p:cNvPr id="11" name="Title 1">
+            <a:extLst>
+              <a:ext uri="{FF2B5EF4-FFF2-40B4-BE49-F238E27FC236}">
+                <a16:creationId xmlns:a16="http://schemas.microsoft.com/office/drawing/2014/main" id="{14161596-AA78-1603-FF38-81875A55FE80}"/>
+              </a:ext>
+            </a:extLst>
+          </p:cNvPr>
+          <p:cNvSpPr txBox="1">
+            <a:spLocks/>
+          </p:cNvSpPr>
+          <p:nvPr/>
+        </p:nvSpPr>
+        <p:spPr>
+          <a:xfrm>
+            <a:off x="982133" y="237595"/>
+            <a:ext cx="10515600" cy="1325563"/>
+          </a:xfrm>
+          <a:prstGeom prst="rect">
+            <a:avLst/>
+          </a:prstGeom>
+        </p:spPr>
+        <p:txBody>
+          <a:bodyPr vert="horz" lIns="91440" tIns="45720" rIns="91440" bIns="45720" rtlCol="0" anchor="ctr">
+            <a:normAutofit/>
+          </a:bodyPr>
+          <a:lstStyle>
+            <a:lvl1pPr algn="l" defTabSz="914400" rtl="0" eaLnBrk="1" latinLnBrk="0" hangingPunct="1">
+              <a:lnSpc>
+                <a:spcPct val="90000"/>
+              </a:lnSpc>
+              <a:spcBef>
+                <a:spcPct val="0"/>
+              </a:spcBef>
+              <a:buNone/>
+              <a:defRPr sz="4400" kern="1200">
+                <a:solidFill>
+                  <a:schemeClr val="tx1"/>
+                </a:solidFill>
+                <a:latin typeface="+mj-lt"/>
+                <a:ea typeface="+mj-ea"/>
+                <a:cs typeface="+mj-cs"/>
+              </a:defRPr>
+            </a:lvl1pPr>
+          </a:lstStyle>
+          <a:p>
+            <a:r>
+              <a:rPr lang="en-US" altLang="zh-CN" sz="3600" dirty="0">
+                <a:solidFill>
+                  <a:srgbClr val="FF5600"/>
+                </a:solidFill>
+                <a:latin typeface="GillSans" panose="020B0A02020104020203" pitchFamily="34" charset="77"/>
+              </a:rPr>
+              <a:t>Relationship</a:t>
+            </a:r>
+            <a:r>
+              <a:rPr lang="zh-CN" altLang="en-US" sz="3600" dirty="0">
+                <a:solidFill>
+                  <a:srgbClr val="FF5600"/>
+                </a:solidFill>
+                <a:latin typeface="GillSans" panose="020B0A02020104020203" pitchFamily="34" charset="77"/>
+              </a:rPr>
+              <a:t> </a:t>
+            </a:r>
+            <a:r>
+              <a:rPr lang="en-US" altLang="zh-CN" sz="3600" dirty="0">
+                <a:solidFill>
+                  <a:srgbClr val="FF5600"/>
+                </a:solidFill>
+                <a:latin typeface="GillSans" panose="020B0A02020104020203" pitchFamily="34" charset="77"/>
+              </a:rPr>
+              <a:t>Between</a:t>
+            </a:r>
+            <a:r>
+              <a:rPr lang="zh-CN" altLang="en-US" sz="3600" dirty="0">
+                <a:solidFill>
+                  <a:srgbClr val="FF5600"/>
+                </a:solidFill>
+                <a:latin typeface="GillSans" panose="020B0A02020104020203" pitchFamily="34" charset="77"/>
+              </a:rPr>
+              <a:t> </a:t>
+            </a:r>
+            <a:r>
+              <a:rPr lang="en-US" altLang="zh-CN" sz="3600" dirty="0">
+                <a:solidFill>
+                  <a:srgbClr val="FF5600"/>
+                </a:solidFill>
+                <a:latin typeface="GillSans" panose="020B0A02020104020203" pitchFamily="34" charset="77"/>
+              </a:rPr>
+              <a:t>Time</a:t>
+            </a:r>
+            <a:r>
+              <a:rPr lang="zh-CN" altLang="en-US" sz="3600" dirty="0">
+                <a:solidFill>
+                  <a:srgbClr val="FF5600"/>
+                </a:solidFill>
+                <a:latin typeface="GillSans" panose="020B0A02020104020203" pitchFamily="34" charset="77"/>
+              </a:rPr>
+              <a:t> </a:t>
+            </a:r>
+            <a:r>
+              <a:rPr lang="en-US" altLang="zh-CN" sz="3600" dirty="0">
+                <a:solidFill>
+                  <a:srgbClr val="FF5600"/>
+                </a:solidFill>
+                <a:latin typeface="GillSans" panose="020B0A02020104020203" pitchFamily="34" charset="77"/>
+              </a:rPr>
+              <a:t>and</a:t>
+            </a:r>
+            <a:r>
+              <a:rPr lang="zh-CN" altLang="en-US" sz="3600" dirty="0">
+                <a:solidFill>
+                  <a:srgbClr val="FF5600"/>
+                </a:solidFill>
+                <a:latin typeface="GillSans" panose="020B0A02020104020203" pitchFamily="34" charset="77"/>
+              </a:rPr>
+              <a:t> </a:t>
+            </a:r>
+            <a:r>
+              <a:rPr lang="en-US" altLang="zh-CN" sz="3600" dirty="0">
+                <a:solidFill>
+                  <a:srgbClr val="FF5600"/>
+                </a:solidFill>
+                <a:latin typeface="GillSans" panose="020B0A02020104020203" pitchFamily="34" charset="77"/>
+              </a:rPr>
+              <a:t>Energy</a:t>
+            </a:r>
+            <a:endParaRPr lang="en-SA" sz="3600" dirty="0"/>
+          </a:p>
+        </p:txBody>
+      </p:sp>
+      <p:pic>
+        <p:nvPicPr>
+          <p:cNvPr id="15" name="Picture 14">
+            <a:extLst>
+              <a:ext uri="{FF2B5EF4-FFF2-40B4-BE49-F238E27FC236}">
+                <a16:creationId xmlns:a16="http://schemas.microsoft.com/office/drawing/2014/main" id="{FA117685-1A02-FCEE-0EB0-B88E256F01BB}"/>
+              </a:ext>
+            </a:extLst>
+          </p:cNvPr>
+          <p:cNvPicPr>
+            <a:picLocks noChangeAspect="1"/>
+          </p:cNvPicPr>
+          <p:nvPr/>
+        </p:nvPicPr>
+        <p:blipFill>
+          <a:blip r:embed="rId2"/>
+          <a:stretch>
+            <a:fillRect/>
+          </a:stretch>
+        </p:blipFill>
+        <p:spPr>
+          <a:xfrm>
+            <a:off x="88542" y="1655233"/>
+            <a:ext cx="5035221" cy="4287044"/>
+          </a:xfrm>
+          <a:prstGeom prst="rect">
+            <a:avLst/>
+          </a:prstGeom>
+        </p:spPr>
+      </p:pic>
+      <p:sp>
+        <p:nvSpPr>
+          <p:cNvPr id="3" name="Content Placeholder 2">
+            <a:extLst>
+              <a:ext uri="{FF2B5EF4-FFF2-40B4-BE49-F238E27FC236}">
+                <a16:creationId xmlns:a16="http://schemas.microsoft.com/office/drawing/2014/main" id="{5E40B019-0320-CD53-4C59-6F4BD8A5CD13}"/>
+              </a:ext>
+            </a:extLst>
+          </p:cNvPr>
+          <p:cNvSpPr>
+            <a:spLocks noGrp="1"/>
+          </p:cNvSpPr>
+          <p:nvPr>
+            <p:ph idx="1"/>
+          </p:nvPr>
+        </p:nvSpPr>
+        <p:spPr>
+          <a:xfrm>
+            <a:off x="5123763" y="2404797"/>
+            <a:ext cx="10515600" cy="4351338"/>
+          </a:xfrm>
+        </p:spPr>
+        <p:txBody>
+          <a:bodyPr>
+            <a:normAutofit/>
+          </a:bodyPr>
+          <a:lstStyle/>
+          <a:p>
+            <a:pPr marL="0" indent="0">
+              <a:buNone/>
+            </a:pPr>
+            <a:r>
+              <a:rPr lang="en-US" sz="3600" b="0" dirty="0">
+                <a:effectLst/>
+                <a:latin typeface="GillSans" panose="020B0A02020104020203" pitchFamily="34" charset="77"/>
+              </a:rPr>
+              <a:t>Which yellow point is the best? </a:t>
+            </a:r>
+            <a:endParaRPr lang="en-US" sz="3600" dirty="0">
+              <a:effectLst/>
+            </a:endParaRPr>
+          </a:p>
+          <a:p>
+            <a:pPr marL="0" indent="0">
+              <a:buNone/>
+            </a:pPr>
+            <a:endParaRPr lang="en-US" sz="3600" dirty="0">
+              <a:effectLst/>
+              <a:latin typeface="CambriaMath"/>
+            </a:endParaRPr>
+          </a:p>
+          <a:p>
+            <a:pPr marL="0" indent="0">
+              <a:buNone/>
+            </a:pPr>
+            <a:r>
+              <a:rPr lang="en-US" sz="3600" dirty="0">
+                <a:effectLst/>
+                <a:latin typeface="CambriaMath"/>
+              </a:rPr>
+              <a:t>Cost=</a:t>
+            </a:r>
+            <a:r>
+              <a:rPr lang="en-US" sz="3600" dirty="0">
+                <a:solidFill>
+                  <a:srgbClr val="F47F23"/>
+                </a:solidFill>
+                <a:effectLst/>
+                <a:latin typeface="CambriaMath"/>
+              </a:rPr>
+              <a:t>𝜂</a:t>
+            </a:r>
+            <a:r>
+              <a:rPr lang="en-US" sz="3600" dirty="0">
+                <a:effectLst/>
+                <a:latin typeface="CambriaMath"/>
+              </a:rPr>
+              <a:t>⋅ETA+ 1−</a:t>
+            </a:r>
+            <a:r>
+              <a:rPr lang="en-US" sz="3600" dirty="0">
+                <a:solidFill>
+                  <a:srgbClr val="F47F23"/>
+                </a:solidFill>
+                <a:effectLst/>
+                <a:latin typeface="CambriaMath"/>
+              </a:rPr>
+              <a:t>𝜂 </a:t>
+            </a:r>
+            <a:r>
+              <a:rPr lang="en-US" sz="3600" dirty="0">
+                <a:effectLst/>
+                <a:latin typeface="CambriaMath"/>
+              </a:rPr>
+              <a:t>⋅</a:t>
+            </a:r>
+            <a:r>
+              <a:rPr lang="en-US" sz="3600" dirty="0" err="1">
+                <a:effectLst/>
+                <a:latin typeface="CambriaMath"/>
+              </a:rPr>
+              <a:t>MaxPower⋅TTA</a:t>
+            </a:r>
+            <a:r>
+              <a:rPr lang="en-US" sz="3600" dirty="0">
+                <a:effectLst/>
+                <a:latin typeface="CambriaMath"/>
+              </a:rPr>
+              <a:t> </a:t>
+            </a:r>
+            <a:endParaRPr lang="en-US" sz="3600" dirty="0">
+              <a:effectLst/>
+            </a:endParaRPr>
+          </a:p>
+          <a:p>
+            <a:endParaRPr lang="en-SA" sz="3600" dirty="0"/>
+          </a:p>
+        </p:txBody>
+      </p:sp>
+      <p:sp>
+        <p:nvSpPr>
+          <p:cNvPr id="5" name="TextBox 4">
+            <a:extLst>
+              <a:ext uri="{FF2B5EF4-FFF2-40B4-BE49-F238E27FC236}">
+                <a16:creationId xmlns:a16="http://schemas.microsoft.com/office/drawing/2014/main" id="{70BD7B06-C3E5-E284-7DB4-450964EC7308}"/>
+              </a:ext>
+            </a:extLst>
+          </p:cNvPr>
+          <p:cNvSpPr txBox="1"/>
+          <p:nvPr/>
+        </p:nvSpPr>
+        <p:spPr>
+          <a:xfrm>
+            <a:off x="2353733" y="5942277"/>
+            <a:ext cx="7772400" cy="646331"/>
+          </a:xfrm>
+          <a:prstGeom prst="rect">
+            <a:avLst/>
+          </a:prstGeom>
+          <a:noFill/>
+        </p:spPr>
+        <p:txBody>
+          <a:bodyPr wrap="square">
+            <a:spAutoFit/>
+          </a:bodyPr>
+          <a:lstStyle/>
+          <a:p>
+            <a:r>
+              <a:rPr lang="en-US" sz="1800" b="0" dirty="0">
+                <a:effectLst/>
+                <a:latin typeface="GillSans" panose="020B0A02020104020203" pitchFamily="34" charset="77"/>
+              </a:rPr>
+              <a:t>Results from training DeepSpeech2 on </a:t>
+            </a:r>
+            <a:r>
+              <a:rPr lang="en-US" sz="1800" b="0" dirty="0" err="1">
+                <a:effectLst/>
+                <a:latin typeface="GillSans" panose="020B0A02020104020203" pitchFamily="34" charset="77"/>
+              </a:rPr>
+              <a:t>LibriSpeech</a:t>
+            </a:r>
+            <a:r>
+              <a:rPr lang="en-US" sz="1800" b="0" dirty="0">
+                <a:effectLst/>
+                <a:latin typeface="GillSans" panose="020B0A02020104020203" pitchFamily="34" charset="77"/>
+              </a:rPr>
+              <a:t> on an NVIDIA V100 GPU. Similar trends found across 6 DL workloads and 4 GPU generations. </a:t>
+            </a:r>
+            <a:endParaRPr lang="en-US" dirty="0">
+              <a:effectLst/>
+            </a:endParaRPr>
+          </a:p>
+        </p:txBody>
+      </p:sp>
+    </p:spTree>
+    <p:extLst>
+      <p:ext uri="{BB962C8B-B14F-4D97-AF65-F5344CB8AC3E}">
+        <p14:creationId xmlns:p14="http://schemas.microsoft.com/office/powerpoint/2010/main" val="3187155296"/>
+      </p:ext>
+    </p:extLst>
+  </p:cSld>
+  <p:clrMapOvr>
+    <a:masterClrMapping/>
+  </p:clrMapOvr>
+</p:sld>
+</file>
+
+<file path=ppt/slides/slide16.xml><?xml version="1.0" encoding="utf-8"?>
+<p:sld xmlns:a="http://schemas.openxmlformats.org/drawingml/2006/main" xmlns:r="http://schemas.openxmlformats.org/officeDocument/2006/relationships" xmlns:p="http://schemas.openxmlformats.org/presentationml/2006/main">
+  <p:cSld>
+    <p:spTree>
+      <p:nvGrpSpPr>
+        <p:cNvPr id="1" name=""/>
+        <p:cNvGrpSpPr/>
+        <p:nvPr/>
+      </p:nvGrpSpPr>
+      <p:grpSpPr>
+        <a:xfrm>
+          <a:off x="0" y="0"/>
+          <a:ext cx="0" cy="0"/>
+          <a:chOff x="0" y="0"/>
+          <a:chExt cx="0" cy="0"/>
+        </a:xfrm>
+      </p:grpSpPr>
+      <p:sp>
+        <p:nvSpPr>
+          <p:cNvPr id="11" name="Title 1">
+            <a:extLst>
+              <a:ext uri="{FF2B5EF4-FFF2-40B4-BE49-F238E27FC236}">
+                <a16:creationId xmlns:a16="http://schemas.microsoft.com/office/drawing/2014/main" id="{14161596-AA78-1603-FF38-81875A55FE80}"/>
+              </a:ext>
+            </a:extLst>
+          </p:cNvPr>
+          <p:cNvSpPr txBox="1">
+            <a:spLocks/>
+          </p:cNvSpPr>
+          <p:nvPr/>
+        </p:nvSpPr>
+        <p:spPr>
+          <a:xfrm>
+            <a:off x="982133" y="237595"/>
+            <a:ext cx="10515600" cy="1325563"/>
+          </a:xfrm>
+          <a:prstGeom prst="rect">
+            <a:avLst/>
+          </a:prstGeom>
+        </p:spPr>
+        <p:txBody>
+          <a:bodyPr vert="horz" lIns="91440" tIns="45720" rIns="91440" bIns="45720" rtlCol="0" anchor="ctr">
+            <a:normAutofit/>
+          </a:bodyPr>
+          <a:lstStyle>
+            <a:lvl1pPr algn="l" defTabSz="914400" rtl="0" eaLnBrk="1" latinLnBrk="0" hangingPunct="1">
+              <a:lnSpc>
+                <a:spcPct val="90000"/>
+              </a:lnSpc>
+              <a:spcBef>
+                <a:spcPct val="0"/>
+              </a:spcBef>
+              <a:buNone/>
+              <a:defRPr sz="4400" kern="1200">
+                <a:solidFill>
+                  <a:schemeClr val="tx1"/>
+                </a:solidFill>
+                <a:latin typeface="+mj-lt"/>
+                <a:ea typeface="+mj-ea"/>
+                <a:cs typeface="+mj-cs"/>
+              </a:defRPr>
+            </a:lvl1pPr>
+          </a:lstStyle>
+          <a:p>
+            <a:r>
+              <a:rPr lang="en-US" altLang="zh-CN" sz="3600" dirty="0">
+                <a:solidFill>
+                  <a:srgbClr val="FF5600"/>
+                </a:solidFill>
+                <a:latin typeface="GillSans" panose="020B0A02020104020203" pitchFamily="34" charset="77"/>
+              </a:rPr>
+              <a:t>Relationship</a:t>
+            </a:r>
+            <a:r>
+              <a:rPr lang="zh-CN" altLang="en-US" sz="3600" dirty="0">
+                <a:solidFill>
+                  <a:srgbClr val="FF5600"/>
+                </a:solidFill>
+                <a:latin typeface="GillSans" panose="020B0A02020104020203" pitchFamily="34" charset="77"/>
+              </a:rPr>
+              <a:t> </a:t>
+            </a:r>
+            <a:r>
+              <a:rPr lang="en-US" altLang="zh-CN" sz="3600" dirty="0">
+                <a:solidFill>
+                  <a:srgbClr val="FF5600"/>
+                </a:solidFill>
+                <a:latin typeface="GillSans" panose="020B0A02020104020203" pitchFamily="34" charset="77"/>
+              </a:rPr>
+              <a:t>Between</a:t>
+            </a:r>
+            <a:r>
+              <a:rPr lang="zh-CN" altLang="en-US" sz="3600" dirty="0">
+                <a:solidFill>
+                  <a:srgbClr val="FF5600"/>
+                </a:solidFill>
+                <a:latin typeface="GillSans" panose="020B0A02020104020203" pitchFamily="34" charset="77"/>
+              </a:rPr>
+              <a:t> </a:t>
+            </a:r>
+            <a:r>
+              <a:rPr lang="en-US" altLang="zh-CN" sz="3600" dirty="0">
+                <a:solidFill>
+                  <a:srgbClr val="FF5600"/>
+                </a:solidFill>
+                <a:latin typeface="GillSans" panose="020B0A02020104020203" pitchFamily="34" charset="77"/>
+              </a:rPr>
+              <a:t>Time</a:t>
+            </a:r>
+            <a:r>
+              <a:rPr lang="zh-CN" altLang="en-US" sz="3600" dirty="0">
+                <a:solidFill>
+                  <a:srgbClr val="FF5600"/>
+                </a:solidFill>
+                <a:latin typeface="GillSans" panose="020B0A02020104020203" pitchFamily="34" charset="77"/>
+              </a:rPr>
+              <a:t> </a:t>
+            </a:r>
+            <a:r>
+              <a:rPr lang="en-US" altLang="zh-CN" sz="3600" dirty="0">
+                <a:solidFill>
+                  <a:srgbClr val="FF5600"/>
+                </a:solidFill>
+                <a:latin typeface="GillSans" panose="020B0A02020104020203" pitchFamily="34" charset="77"/>
+              </a:rPr>
+              <a:t>and</a:t>
+            </a:r>
+            <a:r>
+              <a:rPr lang="zh-CN" altLang="en-US" sz="3600" dirty="0">
+                <a:solidFill>
+                  <a:srgbClr val="FF5600"/>
+                </a:solidFill>
+                <a:latin typeface="GillSans" panose="020B0A02020104020203" pitchFamily="34" charset="77"/>
+              </a:rPr>
+              <a:t> </a:t>
+            </a:r>
+            <a:r>
+              <a:rPr lang="en-US" altLang="zh-CN" sz="3600" dirty="0">
+                <a:solidFill>
+                  <a:srgbClr val="FF5600"/>
+                </a:solidFill>
+                <a:latin typeface="GillSans" panose="020B0A02020104020203" pitchFamily="34" charset="77"/>
+              </a:rPr>
+              <a:t>Energy</a:t>
+            </a:r>
+            <a:endParaRPr lang="en-SA" sz="3600" dirty="0"/>
+          </a:p>
+        </p:txBody>
+      </p:sp>
+      <p:sp>
+        <p:nvSpPr>
+          <p:cNvPr id="3" name="Content Placeholder 2">
+            <a:extLst>
+              <a:ext uri="{FF2B5EF4-FFF2-40B4-BE49-F238E27FC236}">
+                <a16:creationId xmlns:a16="http://schemas.microsoft.com/office/drawing/2014/main" id="{5E40B019-0320-CD53-4C59-6F4BD8A5CD13}"/>
+              </a:ext>
+            </a:extLst>
+          </p:cNvPr>
+          <p:cNvSpPr>
+            <a:spLocks noGrp="1"/>
+          </p:cNvSpPr>
+          <p:nvPr>
+            <p:ph idx="1"/>
+          </p:nvPr>
+        </p:nvSpPr>
+        <p:spPr>
+          <a:xfrm>
+            <a:off x="5469467" y="2413264"/>
+            <a:ext cx="10515600" cy="4351338"/>
+          </a:xfrm>
+        </p:spPr>
+        <p:txBody>
+          <a:bodyPr>
+            <a:normAutofit/>
+          </a:bodyPr>
+          <a:lstStyle/>
+          <a:p>
+            <a:pPr marL="0" indent="0">
+              <a:buNone/>
+            </a:pPr>
+            <a:r>
+              <a:rPr lang="en-US" sz="3600" b="0" dirty="0">
+                <a:effectLst/>
+                <a:latin typeface="GillSans" panose="020B0A02020104020203" pitchFamily="34" charset="77"/>
+              </a:rPr>
+              <a:t>Which yellow point is the best? </a:t>
+            </a:r>
+            <a:endParaRPr lang="en-US" sz="3600" dirty="0">
+              <a:effectLst/>
+              <a:latin typeface="CambriaMath"/>
+            </a:endParaRPr>
+          </a:p>
+          <a:p>
+            <a:pPr marL="0" indent="0">
+              <a:buNone/>
+            </a:pPr>
+            <a:r>
+              <a:rPr lang="en-US" sz="3600" dirty="0">
+                <a:effectLst/>
+                <a:latin typeface="CambriaMath"/>
+              </a:rPr>
+              <a:t>Cost=</a:t>
+            </a:r>
+            <a:r>
+              <a:rPr lang="en-US" sz="3600" dirty="0">
+                <a:solidFill>
+                  <a:srgbClr val="F47F23"/>
+                </a:solidFill>
+                <a:effectLst/>
+                <a:latin typeface="CambriaMath"/>
+              </a:rPr>
+              <a:t>𝜂</a:t>
+            </a:r>
+            <a:r>
+              <a:rPr lang="en-US" sz="3600" dirty="0">
+                <a:effectLst/>
+                <a:latin typeface="CambriaMath"/>
+              </a:rPr>
+              <a:t>⋅ETA+ 1−</a:t>
+            </a:r>
+            <a:r>
+              <a:rPr lang="en-US" sz="3600" dirty="0">
+                <a:solidFill>
+                  <a:srgbClr val="F47F23"/>
+                </a:solidFill>
+                <a:effectLst/>
+                <a:latin typeface="CambriaMath"/>
+              </a:rPr>
+              <a:t>𝜂 </a:t>
+            </a:r>
+            <a:r>
+              <a:rPr lang="en-US" sz="3600" dirty="0">
+                <a:effectLst/>
+                <a:latin typeface="CambriaMath"/>
+              </a:rPr>
+              <a:t>⋅</a:t>
+            </a:r>
+            <a:r>
+              <a:rPr lang="en-US" sz="3600" dirty="0" err="1">
+                <a:effectLst/>
+                <a:latin typeface="CambriaMath"/>
+              </a:rPr>
+              <a:t>MaxPower⋅TTA</a:t>
+            </a:r>
+            <a:r>
+              <a:rPr lang="en-US" sz="3600" dirty="0">
+                <a:effectLst/>
+                <a:latin typeface="CambriaMath"/>
+              </a:rPr>
+              <a:t> </a:t>
+            </a:r>
+          </a:p>
+          <a:p>
+            <a:pPr marL="0" indent="0">
+              <a:buNone/>
+            </a:pPr>
+            <a:endParaRPr lang="en-SA" sz="3600" dirty="0"/>
+          </a:p>
+          <a:p>
+            <a:pPr marL="0" indent="0">
+              <a:buNone/>
+            </a:pPr>
+            <a:r>
+              <a:rPr lang="en-US" sz="3600" dirty="0"/>
+              <a:t>B</a:t>
+            </a:r>
+            <a:r>
+              <a:rPr lang="en-SA" sz="3600" dirty="0"/>
+              <a:t>rute</a:t>
+            </a:r>
+            <a:r>
+              <a:rPr lang="zh-CN" altLang="en-US" sz="3600" dirty="0"/>
+              <a:t> </a:t>
+            </a:r>
+            <a:r>
+              <a:rPr lang="en-US" altLang="zh-CN" sz="3600" dirty="0"/>
+              <a:t>force</a:t>
+            </a:r>
+            <a:r>
+              <a:rPr lang="zh-CN" altLang="en-US" sz="3600" dirty="0"/>
+              <a:t> </a:t>
+            </a:r>
+            <a:r>
+              <a:rPr lang="en-US" altLang="zh-CN" sz="3600" dirty="0"/>
+              <a:t>every</a:t>
+            </a:r>
+            <a:r>
+              <a:rPr lang="zh-CN" altLang="en-US" sz="3600" dirty="0"/>
+              <a:t> </a:t>
+            </a:r>
+            <a:r>
+              <a:rPr lang="en-US" altLang="zh-CN" sz="3600" dirty="0"/>
+              <a:t>combinations</a:t>
+            </a:r>
+          </a:p>
+          <a:p>
+            <a:pPr marL="0" indent="0">
+              <a:buNone/>
+            </a:pPr>
+            <a:r>
+              <a:rPr lang="en-US" altLang="zh-CN" sz="3600" dirty="0"/>
+              <a:t>One</a:t>
+            </a:r>
+            <a:r>
+              <a:rPr lang="zh-CN" altLang="en-US" sz="3600" dirty="0"/>
+              <a:t> </a:t>
+            </a:r>
+            <a:r>
+              <a:rPr lang="en-US" altLang="zh-CN" sz="3600" dirty="0"/>
+              <a:t>dot</a:t>
+            </a:r>
+            <a:r>
+              <a:rPr lang="zh-CN" altLang="en-US" sz="3600" dirty="0"/>
+              <a:t> </a:t>
+            </a:r>
+            <a:r>
+              <a:rPr lang="en-US" altLang="zh-CN" sz="3600" dirty="0"/>
+              <a:t>can</a:t>
+            </a:r>
+            <a:r>
+              <a:rPr lang="zh-CN" altLang="en-US" sz="3600" dirty="0"/>
+              <a:t> </a:t>
+            </a:r>
+            <a:r>
+              <a:rPr lang="en-US" altLang="zh-CN" sz="3600" dirty="0"/>
+              <a:t>take</a:t>
+            </a:r>
+            <a:r>
+              <a:rPr lang="zh-CN" altLang="en-US" sz="3600" dirty="0"/>
+              <a:t> </a:t>
+            </a:r>
+            <a:r>
+              <a:rPr lang="en-US" altLang="zh-CN" sz="3600" dirty="0"/>
+              <a:t>days</a:t>
+            </a:r>
+            <a:r>
+              <a:rPr lang="zh-CN" altLang="en-US" sz="3600" dirty="0"/>
+              <a:t> </a:t>
+            </a:r>
+            <a:r>
+              <a:rPr lang="en-US" altLang="zh-CN" sz="3600" dirty="0"/>
+              <a:t>or</a:t>
+            </a:r>
+            <a:r>
+              <a:rPr lang="zh-CN" altLang="en-US" sz="3600" dirty="0"/>
+              <a:t> </a:t>
+            </a:r>
+            <a:r>
+              <a:rPr lang="en-US" altLang="zh-CN" sz="3600" dirty="0"/>
+              <a:t>weeks</a:t>
+            </a:r>
+            <a:endParaRPr lang="en-SA" sz="3600" dirty="0"/>
+          </a:p>
+        </p:txBody>
+      </p:sp>
+      <p:sp>
+        <p:nvSpPr>
+          <p:cNvPr id="5" name="TextBox 4">
+            <a:extLst>
+              <a:ext uri="{FF2B5EF4-FFF2-40B4-BE49-F238E27FC236}">
+                <a16:creationId xmlns:a16="http://schemas.microsoft.com/office/drawing/2014/main" id="{70BD7B06-C3E5-E284-7DB4-450964EC7308}"/>
+              </a:ext>
+            </a:extLst>
+          </p:cNvPr>
+          <p:cNvSpPr txBox="1"/>
+          <p:nvPr/>
+        </p:nvSpPr>
+        <p:spPr>
+          <a:xfrm>
+            <a:off x="2353733" y="5942277"/>
+            <a:ext cx="7772400" cy="646331"/>
+          </a:xfrm>
+          <a:prstGeom prst="rect">
+            <a:avLst/>
+          </a:prstGeom>
+          <a:noFill/>
+        </p:spPr>
+        <p:txBody>
+          <a:bodyPr wrap="square">
+            <a:spAutoFit/>
+          </a:bodyPr>
+          <a:lstStyle/>
+          <a:p>
+            <a:r>
+              <a:rPr lang="en-US" sz="1800" b="0" dirty="0">
+                <a:effectLst/>
+                <a:latin typeface="GillSans" panose="020B0A02020104020203" pitchFamily="34" charset="77"/>
+              </a:rPr>
+              <a:t>Results from training DeepSpeech2 on </a:t>
+            </a:r>
+            <a:r>
+              <a:rPr lang="en-US" sz="1800" b="0" dirty="0" err="1">
+                <a:effectLst/>
+                <a:latin typeface="GillSans" panose="020B0A02020104020203" pitchFamily="34" charset="77"/>
+              </a:rPr>
+              <a:t>LibriSpeech</a:t>
+            </a:r>
+            <a:r>
+              <a:rPr lang="en-US" sz="1800" b="0" dirty="0">
+                <a:effectLst/>
+                <a:latin typeface="GillSans" panose="020B0A02020104020203" pitchFamily="34" charset="77"/>
+              </a:rPr>
+              <a:t> on an NVIDIA V100 GPU. Similar trends found across 6 DL workloads and 4 GPU generations. </a:t>
+            </a:r>
+            <a:endParaRPr lang="en-US" dirty="0">
+              <a:effectLst/>
+            </a:endParaRPr>
+          </a:p>
+        </p:txBody>
+      </p:sp>
+      <p:pic>
+        <p:nvPicPr>
+          <p:cNvPr id="4" name="Picture 3">
+            <a:extLst>
+              <a:ext uri="{FF2B5EF4-FFF2-40B4-BE49-F238E27FC236}">
+                <a16:creationId xmlns:a16="http://schemas.microsoft.com/office/drawing/2014/main" id="{79222C99-7618-B7C4-4834-97F24710AB6A}"/>
+              </a:ext>
+            </a:extLst>
+          </p:cNvPr>
+          <p:cNvPicPr>
+            <a:picLocks noChangeAspect="1"/>
+          </p:cNvPicPr>
+          <p:nvPr/>
+        </p:nvPicPr>
+        <p:blipFill>
+          <a:blip r:embed="rId2"/>
+          <a:stretch>
+            <a:fillRect/>
+          </a:stretch>
+        </p:blipFill>
+        <p:spPr>
+          <a:xfrm>
+            <a:off x="219906" y="1495697"/>
+            <a:ext cx="5105627" cy="4446580"/>
+          </a:xfrm>
+          <a:prstGeom prst="rect">
+            <a:avLst/>
+          </a:prstGeom>
+        </p:spPr>
+      </p:pic>
+    </p:spTree>
+    <p:extLst>
+      <p:ext uri="{BB962C8B-B14F-4D97-AF65-F5344CB8AC3E}">
+        <p14:creationId xmlns:p14="http://schemas.microsoft.com/office/powerpoint/2010/main" val="1055093377"/>
+      </p:ext>
+    </p:extLst>
+  </p:cSld>
+  <p:clrMapOvr>
+    <a:masterClrMapping/>
+  </p:clrMapOvr>
+</p:sld>
+</file>
+
+<file path=ppt/slides/slide17.xml><?xml version="1.0" encoding="utf-8"?>
+<p:sld xmlns:a="http://schemas.openxmlformats.org/drawingml/2006/main" xmlns:r="http://schemas.openxmlformats.org/officeDocument/2006/relationships" xmlns:p="http://schemas.openxmlformats.org/presentationml/2006/main">
+  <p:cSld>
+    <p:spTree>
+      <p:nvGrpSpPr>
+        <p:cNvPr id="1" name=""/>
+        <p:cNvGrpSpPr/>
+        <p:nvPr/>
+      </p:nvGrpSpPr>
+      <p:grpSpPr>
+        <a:xfrm>
+          <a:off x="0" y="0"/>
+          <a:ext cx="0" cy="0"/>
+          <a:chOff x="0" y="0"/>
+          <a:chExt cx="0" cy="0"/>
+        </a:xfrm>
+      </p:grpSpPr>
+      <p:sp>
+        <p:nvSpPr>
+          <p:cNvPr id="2" name="Title 1"/>
+          <p:cNvSpPr>
+            <a:spLocks noGrp="1"/>
+          </p:cNvSpPr>
+          <p:nvPr>
+            <p:ph type="title"/>
+          </p:nvPr>
+        </p:nvSpPr>
+        <p:spPr/>
+        <p:txBody>
+          <a:bodyPr/>
+          <a:lstStyle/>
+          <a:p>
+            <a:r>
+              <a:rPr lang="en-US" dirty="0"/>
+              <a:t>Outline</a:t>
+            </a:r>
+            <a:endParaRPr lang="el-GR" dirty="0"/>
+          </a:p>
+        </p:txBody>
+      </p:sp>
+      <p:sp>
+        <p:nvSpPr>
+          <p:cNvPr id="3" name="Content Placeholder 2"/>
+          <p:cNvSpPr>
+            <a:spLocks noGrp="1"/>
+          </p:cNvSpPr>
+          <p:nvPr>
+            <p:ph idx="1"/>
+          </p:nvPr>
+        </p:nvSpPr>
+        <p:spPr/>
+        <p:txBody>
+          <a:bodyPr/>
+          <a:lstStyle/>
+          <a:p>
+            <a:r>
+              <a:rPr lang="en-US" dirty="0">
+                <a:solidFill>
+                  <a:schemeClr val="bg2">
+                    <a:lumMod val="90000"/>
+                  </a:schemeClr>
+                </a:solidFill>
+              </a:rPr>
+              <a:t>Background</a:t>
+            </a:r>
+          </a:p>
+          <a:p>
+            <a:r>
+              <a:rPr lang="en-US" dirty="0">
+                <a:solidFill>
+                  <a:schemeClr val="bg2">
+                    <a:lumMod val="90000"/>
+                  </a:schemeClr>
+                </a:solidFill>
+              </a:rPr>
+              <a:t>Motivation</a:t>
+            </a:r>
+          </a:p>
+          <a:p>
+            <a:r>
+              <a:rPr lang="en-US" altLang="zh-CN" dirty="0"/>
+              <a:t>Overview</a:t>
+            </a:r>
+            <a:endParaRPr lang="en-US" dirty="0"/>
+          </a:p>
+          <a:p>
+            <a:r>
+              <a:rPr lang="en-US" dirty="0">
+                <a:solidFill>
+                  <a:schemeClr val="bg2">
+                    <a:lumMod val="90000"/>
+                  </a:schemeClr>
+                </a:solidFill>
+              </a:rPr>
+              <a:t>Me</a:t>
+            </a:r>
+            <a:r>
+              <a:rPr lang="en-US" altLang="zh-CN" dirty="0">
+                <a:solidFill>
+                  <a:schemeClr val="bg2">
+                    <a:lumMod val="90000"/>
+                  </a:schemeClr>
+                </a:solidFill>
+              </a:rPr>
+              <a:t>thod</a:t>
+            </a:r>
+            <a:endParaRPr lang="en-US" dirty="0">
+              <a:solidFill>
+                <a:schemeClr val="bg2">
+                  <a:lumMod val="90000"/>
+                </a:schemeClr>
+              </a:solidFill>
+            </a:endParaRPr>
+          </a:p>
+          <a:p>
+            <a:r>
+              <a:rPr lang="en-US" dirty="0">
+                <a:solidFill>
+                  <a:schemeClr val="bg2">
+                    <a:lumMod val="90000"/>
+                  </a:schemeClr>
+                </a:solidFill>
+              </a:rPr>
+              <a:t>Evaluation</a:t>
+            </a:r>
+          </a:p>
+          <a:p>
+            <a:r>
+              <a:rPr lang="en-US" dirty="0">
+                <a:solidFill>
+                  <a:schemeClr val="bg2">
+                    <a:lumMod val="90000"/>
+                  </a:schemeClr>
+                </a:solidFill>
+              </a:rPr>
+              <a:t>Summary and Discussion</a:t>
+            </a:r>
+            <a:endParaRPr lang="el-GR" dirty="0">
+              <a:solidFill>
+                <a:schemeClr val="bg2">
+                  <a:lumMod val="90000"/>
+                </a:schemeClr>
+              </a:solidFill>
+            </a:endParaRPr>
+          </a:p>
+        </p:txBody>
+      </p:sp>
+    </p:spTree>
+    <p:extLst>
+      <p:ext uri="{BB962C8B-B14F-4D97-AF65-F5344CB8AC3E}">
+        <p14:creationId xmlns:p14="http://schemas.microsoft.com/office/powerpoint/2010/main" val="2652685593"/>
+      </p:ext>
+    </p:extLst>
+  </p:cSld>
+  <p:clrMapOvr>
+    <a:masterClrMapping/>
+  </p:clrMapOvr>
+</p:sld>
+</file>
+
+<file path=ppt/slides/slide18.xml><?xml version="1.0" encoding="utf-8"?>
+<p:sld xmlns:a="http://schemas.openxmlformats.org/drawingml/2006/main" xmlns:r="http://schemas.openxmlformats.org/officeDocument/2006/relationships" xmlns:p="http://schemas.openxmlformats.org/presentationml/2006/main">
+  <p:cSld>
+    <p:spTree>
+      <p:nvGrpSpPr>
+        <p:cNvPr id="1" name=""/>
+        <p:cNvGrpSpPr/>
+        <p:nvPr/>
+      </p:nvGrpSpPr>
+      <p:grpSpPr>
+        <a:xfrm>
+          <a:off x="0" y="0"/>
+          <a:ext cx="0" cy="0"/>
+          <a:chOff x="0" y="0"/>
+          <a:chExt cx="0" cy="0"/>
+        </a:xfrm>
+      </p:grpSpPr>
+      <p:pic>
+        <p:nvPicPr>
+          <p:cNvPr id="5" name="Content Placeholder 4">
+            <a:extLst>
+              <a:ext uri="{FF2B5EF4-FFF2-40B4-BE49-F238E27FC236}">
+                <a16:creationId xmlns:a16="http://schemas.microsoft.com/office/drawing/2014/main" id="{5999F9B3-D009-0BF5-9C32-8A95B336C37C}"/>
+              </a:ext>
+            </a:extLst>
+          </p:cNvPr>
+          <p:cNvPicPr>
+            <a:picLocks noGrp="1" noChangeAspect="1"/>
+          </p:cNvPicPr>
+          <p:nvPr>
+            <p:ph idx="1"/>
+          </p:nvPr>
+        </p:nvPicPr>
+        <p:blipFill>
+          <a:blip r:embed="rId2"/>
+          <a:stretch>
+            <a:fillRect/>
+          </a:stretch>
+        </p:blipFill>
+        <p:spPr>
+          <a:xfrm>
+            <a:off x="668867" y="86315"/>
+            <a:ext cx="10515600" cy="2004952"/>
+          </a:xfrm>
+        </p:spPr>
+      </p:pic>
+      <p:sp>
+        <p:nvSpPr>
+          <p:cNvPr id="7" name="TextBox 6">
+            <a:extLst>
+              <a:ext uri="{FF2B5EF4-FFF2-40B4-BE49-F238E27FC236}">
+                <a16:creationId xmlns:a16="http://schemas.microsoft.com/office/drawing/2014/main" id="{634128F4-7106-D3AD-7B26-A7CD20B7BE65}"/>
+              </a:ext>
+            </a:extLst>
+          </p:cNvPr>
+          <p:cNvSpPr txBox="1"/>
+          <p:nvPr/>
+        </p:nvSpPr>
+        <p:spPr>
+          <a:xfrm>
+            <a:off x="169332" y="2336799"/>
+            <a:ext cx="6841067" cy="3785652"/>
+          </a:xfrm>
+          <a:prstGeom prst="rect">
+            <a:avLst/>
+          </a:prstGeom>
+          <a:noFill/>
+        </p:spPr>
+        <p:txBody>
+          <a:bodyPr wrap="square">
+            <a:spAutoFit/>
+          </a:bodyPr>
+          <a:lstStyle/>
+          <a:p>
+            <a:r>
+              <a:rPr lang="en-US" sz="3600" b="1" dirty="0">
+                <a:effectLst/>
+                <a:latin typeface="Arial" panose="020B0604020202020204" pitchFamily="34" charset="0"/>
+                <a:cs typeface="Arial" panose="020B0604020202020204" pitchFamily="34" charset="0"/>
+              </a:rPr>
+              <a:t>Optimizes the cost </a:t>
+            </a:r>
+          </a:p>
+          <a:p>
+            <a:pPr>
+              <a:buFont typeface="Arial" panose="020B0604020202020204" pitchFamily="34" charset="0"/>
+              <a:buChar char="•"/>
+            </a:pPr>
+            <a:r>
+              <a:rPr lang="en-US" sz="2800" dirty="0">
+                <a:effectLst/>
+                <a:latin typeface="Arial" panose="020B0604020202020204" pitchFamily="34" charset="0"/>
+                <a:cs typeface="Arial" panose="020B0604020202020204" pitchFamily="34" charset="0"/>
+              </a:rPr>
+              <a:t>of an arbitrary DNN model </a:t>
+            </a:r>
+          </a:p>
+          <a:p>
+            <a:pPr>
+              <a:buFont typeface="Arial" panose="020B0604020202020204" pitchFamily="34" charset="0"/>
+              <a:buChar char="•"/>
+            </a:pPr>
+            <a:r>
+              <a:rPr lang="en-US" sz="2800" dirty="0">
+                <a:effectLst/>
+                <a:latin typeface="Arial" panose="020B0604020202020204" pitchFamily="34" charset="0"/>
+                <a:cs typeface="Arial" panose="020B0604020202020204" pitchFamily="34" charset="0"/>
+              </a:rPr>
+              <a:t>on an arbitrary GPU type </a:t>
+            </a:r>
+          </a:p>
+          <a:p>
+            <a:pPr>
+              <a:buFont typeface="Arial" panose="020B0604020202020204" pitchFamily="34" charset="0"/>
+              <a:buChar char="•"/>
+            </a:pPr>
+            <a:r>
+              <a:rPr lang="en-US" sz="2800" dirty="0">
+                <a:effectLst/>
+                <a:latin typeface="Arial" panose="020B0604020202020204" pitchFamily="34" charset="0"/>
+                <a:cs typeface="Arial" panose="020B0604020202020204" pitchFamily="34" charset="0"/>
+              </a:rPr>
+              <a:t>in an efficient manner </a:t>
+            </a:r>
+          </a:p>
+          <a:p>
+            <a:r>
+              <a:rPr lang="en-US" sz="3600" b="1" dirty="0">
+                <a:effectLst/>
+                <a:latin typeface="Arial" panose="020B0604020202020204" pitchFamily="34" charset="0"/>
+                <a:cs typeface="Arial" panose="020B0604020202020204" pitchFamily="34" charset="0"/>
+              </a:rPr>
+              <a:t>without any </a:t>
+            </a:r>
+          </a:p>
+          <a:p>
+            <a:pPr>
+              <a:buFont typeface="Arial" panose="020B0604020202020204" pitchFamily="34" charset="0"/>
+              <a:buChar char="•"/>
+            </a:pPr>
+            <a:r>
+              <a:rPr lang="en-US" sz="2800" b="0" dirty="0">
+                <a:effectLst/>
+                <a:latin typeface="Arial" panose="020B0604020202020204" pitchFamily="34" charset="0"/>
+                <a:cs typeface="Arial" panose="020B0604020202020204" pitchFamily="34" charset="0"/>
+              </a:rPr>
+              <a:t>offline profiling, </a:t>
+            </a:r>
+            <a:endParaRPr lang="en-US" sz="2800" dirty="0">
+              <a:effectLst/>
+              <a:latin typeface="Arial" panose="020B0604020202020204" pitchFamily="34" charset="0"/>
+              <a:cs typeface="Arial" panose="020B0604020202020204" pitchFamily="34" charset="0"/>
+            </a:endParaRPr>
+          </a:p>
+          <a:p>
+            <a:pPr>
+              <a:buFont typeface="Arial" panose="020B0604020202020204" pitchFamily="34" charset="0"/>
+              <a:buChar char="•"/>
+            </a:pPr>
+            <a:r>
+              <a:rPr lang="en-US" sz="2800" b="0" dirty="0">
+                <a:effectLst/>
+                <a:latin typeface="Arial" panose="020B0604020202020204" pitchFamily="34" charset="0"/>
+                <a:cs typeface="Arial" panose="020B0604020202020204" pitchFamily="34" charset="0"/>
+              </a:rPr>
+              <a:t>hardware modification, or </a:t>
+            </a:r>
+            <a:endParaRPr lang="en-US" sz="2800" dirty="0">
+              <a:effectLst/>
+              <a:latin typeface="Arial" panose="020B0604020202020204" pitchFamily="34" charset="0"/>
+              <a:cs typeface="Arial" panose="020B0604020202020204" pitchFamily="34" charset="0"/>
+            </a:endParaRPr>
+          </a:p>
+          <a:p>
+            <a:pPr>
+              <a:buFont typeface="Arial" panose="020B0604020202020204" pitchFamily="34" charset="0"/>
+              <a:buChar char="•"/>
+            </a:pPr>
+            <a:r>
+              <a:rPr lang="en-US" sz="2800" b="0" dirty="0">
+                <a:effectLst/>
+                <a:latin typeface="Arial" panose="020B0604020202020204" pitchFamily="34" charset="0"/>
+                <a:cs typeface="Arial" panose="020B0604020202020204" pitchFamily="34" charset="0"/>
+              </a:rPr>
+              <a:t>accuracy degradation </a:t>
+            </a:r>
+            <a:endParaRPr lang="en-US" sz="2800" dirty="0">
+              <a:effectLst/>
+              <a:latin typeface="Arial" panose="020B0604020202020204" pitchFamily="34" charset="0"/>
+              <a:cs typeface="Arial" panose="020B0604020202020204" pitchFamily="34" charset="0"/>
+            </a:endParaRPr>
+          </a:p>
+        </p:txBody>
+      </p:sp>
+      <p:sp>
+        <p:nvSpPr>
+          <p:cNvPr id="8" name="TextBox 7">
+            <a:extLst>
+              <a:ext uri="{FF2B5EF4-FFF2-40B4-BE49-F238E27FC236}">
+                <a16:creationId xmlns:a16="http://schemas.microsoft.com/office/drawing/2014/main" id="{63B39670-C03D-884E-723A-E439DD72DE2D}"/>
+              </a:ext>
+            </a:extLst>
+          </p:cNvPr>
+          <p:cNvSpPr txBox="1"/>
+          <p:nvPr/>
+        </p:nvSpPr>
+        <p:spPr>
+          <a:xfrm>
+            <a:off x="5105401" y="2480732"/>
+            <a:ext cx="6841067" cy="523220"/>
+          </a:xfrm>
+          <a:prstGeom prst="rect">
+            <a:avLst/>
+          </a:prstGeom>
+          <a:noFill/>
+        </p:spPr>
+        <p:txBody>
+          <a:bodyPr wrap="square">
+            <a:spAutoFit/>
+          </a:bodyPr>
+          <a:lstStyle/>
+          <a:p>
+            <a:r>
+              <a:rPr lang="en-US" altLang="zh-CN" sz="2800" dirty="0">
+                <a:effectLst/>
+                <a:latin typeface="Arial" panose="020B0604020202020204" pitchFamily="34" charset="0"/>
+                <a:cs typeface="Arial" panose="020B0604020202020204" pitchFamily="34" charset="0"/>
+              </a:rPr>
+              <a:t>Identify</a:t>
+            </a:r>
+            <a:r>
+              <a:rPr lang="zh-CN" altLang="en-US" sz="2800" dirty="0">
+                <a:effectLst/>
+                <a:latin typeface="Arial" panose="020B0604020202020204" pitchFamily="34" charset="0"/>
+                <a:cs typeface="Arial" panose="020B0604020202020204" pitchFamily="34" charset="0"/>
+              </a:rPr>
+              <a:t> </a:t>
+            </a:r>
+            <a:r>
+              <a:rPr lang="en-US" altLang="zh-CN" sz="2800" dirty="0">
+                <a:latin typeface="Arial" panose="020B0604020202020204" pitchFamily="34" charset="0"/>
+                <a:cs typeface="Arial" panose="020B0604020202020204" pitchFamily="34" charset="0"/>
+              </a:rPr>
+              <a:t>o</a:t>
+            </a:r>
+            <a:r>
+              <a:rPr lang="en-US" altLang="zh-CN" sz="2800" dirty="0">
+                <a:effectLst/>
+                <a:latin typeface="Arial" panose="020B0604020202020204" pitchFamily="34" charset="0"/>
+                <a:cs typeface="Arial" panose="020B0604020202020204" pitchFamily="34" charset="0"/>
+              </a:rPr>
+              <a:t>ptimal</a:t>
+            </a:r>
+            <a:r>
+              <a:rPr lang="zh-CN" altLang="en-US" sz="2800" dirty="0">
+                <a:effectLst/>
+                <a:latin typeface="Arial" panose="020B0604020202020204" pitchFamily="34" charset="0"/>
+                <a:cs typeface="Arial" panose="020B0604020202020204" pitchFamily="34" charset="0"/>
+              </a:rPr>
+              <a:t> </a:t>
+            </a:r>
+            <a:r>
+              <a:rPr lang="en-US" altLang="zh-CN" sz="2800" dirty="0">
+                <a:effectLst/>
+                <a:latin typeface="Arial" panose="020B0604020202020204" pitchFamily="34" charset="0"/>
+                <a:cs typeface="Arial" panose="020B0604020202020204" pitchFamily="34" charset="0"/>
+              </a:rPr>
+              <a:t>batch</a:t>
+            </a:r>
+            <a:r>
+              <a:rPr lang="zh-CN" altLang="en-US" sz="2800" dirty="0">
+                <a:effectLst/>
+                <a:latin typeface="Arial" panose="020B0604020202020204" pitchFamily="34" charset="0"/>
+                <a:cs typeface="Arial" panose="020B0604020202020204" pitchFamily="34" charset="0"/>
+              </a:rPr>
+              <a:t> </a:t>
+            </a:r>
+            <a:r>
+              <a:rPr lang="en-US" altLang="zh-CN" sz="2800" dirty="0">
+                <a:effectLst/>
+                <a:latin typeface="Arial" panose="020B0604020202020204" pitchFamily="34" charset="0"/>
+                <a:cs typeface="Arial" panose="020B0604020202020204" pitchFamily="34" charset="0"/>
+              </a:rPr>
+              <a:t>size</a:t>
+            </a:r>
+            <a:r>
+              <a:rPr lang="zh-CN" altLang="en-US" sz="2800" dirty="0">
+                <a:effectLst/>
+                <a:latin typeface="Arial" panose="020B0604020202020204" pitchFamily="34" charset="0"/>
+                <a:cs typeface="Arial" panose="020B0604020202020204" pitchFamily="34" charset="0"/>
+              </a:rPr>
+              <a:t> </a:t>
+            </a:r>
+            <a:r>
+              <a:rPr lang="en-US" altLang="zh-CN" sz="2800" dirty="0">
+                <a:effectLst/>
+                <a:latin typeface="Arial" panose="020B0604020202020204" pitchFamily="34" charset="0"/>
+                <a:cs typeface="Arial" panose="020B0604020202020204" pitchFamily="34" charset="0"/>
+              </a:rPr>
+              <a:t>and</a:t>
+            </a:r>
+            <a:r>
+              <a:rPr lang="zh-CN" altLang="en-US" sz="2800" dirty="0">
+                <a:effectLst/>
+                <a:latin typeface="Arial" panose="020B0604020202020204" pitchFamily="34" charset="0"/>
+                <a:cs typeface="Arial" panose="020B0604020202020204" pitchFamily="34" charset="0"/>
+              </a:rPr>
+              <a:t> </a:t>
+            </a:r>
+            <a:r>
+              <a:rPr lang="en-US" altLang="zh-CN" sz="2800" dirty="0">
+                <a:effectLst/>
+                <a:latin typeface="Arial" panose="020B0604020202020204" pitchFamily="34" charset="0"/>
+                <a:cs typeface="Arial" panose="020B0604020202020204" pitchFamily="34" charset="0"/>
+              </a:rPr>
+              <a:t>power</a:t>
+            </a:r>
+            <a:r>
+              <a:rPr lang="zh-CN" altLang="en-US" sz="2800" dirty="0">
+                <a:effectLst/>
+                <a:latin typeface="Arial" panose="020B0604020202020204" pitchFamily="34" charset="0"/>
+                <a:cs typeface="Arial" panose="020B0604020202020204" pitchFamily="34" charset="0"/>
+              </a:rPr>
+              <a:t> </a:t>
+            </a:r>
+            <a:r>
+              <a:rPr lang="en-US" altLang="zh-CN" sz="2800" dirty="0">
+                <a:effectLst/>
+                <a:latin typeface="Arial" panose="020B0604020202020204" pitchFamily="34" charset="0"/>
+                <a:cs typeface="Arial" panose="020B0604020202020204" pitchFamily="34" charset="0"/>
+              </a:rPr>
+              <a:t>limit</a:t>
+            </a:r>
+            <a:r>
+              <a:rPr lang="zh-CN" altLang="en-US" sz="2800" dirty="0">
+                <a:effectLst/>
+                <a:latin typeface="Arial" panose="020B0604020202020204" pitchFamily="34" charset="0"/>
+                <a:cs typeface="Arial" panose="020B0604020202020204" pitchFamily="34" charset="0"/>
+              </a:rPr>
+              <a:t> </a:t>
+            </a:r>
+            <a:endParaRPr lang="en-US" sz="2800" dirty="0">
+              <a:effectLst/>
+              <a:latin typeface="Arial" panose="020B0604020202020204" pitchFamily="34" charset="0"/>
+              <a:cs typeface="Arial" panose="020B0604020202020204" pitchFamily="34" charset="0"/>
+            </a:endParaRPr>
+          </a:p>
+        </p:txBody>
+      </p:sp>
+    </p:spTree>
+    <p:extLst>
+      <p:ext uri="{BB962C8B-B14F-4D97-AF65-F5344CB8AC3E}">
+        <p14:creationId xmlns:p14="http://schemas.microsoft.com/office/powerpoint/2010/main" val="904119402"/>
+      </p:ext>
+    </p:extLst>
+  </p:cSld>
+  <p:clrMapOvr>
+    <a:masterClrMapping/>
+  </p:clrMapOvr>
+</p:sld>
+</file>
+
+<file path=ppt/slides/slide19.xml><?xml version="1.0" encoding="utf-8"?>
+<p:sld xmlns:a="http://schemas.openxmlformats.org/drawingml/2006/main" xmlns:r="http://schemas.openxmlformats.org/officeDocument/2006/relationships" xmlns:p="http://schemas.openxmlformats.org/presentationml/2006/main">
+  <p:cSld>
+    <p:spTree>
+      <p:nvGrpSpPr>
+        <p:cNvPr id="1" name=""/>
+        <p:cNvGrpSpPr/>
+        <p:nvPr/>
+      </p:nvGrpSpPr>
+      <p:grpSpPr>
+        <a:xfrm>
+          <a:off x="0" y="0"/>
+          <a:ext cx="0" cy="0"/>
+          <a:chOff x="0" y="0"/>
+          <a:chExt cx="0" cy="0"/>
+        </a:xfrm>
+      </p:grpSpPr>
+      <p:pic>
+        <p:nvPicPr>
+          <p:cNvPr id="5" name="Content Placeholder 4">
+            <a:extLst>
+              <a:ext uri="{FF2B5EF4-FFF2-40B4-BE49-F238E27FC236}">
+                <a16:creationId xmlns:a16="http://schemas.microsoft.com/office/drawing/2014/main" id="{1EBF4B52-8539-71FF-8732-0072B7681507}"/>
+              </a:ext>
+            </a:extLst>
+          </p:cNvPr>
+          <p:cNvPicPr>
+            <a:picLocks noGrp="1" noChangeAspect="1"/>
+          </p:cNvPicPr>
+          <p:nvPr>
+            <p:ph idx="1"/>
+          </p:nvPr>
+        </p:nvPicPr>
+        <p:blipFill>
+          <a:blip r:embed="rId2"/>
+          <a:stretch>
+            <a:fillRect/>
+          </a:stretch>
+        </p:blipFill>
+        <p:spPr>
+          <a:xfrm>
+            <a:off x="0" y="1131357"/>
+            <a:ext cx="8191799" cy="5286375"/>
+          </a:xfrm>
+        </p:spPr>
+      </p:pic>
+      <p:sp>
+        <p:nvSpPr>
+          <p:cNvPr id="6" name="Title 1">
+            <a:extLst>
+              <a:ext uri="{FF2B5EF4-FFF2-40B4-BE49-F238E27FC236}">
+                <a16:creationId xmlns:a16="http://schemas.microsoft.com/office/drawing/2014/main" id="{9FE652CD-4170-787F-CF89-3E22A1110325}"/>
+              </a:ext>
+            </a:extLst>
+          </p:cNvPr>
+          <p:cNvSpPr txBox="1">
+            <a:spLocks/>
+          </p:cNvSpPr>
+          <p:nvPr/>
+        </p:nvSpPr>
+        <p:spPr>
+          <a:xfrm>
+            <a:off x="982133" y="237595"/>
+            <a:ext cx="10515600" cy="1325563"/>
+          </a:xfrm>
+          <a:prstGeom prst="rect">
+            <a:avLst/>
+          </a:prstGeom>
+        </p:spPr>
+        <p:txBody>
+          <a:bodyPr vert="horz" lIns="91440" tIns="45720" rIns="91440" bIns="45720" rtlCol="0" anchor="ctr">
+            <a:normAutofit/>
+          </a:bodyPr>
+          <a:lstStyle>
+            <a:lvl1pPr algn="l" defTabSz="914400" rtl="0" eaLnBrk="1" latinLnBrk="0" hangingPunct="1">
+              <a:lnSpc>
+                <a:spcPct val="90000"/>
+              </a:lnSpc>
+              <a:spcBef>
+                <a:spcPct val="0"/>
+              </a:spcBef>
+              <a:buNone/>
+              <a:defRPr sz="4400" kern="1200">
+                <a:solidFill>
+                  <a:schemeClr val="tx1"/>
+                </a:solidFill>
+                <a:latin typeface="+mj-lt"/>
+                <a:ea typeface="+mj-ea"/>
+                <a:cs typeface="+mj-cs"/>
+              </a:defRPr>
+            </a:lvl1pPr>
+          </a:lstStyle>
+          <a:p>
+            <a:r>
+              <a:rPr lang="en-US" altLang="zh-CN" sz="3600" dirty="0">
+                <a:solidFill>
+                  <a:srgbClr val="FF5600"/>
+                </a:solidFill>
+                <a:latin typeface="GillSans" panose="020B0A02020104020203" pitchFamily="34" charset="77"/>
+              </a:rPr>
+              <a:t>Overall</a:t>
+            </a:r>
+            <a:r>
+              <a:rPr lang="zh-CN" altLang="en-US" sz="3600" dirty="0">
+                <a:solidFill>
+                  <a:srgbClr val="FF5600"/>
+                </a:solidFill>
+                <a:latin typeface="GillSans" panose="020B0A02020104020203" pitchFamily="34" charset="77"/>
+              </a:rPr>
+              <a:t> </a:t>
+            </a:r>
+            <a:r>
+              <a:rPr lang="en-US" altLang="zh-CN" sz="3600" dirty="0">
+                <a:solidFill>
+                  <a:srgbClr val="FF5600"/>
+                </a:solidFill>
+                <a:latin typeface="GillSans" panose="020B0A02020104020203" pitchFamily="34" charset="77"/>
+              </a:rPr>
+              <a:t>Workflow</a:t>
+            </a:r>
+            <a:endParaRPr lang="en-SA" sz="3600" dirty="0"/>
+          </a:p>
+        </p:txBody>
+      </p:sp>
+      <p:sp>
+        <p:nvSpPr>
+          <p:cNvPr id="7" name="TextBox 6">
+            <a:extLst>
+              <a:ext uri="{FF2B5EF4-FFF2-40B4-BE49-F238E27FC236}">
+                <a16:creationId xmlns:a16="http://schemas.microsoft.com/office/drawing/2014/main" id="{CAA4A020-A3FC-0C71-5E18-ED287B5D19E1}"/>
+              </a:ext>
+            </a:extLst>
+          </p:cNvPr>
+          <p:cNvSpPr txBox="1"/>
+          <p:nvPr/>
+        </p:nvSpPr>
+        <p:spPr>
+          <a:xfrm>
+            <a:off x="5977468" y="1969117"/>
+            <a:ext cx="6841067" cy="523220"/>
+          </a:xfrm>
+          <a:prstGeom prst="rect">
+            <a:avLst/>
+          </a:prstGeom>
+          <a:noFill/>
+        </p:spPr>
+        <p:txBody>
+          <a:bodyPr wrap="square">
+            <a:spAutoFit/>
+          </a:bodyPr>
+          <a:lstStyle/>
+          <a:p>
+            <a:r>
+              <a:rPr lang="en-US" altLang="zh-CN" sz="2800" dirty="0">
+                <a:effectLst/>
+                <a:latin typeface="Arial" panose="020B0604020202020204" pitchFamily="34" charset="0"/>
+                <a:cs typeface="Arial" panose="020B0604020202020204" pitchFamily="34" charset="0"/>
+              </a:rPr>
+              <a:t>L</a:t>
+            </a:r>
+            <a:r>
+              <a:rPr lang="en-SA" altLang="zh-CN" sz="2800" dirty="0">
+                <a:effectLst/>
+                <a:latin typeface="Arial" panose="020B0604020202020204" pitchFamily="34" charset="0"/>
+                <a:cs typeface="Arial" panose="020B0604020202020204" pitchFamily="34" charset="0"/>
+              </a:rPr>
+              <a:t>earn</a:t>
+            </a:r>
+            <a:r>
+              <a:rPr lang="zh-CN" altLang="en-US" sz="2800" dirty="0">
+                <a:effectLst/>
+                <a:latin typeface="Arial" panose="020B0604020202020204" pitchFamily="34" charset="0"/>
+                <a:cs typeface="Arial" panose="020B0604020202020204" pitchFamily="34" charset="0"/>
+              </a:rPr>
+              <a:t> </a:t>
+            </a:r>
+            <a:r>
+              <a:rPr lang="en-US" altLang="zh-CN" sz="2800" dirty="0">
+                <a:effectLst/>
+                <a:latin typeface="Arial" panose="020B0604020202020204" pitchFamily="34" charset="0"/>
+                <a:cs typeface="Arial" panose="020B0604020202020204" pitchFamily="34" charset="0"/>
+              </a:rPr>
+              <a:t>how</a:t>
+            </a:r>
+            <a:r>
+              <a:rPr lang="zh-CN" altLang="en-US" sz="2800" dirty="0">
+                <a:effectLst/>
+                <a:latin typeface="Arial" panose="020B0604020202020204" pitchFamily="34" charset="0"/>
+                <a:cs typeface="Arial" panose="020B0604020202020204" pitchFamily="34" charset="0"/>
+              </a:rPr>
+              <a:t> </a:t>
+            </a:r>
+            <a:r>
+              <a:rPr lang="en-US" altLang="zh-CN" sz="2800" dirty="0">
+                <a:latin typeface="Arial" panose="020B0604020202020204" pitchFamily="34" charset="0"/>
+                <a:cs typeface="Arial" panose="020B0604020202020204" pitchFamily="34" charset="0"/>
+              </a:rPr>
+              <a:t>cost</a:t>
+            </a:r>
+            <a:r>
+              <a:rPr lang="zh-CN" altLang="en-US" sz="2800" dirty="0">
+                <a:latin typeface="Arial" panose="020B0604020202020204" pitchFamily="34" charset="0"/>
+                <a:cs typeface="Arial" panose="020B0604020202020204" pitchFamily="34" charset="0"/>
+              </a:rPr>
+              <a:t> </a:t>
+            </a:r>
+            <a:r>
+              <a:rPr lang="en-US" altLang="zh-CN" sz="2800" dirty="0">
+                <a:latin typeface="Arial" panose="020B0604020202020204" pitchFamily="34" charset="0"/>
+                <a:cs typeface="Arial" panose="020B0604020202020204" pitchFamily="34" charset="0"/>
+              </a:rPr>
+              <a:t>behave</a:t>
+            </a:r>
+            <a:r>
+              <a:rPr lang="zh-CN" altLang="en-US" sz="2800" dirty="0">
+                <a:latin typeface="Arial" panose="020B0604020202020204" pitchFamily="34" charset="0"/>
+                <a:cs typeface="Arial" panose="020B0604020202020204" pitchFamily="34" charset="0"/>
+              </a:rPr>
+              <a:t> </a:t>
+            </a:r>
+            <a:r>
+              <a:rPr lang="en-US" altLang="zh-CN" sz="2800" dirty="0">
+                <a:latin typeface="Arial" panose="020B0604020202020204" pitchFamily="34" charset="0"/>
+                <a:cs typeface="Arial" panose="020B0604020202020204" pitchFamily="34" charset="0"/>
+              </a:rPr>
+              <a:t>when</a:t>
+            </a:r>
+            <a:r>
+              <a:rPr lang="zh-CN" altLang="en-US" sz="2800" dirty="0">
+                <a:latin typeface="Arial" panose="020B0604020202020204" pitchFamily="34" charset="0"/>
+                <a:cs typeface="Arial" panose="020B0604020202020204" pitchFamily="34" charset="0"/>
+              </a:rPr>
+              <a:t> </a:t>
+            </a:r>
+            <a:r>
+              <a:rPr lang="en-US" altLang="zh-CN" sz="2800" dirty="0">
+                <a:latin typeface="Arial" panose="020B0604020202020204" pitchFamily="34" charset="0"/>
+                <a:cs typeface="Arial" panose="020B0604020202020204" pitchFamily="34" charset="0"/>
+              </a:rPr>
+              <a:t>retrain</a:t>
+            </a:r>
+            <a:r>
+              <a:rPr lang="zh-CN" altLang="en-US" sz="2800" dirty="0">
+                <a:latin typeface="Arial" panose="020B0604020202020204" pitchFamily="34" charset="0"/>
+                <a:cs typeface="Arial" panose="020B0604020202020204" pitchFamily="34" charset="0"/>
+              </a:rPr>
+              <a:t> </a:t>
+            </a:r>
+            <a:endParaRPr lang="en-US" sz="2800" dirty="0">
+              <a:effectLst/>
+              <a:latin typeface="Arial" panose="020B0604020202020204" pitchFamily="34" charset="0"/>
+              <a:cs typeface="Arial" panose="020B0604020202020204" pitchFamily="34" charset="0"/>
+            </a:endParaRPr>
+          </a:p>
+        </p:txBody>
+      </p:sp>
+      <p:sp>
+        <p:nvSpPr>
+          <p:cNvPr id="9" name="TextBox 8">
+            <a:extLst>
+              <a:ext uri="{FF2B5EF4-FFF2-40B4-BE49-F238E27FC236}">
+                <a16:creationId xmlns:a16="http://schemas.microsoft.com/office/drawing/2014/main" id="{225AC6A6-0581-057D-B71E-84FE1AAA5BC1}"/>
+              </a:ext>
+            </a:extLst>
+          </p:cNvPr>
+          <p:cNvSpPr txBox="1"/>
+          <p:nvPr/>
+        </p:nvSpPr>
+        <p:spPr>
+          <a:xfrm>
+            <a:off x="6409269" y="2989714"/>
+            <a:ext cx="6409266" cy="1569660"/>
+          </a:xfrm>
+          <a:prstGeom prst="rect">
+            <a:avLst/>
+          </a:prstGeom>
+          <a:noFill/>
+        </p:spPr>
+        <p:txBody>
+          <a:bodyPr wrap="square">
+            <a:spAutoFit/>
+          </a:bodyPr>
+          <a:lstStyle/>
+          <a:p>
+            <a:pPr>
+              <a:buFont typeface="+mj-lt"/>
+              <a:buAutoNum type="arabicPeriod"/>
+            </a:pPr>
+            <a:r>
+              <a:rPr lang="en-US" sz="3200" b="0" dirty="0">
+                <a:effectLst/>
+                <a:latin typeface="GillSans" panose="020B0A02020104020203" pitchFamily="34" charset="77"/>
+              </a:rPr>
+              <a:t>Decoupling Variables </a:t>
+            </a:r>
+          </a:p>
+          <a:p>
+            <a:pPr>
+              <a:buFont typeface="+mj-lt"/>
+              <a:buAutoNum type="arabicPeriod"/>
+            </a:pPr>
+            <a:r>
+              <a:rPr lang="en-US" sz="3200" b="0" dirty="0">
+                <a:effectLst/>
+                <a:latin typeface="GillSans" panose="020B0A02020104020203" pitchFamily="34" charset="77"/>
+              </a:rPr>
+              <a:t>Power Limit Optimizer </a:t>
+            </a:r>
+          </a:p>
+          <a:p>
+            <a:pPr>
+              <a:buFont typeface="+mj-lt"/>
+              <a:buAutoNum type="arabicPeriod"/>
+            </a:pPr>
+            <a:r>
+              <a:rPr lang="en-US" sz="3200" b="0" dirty="0">
+                <a:effectLst/>
+                <a:latin typeface="GillSans" panose="020B0A02020104020203" pitchFamily="34" charset="77"/>
+              </a:rPr>
+              <a:t>Batch Size Optimizer </a:t>
+            </a:r>
+          </a:p>
+        </p:txBody>
+      </p:sp>
+    </p:spTree>
+    <p:extLst>
+      <p:ext uri="{BB962C8B-B14F-4D97-AF65-F5344CB8AC3E}">
+        <p14:creationId xmlns:p14="http://schemas.microsoft.com/office/powerpoint/2010/main" val="825597419"/>
       </p:ext>
     </p:extLst>
   </p:cSld>
@@ -4953,9 +7173,6 @@
               <a:t>.</a:t>
             </a:r>
           </a:p>
-          <a:p>
-            <a:endParaRPr lang="en-US" dirty="0"/>
-          </a:p>
         </p:txBody>
       </p:sp>
       <p:sp>
@@ -5017,6 +7234,2863 @@
     <p:extLst>
       <p:ext uri="{BB962C8B-B14F-4D97-AF65-F5344CB8AC3E}">
         <p14:creationId xmlns:p14="http://schemas.microsoft.com/office/powerpoint/2010/main" val="3935209829"/>
+      </p:ext>
+    </p:extLst>
+  </p:cSld>
+  <p:clrMapOvr>
+    <a:masterClrMapping/>
+  </p:clrMapOvr>
+</p:sld>
+</file>
+
+<file path=ppt/slides/slide20.xml><?xml version="1.0" encoding="utf-8"?>
+<p:sld xmlns:a="http://schemas.openxmlformats.org/drawingml/2006/main" xmlns:r="http://schemas.openxmlformats.org/officeDocument/2006/relationships" xmlns:p="http://schemas.openxmlformats.org/presentationml/2006/main">
+  <p:cSld>
+    <p:spTree>
+      <p:nvGrpSpPr>
+        <p:cNvPr id="1" name=""/>
+        <p:cNvGrpSpPr/>
+        <p:nvPr/>
+      </p:nvGrpSpPr>
+      <p:grpSpPr>
+        <a:xfrm>
+          <a:off x="0" y="0"/>
+          <a:ext cx="0" cy="0"/>
+          <a:chOff x="0" y="0"/>
+          <a:chExt cx="0" cy="0"/>
+        </a:xfrm>
+      </p:grpSpPr>
+      <p:sp>
+        <p:nvSpPr>
+          <p:cNvPr id="2" name="Title 1"/>
+          <p:cNvSpPr>
+            <a:spLocks noGrp="1"/>
+          </p:cNvSpPr>
+          <p:nvPr>
+            <p:ph type="title"/>
+          </p:nvPr>
+        </p:nvSpPr>
+        <p:spPr/>
+        <p:txBody>
+          <a:bodyPr/>
+          <a:lstStyle/>
+          <a:p>
+            <a:r>
+              <a:rPr lang="en-US" dirty="0"/>
+              <a:t>Outline</a:t>
+            </a:r>
+            <a:endParaRPr lang="el-GR" dirty="0"/>
+          </a:p>
+        </p:txBody>
+      </p:sp>
+      <p:sp>
+        <p:nvSpPr>
+          <p:cNvPr id="3" name="Content Placeholder 2"/>
+          <p:cNvSpPr>
+            <a:spLocks noGrp="1"/>
+          </p:cNvSpPr>
+          <p:nvPr>
+            <p:ph idx="1"/>
+          </p:nvPr>
+        </p:nvSpPr>
+        <p:spPr/>
+        <p:txBody>
+          <a:bodyPr/>
+          <a:lstStyle/>
+          <a:p>
+            <a:r>
+              <a:rPr lang="en-US" dirty="0">
+                <a:solidFill>
+                  <a:schemeClr val="bg2">
+                    <a:lumMod val="90000"/>
+                  </a:schemeClr>
+                </a:solidFill>
+              </a:rPr>
+              <a:t>Background</a:t>
+            </a:r>
+          </a:p>
+          <a:p>
+            <a:r>
+              <a:rPr lang="en-US" dirty="0">
+                <a:solidFill>
+                  <a:schemeClr val="bg2">
+                    <a:lumMod val="90000"/>
+                  </a:schemeClr>
+                </a:solidFill>
+              </a:rPr>
+              <a:t>Motivation</a:t>
+            </a:r>
+          </a:p>
+          <a:p>
+            <a:r>
+              <a:rPr lang="en-US" altLang="zh-CN" dirty="0">
+                <a:solidFill>
+                  <a:schemeClr val="bg2">
+                    <a:lumMod val="90000"/>
+                  </a:schemeClr>
+                </a:solidFill>
+              </a:rPr>
+              <a:t>Overview</a:t>
+            </a:r>
+            <a:endParaRPr lang="en-US" dirty="0">
+              <a:solidFill>
+                <a:schemeClr val="bg2">
+                  <a:lumMod val="90000"/>
+                </a:schemeClr>
+              </a:solidFill>
+            </a:endParaRPr>
+          </a:p>
+          <a:p>
+            <a:r>
+              <a:rPr lang="en-US" dirty="0"/>
+              <a:t>Me</a:t>
+            </a:r>
+            <a:r>
+              <a:rPr lang="en-US" altLang="zh-CN" dirty="0"/>
+              <a:t>thod</a:t>
+            </a:r>
+            <a:endParaRPr lang="en-US" dirty="0"/>
+          </a:p>
+          <a:p>
+            <a:r>
+              <a:rPr lang="en-US" dirty="0">
+                <a:solidFill>
+                  <a:schemeClr val="bg2">
+                    <a:lumMod val="90000"/>
+                  </a:schemeClr>
+                </a:solidFill>
+              </a:rPr>
+              <a:t>Evaluation</a:t>
+            </a:r>
+          </a:p>
+          <a:p>
+            <a:r>
+              <a:rPr lang="en-US" dirty="0">
+                <a:solidFill>
+                  <a:schemeClr val="bg2">
+                    <a:lumMod val="90000"/>
+                  </a:schemeClr>
+                </a:solidFill>
+              </a:rPr>
+              <a:t>Summary and Discussion</a:t>
+            </a:r>
+            <a:endParaRPr lang="el-GR" dirty="0">
+              <a:solidFill>
+                <a:schemeClr val="bg2">
+                  <a:lumMod val="90000"/>
+                </a:schemeClr>
+              </a:solidFill>
+            </a:endParaRPr>
+          </a:p>
+        </p:txBody>
+      </p:sp>
+    </p:spTree>
+    <p:extLst>
+      <p:ext uri="{BB962C8B-B14F-4D97-AF65-F5344CB8AC3E}">
+        <p14:creationId xmlns:p14="http://schemas.microsoft.com/office/powerpoint/2010/main" val="1756009192"/>
+      </p:ext>
+    </p:extLst>
+  </p:cSld>
+  <p:clrMapOvr>
+    <a:masterClrMapping/>
+  </p:clrMapOvr>
+</p:sld>
+</file>
+
+<file path=ppt/slides/slide21.xml><?xml version="1.0" encoding="utf-8"?>
+<p:sld xmlns:a="http://schemas.openxmlformats.org/drawingml/2006/main" xmlns:r="http://schemas.openxmlformats.org/officeDocument/2006/relationships" xmlns:p="http://schemas.openxmlformats.org/presentationml/2006/main">
+  <p:cSld>
+    <p:spTree>
+      <p:nvGrpSpPr>
+        <p:cNvPr id="1" name=""/>
+        <p:cNvGrpSpPr/>
+        <p:nvPr/>
+      </p:nvGrpSpPr>
+      <p:grpSpPr>
+        <a:xfrm>
+          <a:off x="0" y="0"/>
+          <a:ext cx="0" cy="0"/>
+          <a:chOff x="0" y="0"/>
+          <a:chExt cx="0" cy="0"/>
+        </a:xfrm>
+      </p:grpSpPr>
+      <p:pic>
+        <p:nvPicPr>
+          <p:cNvPr id="6" name="Content Placeholder 5">
+            <a:extLst>
+              <a:ext uri="{FF2B5EF4-FFF2-40B4-BE49-F238E27FC236}">
+                <a16:creationId xmlns:a16="http://schemas.microsoft.com/office/drawing/2014/main" id="{87FAD21B-2CC0-5490-05BA-6D8820D12EC5}"/>
+              </a:ext>
+            </a:extLst>
+          </p:cNvPr>
+          <p:cNvPicPr>
+            <a:picLocks noGrp="1" noChangeAspect="1"/>
+          </p:cNvPicPr>
+          <p:nvPr>
+            <p:ph idx="1"/>
+          </p:nvPr>
+        </p:nvPicPr>
+        <p:blipFill rotWithShape="1">
+          <a:blip r:embed="rId2"/>
+          <a:srcRect t="3381"/>
+          <a:stretch/>
+        </p:blipFill>
+        <p:spPr>
+          <a:xfrm>
+            <a:off x="121925" y="1964267"/>
+            <a:ext cx="8821890" cy="4204230"/>
+          </a:xfrm>
+        </p:spPr>
+      </p:pic>
+      <p:sp>
+        <p:nvSpPr>
+          <p:cNvPr id="4" name="Title 1">
+            <a:extLst>
+              <a:ext uri="{FF2B5EF4-FFF2-40B4-BE49-F238E27FC236}">
+                <a16:creationId xmlns:a16="http://schemas.microsoft.com/office/drawing/2014/main" id="{F9CFC499-3B08-78D3-F70A-9932DAEA4FAB}"/>
+              </a:ext>
+            </a:extLst>
+          </p:cNvPr>
+          <p:cNvSpPr txBox="1">
+            <a:spLocks/>
+          </p:cNvSpPr>
+          <p:nvPr/>
+        </p:nvSpPr>
+        <p:spPr>
+          <a:xfrm>
+            <a:off x="982133" y="237595"/>
+            <a:ext cx="10515600" cy="1325563"/>
+          </a:xfrm>
+          <a:prstGeom prst="rect">
+            <a:avLst/>
+          </a:prstGeom>
+        </p:spPr>
+        <p:txBody>
+          <a:bodyPr vert="horz" lIns="91440" tIns="45720" rIns="91440" bIns="45720" rtlCol="0" anchor="ctr">
+            <a:normAutofit/>
+          </a:bodyPr>
+          <a:lstStyle>
+            <a:lvl1pPr algn="l" defTabSz="914400" rtl="0" eaLnBrk="1" latinLnBrk="0" hangingPunct="1">
+              <a:lnSpc>
+                <a:spcPct val="90000"/>
+              </a:lnSpc>
+              <a:spcBef>
+                <a:spcPct val="0"/>
+              </a:spcBef>
+              <a:buNone/>
+              <a:defRPr sz="4400" kern="1200">
+                <a:solidFill>
+                  <a:schemeClr val="tx1"/>
+                </a:solidFill>
+                <a:latin typeface="+mj-lt"/>
+                <a:ea typeface="+mj-ea"/>
+                <a:cs typeface="+mj-cs"/>
+              </a:defRPr>
+            </a:lvl1pPr>
+          </a:lstStyle>
+          <a:p>
+            <a:r>
+              <a:rPr lang="en-US" altLang="zh-CN" sz="3600" dirty="0">
+                <a:solidFill>
+                  <a:srgbClr val="FF5600"/>
+                </a:solidFill>
+                <a:latin typeface="GillSans" panose="020B0A02020104020203" pitchFamily="34" charset="77"/>
+              </a:rPr>
+              <a:t>1.</a:t>
+            </a:r>
+            <a:r>
+              <a:rPr lang="zh-CN" altLang="en-US" sz="3600" dirty="0">
+                <a:solidFill>
+                  <a:srgbClr val="FF5600"/>
+                </a:solidFill>
+                <a:latin typeface="GillSans" panose="020B0A02020104020203" pitchFamily="34" charset="77"/>
+              </a:rPr>
+              <a:t> </a:t>
+            </a:r>
+            <a:r>
+              <a:rPr lang="en-US" sz="3600" dirty="0">
+                <a:solidFill>
+                  <a:srgbClr val="FF5600"/>
+                </a:solidFill>
+                <a:latin typeface="GillSans" panose="020B0A02020104020203" pitchFamily="34" charset="77"/>
+              </a:rPr>
+              <a:t>Decoupling Batch Size and Power Limit </a:t>
+            </a:r>
+          </a:p>
+        </p:txBody>
+      </p:sp>
+      <p:sp>
+        <p:nvSpPr>
+          <p:cNvPr id="7" name="Arc 6">
+            <a:extLst>
+              <a:ext uri="{FF2B5EF4-FFF2-40B4-BE49-F238E27FC236}">
+                <a16:creationId xmlns:a16="http://schemas.microsoft.com/office/drawing/2014/main" id="{52CCDB8F-46EB-8385-7FAE-A82F89ADE42F}"/>
+              </a:ext>
+            </a:extLst>
+          </p:cNvPr>
+          <p:cNvSpPr/>
+          <p:nvPr/>
+        </p:nvSpPr>
+        <p:spPr>
+          <a:xfrm flipV="1">
+            <a:off x="3728537" y="5762690"/>
+            <a:ext cx="3126259" cy="811614"/>
+          </a:xfrm>
+          <a:prstGeom prst="arc">
+            <a:avLst>
+              <a:gd name="adj1" fmla="val 10868942"/>
+              <a:gd name="adj2" fmla="val 0"/>
+            </a:avLst>
+          </a:prstGeom>
+        </p:spPr>
+        <p:style>
+          <a:lnRef idx="1">
+            <a:schemeClr val="accent1"/>
+          </a:lnRef>
+          <a:fillRef idx="0">
+            <a:schemeClr val="accent1"/>
+          </a:fillRef>
+          <a:effectRef idx="0">
+            <a:schemeClr val="accent1"/>
+          </a:effectRef>
+          <a:fontRef idx="minor">
+            <a:schemeClr val="tx1"/>
+          </a:fontRef>
+        </p:style>
+        <p:txBody>
+          <a:bodyPr rtlCol="0" anchor="ctr"/>
+          <a:lstStyle/>
+          <a:p>
+            <a:pPr algn="ctr"/>
+            <a:endParaRPr lang="en-SA"/>
+          </a:p>
+        </p:txBody>
+      </p:sp>
+      <p:sp>
+        <p:nvSpPr>
+          <p:cNvPr id="8" name="TextBox 7">
+            <a:extLst>
+              <a:ext uri="{FF2B5EF4-FFF2-40B4-BE49-F238E27FC236}">
+                <a16:creationId xmlns:a16="http://schemas.microsoft.com/office/drawing/2014/main" id="{0A202B53-6885-6F7C-B920-0603BDC6EB8F}"/>
+              </a:ext>
+            </a:extLst>
+          </p:cNvPr>
+          <p:cNvSpPr txBox="1"/>
+          <p:nvPr/>
+        </p:nvSpPr>
+        <p:spPr>
+          <a:xfrm>
+            <a:off x="6239933" y="1563158"/>
+            <a:ext cx="6841067" cy="523220"/>
+          </a:xfrm>
+          <a:prstGeom prst="rect">
+            <a:avLst/>
+          </a:prstGeom>
+          <a:noFill/>
+        </p:spPr>
+        <p:txBody>
+          <a:bodyPr wrap="square">
+            <a:spAutoFit/>
+          </a:bodyPr>
+          <a:lstStyle/>
+          <a:p>
+            <a:r>
+              <a:rPr lang="en-SA" altLang="zh-CN" sz="2800" dirty="0">
+                <a:effectLst/>
+                <a:latin typeface="Arial" panose="020B0604020202020204" pitchFamily="34" charset="0"/>
+                <a:cs typeface="Arial" panose="020B0604020202020204" pitchFamily="34" charset="0"/>
+              </a:rPr>
+              <a:t> </a:t>
+            </a:r>
+            <a:r>
+              <a:rPr lang="en-US" altLang="zh-CN" sz="2800" dirty="0">
+                <a:latin typeface="Arial" panose="020B0604020202020204" pitchFamily="34" charset="0"/>
+                <a:cs typeface="Arial" panose="020B0604020202020204" pitchFamily="34" charset="0"/>
+              </a:rPr>
+              <a:t>power</a:t>
+            </a:r>
+            <a:r>
+              <a:rPr lang="zh-CN" altLang="en-US" sz="2800" dirty="0">
+                <a:latin typeface="Arial" panose="020B0604020202020204" pitchFamily="34" charset="0"/>
+                <a:cs typeface="Arial" panose="020B0604020202020204" pitchFamily="34" charset="0"/>
+              </a:rPr>
+              <a:t> </a:t>
+            </a:r>
+            <a:r>
+              <a:rPr lang="en-US" altLang="zh-CN" sz="2800" dirty="0">
+                <a:latin typeface="Arial" panose="020B0604020202020204" pitchFamily="34" charset="0"/>
+                <a:cs typeface="Arial" panose="020B0604020202020204" pitchFamily="34" charset="0"/>
+              </a:rPr>
+              <a:t>limit</a:t>
+            </a:r>
+            <a:r>
+              <a:rPr lang="zh-CN" altLang="en-US" sz="2800" dirty="0">
+                <a:latin typeface="Arial" panose="020B0604020202020204" pitchFamily="34" charset="0"/>
+                <a:cs typeface="Arial" panose="020B0604020202020204" pitchFamily="34" charset="0"/>
+              </a:rPr>
+              <a:t> </a:t>
+            </a:r>
+            <a:r>
+              <a:rPr lang="en-US" altLang="zh-CN" sz="2800" dirty="0">
+                <a:latin typeface="Arial" panose="020B0604020202020204" pitchFamily="34" charset="0"/>
+                <a:cs typeface="Arial" panose="020B0604020202020204" pitchFamily="34" charset="0"/>
+              </a:rPr>
+              <a:t>is</a:t>
+            </a:r>
+            <a:r>
+              <a:rPr lang="zh-CN" altLang="en-US" sz="2800" dirty="0">
+                <a:latin typeface="Arial" panose="020B0604020202020204" pitchFamily="34" charset="0"/>
+                <a:cs typeface="Arial" panose="020B0604020202020204" pitchFamily="34" charset="0"/>
+              </a:rPr>
+              <a:t> </a:t>
+            </a:r>
+            <a:r>
+              <a:rPr lang="en-US" altLang="zh-CN" sz="2800" dirty="0">
+                <a:latin typeface="Arial" panose="020B0604020202020204" pitchFamily="34" charset="0"/>
+                <a:cs typeface="Arial" panose="020B0604020202020204" pitchFamily="34" charset="0"/>
+              </a:rPr>
+              <a:t>easier</a:t>
+            </a:r>
+            <a:endParaRPr lang="en-US" sz="2800" dirty="0">
+              <a:effectLst/>
+              <a:latin typeface="Arial" panose="020B0604020202020204" pitchFamily="34" charset="0"/>
+              <a:cs typeface="Arial" panose="020B0604020202020204" pitchFamily="34" charset="0"/>
+            </a:endParaRPr>
+          </a:p>
+        </p:txBody>
+      </p:sp>
+    </p:spTree>
+    <p:extLst>
+      <p:ext uri="{BB962C8B-B14F-4D97-AF65-F5344CB8AC3E}">
+        <p14:creationId xmlns:p14="http://schemas.microsoft.com/office/powerpoint/2010/main" val="2956792008"/>
+      </p:ext>
+    </p:extLst>
+  </p:cSld>
+  <p:clrMapOvr>
+    <a:masterClrMapping/>
+  </p:clrMapOvr>
+</p:sld>
+</file>
+
+<file path=ppt/slides/slide22.xml><?xml version="1.0" encoding="utf-8"?>
+<p:sld xmlns:a="http://schemas.openxmlformats.org/drawingml/2006/main" xmlns:r="http://schemas.openxmlformats.org/officeDocument/2006/relationships" xmlns:p="http://schemas.openxmlformats.org/presentationml/2006/main">
+  <p:cSld>
+    <p:spTree>
+      <p:nvGrpSpPr>
+        <p:cNvPr id="1" name=""/>
+        <p:cNvGrpSpPr/>
+        <p:nvPr/>
+      </p:nvGrpSpPr>
+      <p:grpSpPr>
+        <a:xfrm>
+          <a:off x="0" y="0"/>
+          <a:ext cx="0" cy="0"/>
+          <a:chOff x="0" y="0"/>
+          <a:chExt cx="0" cy="0"/>
+        </a:xfrm>
+      </p:grpSpPr>
+      <p:sp>
+        <p:nvSpPr>
+          <p:cNvPr id="4" name="Title 1">
+            <a:extLst>
+              <a:ext uri="{FF2B5EF4-FFF2-40B4-BE49-F238E27FC236}">
+                <a16:creationId xmlns:a16="http://schemas.microsoft.com/office/drawing/2014/main" id="{F9CFC499-3B08-78D3-F70A-9932DAEA4FAB}"/>
+              </a:ext>
+            </a:extLst>
+          </p:cNvPr>
+          <p:cNvSpPr txBox="1">
+            <a:spLocks/>
+          </p:cNvSpPr>
+          <p:nvPr/>
+        </p:nvSpPr>
+        <p:spPr>
+          <a:xfrm>
+            <a:off x="982133" y="237595"/>
+            <a:ext cx="10515600" cy="1325563"/>
+          </a:xfrm>
+          <a:prstGeom prst="rect">
+            <a:avLst/>
+          </a:prstGeom>
+        </p:spPr>
+        <p:txBody>
+          <a:bodyPr vert="horz" lIns="91440" tIns="45720" rIns="91440" bIns="45720" rtlCol="0" anchor="ctr">
+            <a:normAutofit/>
+          </a:bodyPr>
+          <a:lstStyle>
+            <a:lvl1pPr algn="l" defTabSz="914400" rtl="0" eaLnBrk="1" latinLnBrk="0" hangingPunct="1">
+              <a:lnSpc>
+                <a:spcPct val="90000"/>
+              </a:lnSpc>
+              <a:spcBef>
+                <a:spcPct val="0"/>
+              </a:spcBef>
+              <a:buNone/>
+              <a:defRPr sz="4400" kern="1200">
+                <a:solidFill>
+                  <a:schemeClr val="tx1"/>
+                </a:solidFill>
+                <a:latin typeface="+mj-lt"/>
+                <a:ea typeface="+mj-ea"/>
+                <a:cs typeface="+mj-cs"/>
+              </a:defRPr>
+            </a:lvl1pPr>
+          </a:lstStyle>
+          <a:p>
+            <a:r>
+              <a:rPr lang="en-US" sz="3600" dirty="0">
+                <a:solidFill>
+                  <a:srgbClr val="FF5600"/>
+                </a:solidFill>
+                <a:latin typeface="GillSans" panose="020B0A02020104020203" pitchFamily="34" charset="77"/>
+              </a:rPr>
+              <a:t>2. Power Limit Optimizer </a:t>
+            </a:r>
+          </a:p>
+        </p:txBody>
+      </p:sp>
+      <p:sp>
+        <p:nvSpPr>
+          <p:cNvPr id="3" name="Content Placeholder 2">
+            <a:extLst>
+              <a:ext uri="{FF2B5EF4-FFF2-40B4-BE49-F238E27FC236}">
+                <a16:creationId xmlns:a16="http://schemas.microsoft.com/office/drawing/2014/main" id="{CC9A468B-DC25-005B-8262-0634F9F73E47}"/>
+              </a:ext>
+            </a:extLst>
+          </p:cNvPr>
+          <p:cNvSpPr>
+            <a:spLocks noGrp="1"/>
+          </p:cNvSpPr>
+          <p:nvPr>
+            <p:ph idx="1"/>
+          </p:nvPr>
+        </p:nvSpPr>
+        <p:spPr/>
+        <p:txBody>
+          <a:bodyPr>
+            <a:normAutofit fontScale="92500" lnSpcReduction="10000"/>
+          </a:bodyPr>
+          <a:lstStyle/>
+          <a:p>
+            <a:pPr marL="0" indent="0">
+              <a:buNone/>
+            </a:pPr>
+            <a:r>
+              <a:rPr lang="en-US" sz="3200" dirty="0">
+                <a:effectLst/>
+                <a:latin typeface="GillSans" panose="020B0A02020104020203" pitchFamily="34" charset="77"/>
+              </a:rPr>
+              <a:t>Just-in-time online profiler </a:t>
+            </a:r>
+            <a:endParaRPr lang="en-US" dirty="0">
+              <a:effectLst/>
+            </a:endParaRPr>
+          </a:p>
+          <a:p>
+            <a:pPr>
+              <a:buFont typeface="Arial" panose="020B0604020202020204" pitchFamily="34" charset="0"/>
+              <a:buChar char="•"/>
+            </a:pPr>
+            <a:r>
+              <a:rPr lang="en-US" sz="3200" b="0" dirty="0">
+                <a:effectLst/>
+                <a:latin typeface="GillSans" panose="020B0A02020104020203" pitchFamily="34" charset="77"/>
+              </a:rPr>
+              <a:t>Profiles the </a:t>
+            </a:r>
+            <a:r>
+              <a:rPr lang="en-US" sz="3200" b="0" dirty="0">
+                <a:solidFill>
+                  <a:srgbClr val="F47F21"/>
+                </a:solidFill>
+                <a:effectLst/>
+                <a:latin typeface="GillSans" panose="020B0A02020104020203" pitchFamily="34" charset="77"/>
+              </a:rPr>
+              <a:t>power </a:t>
+            </a:r>
+            <a:r>
+              <a:rPr lang="en-US" sz="3200" b="0" dirty="0">
+                <a:effectLst/>
+                <a:latin typeface="GillSans" panose="020B0A02020104020203" pitchFamily="34" charset="77"/>
+              </a:rPr>
+              <a:t>and </a:t>
+            </a:r>
+            <a:r>
+              <a:rPr lang="en-US" sz="3200" b="0" dirty="0">
+                <a:solidFill>
+                  <a:srgbClr val="F47F21"/>
+                </a:solidFill>
+                <a:effectLst/>
+                <a:latin typeface="GillSans" panose="020B0A02020104020203" pitchFamily="34" charset="77"/>
+              </a:rPr>
+              <a:t>throughput </a:t>
+            </a:r>
+            <a:r>
+              <a:rPr lang="en-US" sz="3200" b="0" dirty="0">
+                <a:effectLst/>
+                <a:latin typeface="GillSans" panose="020B0A02020104020203" pitchFamily="34" charset="77"/>
+              </a:rPr>
+              <a:t>of each power limit </a:t>
+            </a:r>
+            <a:r>
+              <a:rPr lang="en-US" altLang="zh-CN" sz="3200" b="0" dirty="0">
+                <a:effectLst/>
+                <a:latin typeface="GillSans" panose="020B0A02020104020203" pitchFamily="34" charset="77"/>
+              </a:rPr>
+              <a:t>(at</a:t>
+            </a:r>
+            <a:r>
+              <a:rPr lang="zh-CN" altLang="en-US" sz="3200" b="0" dirty="0">
+                <a:effectLst/>
+                <a:latin typeface="GillSans" panose="020B0A02020104020203" pitchFamily="34" charset="77"/>
+              </a:rPr>
+              <a:t> </a:t>
+            </a:r>
+            <a:r>
+              <a:rPr lang="en-US" altLang="zh-CN" sz="3200" b="0" dirty="0">
+                <a:effectLst/>
+                <a:latin typeface="GillSans" panose="020B0A02020104020203" pitchFamily="34" charset="77"/>
+              </a:rPr>
+              <a:t>the</a:t>
+            </a:r>
+            <a:r>
+              <a:rPr lang="zh-CN" altLang="en-US" sz="3200" b="0" dirty="0">
+                <a:effectLst/>
+                <a:latin typeface="GillSans" panose="020B0A02020104020203" pitchFamily="34" charset="77"/>
+              </a:rPr>
+              <a:t> </a:t>
+            </a:r>
+            <a:r>
+              <a:rPr lang="en-US" altLang="zh-CN" sz="3200" b="0" dirty="0">
+                <a:effectLst/>
+                <a:latin typeface="GillSans" panose="020B0A02020104020203" pitchFamily="34" charset="77"/>
+              </a:rPr>
+              <a:t>beginning</a:t>
+            </a:r>
+            <a:r>
+              <a:rPr lang="zh-CN" altLang="en-US" sz="3200" b="0" dirty="0">
+                <a:effectLst/>
+                <a:latin typeface="GillSans" panose="020B0A02020104020203" pitchFamily="34" charset="77"/>
+              </a:rPr>
+              <a:t> </a:t>
+            </a:r>
+            <a:r>
+              <a:rPr lang="en-US" altLang="zh-CN" sz="3200" b="0" dirty="0">
+                <a:effectLst/>
+                <a:latin typeface="GillSans" panose="020B0A02020104020203" pitchFamily="34" charset="77"/>
+              </a:rPr>
+              <a:t>of</a:t>
+            </a:r>
+            <a:r>
+              <a:rPr lang="zh-CN" altLang="en-US" sz="3200" b="0" dirty="0">
+                <a:effectLst/>
+                <a:latin typeface="GillSans" panose="020B0A02020104020203" pitchFamily="34" charset="77"/>
+              </a:rPr>
+              <a:t> </a:t>
+            </a:r>
+            <a:r>
+              <a:rPr lang="en-US" altLang="zh-CN" sz="3200" b="0" dirty="0">
+                <a:effectLst/>
+                <a:latin typeface="GillSans" panose="020B0A02020104020203" pitchFamily="34" charset="77"/>
+              </a:rPr>
+              <a:t>training)</a:t>
+            </a:r>
+            <a:endParaRPr lang="en-US" sz="3200" dirty="0">
+              <a:effectLst/>
+              <a:latin typeface="ArialMT"/>
+            </a:endParaRPr>
+          </a:p>
+          <a:p>
+            <a:pPr>
+              <a:buFont typeface="Arial" panose="020B0604020202020204" pitchFamily="34" charset="0"/>
+              <a:buChar char="•"/>
+            </a:pPr>
+            <a:r>
+              <a:rPr lang="en-US" sz="3200" b="0" dirty="0">
+                <a:solidFill>
+                  <a:srgbClr val="F47F21"/>
+                </a:solidFill>
+                <a:effectLst/>
+                <a:latin typeface="GillSans" panose="020B0A02020104020203" pitchFamily="34" charset="77"/>
+              </a:rPr>
+              <a:t>Five seconds </a:t>
+            </a:r>
+            <a:r>
+              <a:rPr lang="en-US" sz="3200" b="0" dirty="0">
+                <a:effectLst/>
+                <a:latin typeface="GillSans" panose="020B0A02020104020203" pitchFamily="34" charset="77"/>
+              </a:rPr>
+              <a:t>per power limit is enough </a:t>
+            </a:r>
+            <a:r>
+              <a:rPr lang="en-US" altLang="zh-CN" sz="3200" b="0" dirty="0">
+                <a:effectLst/>
+                <a:latin typeface="GillSans" panose="020B0A02020104020203" pitchFamily="34" charset="77"/>
+              </a:rPr>
+              <a:t>(each</a:t>
+            </a:r>
+            <a:r>
+              <a:rPr lang="zh-CN" altLang="en-US" sz="3200" b="0" dirty="0">
+                <a:effectLst/>
+                <a:latin typeface="GillSans" panose="020B0A02020104020203" pitchFamily="34" charset="77"/>
+              </a:rPr>
+              <a:t> </a:t>
+            </a:r>
+            <a:r>
+              <a:rPr lang="en-US" altLang="zh-CN" sz="3200" b="0" dirty="0">
+                <a:effectLst/>
+                <a:latin typeface="GillSans" panose="020B0A02020104020203" pitchFamily="34" charset="77"/>
+              </a:rPr>
+              <a:t>batch</a:t>
+            </a:r>
+            <a:r>
+              <a:rPr lang="zh-CN" altLang="en-US" sz="3200" b="0" dirty="0">
+                <a:effectLst/>
+                <a:latin typeface="GillSans" panose="020B0A02020104020203" pitchFamily="34" charset="77"/>
+              </a:rPr>
+              <a:t> </a:t>
+            </a:r>
+            <a:r>
+              <a:rPr lang="en-US" altLang="zh-CN" sz="3200" b="0" dirty="0">
+                <a:effectLst/>
+                <a:latin typeface="GillSans" panose="020B0A02020104020203" pitchFamily="34" charset="77"/>
+              </a:rPr>
+              <a:t>size</a:t>
+            </a:r>
+            <a:r>
+              <a:rPr lang="zh-CN" altLang="en-US" sz="3200" b="0" dirty="0">
+                <a:effectLst/>
+                <a:latin typeface="GillSans" panose="020B0A02020104020203" pitchFamily="34" charset="77"/>
+              </a:rPr>
+              <a:t> </a:t>
+            </a:r>
+            <a:r>
+              <a:rPr lang="en-US" altLang="zh-CN" sz="3200" b="0" dirty="0">
+                <a:effectLst/>
+                <a:latin typeface="GillSans" panose="020B0A02020104020203" pitchFamily="34" charset="77"/>
+              </a:rPr>
+              <a:t>do</a:t>
+            </a:r>
+            <a:r>
+              <a:rPr lang="zh-CN" altLang="en-US" sz="3200" b="0" dirty="0">
+                <a:effectLst/>
+                <a:latin typeface="GillSans" panose="020B0A02020104020203" pitchFamily="34" charset="77"/>
+              </a:rPr>
+              <a:t> </a:t>
+            </a:r>
+            <a:r>
+              <a:rPr lang="en-US" altLang="zh-CN" sz="3200" dirty="0">
+                <a:latin typeface="GillSans" panose="020B0A02020104020203" pitchFamily="34" charset="77"/>
+              </a:rPr>
+              <a:t>once</a:t>
+            </a:r>
+            <a:r>
+              <a:rPr lang="en-US" altLang="zh-CN" sz="3200" b="0" dirty="0">
+                <a:effectLst/>
+                <a:latin typeface="GillSans" panose="020B0A02020104020203" pitchFamily="34" charset="77"/>
+              </a:rPr>
+              <a:t>)</a:t>
+            </a:r>
+            <a:endParaRPr lang="en-US" sz="3200" dirty="0">
+              <a:effectLst/>
+              <a:latin typeface="ArialMT"/>
+            </a:endParaRPr>
+          </a:p>
+          <a:p>
+            <a:pPr marL="0" indent="0">
+              <a:buNone/>
+            </a:pPr>
+            <a:endParaRPr lang="en-US" sz="3200" dirty="0">
+              <a:effectLst/>
+              <a:latin typeface="GillSans" panose="020B0A02020104020203" pitchFamily="34" charset="77"/>
+            </a:endParaRPr>
+          </a:p>
+          <a:p>
+            <a:pPr marL="0" indent="0">
+              <a:buNone/>
+            </a:pPr>
+            <a:endParaRPr lang="en-US" sz="3200" dirty="0">
+              <a:latin typeface="GillSans" panose="020B0A02020104020203" pitchFamily="34" charset="77"/>
+            </a:endParaRPr>
+          </a:p>
+          <a:p>
+            <a:pPr marL="0" indent="0">
+              <a:buNone/>
+            </a:pPr>
+            <a:r>
+              <a:rPr lang="en-US" sz="3200" dirty="0">
+                <a:effectLst/>
+                <a:latin typeface="GillSans" panose="020B0A02020104020203" pitchFamily="34" charset="77"/>
+              </a:rPr>
+              <a:t>Low overhead </a:t>
+            </a:r>
+            <a:endParaRPr lang="en-US" sz="3200" dirty="0">
+              <a:effectLst/>
+              <a:latin typeface="ArialMT"/>
+            </a:endParaRPr>
+          </a:p>
+          <a:p>
+            <a:pPr marL="742950" lvl="1" indent="-285750">
+              <a:buFont typeface="Arial" panose="020B0604020202020204" pitchFamily="34" charset="0"/>
+              <a:buChar char="•"/>
+            </a:pPr>
+            <a:r>
+              <a:rPr lang="en-US" sz="3200" b="0" dirty="0">
+                <a:effectLst/>
+                <a:latin typeface="GillSans" panose="020B0A02020104020203" pitchFamily="34" charset="77"/>
+              </a:rPr>
+              <a:t>Profile </a:t>
+            </a:r>
+            <a:r>
+              <a:rPr lang="en-US" sz="3200" b="0" dirty="0">
+                <a:solidFill>
+                  <a:srgbClr val="F47F21"/>
+                </a:solidFill>
+                <a:effectLst/>
+                <a:latin typeface="GillSans" panose="020B0A02020104020203" pitchFamily="34" charset="77"/>
+              </a:rPr>
+              <a:t>only once </a:t>
+            </a:r>
+            <a:r>
+              <a:rPr lang="en-US" sz="3200" b="0" dirty="0">
+                <a:effectLst/>
+                <a:latin typeface="GillSans" panose="020B0A02020104020203" pitchFamily="34" charset="77"/>
+              </a:rPr>
+              <a:t>for each batch size </a:t>
+            </a:r>
+            <a:endParaRPr lang="en-US" sz="3200" dirty="0">
+              <a:effectLst/>
+              <a:latin typeface="ArialMT"/>
+            </a:endParaRPr>
+          </a:p>
+          <a:p>
+            <a:pPr marL="742950" lvl="1" indent="-285750">
+              <a:buFont typeface="Arial" panose="020B0604020202020204" pitchFamily="34" charset="0"/>
+              <a:buChar char="•"/>
+            </a:pPr>
+            <a:r>
+              <a:rPr lang="en-US" sz="3200" b="0" dirty="0">
+                <a:effectLst/>
+                <a:latin typeface="GillSans" panose="020B0A02020104020203" pitchFamily="34" charset="77"/>
+              </a:rPr>
+              <a:t>Profiling </a:t>
+            </a:r>
+            <a:r>
+              <a:rPr lang="en-US" sz="3200" b="0" dirty="0">
+                <a:solidFill>
+                  <a:srgbClr val="F47F21"/>
+                </a:solidFill>
+                <a:effectLst/>
+                <a:latin typeface="GillSans" panose="020B0A02020104020203" pitchFamily="34" charset="77"/>
+              </a:rPr>
+              <a:t>contributes </a:t>
+            </a:r>
+            <a:r>
+              <a:rPr lang="en-US" sz="3200" b="0" dirty="0">
+                <a:effectLst/>
+                <a:latin typeface="GillSans" panose="020B0A02020104020203" pitchFamily="34" charset="77"/>
+              </a:rPr>
+              <a:t>to the training process </a:t>
+            </a:r>
+            <a:endParaRPr lang="en-US" sz="3200" dirty="0">
+              <a:effectLst/>
+              <a:latin typeface="ArialMT"/>
+            </a:endParaRPr>
+          </a:p>
+        </p:txBody>
+      </p:sp>
+    </p:spTree>
+    <p:extLst>
+      <p:ext uri="{BB962C8B-B14F-4D97-AF65-F5344CB8AC3E}">
+        <p14:creationId xmlns:p14="http://schemas.microsoft.com/office/powerpoint/2010/main" val="724920771"/>
+      </p:ext>
+    </p:extLst>
+  </p:cSld>
+  <p:clrMapOvr>
+    <a:masterClrMapping/>
+  </p:clrMapOvr>
+</p:sld>
+</file>
+
+<file path=ppt/slides/slide23.xml><?xml version="1.0" encoding="utf-8"?>
+<p:sld xmlns:a="http://schemas.openxmlformats.org/drawingml/2006/main" xmlns:r="http://schemas.openxmlformats.org/officeDocument/2006/relationships" xmlns:p="http://schemas.openxmlformats.org/presentationml/2006/main">
+  <p:cSld>
+    <p:spTree>
+      <p:nvGrpSpPr>
+        <p:cNvPr id="1" name=""/>
+        <p:cNvGrpSpPr/>
+        <p:nvPr/>
+      </p:nvGrpSpPr>
+      <p:grpSpPr>
+        <a:xfrm>
+          <a:off x="0" y="0"/>
+          <a:ext cx="0" cy="0"/>
+          <a:chOff x="0" y="0"/>
+          <a:chExt cx="0" cy="0"/>
+        </a:xfrm>
+      </p:grpSpPr>
+      <p:sp>
+        <p:nvSpPr>
+          <p:cNvPr id="4" name="Title 1">
+            <a:extLst>
+              <a:ext uri="{FF2B5EF4-FFF2-40B4-BE49-F238E27FC236}">
+                <a16:creationId xmlns:a16="http://schemas.microsoft.com/office/drawing/2014/main" id="{F9CFC499-3B08-78D3-F70A-9932DAEA4FAB}"/>
+              </a:ext>
+            </a:extLst>
+          </p:cNvPr>
+          <p:cNvSpPr txBox="1">
+            <a:spLocks/>
+          </p:cNvSpPr>
+          <p:nvPr/>
+        </p:nvSpPr>
+        <p:spPr>
+          <a:xfrm>
+            <a:off x="982133" y="237595"/>
+            <a:ext cx="10515600" cy="1325563"/>
+          </a:xfrm>
+          <a:prstGeom prst="rect">
+            <a:avLst/>
+          </a:prstGeom>
+        </p:spPr>
+        <p:txBody>
+          <a:bodyPr vert="horz" lIns="91440" tIns="45720" rIns="91440" bIns="45720" rtlCol="0" anchor="ctr">
+            <a:normAutofit/>
+          </a:bodyPr>
+          <a:lstStyle>
+            <a:lvl1pPr algn="l" defTabSz="914400" rtl="0" eaLnBrk="1" latinLnBrk="0" hangingPunct="1">
+              <a:lnSpc>
+                <a:spcPct val="90000"/>
+              </a:lnSpc>
+              <a:spcBef>
+                <a:spcPct val="0"/>
+              </a:spcBef>
+              <a:buNone/>
+              <a:defRPr sz="4400" kern="1200">
+                <a:solidFill>
+                  <a:schemeClr val="tx1"/>
+                </a:solidFill>
+                <a:latin typeface="+mj-lt"/>
+                <a:ea typeface="+mj-ea"/>
+                <a:cs typeface="+mj-cs"/>
+              </a:defRPr>
+            </a:lvl1pPr>
+          </a:lstStyle>
+          <a:p>
+            <a:r>
+              <a:rPr lang="en-US" altLang="zh-CN" sz="3600" dirty="0">
+                <a:solidFill>
+                  <a:srgbClr val="FF5600"/>
+                </a:solidFill>
+                <a:latin typeface="GillSans" panose="020B0A02020104020203" pitchFamily="34" charset="77"/>
+              </a:rPr>
+              <a:t>3.</a:t>
+            </a:r>
+            <a:r>
+              <a:rPr lang="en-US" sz="3600" dirty="0">
+                <a:solidFill>
+                  <a:srgbClr val="FF5600"/>
+                </a:solidFill>
+                <a:latin typeface="GillSans" panose="020B0A02020104020203" pitchFamily="34" charset="77"/>
+              </a:rPr>
+              <a:t> </a:t>
+            </a:r>
+            <a:r>
+              <a:rPr lang="en-US" altLang="zh-CN" sz="3600" dirty="0">
+                <a:solidFill>
+                  <a:srgbClr val="FF5600"/>
+                </a:solidFill>
+                <a:latin typeface="GillSans" panose="020B0A02020104020203" pitchFamily="34" charset="77"/>
+              </a:rPr>
+              <a:t>Batch</a:t>
+            </a:r>
+            <a:r>
+              <a:rPr lang="zh-CN" altLang="en-US" sz="3600" dirty="0">
+                <a:solidFill>
+                  <a:srgbClr val="FF5600"/>
+                </a:solidFill>
+                <a:latin typeface="GillSans" panose="020B0A02020104020203" pitchFamily="34" charset="77"/>
+              </a:rPr>
+              <a:t> </a:t>
+            </a:r>
+            <a:r>
+              <a:rPr lang="en-US" altLang="zh-CN" sz="3600" dirty="0">
+                <a:solidFill>
+                  <a:srgbClr val="FF5600"/>
+                </a:solidFill>
+                <a:latin typeface="GillSans" panose="020B0A02020104020203" pitchFamily="34" charset="77"/>
+              </a:rPr>
+              <a:t>Size</a:t>
+            </a:r>
+            <a:r>
+              <a:rPr lang="zh-CN" altLang="en-US" sz="3600" dirty="0">
+                <a:solidFill>
+                  <a:srgbClr val="FF5600"/>
+                </a:solidFill>
+                <a:latin typeface="GillSans" panose="020B0A02020104020203" pitchFamily="34" charset="77"/>
+              </a:rPr>
+              <a:t> </a:t>
+            </a:r>
+            <a:r>
+              <a:rPr lang="en-US" sz="3600" dirty="0">
+                <a:solidFill>
+                  <a:srgbClr val="FF5600"/>
+                </a:solidFill>
+                <a:latin typeface="GillSans" panose="020B0A02020104020203" pitchFamily="34" charset="77"/>
+              </a:rPr>
+              <a:t>Optimizer </a:t>
+            </a:r>
+          </a:p>
+        </p:txBody>
+      </p:sp>
+      <p:sp>
+        <p:nvSpPr>
+          <p:cNvPr id="3" name="Content Placeholder 2">
+            <a:extLst>
+              <a:ext uri="{FF2B5EF4-FFF2-40B4-BE49-F238E27FC236}">
+                <a16:creationId xmlns:a16="http://schemas.microsoft.com/office/drawing/2014/main" id="{CC9A468B-DC25-005B-8262-0634F9F73E47}"/>
+              </a:ext>
+            </a:extLst>
+          </p:cNvPr>
+          <p:cNvSpPr>
+            <a:spLocks noGrp="1"/>
+          </p:cNvSpPr>
+          <p:nvPr>
+            <p:ph idx="1"/>
+          </p:nvPr>
+        </p:nvSpPr>
+        <p:spPr>
+          <a:xfrm>
+            <a:off x="770467" y="1774824"/>
+            <a:ext cx="10515600" cy="4351338"/>
+          </a:xfrm>
+        </p:spPr>
+        <p:txBody>
+          <a:bodyPr>
+            <a:noAutofit/>
+          </a:bodyPr>
+          <a:lstStyle/>
+          <a:p>
+            <a:pPr marL="0" indent="0">
+              <a:buNone/>
+            </a:pPr>
+            <a:r>
+              <a:rPr lang="en-US" altLang="zh-CN" dirty="0">
+                <a:latin typeface="GillSans" panose="020B0A02020104020203" pitchFamily="34" charset="77"/>
+              </a:rPr>
+              <a:t>A</a:t>
+            </a:r>
+            <a:r>
+              <a:rPr lang="en-US" dirty="0">
+                <a:effectLst/>
+                <a:latin typeface="GillSans" panose="020B0A02020104020203" pitchFamily="34" charset="77"/>
+              </a:rPr>
+              <a:t> good solution must </a:t>
+            </a:r>
+            <a:endParaRPr lang="en-US" dirty="0">
+              <a:effectLst/>
+            </a:endParaRPr>
+          </a:p>
+          <a:p>
+            <a:pPr marL="0" indent="0">
+              <a:buNone/>
+            </a:pPr>
+            <a:r>
+              <a:rPr lang="en-US" b="0" dirty="0">
+                <a:effectLst/>
+                <a:latin typeface="GillSans" panose="020B0A02020104020203" pitchFamily="34" charset="77"/>
+              </a:rPr>
+              <a:t>1. Incorporate</a:t>
+            </a:r>
+            <a:r>
+              <a:rPr lang="zh-CN" altLang="en-US" b="0" dirty="0">
+                <a:effectLst/>
+                <a:latin typeface="GillSans" panose="020B0A02020104020203" pitchFamily="34" charset="77"/>
+              </a:rPr>
+              <a:t> </a:t>
+            </a:r>
+            <a:r>
+              <a:rPr lang="en-US" b="0" dirty="0">
+                <a:effectLst/>
+                <a:latin typeface="GillSans" panose="020B0A02020104020203" pitchFamily="34" charset="77"/>
+              </a:rPr>
+              <a:t>the</a:t>
+            </a:r>
+            <a:r>
+              <a:rPr lang="zh-CN" altLang="en-US" b="0" dirty="0">
+                <a:effectLst/>
+                <a:latin typeface="GillSans" panose="020B0A02020104020203" pitchFamily="34" charset="77"/>
+              </a:rPr>
+              <a:t> </a:t>
+            </a:r>
+            <a:r>
+              <a:rPr lang="en-US" b="0" dirty="0">
+                <a:solidFill>
+                  <a:srgbClr val="F47F23"/>
+                </a:solidFill>
+                <a:effectLst/>
+                <a:latin typeface="GillSans" panose="020B0A02020104020203" pitchFamily="34" charset="77"/>
+              </a:rPr>
+              <a:t>stochasticity</a:t>
+            </a:r>
+            <a:r>
+              <a:rPr lang="zh-CN" altLang="en-US" b="0" dirty="0">
+                <a:solidFill>
+                  <a:srgbClr val="F47F23"/>
+                </a:solidFill>
+                <a:effectLst/>
+                <a:latin typeface="GillSans" panose="020B0A02020104020203" pitchFamily="34" charset="77"/>
+              </a:rPr>
+              <a:t> </a:t>
+            </a:r>
+            <a:r>
+              <a:rPr lang="en-US" b="0" dirty="0">
+                <a:effectLst/>
+                <a:latin typeface="GillSans" panose="020B0A02020104020203" pitchFamily="34" charset="77"/>
+              </a:rPr>
+              <a:t>of</a:t>
+            </a:r>
+            <a:r>
+              <a:rPr lang="zh-CN" altLang="en-US" b="0" dirty="0">
+                <a:effectLst/>
+                <a:latin typeface="GillSans" panose="020B0A02020104020203" pitchFamily="34" charset="77"/>
+              </a:rPr>
+              <a:t> </a:t>
+            </a:r>
+            <a:r>
+              <a:rPr lang="en-US" b="0" dirty="0">
+                <a:effectLst/>
+                <a:latin typeface="GillSans" panose="020B0A02020104020203" pitchFamily="34" charset="77"/>
+              </a:rPr>
+              <a:t>DNN</a:t>
+            </a:r>
+            <a:r>
+              <a:rPr lang="zh-CN" altLang="en-US" b="0" dirty="0">
+                <a:effectLst/>
+                <a:latin typeface="GillSans" panose="020B0A02020104020203" pitchFamily="34" charset="77"/>
+              </a:rPr>
+              <a:t> </a:t>
+            </a:r>
+            <a:r>
+              <a:rPr lang="en-US" b="0" dirty="0">
+                <a:effectLst/>
+                <a:latin typeface="GillSans" panose="020B0A02020104020203" pitchFamily="34" charset="77"/>
+              </a:rPr>
+              <a:t>training</a:t>
+            </a:r>
+          </a:p>
+          <a:p>
+            <a:pPr marL="0" indent="0">
+              <a:buNone/>
+            </a:pPr>
+            <a:r>
+              <a:rPr lang="en-US" b="0" dirty="0">
+                <a:effectLst/>
+                <a:latin typeface="GillSans" panose="020B0A02020104020203" pitchFamily="34" charset="77"/>
+              </a:rPr>
+              <a:t>2. intelligently </a:t>
+            </a:r>
+            <a:r>
+              <a:rPr lang="en-US" b="0" dirty="0">
+                <a:solidFill>
+                  <a:srgbClr val="F47F23"/>
+                </a:solidFill>
+                <a:effectLst/>
+                <a:latin typeface="GillSans" panose="020B0A02020104020203" pitchFamily="34" charset="77"/>
+              </a:rPr>
+              <a:t>trade-off </a:t>
+            </a:r>
+            <a:r>
+              <a:rPr lang="en-US" b="0" dirty="0">
+                <a:effectLst/>
+                <a:latin typeface="GillSans" panose="020B0A02020104020203" pitchFamily="34" charset="77"/>
+              </a:rPr>
+              <a:t>exploration and exploitation </a:t>
+            </a:r>
+            <a:endParaRPr lang="en-US" dirty="0">
+              <a:effectLst/>
+            </a:endParaRPr>
+          </a:p>
+          <a:p>
+            <a:pPr marL="0" indent="0">
+              <a:buNone/>
+            </a:pPr>
+            <a:endParaRPr lang="en-US" dirty="0">
+              <a:effectLst/>
+              <a:latin typeface="GillSans" panose="020B0A02020104020203" pitchFamily="34" charset="77"/>
+            </a:endParaRPr>
+          </a:p>
+          <a:p>
+            <a:pPr marL="0" indent="0">
+              <a:buNone/>
+            </a:pPr>
+            <a:endParaRPr lang="en-US" dirty="0">
+              <a:effectLst/>
+              <a:latin typeface="GillSans" panose="020B0A02020104020203" pitchFamily="34" charset="77"/>
+            </a:endParaRPr>
+          </a:p>
+          <a:p>
+            <a:pPr marL="0" indent="0">
+              <a:buNone/>
+            </a:pPr>
+            <a:r>
+              <a:rPr lang="en-US" dirty="0">
+                <a:effectLst/>
+                <a:latin typeface="GillSans" panose="020B0A02020104020203" pitchFamily="34" charset="77"/>
+              </a:rPr>
+              <a:t>Multi-Armed Bandit </a:t>
+            </a:r>
+            <a:endParaRPr lang="en-US" dirty="0">
+              <a:effectLst/>
+            </a:endParaRPr>
+          </a:p>
+          <a:p>
+            <a:pPr marL="0" indent="0">
+              <a:buNone/>
+            </a:pPr>
+            <a:r>
+              <a:rPr lang="en-US" dirty="0">
+                <a:effectLst/>
+                <a:latin typeface="CambriaMath"/>
+              </a:rPr>
+              <a:t>Cost=</a:t>
+            </a:r>
+            <a:r>
+              <a:rPr lang="en-US" dirty="0">
+                <a:solidFill>
+                  <a:srgbClr val="F47F23"/>
+                </a:solidFill>
+                <a:effectLst/>
+                <a:latin typeface="CambriaMath"/>
+              </a:rPr>
+              <a:t>𝜂</a:t>
+            </a:r>
+            <a:r>
+              <a:rPr lang="en-US" dirty="0">
+                <a:effectLst/>
+                <a:latin typeface="CambriaMath"/>
+              </a:rPr>
+              <a:t>⋅ETA+ </a:t>
+            </a:r>
+            <a:r>
+              <a:rPr lang="en-US" altLang="zh-CN" dirty="0">
+                <a:effectLst/>
+                <a:latin typeface="CambriaMath"/>
+              </a:rPr>
+              <a:t>(</a:t>
+            </a:r>
+            <a:r>
+              <a:rPr lang="en-US" dirty="0">
+                <a:effectLst/>
+                <a:latin typeface="CambriaMath"/>
+              </a:rPr>
+              <a:t>1−</a:t>
+            </a:r>
+            <a:r>
+              <a:rPr lang="en-US" dirty="0">
+                <a:solidFill>
+                  <a:srgbClr val="F47F23"/>
+                </a:solidFill>
+                <a:effectLst/>
+                <a:latin typeface="CambriaMath"/>
+              </a:rPr>
+              <a:t>𝜂 </a:t>
+            </a:r>
+            <a:r>
+              <a:rPr lang="en-US" altLang="zh-CN" dirty="0">
+                <a:solidFill>
+                  <a:srgbClr val="F47F23"/>
+                </a:solidFill>
+                <a:effectLst/>
+                <a:latin typeface="CambriaMath"/>
+              </a:rPr>
+              <a:t>)</a:t>
+            </a:r>
+            <a:r>
+              <a:rPr lang="en-US" dirty="0">
+                <a:effectLst/>
+                <a:latin typeface="CambriaMath"/>
+              </a:rPr>
+              <a:t>⋅MaxPower⋅TTA </a:t>
+            </a:r>
+            <a:endParaRPr lang="en-US" dirty="0">
+              <a:effectLst/>
+            </a:endParaRPr>
+          </a:p>
+          <a:p>
+            <a:pPr>
+              <a:buFont typeface="+mj-lt"/>
+              <a:buAutoNum type="arabicPeriod"/>
+            </a:pPr>
+            <a:r>
+              <a:rPr lang="en-US" b="0" dirty="0">
+                <a:effectLst/>
+                <a:latin typeface="GillSans" panose="020B0A02020104020203" pitchFamily="34" charset="77"/>
+              </a:rPr>
+              <a:t>Models </a:t>
+            </a:r>
+            <a:r>
+              <a:rPr lang="en-US" b="0" dirty="0">
+                <a:solidFill>
+                  <a:srgbClr val="F47F21"/>
+                </a:solidFill>
+                <a:effectLst/>
+                <a:latin typeface="GillSans" panose="020B0A02020104020203" pitchFamily="34" charset="77"/>
+              </a:rPr>
+              <a:t>cost </a:t>
+            </a:r>
+            <a:r>
+              <a:rPr lang="en-US" b="0" dirty="0">
+                <a:effectLst/>
+                <a:latin typeface="GillSans" panose="020B0A02020104020203" pitchFamily="34" charset="77"/>
+              </a:rPr>
+              <a:t>as a Gaussian random variable </a:t>
+            </a:r>
+          </a:p>
+          <a:p>
+            <a:pPr>
+              <a:buFont typeface="+mj-lt"/>
+              <a:buAutoNum type="arabicPeriod"/>
+            </a:pPr>
+            <a:r>
+              <a:rPr lang="en-US" b="0" dirty="0">
+                <a:effectLst/>
+                <a:latin typeface="GillSans" panose="020B0A02020104020203" pitchFamily="34" charset="77"/>
+              </a:rPr>
+              <a:t>Automatically controls exploration and exploitation </a:t>
+            </a:r>
+          </a:p>
+        </p:txBody>
+      </p:sp>
+    </p:spTree>
+    <p:extLst>
+      <p:ext uri="{BB962C8B-B14F-4D97-AF65-F5344CB8AC3E}">
+        <p14:creationId xmlns:p14="http://schemas.microsoft.com/office/powerpoint/2010/main" val="5651927"/>
+      </p:ext>
+    </p:extLst>
+  </p:cSld>
+  <p:clrMapOvr>
+    <a:masterClrMapping/>
+  </p:clrMapOvr>
+</p:sld>
+</file>
+
+<file path=ppt/slides/slide24.xml><?xml version="1.0" encoding="utf-8"?>
+<p:sld xmlns:a="http://schemas.openxmlformats.org/drawingml/2006/main" xmlns:r="http://schemas.openxmlformats.org/officeDocument/2006/relationships" xmlns:p="http://schemas.openxmlformats.org/presentationml/2006/main">
+  <p:cSld>
+    <p:spTree>
+      <p:nvGrpSpPr>
+        <p:cNvPr id="1" name=""/>
+        <p:cNvGrpSpPr/>
+        <p:nvPr/>
+      </p:nvGrpSpPr>
+      <p:grpSpPr>
+        <a:xfrm>
+          <a:off x="0" y="0"/>
+          <a:ext cx="0" cy="0"/>
+          <a:chOff x="0" y="0"/>
+          <a:chExt cx="0" cy="0"/>
+        </a:xfrm>
+      </p:grpSpPr>
+      <p:sp>
+        <p:nvSpPr>
+          <p:cNvPr id="2" name="Title 1"/>
+          <p:cNvSpPr>
+            <a:spLocks noGrp="1"/>
+          </p:cNvSpPr>
+          <p:nvPr>
+            <p:ph type="title"/>
+          </p:nvPr>
+        </p:nvSpPr>
+        <p:spPr/>
+        <p:txBody>
+          <a:bodyPr/>
+          <a:lstStyle/>
+          <a:p>
+            <a:r>
+              <a:rPr lang="en-US" dirty="0"/>
+              <a:t>Outline</a:t>
+            </a:r>
+            <a:endParaRPr lang="el-GR" dirty="0"/>
+          </a:p>
+        </p:txBody>
+      </p:sp>
+      <p:sp>
+        <p:nvSpPr>
+          <p:cNvPr id="3" name="Content Placeholder 2"/>
+          <p:cNvSpPr>
+            <a:spLocks noGrp="1"/>
+          </p:cNvSpPr>
+          <p:nvPr>
+            <p:ph idx="1"/>
+          </p:nvPr>
+        </p:nvSpPr>
+        <p:spPr/>
+        <p:txBody>
+          <a:bodyPr/>
+          <a:lstStyle/>
+          <a:p>
+            <a:r>
+              <a:rPr lang="en-US" dirty="0">
+                <a:solidFill>
+                  <a:schemeClr val="bg2">
+                    <a:lumMod val="90000"/>
+                  </a:schemeClr>
+                </a:solidFill>
+              </a:rPr>
+              <a:t>Background</a:t>
+            </a:r>
+          </a:p>
+          <a:p>
+            <a:r>
+              <a:rPr lang="en-US" dirty="0">
+                <a:solidFill>
+                  <a:schemeClr val="bg2">
+                    <a:lumMod val="90000"/>
+                  </a:schemeClr>
+                </a:solidFill>
+              </a:rPr>
+              <a:t>Motivation</a:t>
+            </a:r>
+          </a:p>
+          <a:p>
+            <a:r>
+              <a:rPr lang="en-US" altLang="zh-CN" dirty="0">
+                <a:solidFill>
+                  <a:schemeClr val="bg2">
+                    <a:lumMod val="90000"/>
+                  </a:schemeClr>
+                </a:solidFill>
+              </a:rPr>
+              <a:t>Overview</a:t>
+            </a:r>
+            <a:endParaRPr lang="en-US" dirty="0">
+              <a:solidFill>
+                <a:schemeClr val="bg2">
+                  <a:lumMod val="90000"/>
+                </a:schemeClr>
+              </a:solidFill>
+            </a:endParaRPr>
+          </a:p>
+          <a:p>
+            <a:r>
+              <a:rPr lang="en-US" dirty="0">
+                <a:solidFill>
+                  <a:schemeClr val="bg2">
+                    <a:lumMod val="90000"/>
+                  </a:schemeClr>
+                </a:solidFill>
+              </a:rPr>
+              <a:t>Me</a:t>
+            </a:r>
+            <a:r>
+              <a:rPr lang="en-US" altLang="zh-CN" dirty="0">
+                <a:solidFill>
+                  <a:schemeClr val="bg2">
+                    <a:lumMod val="90000"/>
+                  </a:schemeClr>
+                </a:solidFill>
+              </a:rPr>
+              <a:t>thod</a:t>
+            </a:r>
+            <a:endParaRPr lang="en-US" dirty="0">
+              <a:solidFill>
+                <a:schemeClr val="bg2">
+                  <a:lumMod val="90000"/>
+                </a:schemeClr>
+              </a:solidFill>
+            </a:endParaRPr>
+          </a:p>
+          <a:p>
+            <a:r>
+              <a:rPr lang="en-US" dirty="0"/>
+              <a:t>Evaluation</a:t>
+            </a:r>
+          </a:p>
+          <a:p>
+            <a:r>
+              <a:rPr lang="en-US" dirty="0">
+                <a:solidFill>
+                  <a:schemeClr val="bg2">
+                    <a:lumMod val="90000"/>
+                  </a:schemeClr>
+                </a:solidFill>
+              </a:rPr>
+              <a:t>Summary and Discussion</a:t>
+            </a:r>
+            <a:endParaRPr lang="el-GR" dirty="0">
+              <a:solidFill>
+                <a:schemeClr val="bg2">
+                  <a:lumMod val="90000"/>
+                </a:schemeClr>
+              </a:solidFill>
+            </a:endParaRPr>
+          </a:p>
+        </p:txBody>
+      </p:sp>
+    </p:spTree>
+    <p:extLst>
+      <p:ext uri="{BB962C8B-B14F-4D97-AF65-F5344CB8AC3E}">
+        <p14:creationId xmlns:p14="http://schemas.microsoft.com/office/powerpoint/2010/main" val="3695987241"/>
+      </p:ext>
+    </p:extLst>
+  </p:cSld>
+  <p:clrMapOvr>
+    <a:masterClrMapping/>
+  </p:clrMapOvr>
+</p:sld>
+</file>
+
+<file path=ppt/slides/slide25.xml><?xml version="1.0" encoding="utf-8"?>
+<p:sld xmlns:a="http://schemas.openxmlformats.org/drawingml/2006/main" xmlns:r="http://schemas.openxmlformats.org/officeDocument/2006/relationships" xmlns:p="http://schemas.openxmlformats.org/presentationml/2006/main">
+  <p:cSld>
+    <p:spTree>
+      <p:nvGrpSpPr>
+        <p:cNvPr id="1" name=""/>
+        <p:cNvGrpSpPr/>
+        <p:nvPr/>
+      </p:nvGrpSpPr>
+      <p:grpSpPr>
+        <a:xfrm>
+          <a:off x="0" y="0"/>
+          <a:ext cx="0" cy="0"/>
+          <a:chOff x="0" y="0"/>
+          <a:chExt cx="0" cy="0"/>
+        </a:xfrm>
+      </p:grpSpPr>
+      <p:pic>
+        <p:nvPicPr>
+          <p:cNvPr id="5" name="Content Placeholder 4">
+            <a:extLst>
+              <a:ext uri="{FF2B5EF4-FFF2-40B4-BE49-F238E27FC236}">
+                <a16:creationId xmlns:a16="http://schemas.microsoft.com/office/drawing/2014/main" id="{C402DDC3-8F6C-A5CF-161C-DE4C83C76CC5}"/>
+              </a:ext>
+            </a:extLst>
+          </p:cNvPr>
+          <p:cNvPicPr>
+            <a:picLocks noGrp="1" noChangeAspect="1"/>
+          </p:cNvPicPr>
+          <p:nvPr>
+            <p:ph idx="1"/>
+          </p:nvPr>
+        </p:nvPicPr>
+        <p:blipFill>
+          <a:blip r:embed="rId2"/>
+          <a:stretch>
+            <a:fillRect/>
+          </a:stretch>
+        </p:blipFill>
+        <p:spPr>
+          <a:xfrm>
+            <a:off x="1444236" y="1825625"/>
+            <a:ext cx="9303528" cy="4351338"/>
+          </a:xfrm>
+        </p:spPr>
+      </p:pic>
+      <p:sp>
+        <p:nvSpPr>
+          <p:cNvPr id="9" name="Title 1">
+            <a:extLst>
+              <a:ext uri="{FF2B5EF4-FFF2-40B4-BE49-F238E27FC236}">
+                <a16:creationId xmlns:a16="http://schemas.microsoft.com/office/drawing/2014/main" id="{B54250B1-5082-3CDA-064E-B74E696999D3}"/>
+              </a:ext>
+            </a:extLst>
+          </p:cNvPr>
+          <p:cNvSpPr txBox="1">
+            <a:spLocks/>
+          </p:cNvSpPr>
+          <p:nvPr/>
+        </p:nvSpPr>
+        <p:spPr>
+          <a:xfrm>
+            <a:off x="982133" y="237595"/>
+            <a:ext cx="10515600" cy="1325563"/>
+          </a:xfrm>
+          <a:prstGeom prst="rect">
+            <a:avLst/>
+          </a:prstGeom>
+        </p:spPr>
+        <p:txBody>
+          <a:bodyPr vert="horz" lIns="91440" tIns="45720" rIns="91440" bIns="45720" rtlCol="0" anchor="ctr">
+            <a:normAutofit/>
+          </a:bodyPr>
+          <a:lstStyle>
+            <a:lvl1pPr algn="l" defTabSz="914400" rtl="0" eaLnBrk="1" latinLnBrk="0" hangingPunct="1">
+              <a:lnSpc>
+                <a:spcPct val="90000"/>
+              </a:lnSpc>
+              <a:spcBef>
+                <a:spcPct val="0"/>
+              </a:spcBef>
+              <a:buNone/>
+              <a:defRPr sz="4400" kern="1200">
+                <a:solidFill>
+                  <a:schemeClr val="tx1"/>
+                </a:solidFill>
+                <a:latin typeface="+mj-lt"/>
+                <a:ea typeface="+mj-ea"/>
+                <a:cs typeface="+mj-cs"/>
+              </a:defRPr>
+            </a:lvl1pPr>
+          </a:lstStyle>
+          <a:p>
+            <a:r>
+              <a:rPr lang="en-US" altLang="zh-CN" sz="3600" dirty="0">
+                <a:solidFill>
+                  <a:srgbClr val="FF5600"/>
+                </a:solidFill>
+                <a:latin typeface="GillSans" panose="020B0A02020104020203" pitchFamily="34" charset="77"/>
+              </a:rPr>
+              <a:t>Compare</a:t>
+            </a:r>
+            <a:r>
+              <a:rPr lang="zh-CN" altLang="en-US" sz="3600" dirty="0">
+                <a:solidFill>
+                  <a:srgbClr val="FF5600"/>
+                </a:solidFill>
+                <a:latin typeface="GillSans" panose="020B0A02020104020203" pitchFamily="34" charset="77"/>
+              </a:rPr>
+              <a:t> </a:t>
+            </a:r>
+            <a:r>
+              <a:rPr lang="en-US" altLang="zh-CN" sz="3600" dirty="0">
+                <a:solidFill>
+                  <a:srgbClr val="FF5600"/>
+                </a:solidFill>
+                <a:latin typeface="GillSans" panose="020B0A02020104020203" pitchFamily="34" charset="77"/>
+              </a:rPr>
+              <a:t>with</a:t>
+            </a:r>
+            <a:r>
+              <a:rPr lang="zh-CN" altLang="en-US" sz="3600" dirty="0">
+                <a:solidFill>
+                  <a:srgbClr val="FF5600"/>
+                </a:solidFill>
+                <a:latin typeface="GillSans" panose="020B0A02020104020203" pitchFamily="34" charset="77"/>
+              </a:rPr>
+              <a:t> </a:t>
+            </a:r>
+            <a:r>
+              <a:rPr lang="en-US" altLang="zh-CN" sz="3600" dirty="0">
+                <a:solidFill>
+                  <a:srgbClr val="FF5600"/>
+                </a:solidFill>
+                <a:latin typeface="GillSans" panose="020B0A02020104020203" pitchFamily="34" charset="77"/>
+              </a:rPr>
+              <a:t>Grid</a:t>
+            </a:r>
+            <a:r>
+              <a:rPr lang="zh-CN" altLang="en-US" sz="3600" dirty="0">
+                <a:solidFill>
+                  <a:srgbClr val="FF5600"/>
+                </a:solidFill>
+                <a:latin typeface="GillSans" panose="020B0A02020104020203" pitchFamily="34" charset="77"/>
+              </a:rPr>
+              <a:t> </a:t>
+            </a:r>
+            <a:r>
+              <a:rPr lang="en-US" altLang="zh-CN" sz="3600" dirty="0">
+                <a:solidFill>
+                  <a:srgbClr val="FF5600"/>
+                </a:solidFill>
+                <a:latin typeface="GillSans" panose="020B0A02020104020203" pitchFamily="34" charset="77"/>
+              </a:rPr>
+              <a:t>Search</a:t>
+            </a:r>
+            <a:endParaRPr lang="en-US" sz="3600" dirty="0">
+              <a:solidFill>
+                <a:srgbClr val="FF5600"/>
+              </a:solidFill>
+              <a:latin typeface="GillSans" panose="020B0A02020104020203" pitchFamily="34" charset="77"/>
+            </a:endParaRPr>
+          </a:p>
+        </p:txBody>
+      </p:sp>
+      <p:sp>
+        <p:nvSpPr>
+          <p:cNvPr id="11" name="TextBox 10">
+            <a:extLst>
+              <a:ext uri="{FF2B5EF4-FFF2-40B4-BE49-F238E27FC236}">
+                <a16:creationId xmlns:a16="http://schemas.microsoft.com/office/drawing/2014/main" id="{90F953A9-FCA6-CC6E-0500-1E84D46E9BAE}"/>
+              </a:ext>
+            </a:extLst>
+          </p:cNvPr>
+          <p:cNvSpPr txBox="1"/>
+          <p:nvPr/>
+        </p:nvSpPr>
+        <p:spPr>
+          <a:xfrm>
+            <a:off x="5214231" y="1456293"/>
+            <a:ext cx="6099142" cy="369332"/>
+          </a:xfrm>
+          <a:prstGeom prst="rect">
+            <a:avLst/>
+          </a:prstGeom>
+          <a:noFill/>
+        </p:spPr>
+        <p:txBody>
+          <a:bodyPr wrap="square">
+            <a:spAutoFit/>
+          </a:bodyPr>
+          <a:lstStyle/>
+          <a:p>
+            <a:r>
+              <a:rPr lang="en-US" altLang="zh-CN" dirty="0"/>
+              <a:t>Aware</a:t>
+            </a:r>
+            <a:r>
+              <a:rPr lang="zh-CN" altLang="en-US" dirty="0"/>
+              <a:t> </a:t>
+            </a:r>
+            <a:r>
+              <a:rPr lang="en-US" altLang="zh-CN" dirty="0"/>
+              <a:t>of</a:t>
+            </a:r>
+            <a:r>
+              <a:rPr lang="zh-CN" altLang="en-US" dirty="0"/>
+              <a:t> </a:t>
+            </a:r>
+            <a:r>
+              <a:rPr lang="en-US" altLang="zh-CN" dirty="0"/>
+              <a:t>stochastic</a:t>
+            </a:r>
+            <a:r>
+              <a:rPr lang="zh-CN" altLang="en-US" dirty="0"/>
+              <a:t> </a:t>
+            </a:r>
+            <a:r>
+              <a:rPr lang="en-US" altLang="zh-CN" dirty="0"/>
+              <a:t>nature</a:t>
+            </a:r>
+            <a:r>
+              <a:rPr lang="zh-CN" altLang="en-US" dirty="0"/>
+              <a:t> </a:t>
+            </a:r>
+            <a:r>
+              <a:rPr lang="en-US" altLang="zh-CN" dirty="0"/>
+              <a:t>of</a:t>
+            </a:r>
+            <a:r>
+              <a:rPr lang="zh-CN" altLang="en-US" dirty="0"/>
+              <a:t> </a:t>
+            </a:r>
+            <a:r>
+              <a:rPr lang="en-US" altLang="zh-CN" dirty="0"/>
+              <a:t>DNN</a:t>
+            </a:r>
+            <a:r>
+              <a:rPr lang="zh-CN" altLang="en-US" dirty="0"/>
+              <a:t> </a:t>
+            </a:r>
+            <a:r>
+              <a:rPr lang="en-US" altLang="zh-CN" dirty="0"/>
+              <a:t>training!</a:t>
+            </a:r>
+            <a:r>
+              <a:rPr lang="zh-CN" altLang="en-US" dirty="0"/>
+              <a:t> </a:t>
+            </a:r>
+            <a:endParaRPr lang="en-SA" dirty="0"/>
+          </a:p>
+        </p:txBody>
+      </p:sp>
+    </p:spTree>
+    <p:extLst>
+      <p:ext uri="{BB962C8B-B14F-4D97-AF65-F5344CB8AC3E}">
+        <p14:creationId xmlns:p14="http://schemas.microsoft.com/office/powerpoint/2010/main" val="2690231959"/>
+      </p:ext>
+    </p:extLst>
+  </p:cSld>
+  <p:clrMapOvr>
+    <a:masterClrMapping/>
+  </p:clrMapOvr>
+</p:sld>
+</file>
+
+<file path=ppt/slides/slide26.xml><?xml version="1.0" encoding="utf-8"?>
+<p:sld xmlns:a="http://schemas.openxmlformats.org/drawingml/2006/main" xmlns:r="http://schemas.openxmlformats.org/officeDocument/2006/relationships" xmlns:p="http://schemas.openxmlformats.org/presentationml/2006/main">
+  <p:cSld>
+    <p:spTree>
+      <p:nvGrpSpPr>
+        <p:cNvPr id="1" name=""/>
+        <p:cNvGrpSpPr/>
+        <p:nvPr/>
+      </p:nvGrpSpPr>
+      <p:grpSpPr>
+        <a:xfrm>
+          <a:off x="0" y="0"/>
+          <a:ext cx="0" cy="0"/>
+          <a:chOff x="0" y="0"/>
+          <a:chExt cx="0" cy="0"/>
+        </a:xfrm>
+      </p:grpSpPr>
+      <p:pic>
+        <p:nvPicPr>
+          <p:cNvPr id="6" name="Content Placeholder 5">
+            <a:extLst>
+              <a:ext uri="{FF2B5EF4-FFF2-40B4-BE49-F238E27FC236}">
+                <a16:creationId xmlns:a16="http://schemas.microsoft.com/office/drawing/2014/main" id="{2BE50369-4957-6677-CCB9-0298A3A88EB8}"/>
+              </a:ext>
+            </a:extLst>
+          </p:cNvPr>
+          <p:cNvPicPr>
+            <a:picLocks noGrp="1" noChangeAspect="1"/>
+          </p:cNvPicPr>
+          <p:nvPr>
+            <p:ph idx="1"/>
+          </p:nvPr>
+        </p:nvPicPr>
+        <p:blipFill>
+          <a:blip r:embed="rId2"/>
+          <a:stretch>
+            <a:fillRect/>
+          </a:stretch>
+        </p:blipFill>
+        <p:spPr>
+          <a:xfrm>
+            <a:off x="474134" y="1112503"/>
+            <a:ext cx="10515600" cy="3362263"/>
+          </a:xfrm>
+        </p:spPr>
+      </p:pic>
+      <p:sp>
+        <p:nvSpPr>
+          <p:cNvPr id="4" name="Title 1">
+            <a:extLst>
+              <a:ext uri="{FF2B5EF4-FFF2-40B4-BE49-F238E27FC236}">
+                <a16:creationId xmlns:a16="http://schemas.microsoft.com/office/drawing/2014/main" id="{87C258A1-AED0-EBF5-F8AF-815A1B239400}"/>
+              </a:ext>
+            </a:extLst>
+          </p:cNvPr>
+          <p:cNvSpPr txBox="1">
+            <a:spLocks/>
+          </p:cNvSpPr>
+          <p:nvPr/>
+        </p:nvSpPr>
+        <p:spPr>
+          <a:xfrm>
+            <a:off x="838200" y="218740"/>
+            <a:ext cx="10515600" cy="1325563"/>
+          </a:xfrm>
+          <a:prstGeom prst="rect">
+            <a:avLst/>
+          </a:prstGeom>
+        </p:spPr>
+        <p:txBody>
+          <a:bodyPr vert="horz" lIns="91440" tIns="45720" rIns="91440" bIns="45720" rtlCol="0" anchor="ctr">
+            <a:normAutofit/>
+          </a:bodyPr>
+          <a:lstStyle>
+            <a:lvl1pPr algn="l" defTabSz="914400" rtl="0" eaLnBrk="1" latinLnBrk="0" hangingPunct="1">
+              <a:lnSpc>
+                <a:spcPct val="90000"/>
+              </a:lnSpc>
+              <a:spcBef>
+                <a:spcPct val="0"/>
+              </a:spcBef>
+              <a:buNone/>
+              <a:defRPr sz="4400" kern="1200">
+                <a:solidFill>
+                  <a:schemeClr val="tx1"/>
+                </a:solidFill>
+                <a:latin typeface="+mj-lt"/>
+                <a:ea typeface="+mj-ea"/>
+                <a:cs typeface="+mj-cs"/>
+              </a:defRPr>
+            </a:lvl1pPr>
+          </a:lstStyle>
+          <a:p>
+            <a:r>
+              <a:rPr lang="en-US" altLang="zh-CN" sz="3600" dirty="0">
+                <a:solidFill>
+                  <a:srgbClr val="FF5600"/>
+                </a:solidFill>
+                <a:latin typeface="GillSans" panose="020B0A02020104020203" pitchFamily="34" charset="77"/>
+              </a:rPr>
+              <a:t>Results</a:t>
+            </a:r>
+            <a:endParaRPr lang="en-US" sz="3600" dirty="0">
+              <a:solidFill>
+                <a:srgbClr val="FF5600"/>
+              </a:solidFill>
+              <a:latin typeface="GillSans" panose="020B0A02020104020203" pitchFamily="34" charset="77"/>
+            </a:endParaRPr>
+          </a:p>
+        </p:txBody>
+      </p:sp>
+      <p:sp>
+        <p:nvSpPr>
+          <p:cNvPr id="8" name="TextBox 7">
+            <a:extLst>
+              <a:ext uri="{FF2B5EF4-FFF2-40B4-BE49-F238E27FC236}">
+                <a16:creationId xmlns:a16="http://schemas.microsoft.com/office/drawing/2014/main" id="{1E0B080D-8718-ECBE-B9A4-2F69916EE6E0}"/>
+              </a:ext>
+            </a:extLst>
+          </p:cNvPr>
+          <p:cNvSpPr txBox="1"/>
+          <p:nvPr/>
+        </p:nvSpPr>
+        <p:spPr>
+          <a:xfrm>
+            <a:off x="2633132" y="5022222"/>
+            <a:ext cx="7509933" cy="1938992"/>
+          </a:xfrm>
+          <a:prstGeom prst="rect">
+            <a:avLst/>
+          </a:prstGeom>
+          <a:noFill/>
+        </p:spPr>
+        <p:txBody>
+          <a:bodyPr wrap="square">
+            <a:spAutoFit/>
+          </a:bodyPr>
+          <a:lstStyle/>
+          <a:p>
+            <a:r>
+              <a:rPr lang="en-US" sz="3200" dirty="0">
+                <a:solidFill>
+                  <a:srgbClr val="FF5600"/>
+                </a:solidFill>
+                <a:effectLst/>
+                <a:latin typeface="AbrilFatface"/>
+              </a:rPr>
+              <a:t>15 ~ 76% energy reduction </a:t>
+            </a:r>
+            <a:endParaRPr lang="en-US" sz="3200" dirty="0">
+              <a:effectLst/>
+            </a:endParaRPr>
+          </a:p>
+          <a:p>
+            <a:r>
+              <a:rPr lang="en-US" sz="3200" dirty="0">
+                <a:solidFill>
+                  <a:srgbClr val="FF5600"/>
+                </a:solidFill>
+                <a:effectLst/>
+                <a:latin typeface="AbrilFatface"/>
+              </a:rPr>
+              <a:t>Up to 60% time reduction </a:t>
+            </a:r>
+            <a:r>
+              <a:rPr lang="zh-CN" altLang="en-US" sz="3200" dirty="0">
+                <a:solidFill>
+                  <a:srgbClr val="FF5600"/>
+                </a:solidFill>
+                <a:effectLst/>
+                <a:latin typeface="AbrilFatface"/>
+              </a:rPr>
+              <a:t>  （</a:t>
+            </a:r>
+            <a:r>
+              <a:rPr lang="en-US" altLang="zh-CN" sz="3200" dirty="0">
+                <a:solidFill>
+                  <a:srgbClr val="FF5600"/>
+                </a:solidFill>
+                <a:effectLst/>
+                <a:latin typeface="AbrilFatface"/>
+              </a:rPr>
+              <a:t>really?</a:t>
+            </a:r>
+            <a:r>
+              <a:rPr lang="zh-CN" altLang="en-US" sz="3200" dirty="0">
+                <a:solidFill>
+                  <a:srgbClr val="FF5600"/>
+                </a:solidFill>
+                <a:effectLst/>
+                <a:latin typeface="AbrilFatface"/>
+              </a:rPr>
+              <a:t> </a:t>
+            </a:r>
+            <a:r>
+              <a:rPr lang="en-US" altLang="zh-CN" sz="3200" dirty="0">
+                <a:solidFill>
+                  <a:srgbClr val="FF5600"/>
+                </a:solidFill>
+                <a:effectLst/>
+                <a:latin typeface="AbrilFatface"/>
+              </a:rPr>
+              <a:t>Cannot</a:t>
+            </a:r>
+            <a:r>
+              <a:rPr lang="zh-CN" altLang="en-US" sz="3200" dirty="0">
+                <a:solidFill>
+                  <a:srgbClr val="FF5600"/>
+                </a:solidFill>
+                <a:effectLst/>
+                <a:latin typeface="AbrilFatface"/>
+              </a:rPr>
+              <a:t> </a:t>
+            </a:r>
+            <a:r>
+              <a:rPr lang="en-US" altLang="zh-CN" sz="3200" dirty="0">
+                <a:solidFill>
+                  <a:srgbClr val="FF5600"/>
+                </a:solidFill>
+                <a:effectLst/>
+                <a:latin typeface="AbrilFatface"/>
+              </a:rPr>
+              <a:t>find</a:t>
+            </a:r>
+            <a:r>
+              <a:rPr lang="zh-CN" altLang="en-US" sz="3200" dirty="0">
+                <a:solidFill>
+                  <a:srgbClr val="FF5600"/>
+                </a:solidFill>
+                <a:effectLst/>
+                <a:latin typeface="AbrilFatface"/>
+              </a:rPr>
+              <a:t> </a:t>
+            </a:r>
+            <a:r>
+              <a:rPr lang="en-US" altLang="zh-CN" sz="3200" dirty="0">
+                <a:solidFill>
+                  <a:srgbClr val="FF5600"/>
+                </a:solidFill>
+                <a:effectLst/>
+                <a:latin typeface="AbrilFatface"/>
+              </a:rPr>
+              <a:t>in</a:t>
+            </a:r>
+            <a:r>
+              <a:rPr lang="zh-CN" altLang="en-US" sz="3200" dirty="0">
+                <a:solidFill>
+                  <a:srgbClr val="FF5600"/>
+                </a:solidFill>
+                <a:effectLst/>
+                <a:latin typeface="AbrilFatface"/>
+              </a:rPr>
+              <a:t> </a:t>
+            </a:r>
+            <a:r>
+              <a:rPr lang="en-US" altLang="zh-CN" sz="3200" dirty="0">
+                <a:solidFill>
+                  <a:srgbClr val="FF5600"/>
+                </a:solidFill>
+                <a:effectLst/>
+                <a:latin typeface="AbrilFatface"/>
+              </a:rPr>
+              <a:t>this</a:t>
+            </a:r>
+            <a:r>
+              <a:rPr lang="zh-CN" altLang="en-US" sz="3200" dirty="0">
+                <a:solidFill>
+                  <a:srgbClr val="FF5600"/>
+                </a:solidFill>
+                <a:effectLst/>
+                <a:latin typeface="AbrilFatface"/>
+              </a:rPr>
+              <a:t> </a:t>
+            </a:r>
+            <a:r>
+              <a:rPr lang="en-US" altLang="zh-CN" sz="3200" dirty="0">
+                <a:solidFill>
+                  <a:srgbClr val="FF5600"/>
+                </a:solidFill>
+                <a:effectLst/>
+                <a:latin typeface="AbrilFatface"/>
+              </a:rPr>
+              <a:t>figure</a:t>
+            </a:r>
+            <a:r>
+              <a:rPr lang="zh-CN" altLang="en-US" sz="3200" dirty="0">
+                <a:solidFill>
+                  <a:srgbClr val="FF5600"/>
+                </a:solidFill>
+                <a:effectLst/>
+                <a:latin typeface="AbrilFatface"/>
+              </a:rPr>
+              <a:t>） </a:t>
+            </a:r>
+            <a:endParaRPr lang="en-US" sz="3200" dirty="0">
+              <a:effectLst/>
+            </a:endParaRPr>
+          </a:p>
+          <a:p>
+            <a:r>
+              <a:rPr lang="en-US" sz="2400" b="0" dirty="0">
+                <a:effectLst/>
+                <a:latin typeface="GillSans" panose="020B0A02020104020203" pitchFamily="34" charset="77"/>
+              </a:rPr>
+              <a:t>Results obtained on an NVIDIA V100 GPU </a:t>
+            </a:r>
+            <a:endParaRPr lang="en-US" sz="2400" dirty="0">
+              <a:effectLst/>
+            </a:endParaRPr>
+          </a:p>
+        </p:txBody>
+      </p:sp>
+    </p:spTree>
+    <p:extLst>
+      <p:ext uri="{BB962C8B-B14F-4D97-AF65-F5344CB8AC3E}">
+        <p14:creationId xmlns:p14="http://schemas.microsoft.com/office/powerpoint/2010/main" val="2489248460"/>
+      </p:ext>
+    </p:extLst>
+  </p:cSld>
+  <p:clrMapOvr>
+    <a:masterClrMapping/>
+  </p:clrMapOvr>
+</p:sld>
+</file>
+
+<file path=ppt/slides/slide27.xml><?xml version="1.0" encoding="utf-8"?>
+<p:sld xmlns:a="http://schemas.openxmlformats.org/drawingml/2006/main" xmlns:r="http://schemas.openxmlformats.org/officeDocument/2006/relationships" xmlns:p="http://schemas.openxmlformats.org/presentationml/2006/main">
+  <p:cSld>
+    <p:spTree>
+      <p:nvGrpSpPr>
+        <p:cNvPr id="1" name=""/>
+        <p:cNvGrpSpPr/>
+        <p:nvPr/>
+      </p:nvGrpSpPr>
+      <p:grpSpPr>
+        <a:xfrm>
+          <a:off x="0" y="0"/>
+          <a:ext cx="0" cy="0"/>
+          <a:chOff x="0" y="0"/>
+          <a:chExt cx="0" cy="0"/>
+        </a:xfrm>
+      </p:grpSpPr>
+      <p:sp>
+        <p:nvSpPr>
+          <p:cNvPr id="2" name="Title 1"/>
+          <p:cNvSpPr>
+            <a:spLocks noGrp="1"/>
+          </p:cNvSpPr>
+          <p:nvPr>
+            <p:ph type="title"/>
+          </p:nvPr>
+        </p:nvSpPr>
+        <p:spPr/>
+        <p:txBody>
+          <a:bodyPr/>
+          <a:lstStyle/>
+          <a:p>
+            <a:r>
+              <a:rPr lang="en-US" dirty="0"/>
+              <a:t>Outline</a:t>
+            </a:r>
+            <a:endParaRPr lang="el-GR" dirty="0"/>
+          </a:p>
+        </p:txBody>
+      </p:sp>
+      <p:sp>
+        <p:nvSpPr>
+          <p:cNvPr id="3" name="Content Placeholder 2"/>
+          <p:cNvSpPr>
+            <a:spLocks noGrp="1"/>
+          </p:cNvSpPr>
+          <p:nvPr>
+            <p:ph idx="1"/>
+          </p:nvPr>
+        </p:nvSpPr>
+        <p:spPr/>
+        <p:txBody>
+          <a:bodyPr/>
+          <a:lstStyle/>
+          <a:p>
+            <a:r>
+              <a:rPr lang="en-US" dirty="0">
+                <a:solidFill>
+                  <a:schemeClr val="bg2">
+                    <a:lumMod val="90000"/>
+                  </a:schemeClr>
+                </a:solidFill>
+              </a:rPr>
+              <a:t>Background</a:t>
+            </a:r>
+          </a:p>
+          <a:p>
+            <a:r>
+              <a:rPr lang="en-US" dirty="0">
+                <a:solidFill>
+                  <a:schemeClr val="bg2">
+                    <a:lumMod val="90000"/>
+                  </a:schemeClr>
+                </a:solidFill>
+              </a:rPr>
+              <a:t>Motivation</a:t>
+            </a:r>
+          </a:p>
+          <a:p>
+            <a:r>
+              <a:rPr lang="en-US" altLang="zh-CN" dirty="0">
+                <a:solidFill>
+                  <a:schemeClr val="bg2">
+                    <a:lumMod val="90000"/>
+                  </a:schemeClr>
+                </a:solidFill>
+              </a:rPr>
+              <a:t>Overview</a:t>
+            </a:r>
+            <a:endParaRPr lang="en-US" dirty="0">
+              <a:solidFill>
+                <a:schemeClr val="bg2">
+                  <a:lumMod val="90000"/>
+                </a:schemeClr>
+              </a:solidFill>
+            </a:endParaRPr>
+          </a:p>
+          <a:p>
+            <a:r>
+              <a:rPr lang="en-US" dirty="0">
+                <a:solidFill>
+                  <a:schemeClr val="bg2">
+                    <a:lumMod val="90000"/>
+                  </a:schemeClr>
+                </a:solidFill>
+              </a:rPr>
+              <a:t>Me</a:t>
+            </a:r>
+            <a:r>
+              <a:rPr lang="en-US" altLang="zh-CN" dirty="0">
+                <a:solidFill>
+                  <a:schemeClr val="bg2">
+                    <a:lumMod val="90000"/>
+                  </a:schemeClr>
+                </a:solidFill>
+              </a:rPr>
+              <a:t>thod</a:t>
+            </a:r>
+            <a:endParaRPr lang="en-US" dirty="0">
+              <a:solidFill>
+                <a:schemeClr val="bg2">
+                  <a:lumMod val="90000"/>
+                </a:schemeClr>
+              </a:solidFill>
+            </a:endParaRPr>
+          </a:p>
+          <a:p>
+            <a:r>
+              <a:rPr lang="en-US" dirty="0">
+                <a:solidFill>
+                  <a:schemeClr val="bg2">
+                    <a:lumMod val="90000"/>
+                  </a:schemeClr>
+                </a:solidFill>
+              </a:rPr>
+              <a:t>Evaluation</a:t>
+            </a:r>
+          </a:p>
+          <a:p>
+            <a:r>
+              <a:rPr lang="en-US" dirty="0"/>
+              <a:t>Summary and Discussion</a:t>
+            </a:r>
+            <a:endParaRPr lang="el-GR" dirty="0"/>
+          </a:p>
+        </p:txBody>
+      </p:sp>
+    </p:spTree>
+    <p:extLst>
+      <p:ext uri="{BB962C8B-B14F-4D97-AF65-F5344CB8AC3E}">
+        <p14:creationId xmlns:p14="http://schemas.microsoft.com/office/powerpoint/2010/main" val="1230532767"/>
+      </p:ext>
+    </p:extLst>
+  </p:cSld>
+  <p:clrMapOvr>
+    <a:masterClrMapping/>
+  </p:clrMapOvr>
+</p:sld>
+</file>
+
+<file path=ppt/slides/slide28.xml><?xml version="1.0" encoding="utf-8"?>
+<p:sld xmlns:a="http://schemas.openxmlformats.org/drawingml/2006/main" xmlns:r="http://schemas.openxmlformats.org/officeDocument/2006/relationships" xmlns:p="http://schemas.openxmlformats.org/presentationml/2006/main">
+  <p:cSld>
+    <p:spTree>
+      <p:nvGrpSpPr>
+        <p:cNvPr id="1" name=""/>
+        <p:cNvGrpSpPr/>
+        <p:nvPr/>
+      </p:nvGrpSpPr>
+      <p:grpSpPr>
+        <a:xfrm>
+          <a:off x="0" y="0"/>
+          <a:ext cx="0" cy="0"/>
+          <a:chOff x="0" y="0"/>
+          <a:chExt cx="0" cy="0"/>
+        </a:xfrm>
+      </p:grpSpPr>
+      <p:sp>
+        <p:nvSpPr>
+          <p:cNvPr id="3" name="Content Placeholder 2">
+            <a:extLst>
+              <a:ext uri="{FF2B5EF4-FFF2-40B4-BE49-F238E27FC236}">
+                <a16:creationId xmlns:a16="http://schemas.microsoft.com/office/drawing/2014/main" id="{484D8235-3425-4FA0-DDBA-014E65117FEC}"/>
+              </a:ext>
+            </a:extLst>
+          </p:cNvPr>
+          <p:cNvSpPr>
+            <a:spLocks noGrp="1"/>
+          </p:cNvSpPr>
+          <p:nvPr>
+            <p:ph idx="1"/>
+          </p:nvPr>
+        </p:nvSpPr>
+        <p:spPr>
+          <a:xfrm>
+            <a:off x="838200" y="1825625"/>
+            <a:ext cx="10515600" cy="841375"/>
+          </a:xfrm>
+        </p:spPr>
+        <p:txBody>
+          <a:bodyPr>
+            <a:normAutofit lnSpcReduction="10000"/>
+          </a:bodyPr>
+          <a:lstStyle/>
+          <a:p>
+            <a:r>
+              <a:rPr lang="en-US" altLang="zh-CN" dirty="0"/>
+              <a:t>1.</a:t>
+            </a:r>
+            <a:r>
+              <a:rPr lang="zh-CN" altLang="en-US" dirty="0"/>
+              <a:t> </a:t>
+            </a:r>
+            <a:r>
+              <a:rPr lang="en-US" altLang="zh-CN" dirty="0"/>
+              <a:t>The</a:t>
+            </a:r>
+            <a:r>
+              <a:rPr lang="zh-CN" altLang="en-US" dirty="0"/>
+              <a:t> </a:t>
+            </a:r>
+            <a:r>
+              <a:rPr lang="en-US" altLang="zh-CN" dirty="0"/>
+              <a:t>energy</a:t>
+            </a:r>
+            <a:r>
+              <a:rPr lang="zh-CN" altLang="en-US" dirty="0"/>
+              <a:t> </a:t>
+            </a:r>
+            <a:r>
+              <a:rPr lang="en-US" altLang="zh-CN" dirty="0"/>
+              <a:t>is</a:t>
+            </a:r>
+            <a:r>
+              <a:rPr lang="zh-CN" altLang="en-US" dirty="0"/>
+              <a:t> </a:t>
+            </a:r>
+            <a:r>
+              <a:rPr lang="en-US" altLang="zh-CN" dirty="0"/>
+              <a:t>not</a:t>
+            </a:r>
+            <a:r>
+              <a:rPr lang="zh-CN" altLang="en-US" dirty="0"/>
+              <a:t> </a:t>
+            </a:r>
+            <a:r>
+              <a:rPr lang="en-US" altLang="zh-CN" dirty="0"/>
+              <a:t>the</a:t>
+            </a:r>
+            <a:r>
+              <a:rPr lang="zh-CN" altLang="en-US" dirty="0"/>
+              <a:t> </a:t>
+            </a:r>
+            <a:r>
+              <a:rPr lang="en-US" altLang="zh-CN" dirty="0"/>
+              <a:t>important</a:t>
+            </a:r>
+            <a:r>
+              <a:rPr lang="zh-CN" altLang="en-US" dirty="0"/>
+              <a:t> </a:t>
+            </a:r>
+            <a:r>
+              <a:rPr lang="en-US" altLang="zh-CN" dirty="0"/>
+              <a:t>things.</a:t>
+            </a:r>
+            <a:r>
+              <a:rPr lang="zh-CN" altLang="en-US" dirty="0"/>
+              <a:t> </a:t>
+            </a:r>
+            <a:r>
+              <a:rPr lang="en-US" altLang="zh-CN" dirty="0"/>
+              <a:t>Mostly</a:t>
+            </a:r>
+            <a:r>
+              <a:rPr lang="zh-CN" altLang="en-US" dirty="0"/>
+              <a:t> </a:t>
+            </a:r>
+            <a:r>
+              <a:rPr lang="en-US" altLang="zh-CN" dirty="0"/>
+              <a:t>we</a:t>
+            </a:r>
+            <a:r>
+              <a:rPr lang="zh-CN" altLang="en-US" dirty="0"/>
+              <a:t> </a:t>
+            </a:r>
+            <a:r>
+              <a:rPr lang="en-US" altLang="zh-CN" dirty="0"/>
+              <a:t>pay</a:t>
+            </a:r>
+            <a:r>
+              <a:rPr lang="zh-CN" altLang="en-US" dirty="0"/>
+              <a:t> </a:t>
+            </a:r>
+            <a:r>
+              <a:rPr lang="en-US" altLang="zh-CN" dirty="0"/>
+              <a:t>attention</a:t>
+            </a:r>
+            <a:r>
+              <a:rPr lang="zh-CN" altLang="en-US" dirty="0"/>
+              <a:t> </a:t>
+            </a:r>
+            <a:r>
+              <a:rPr lang="en-US" altLang="zh-CN" dirty="0"/>
+              <a:t>to</a:t>
+            </a:r>
+            <a:r>
+              <a:rPr lang="zh-CN" altLang="en-US" dirty="0"/>
+              <a:t> </a:t>
+            </a:r>
+            <a:r>
+              <a:rPr lang="en-US" altLang="zh-CN" dirty="0"/>
+              <a:t>the</a:t>
+            </a:r>
+            <a:r>
+              <a:rPr lang="zh-CN" altLang="en-US" dirty="0"/>
+              <a:t> </a:t>
+            </a:r>
+            <a:r>
+              <a:rPr lang="en-US" altLang="zh-CN" dirty="0"/>
+              <a:t>training</a:t>
+            </a:r>
+            <a:r>
+              <a:rPr lang="zh-CN" altLang="en-US" dirty="0"/>
+              <a:t> </a:t>
+            </a:r>
+            <a:r>
+              <a:rPr lang="en-US" altLang="zh-CN" dirty="0"/>
+              <a:t>time.</a:t>
+            </a:r>
+            <a:r>
+              <a:rPr lang="zh-CN" altLang="en-US" dirty="0"/>
+              <a:t> </a:t>
+            </a:r>
+            <a:endParaRPr lang="en-US" altLang="zh-CN" dirty="0"/>
+          </a:p>
+          <a:p>
+            <a:endParaRPr lang="en-SA" dirty="0"/>
+          </a:p>
+        </p:txBody>
+      </p:sp>
+      <p:sp>
+        <p:nvSpPr>
+          <p:cNvPr id="4" name="Title 1">
+            <a:extLst>
+              <a:ext uri="{FF2B5EF4-FFF2-40B4-BE49-F238E27FC236}">
+                <a16:creationId xmlns:a16="http://schemas.microsoft.com/office/drawing/2014/main" id="{BBE4F9C6-64E4-C2CA-4965-39DDAA1E4F8E}"/>
+              </a:ext>
+            </a:extLst>
+          </p:cNvPr>
+          <p:cNvSpPr txBox="1">
+            <a:spLocks/>
+          </p:cNvSpPr>
+          <p:nvPr/>
+        </p:nvSpPr>
+        <p:spPr>
+          <a:xfrm>
+            <a:off x="708755" y="3075063"/>
+            <a:ext cx="10515600" cy="1325563"/>
+          </a:xfrm>
+          <a:prstGeom prst="rect">
+            <a:avLst/>
+          </a:prstGeom>
+        </p:spPr>
+        <p:txBody>
+          <a:bodyPr vert="horz" lIns="91440" tIns="45720" rIns="91440" bIns="45720" rtlCol="0" anchor="ctr">
+            <a:normAutofit/>
+          </a:bodyPr>
+          <a:lstStyle>
+            <a:lvl1pPr algn="l" defTabSz="914400" rtl="0" eaLnBrk="1" latinLnBrk="0" hangingPunct="1">
+              <a:lnSpc>
+                <a:spcPct val="90000"/>
+              </a:lnSpc>
+              <a:spcBef>
+                <a:spcPct val="0"/>
+              </a:spcBef>
+              <a:buNone/>
+              <a:defRPr sz="4400" kern="1200">
+                <a:solidFill>
+                  <a:schemeClr val="tx1"/>
+                </a:solidFill>
+                <a:latin typeface="+mj-lt"/>
+                <a:ea typeface="+mj-ea"/>
+                <a:cs typeface="+mj-cs"/>
+              </a:defRPr>
+            </a:lvl1pPr>
+          </a:lstStyle>
+          <a:p>
+            <a:r>
+              <a:rPr lang="en-US" altLang="zh-CN" sz="3600" dirty="0">
+                <a:solidFill>
+                  <a:srgbClr val="FF5600"/>
+                </a:solidFill>
+                <a:latin typeface="GillSans" panose="020B0A02020104020203" pitchFamily="34" charset="77"/>
+              </a:rPr>
+              <a:t>Strength</a:t>
+            </a:r>
+            <a:endParaRPr lang="en-US" sz="3600" dirty="0">
+              <a:solidFill>
+                <a:srgbClr val="FF5600"/>
+              </a:solidFill>
+              <a:latin typeface="GillSans" panose="020B0A02020104020203" pitchFamily="34" charset="77"/>
+            </a:endParaRPr>
+          </a:p>
+        </p:txBody>
+      </p:sp>
+      <p:sp>
+        <p:nvSpPr>
+          <p:cNvPr id="5" name="Title 1">
+            <a:extLst>
+              <a:ext uri="{FF2B5EF4-FFF2-40B4-BE49-F238E27FC236}">
+                <a16:creationId xmlns:a16="http://schemas.microsoft.com/office/drawing/2014/main" id="{53C6B570-BADE-54E7-D124-6AC8A209165A}"/>
+              </a:ext>
+            </a:extLst>
+          </p:cNvPr>
+          <p:cNvSpPr txBox="1">
+            <a:spLocks/>
+          </p:cNvSpPr>
+          <p:nvPr/>
+        </p:nvSpPr>
+        <p:spPr>
+          <a:xfrm>
+            <a:off x="982133" y="237595"/>
+            <a:ext cx="10515600" cy="1325563"/>
+          </a:xfrm>
+          <a:prstGeom prst="rect">
+            <a:avLst/>
+          </a:prstGeom>
+        </p:spPr>
+        <p:txBody>
+          <a:bodyPr vert="horz" lIns="91440" tIns="45720" rIns="91440" bIns="45720" rtlCol="0" anchor="ctr">
+            <a:normAutofit/>
+          </a:bodyPr>
+          <a:lstStyle>
+            <a:lvl1pPr algn="l" defTabSz="914400" rtl="0" eaLnBrk="1" latinLnBrk="0" hangingPunct="1">
+              <a:lnSpc>
+                <a:spcPct val="90000"/>
+              </a:lnSpc>
+              <a:spcBef>
+                <a:spcPct val="0"/>
+              </a:spcBef>
+              <a:buNone/>
+              <a:defRPr sz="4400" kern="1200">
+                <a:solidFill>
+                  <a:schemeClr val="tx1"/>
+                </a:solidFill>
+                <a:latin typeface="+mj-lt"/>
+                <a:ea typeface="+mj-ea"/>
+                <a:cs typeface="+mj-cs"/>
+              </a:defRPr>
+            </a:lvl1pPr>
+          </a:lstStyle>
+          <a:p>
+            <a:r>
+              <a:rPr lang="en-US" altLang="zh-CN" sz="3600" dirty="0">
+                <a:solidFill>
+                  <a:srgbClr val="FF5600"/>
+                </a:solidFill>
+                <a:latin typeface="GillSans" panose="020B0A02020104020203" pitchFamily="34" charset="77"/>
+              </a:rPr>
+              <a:t>Weakness</a:t>
+            </a:r>
+            <a:endParaRPr lang="en-US" sz="3600" dirty="0">
+              <a:solidFill>
+                <a:srgbClr val="FF5600"/>
+              </a:solidFill>
+              <a:latin typeface="GillSans" panose="020B0A02020104020203" pitchFamily="34" charset="77"/>
+            </a:endParaRPr>
+          </a:p>
+        </p:txBody>
+      </p:sp>
+      <p:sp>
+        <p:nvSpPr>
+          <p:cNvPr id="6" name="Content Placeholder 2">
+            <a:extLst>
+              <a:ext uri="{FF2B5EF4-FFF2-40B4-BE49-F238E27FC236}">
+                <a16:creationId xmlns:a16="http://schemas.microsoft.com/office/drawing/2014/main" id="{C2409D3C-A687-DC0B-6D95-9961E5302C3B}"/>
+              </a:ext>
+            </a:extLst>
+          </p:cNvPr>
+          <p:cNvSpPr txBox="1">
+            <a:spLocks/>
+          </p:cNvSpPr>
+          <p:nvPr/>
+        </p:nvSpPr>
+        <p:spPr>
+          <a:xfrm>
+            <a:off x="579309" y="4108482"/>
+            <a:ext cx="10903935" cy="1445651"/>
+          </a:xfrm>
+          <a:prstGeom prst="rect">
+            <a:avLst/>
+          </a:prstGeom>
+        </p:spPr>
+        <p:txBody>
+          <a:bodyPr vert="horz" lIns="91440" tIns="45720" rIns="91440" bIns="45720" rtlCol="0">
+            <a:normAutofit/>
+          </a:bodyPr>
+          <a:lstStyle>
+            <a:lvl1pPr marL="228600" indent="-228600" algn="l" defTabSz="914400" rtl="0" eaLnBrk="1" latinLnBrk="0" hangingPunct="1">
+              <a:lnSpc>
+                <a:spcPct val="90000"/>
+              </a:lnSpc>
+              <a:spcBef>
+                <a:spcPts val="1000"/>
+              </a:spcBef>
+              <a:buFont typeface="Arial" panose="020B0604020202020204" pitchFamily="34" charset="0"/>
+              <a:buChar char="•"/>
+              <a:defRPr sz="2800" kern="1200">
+                <a:solidFill>
+                  <a:schemeClr val="tx1"/>
+                </a:solidFill>
+                <a:latin typeface="+mn-lt"/>
+                <a:ea typeface="+mn-ea"/>
+                <a:cs typeface="+mn-cs"/>
+              </a:defRPr>
+            </a:lvl1pPr>
+            <a:lvl2pPr marL="685800" indent="-228600" algn="l" defTabSz="914400" rtl="0" eaLnBrk="1" latinLnBrk="0" hangingPunct="1">
+              <a:lnSpc>
+                <a:spcPct val="90000"/>
+              </a:lnSpc>
+              <a:spcBef>
+                <a:spcPts val="500"/>
+              </a:spcBef>
+              <a:buFont typeface="Arial" panose="020B0604020202020204" pitchFamily="34" charset="0"/>
+              <a:buChar char="•"/>
+              <a:defRPr sz="2400" kern="1200">
+                <a:solidFill>
+                  <a:schemeClr val="tx1"/>
+                </a:solidFill>
+                <a:latin typeface="+mn-lt"/>
+                <a:ea typeface="+mn-ea"/>
+                <a:cs typeface="+mn-cs"/>
+              </a:defRPr>
+            </a:lvl2pPr>
+            <a:lvl3pPr marL="1143000" indent="-228600" algn="l" defTabSz="914400" rtl="0" eaLnBrk="1" latinLnBrk="0" hangingPunct="1">
+              <a:lnSpc>
+                <a:spcPct val="90000"/>
+              </a:lnSpc>
+              <a:spcBef>
+                <a:spcPts val="500"/>
+              </a:spcBef>
+              <a:buFont typeface="Arial" panose="020B0604020202020204" pitchFamily="34" charset="0"/>
+              <a:buChar char="•"/>
+              <a:defRPr sz="2000" kern="1200">
+                <a:solidFill>
+                  <a:schemeClr val="tx1"/>
+                </a:solidFill>
+                <a:latin typeface="+mn-lt"/>
+                <a:ea typeface="+mn-ea"/>
+                <a:cs typeface="+mn-cs"/>
+              </a:defRPr>
+            </a:lvl3pPr>
+            <a:lvl4pPr marL="1600200" indent="-228600" algn="l" defTabSz="914400" rtl="0" eaLnBrk="1" latinLnBrk="0" hangingPunct="1">
+              <a:lnSpc>
+                <a:spcPct val="90000"/>
+              </a:lnSpc>
+              <a:spcBef>
+                <a:spcPts val="500"/>
+              </a:spcBef>
+              <a:buFont typeface="Arial" panose="020B0604020202020204" pitchFamily="34" charset="0"/>
+              <a:buChar char="•"/>
+              <a:defRPr sz="1800" kern="1200">
+                <a:solidFill>
+                  <a:schemeClr val="tx1"/>
+                </a:solidFill>
+                <a:latin typeface="+mn-lt"/>
+                <a:ea typeface="+mn-ea"/>
+                <a:cs typeface="+mn-cs"/>
+              </a:defRPr>
+            </a:lvl4pPr>
+            <a:lvl5pPr marL="2057400" indent="-228600" algn="l" defTabSz="914400" rtl="0" eaLnBrk="1" latinLnBrk="0" hangingPunct="1">
+              <a:lnSpc>
+                <a:spcPct val="90000"/>
+              </a:lnSpc>
+              <a:spcBef>
+                <a:spcPts val="500"/>
+              </a:spcBef>
+              <a:buFont typeface="Arial" panose="020B0604020202020204" pitchFamily="34" charset="0"/>
+              <a:buChar char="•"/>
+              <a:defRPr sz="1800" kern="1200">
+                <a:solidFill>
+                  <a:schemeClr val="tx1"/>
+                </a:solidFill>
+                <a:latin typeface="+mn-lt"/>
+                <a:ea typeface="+mn-ea"/>
+                <a:cs typeface="+mn-cs"/>
+              </a:defRPr>
+            </a:lvl5pPr>
+            <a:lvl6pPr marL="2514600" indent="-228600" algn="l" defTabSz="914400" rtl="0" eaLnBrk="1" latinLnBrk="0" hangingPunct="1">
+              <a:lnSpc>
+                <a:spcPct val="90000"/>
+              </a:lnSpc>
+              <a:spcBef>
+                <a:spcPts val="500"/>
+              </a:spcBef>
+              <a:buFont typeface="Arial" panose="020B0604020202020204" pitchFamily="34" charset="0"/>
+              <a:buChar char="•"/>
+              <a:defRPr sz="1800" kern="1200">
+                <a:solidFill>
+                  <a:schemeClr val="tx1"/>
+                </a:solidFill>
+                <a:latin typeface="+mn-lt"/>
+                <a:ea typeface="+mn-ea"/>
+                <a:cs typeface="+mn-cs"/>
+              </a:defRPr>
+            </a:lvl6pPr>
+            <a:lvl7pPr marL="2971800" indent="-228600" algn="l" defTabSz="914400" rtl="0" eaLnBrk="1" latinLnBrk="0" hangingPunct="1">
+              <a:lnSpc>
+                <a:spcPct val="90000"/>
+              </a:lnSpc>
+              <a:spcBef>
+                <a:spcPts val="500"/>
+              </a:spcBef>
+              <a:buFont typeface="Arial" panose="020B0604020202020204" pitchFamily="34" charset="0"/>
+              <a:buChar char="•"/>
+              <a:defRPr sz="1800" kern="1200">
+                <a:solidFill>
+                  <a:schemeClr val="tx1"/>
+                </a:solidFill>
+                <a:latin typeface="+mn-lt"/>
+                <a:ea typeface="+mn-ea"/>
+                <a:cs typeface="+mn-cs"/>
+              </a:defRPr>
+            </a:lvl7pPr>
+            <a:lvl8pPr marL="3429000" indent="-228600" algn="l" defTabSz="914400" rtl="0" eaLnBrk="1" latinLnBrk="0" hangingPunct="1">
+              <a:lnSpc>
+                <a:spcPct val="90000"/>
+              </a:lnSpc>
+              <a:spcBef>
+                <a:spcPts val="500"/>
+              </a:spcBef>
+              <a:buFont typeface="Arial" panose="020B0604020202020204" pitchFamily="34" charset="0"/>
+              <a:buChar char="•"/>
+              <a:defRPr sz="1800" kern="1200">
+                <a:solidFill>
+                  <a:schemeClr val="tx1"/>
+                </a:solidFill>
+                <a:latin typeface="+mn-lt"/>
+                <a:ea typeface="+mn-ea"/>
+                <a:cs typeface="+mn-cs"/>
+              </a:defRPr>
+            </a:lvl8pPr>
+            <a:lvl9pPr marL="3886200" indent="-228600" algn="l" defTabSz="914400" rtl="0" eaLnBrk="1" latinLnBrk="0" hangingPunct="1">
+              <a:lnSpc>
+                <a:spcPct val="90000"/>
+              </a:lnSpc>
+              <a:spcBef>
+                <a:spcPts val="500"/>
+              </a:spcBef>
+              <a:buFont typeface="Arial" panose="020B0604020202020204" pitchFamily="34" charset="0"/>
+              <a:buChar char="•"/>
+              <a:defRPr sz="1800" kern="1200">
+                <a:solidFill>
+                  <a:schemeClr val="tx1"/>
+                </a:solidFill>
+                <a:latin typeface="+mn-lt"/>
+                <a:ea typeface="+mn-ea"/>
+                <a:cs typeface="+mn-cs"/>
+              </a:defRPr>
+            </a:lvl9pPr>
+          </a:lstStyle>
+          <a:p>
+            <a:r>
+              <a:rPr lang="en-US" altLang="zh-CN" dirty="0"/>
+              <a:t>1.</a:t>
+            </a:r>
+            <a:r>
+              <a:rPr lang="zh-CN" altLang="en-US" dirty="0"/>
+              <a:t> </a:t>
+            </a:r>
+            <a:r>
+              <a:rPr lang="en-US" altLang="zh-CN" dirty="0"/>
+              <a:t>we</a:t>
+            </a:r>
+            <a:r>
+              <a:rPr lang="zh-CN" altLang="en-US" dirty="0"/>
+              <a:t> </a:t>
+            </a:r>
+            <a:r>
+              <a:rPr lang="en-US" altLang="zh-CN" dirty="0"/>
+              <a:t>can</a:t>
+            </a:r>
+            <a:r>
+              <a:rPr lang="zh-CN" altLang="en-US" dirty="0"/>
+              <a:t> </a:t>
+            </a:r>
+            <a:r>
+              <a:rPr lang="en-US" altLang="zh-CN" dirty="0"/>
+              <a:t>learn</a:t>
+            </a:r>
+            <a:r>
+              <a:rPr lang="zh-CN" altLang="en-US" dirty="0"/>
+              <a:t> </a:t>
+            </a:r>
+            <a:r>
+              <a:rPr lang="en-US" altLang="zh-CN" dirty="0"/>
+              <a:t>how</a:t>
+            </a:r>
+            <a:r>
+              <a:rPr lang="zh-CN" altLang="en-US" dirty="0"/>
+              <a:t> </a:t>
+            </a:r>
+            <a:r>
+              <a:rPr lang="en-US" altLang="zh-CN" dirty="0"/>
+              <a:t>to</a:t>
+            </a:r>
+            <a:r>
+              <a:rPr lang="zh-CN" altLang="en-US" dirty="0"/>
+              <a:t> </a:t>
+            </a:r>
+            <a:r>
+              <a:rPr lang="en-US" altLang="zh-CN" dirty="0"/>
+              <a:t>optimize</a:t>
+            </a:r>
+            <a:r>
+              <a:rPr lang="zh-CN" altLang="en-US" dirty="0"/>
+              <a:t> </a:t>
+            </a:r>
+            <a:r>
+              <a:rPr lang="en-US" altLang="zh-CN" dirty="0"/>
+              <a:t>something</a:t>
+            </a:r>
+            <a:r>
+              <a:rPr lang="zh-CN" altLang="en-US" dirty="0"/>
+              <a:t> </a:t>
+            </a:r>
+            <a:r>
+              <a:rPr lang="en-US" altLang="zh-CN" dirty="0"/>
+              <a:t>across</a:t>
+            </a:r>
+            <a:r>
+              <a:rPr lang="zh-CN" altLang="en-US" dirty="0"/>
+              <a:t> </a:t>
+            </a:r>
+            <a:r>
+              <a:rPr lang="en-US" altLang="zh-CN" dirty="0"/>
+              <a:t>retraining</a:t>
+            </a:r>
+            <a:r>
+              <a:rPr lang="zh-CN" altLang="en-US" dirty="0"/>
+              <a:t> </a:t>
+            </a:r>
+            <a:r>
+              <a:rPr lang="en-US" altLang="zh-CN" dirty="0"/>
+              <a:t>jobs.</a:t>
+            </a:r>
+            <a:r>
+              <a:rPr lang="zh-CN" altLang="en-US" dirty="0"/>
+              <a:t> </a:t>
+            </a:r>
+            <a:endParaRPr lang="en-US" altLang="zh-CN" dirty="0"/>
+          </a:p>
+          <a:p>
+            <a:endParaRPr lang="en-SA" dirty="0"/>
+          </a:p>
+        </p:txBody>
+      </p:sp>
+    </p:spTree>
+    <p:extLst>
+      <p:ext uri="{BB962C8B-B14F-4D97-AF65-F5344CB8AC3E}">
+        <p14:creationId xmlns:p14="http://schemas.microsoft.com/office/powerpoint/2010/main" val="2599045155"/>
       </p:ext>
     </p:extLst>
   </p:cSld>
@@ -5412,14 +10486,19 @@
           </a:p>
           <a:p>
             <a:r>
+              <a:rPr lang="en-US" altLang="zh-CN" dirty="0"/>
+              <a:t>Overview</a:t>
+            </a:r>
+            <a:endParaRPr lang="en-US" dirty="0"/>
+          </a:p>
+          <a:p>
+            <a:r>
               <a:rPr lang="en-US" dirty="0"/>
-              <a:t>Measurement Study</a:t>
-            </a:r>
-          </a:p>
-          <a:p>
+              <a:t>Me</a:t>
+            </a:r>
             <a:r>
               <a:rPr lang="en-US" altLang="zh-CN" dirty="0"/>
-              <a:t>Zeus</a:t>
+              <a:t>thod</a:t>
             </a:r>
             <a:endParaRPr lang="en-US" dirty="0"/>
           </a:p>
@@ -5496,14 +10575,7 @@
             <p:ph idx="1"/>
           </p:nvPr>
         </p:nvSpPr>
-        <p:spPr>
-          <a:solidFill>
-            <a:schemeClr val="bg1"/>
-          </a:solidFill>
-          <a:ln>
-            <a:noFill/>
-          </a:ln>
-        </p:spPr>
+        <p:spPr/>
         <p:txBody>
           <a:bodyPr/>
           <a:lstStyle/>
@@ -5527,26 +10599,14 @@
           </a:p>
           <a:p>
             <a:r>
-              <a:rPr lang="en-US" dirty="0">
+              <a:rPr lang="en-US" altLang="zh-CN" dirty="0">
                 <a:solidFill>
                   <a:schemeClr val="bg2">
                     <a:lumMod val="90000"/>
                   </a:schemeClr>
                 </a:solidFill>
               </a:rPr>
-              <a:t>Measurement Study</a:t>
-            </a:r>
-          </a:p>
-          <a:p>
-            <a:r>
-              <a:rPr lang="en-US" altLang="zh-CN" dirty="0">
-                <a:solidFill>
-                  <a:schemeClr val="bg2">
-                    <a:lumMod val="90000"/>
-                  </a:schemeClr>
-                </a:solidFill>
-              </a:rPr>
-              <a:t>Zeus</a:t>
+              <a:t>Overview</a:t>
             </a:r>
             <a:endParaRPr lang="en-US" dirty="0">
               <a:solidFill>
@@ -5565,6 +10625,35 @@
                   </a:schemeClr>
                 </a:solidFill>
               </a:rPr>
+              <a:t>Me</a:t>
+            </a:r>
+            <a:r>
+              <a:rPr lang="en-US" altLang="zh-CN" dirty="0">
+                <a:solidFill>
+                  <a:schemeClr val="bg2">
+                    <a:lumMod val="90000"/>
+                  </a:schemeClr>
+                </a:solidFill>
+              </a:rPr>
+              <a:t>thod</a:t>
+            </a:r>
+            <a:endParaRPr lang="en-US" dirty="0">
+              <a:solidFill>
+                <a:schemeClr val="bg2">
+                  <a:lumMod val="90000"/>
+                </a:schemeClr>
+              </a:solidFill>
+            </a:endParaRPr>
+          </a:p>
+          <a:p>
+            <a:r>
+              <a:rPr lang="en-US" dirty="0">
+                <a:solidFill>
+                  <a:schemeClr val="bg2">
+                    <a:lumMod val="90000"/>
+                  </a:schemeClr>
+                </a:solidFill>
+              </a:rPr>
               <a:t>Evaluation</a:t>
             </a:r>
           </a:p>
@@ -5592,7 +10681,7 @@
     </p:spTree>
     <p:extLst>
       <p:ext uri="{BB962C8B-B14F-4D97-AF65-F5344CB8AC3E}">
-        <p14:creationId xmlns:p14="http://schemas.microsoft.com/office/powerpoint/2010/main" val="1190762094"/>
+        <p14:creationId xmlns:p14="http://schemas.microsoft.com/office/powerpoint/2010/main" val="2973724938"/>
       </p:ext>
     </p:extLst>
   </p:cSld>
@@ -6364,7 +11453,13 @@
       </p:grpSpPr>
       <p:sp>
         <p:nvSpPr>
-          <p:cNvPr id="2" name="Title 1"/>
+          <p:cNvPr id="2" name="Title 1">
+            <a:extLst>
+              <a:ext uri="{FF2B5EF4-FFF2-40B4-BE49-F238E27FC236}">
+                <a16:creationId xmlns:a16="http://schemas.microsoft.com/office/drawing/2014/main" id="{695D55AA-D2D5-F8AA-F9DC-B17BED342CA6}"/>
+              </a:ext>
+            </a:extLst>
+          </p:cNvPr>
           <p:cNvSpPr>
             <a:spLocks noGrp="1"/>
           </p:cNvSpPr>
@@ -6374,20 +11469,34 @@
         </p:nvSpPr>
         <p:spPr/>
         <p:txBody>
-          <a:bodyPr/>
+          <a:bodyPr>
+            <a:normAutofit/>
+          </a:bodyPr>
           <a:lstStyle/>
           <a:p>
             <a:r>
-              <a:rPr lang="en-US" dirty="0"/>
-              <a:t>Outline</a:t>
-            </a:r>
-            <a:endParaRPr lang="el-GR" dirty="0"/>
-          </a:p>
-        </p:txBody>
-      </p:sp>
-      <p:sp>
-        <p:nvSpPr>
-          <p:cNvPr id="3" name="Content Placeholder 2"/>
+              <a:rPr lang="en-US" sz="3600" b="0" dirty="0">
+                <a:solidFill>
+                  <a:srgbClr val="FF5600"/>
+                </a:solidFill>
+                <a:effectLst/>
+                <a:latin typeface="GillSans" panose="020B0A02020104020203" pitchFamily="34" charset="77"/>
+              </a:rPr>
+              <a:t>Understanding GPU Energy Consumption </a:t>
+            </a:r>
+            <a:endParaRPr lang="en-SA" sz="3600" dirty="0"/>
+          </a:p>
+        </p:txBody>
+      </p:sp>
+      <p:sp>
+        <p:nvSpPr>
+          <p:cNvPr id="3" name="Content Placeholder 2">
+            <a:extLst>
+              <a:ext uri="{FF2B5EF4-FFF2-40B4-BE49-F238E27FC236}">
+                <a16:creationId xmlns:a16="http://schemas.microsoft.com/office/drawing/2014/main" id="{ADDBE3F1-5241-BB2E-1DBD-94B58F189375}"/>
+              </a:ext>
+            </a:extLst>
+          </p:cNvPr>
           <p:cNvSpPr>
             <a:spLocks noGrp="1"/>
           </p:cNvSpPr>
@@ -6396,94 +11505,87 @@
           </p:nvPr>
         </p:nvSpPr>
         <p:spPr>
-          <a:solidFill>
-            <a:schemeClr val="bg1"/>
-          </a:solidFill>
-          <a:ln>
-            <a:noFill/>
-          </a:ln>
+          <a:xfrm>
+            <a:off x="838199" y="1825625"/>
+            <a:ext cx="11244209" cy="2068281"/>
+          </a:xfrm>
         </p:spPr>
         <p:txBody>
-          <a:bodyPr/>
+          <a:bodyPr>
+            <a:normAutofit/>
+          </a:bodyPr>
           <a:lstStyle/>
           <a:p>
-            <a:r>
-              <a:rPr lang="en-US" dirty="0">
-                <a:solidFill>
-                  <a:schemeClr val="bg2">
-                    <a:lumMod val="90000"/>
-                  </a:schemeClr>
-                </a:solidFill>
-              </a:rPr>
-              <a:t>Background</a:t>
-            </a:r>
-          </a:p>
-          <a:p>
-            <a:r>
-              <a:rPr lang="en-US" dirty="0"/>
-              <a:t>Motivation</a:t>
-            </a:r>
-          </a:p>
-          <a:p>
-            <a:r>
-              <a:rPr lang="en-US" dirty="0">
-                <a:solidFill>
-                  <a:schemeClr val="bg2">
-                    <a:lumMod val="90000"/>
-                  </a:schemeClr>
-                </a:solidFill>
-              </a:rPr>
-              <a:t>Measurement Study</a:t>
-            </a:r>
-          </a:p>
-          <a:p>
-            <a:r>
-              <a:rPr lang="en-US" altLang="zh-CN" dirty="0">
-                <a:solidFill>
-                  <a:schemeClr val="bg2">
-                    <a:lumMod val="90000"/>
-                  </a:schemeClr>
-                </a:solidFill>
-              </a:rPr>
-              <a:t>Zeus</a:t>
-            </a:r>
-            <a:endParaRPr lang="en-US" dirty="0">
-              <a:solidFill>
-                <a:schemeClr val="bg2">
-                  <a:lumMod val="90000"/>
-                </a:schemeClr>
-              </a:solidFill>
+            <a:pPr marL="0" indent="0">
+              <a:buNone/>
+            </a:pPr>
+            <a:r>
+              <a:rPr lang="en-US" sz="3600" dirty="0">
+                <a:effectLst/>
+                <a:latin typeface="GillSans" panose="020B0A02020104020203" pitchFamily="34" charset="77"/>
+              </a:rPr>
+              <a:t>Energy to Accuracy (ETA) </a:t>
+            </a:r>
+            <a:endParaRPr lang="en-US" sz="3600" dirty="0">
+              <a:effectLst/>
             </a:endParaRPr>
           </a:p>
           <a:p>
-            <a:r>
-              <a:rPr lang="en-US" dirty="0">
-                <a:solidFill>
-                  <a:schemeClr val="bg2">
-                    <a:lumMod val="90000"/>
-                  </a:schemeClr>
-                </a:solidFill>
-              </a:rPr>
-              <a:t>Evaluation</a:t>
-            </a:r>
-          </a:p>
-          <a:p>
-            <a:r>
-              <a:rPr lang="en-US" dirty="0">
-                <a:solidFill>
-                  <a:schemeClr val="bg2">
-                    <a:lumMod val="90000"/>
-                  </a:schemeClr>
-                </a:solidFill>
-              </a:rPr>
-              <a:t>Summary and Discussion</a:t>
-            </a:r>
-            <a:endParaRPr lang="el-GR" dirty="0">
-              <a:solidFill>
-                <a:schemeClr val="bg2">
-                  <a:lumMod val="90000"/>
-                </a:schemeClr>
-              </a:solidFill>
+            <a:pPr>
+              <a:buFont typeface="Arial" panose="020B0604020202020204" pitchFamily="34" charset="0"/>
+              <a:buChar char="•"/>
+            </a:pPr>
+            <a:r>
+              <a:rPr lang="en-US" sz="3600" b="0" dirty="0">
+                <a:effectLst/>
+                <a:latin typeface="GillSans" panose="020B0A02020104020203" pitchFamily="34" charset="77"/>
+              </a:rPr>
+              <a:t>Energy needed to reach the user-specified </a:t>
+            </a:r>
+            <a:r>
+              <a:rPr lang="en-US" sz="3600" b="0" dirty="0">
+                <a:solidFill>
+                  <a:srgbClr val="F47F23"/>
+                </a:solidFill>
+                <a:effectLst/>
+                <a:latin typeface="GillSans" panose="020B0A02020104020203" pitchFamily="34" charset="77"/>
+              </a:rPr>
+              <a:t>target accuracy </a:t>
+            </a:r>
+            <a:endParaRPr lang="en-US" sz="3600" dirty="0">
+              <a:effectLst/>
+              <a:latin typeface="ArialMT"/>
+            </a:endParaRPr>
+          </a:p>
+          <a:p>
+            <a:pPr>
+              <a:buFont typeface="Arial" panose="020B0604020202020204" pitchFamily="34" charset="0"/>
+              <a:buChar char="•"/>
+            </a:pPr>
+            <a:r>
+              <a:rPr lang="en-US" sz="3600" b="0" dirty="0">
+                <a:effectLst/>
+                <a:latin typeface="GillSans" panose="020B0A02020104020203" pitchFamily="34" charset="77"/>
+              </a:rPr>
+              <a:t>Energy-counterpart of </a:t>
+            </a:r>
+            <a:r>
+              <a:rPr lang="en-US" sz="3600" b="0" i="1" dirty="0">
+                <a:effectLst/>
+                <a:latin typeface="GillSans" panose="020B0A02020104020203" pitchFamily="34" charset="77"/>
+              </a:rPr>
+              <a:t>Time to Accuracy </a:t>
+            </a:r>
+            <a:r>
+              <a:rPr lang="en-US" sz="3600" b="0" dirty="0">
+                <a:effectLst/>
+                <a:latin typeface="GillSans" panose="020B0A02020104020203" pitchFamily="34" charset="77"/>
+              </a:rPr>
+              <a:t>(TTA) </a:t>
+            </a:r>
+            <a:endParaRPr lang="en-US" sz="3600" dirty="0">
+              <a:effectLst/>
+              <a:latin typeface="ArialMT"/>
             </a:endParaRPr>
           </a:p>
         </p:txBody>
@@ -6491,7 +11593,7 @@
     </p:spTree>
     <p:extLst>
       <p:ext uri="{BB962C8B-B14F-4D97-AF65-F5344CB8AC3E}">
-        <p14:creationId xmlns:p14="http://schemas.microsoft.com/office/powerpoint/2010/main" val="412958922"/>
+        <p14:creationId xmlns:p14="http://schemas.microsoft.com/office/powerpoint/2010/main" val="3240778873"/>
       </p:ext>
     </p:extLst>
   </p:cSld>

--- a/paperview/zeuspresentation.pptx
+++ b/paperview/zeuspresentation.pptx
@@ -5,7 +5,7 @@
     <p:sldMasterId id="2147483648" r:id="rId1"/>
   </p:sldMasterIdLst>
   <p:notesMasterIdLst>
-    <p:notesMasterId r:id="rId30"/>
+    <p:notesMasterId r:id="rId31"/>
   </p:notesMasterIdLst>
   <p:sldIdLst>
     <p:sldId id="256" r:id="rId2"/>
@@ -35,7 +35,8 @@
     <p:sldId id="277" r:id="rId26"/>
     <p:sldId id="285" r:id="rId27"/>
     <p:sldId id="284" r:id="rId28"/>
-    <p:sldId id="283" r:id="rId29"/>
+    <p:sldId id="286" r:id="rId29"/>
+    <p:sldId id="283" r:id="rId30"/>
   </p:sldIdLst>
   <p:sldSz cx="12192000" cy="6858000"/>
   <p:notesSz cx="6858000" cy="9144000"/>
@@ -224,7 +225,7 @@
           <a:p>
             <a:fld id="{03C7591F-E050-C44E-A3D8-79B085E510DB}" type="datetimeFigureOut">
               <a:rPr lang="en-SA" smtClean="0"/>
-              <a:t>22/02/2024 R</a:t>
+              <a:t>24/02/2024 R</a:t>
             </a:fld>
             <a:endParaRPr lang="en-SA"/>
           </a:p>
@@ -1237,7 +1238,7 @@
           <a:p>
             <a:fld id="{B4F2347B-C685-C34E-9983-4D82371570CB}" type="datetimeFigureOut">
               <a:rPr lang="en-SA" smtClean="0"/>
-              <a:t>22/02/2024 R</a:t>
+              <a:t>24/02/2024 R</a:t>
             </a:fld>
             <a:endParaRPr lang="en-SA"/>
           </a:p>
@@ -1437,7 +1438,7 @@
           <a:p>
             <a:fld id="{B4F2347B-C685-C34E-9983-4D82371570CB}" type="datetimeFigureOut">
               <a:rPr lang="en-SA" smtClean="0"/>
-              <a:t>22/02/2024 R</a:t>
+              <a:t>24/02/2024 R</a:t>
             </a:fld>
             <a:endParaRPr lang="en-SA"/>
           </a:p>
@@ -1647,7 +1648,7 @@
           <a:p>
             <a:fld id="{B4F2347B-C685-C34E-9983-4D82371570CB}" type="datetimeFigureOut">
               <a:rPr lang="en-SA" smtClean="0"/>
-              <a:t>22/02/2024 R</a:t>
+              <a:t>24/02/2024 R</a:t>
             </a:fld>
             <a:endParaRPr lang="en-SA"/>
           </a:p>
@@ -1847,7 +1848,7 @@
           <a:p>
             <a:fld id="{B4F2347B-C685-C34E-9983-4D82371570CB}" type="datetimeFigureOut">
               <a:rPr lang="en-SA" smtClean="0"/>
-              <a:t>22/02/2024 R</a:t>
+              <a:t>24/02/2024 R</a:t>
             </a:fld>
             <a:endParaRPr lang="en-SA"/>
           </a:p>
@@ -2123,7 +2124,7 @@
           <a:p>
             <a:fld id="{B4F2347B-C685-C34E-9983-4D82371570CB}" type="datetimeFigureOut">
               <a:rPr lang="en-SA" smtClean="0"/>
-              <a:t>22/02/2024 R</a:t>
+              <a:t>24/02/2024 R</a:t>
             </a:fld>
             <a:endParaRPr lang="en-SA"/>
           </a:p>
@@ -2391,7 +2392,7 @@
           <a:p>
             <a:fld id="{B4F2347B-C685-C34E-9983-4D82371570CB}" type="datetimeFigureOut">
               <a:rPr lang="en-SA" smtClean="0"/>
-              <a:t>22/02/2024 R</a:t>
+              <a:t>24/02/2024 R</a:t>
             </a:fld>
             <a:endParaRPr lang="en-SA"/>
           </a:p>
@@ -2806,7 +2807,7 @@
           <a:p>
             <a:fld id="{B4F2347B-C685-C34E-9983-4D82371570CB}" type="datetimeFigureOut">
               <a:rPr lang="en-SA" smtClean="0"/>
-              <a:t>22/02/2024 R</a:t>
+              <a:t>24/02/2024 R</a:t>
             </a:fld>
             <a:endParaRPr lang="en-SA"/>
           </a:p>
@@ -2948,7 +2949,7 @@
           <a:p>
             <a:fld id="{B4F2347B-C685-C34E-9983-4D82371570CB}" type="datetimeFigureOut">
               <a:rPr lang="en-SA" smtClean="0"/>
-              <a:t>22/02/2024 R</a:t>
+              <a:t>24/02/2024 R</a:t>
             </a:fld>
             <a:endParaRPr lang="en-SA"/>
           </a:p>
@@ -3061,7 +3062,7 @@
           <a:p>
             <a:fld id="{B4F2347B-C685-C34E-9983-4D82371570CB}" type="datetimeFigureOut">
               <a:rPr lang="en-SA" smtClean="0"/>
-              <a:t>22/02/2024 R</a:t>
+              <a:t>24/02/2024 R</a:t>
             </a:fld>
             <a:endParaRPr lang="en-SA"/>
           </a:p>
@@ -3374,7 +3375,7 @@
           <a:p>
             <a:fld id="{B4F2347B-C685-C34E-9983-4D82371570CB}" type="datetimeFigureOut">
               <a:rPr lang="en-SA" smtClean="0"/>
-              <a:t>22/02/2024 R</a:t>
+              <a:t>24/02/2024 R</a:t>
             </a:fld>
             <a:endParaRPr lang="en-SA"/>
           </a:p>
@@ -3663,7 +3664,7 @@
           <a:p>
             <a:fld id="{B4F2347B-C685-C34E-9983-4D82371570CB}" type="datetimeFigureOut">
               <a:rPr lang="en-SA" smtClean="0"/>
-              <a:t>22/02/2024 R</a:t>
+              <a:t>24/02/2024 R</a:t>
             </a:fld>
             <a:endParaRPr lang="en-SA"/>
           </a:p>
@@ -3906,7 +3907,7 @@
           <a:p>
             <a:fld id="{B4F2347B-C685-C34E-9983-4D82371570CB}" type="datetimeFigureOut">
               <a:rPr lang="en-SA" smtClean="0"/>
-              <a:t>22/02/2024 R</a:t>
+              <a:t>24/02/2024 R</a:t>
             </a:fld>
             <a:endParaRPr lang="en-SA"/>
           </a:p>
@@ -9507,175 +9508,41 @@
           <a:chExt cx="0" cy="0"/>
         </a:xfrm>
       </p:grpSpPr>
-      <p:sp>
-        <p:nvSpPr>
-          <p:cNvPr id="3" name="Content Placeholder 2">
-            <a:extLst>
-              <a:ext uri="{FF2B5EF4-FFF2-40B4-BE49-F238E27FC236}">
-                <a16:creationId xmlns:a16="http://schemas.microsoft.com/office/drawing/2014/main" id="{484D8235-3425-4FA0-DDBA-014E65117FEC}"/>
-              </a:ext>
-            </a:extLst>
-          </p:cNvPr>
-          <p:cNvSpPr>
-            <a:spLocks noGrp="1"/>
-          </p:cNvSpPr>
+      <p:pic>
+        <p:nvPicPr>
+          <p:cNvPr id="5" name="Content Placeholder 4">
+            <a:extLst>
+              <a:ext uri="{FF2B5EF4-FFF2-40B4-BE49-F238E27FC236}">
+                <a16:creationId xmlns:a16="http://schemas.microsoft.com/office/drawing/2014/main" id="{32002B0A-8D28-98F8-29E9-E2F0DECEECCE}"/>
+              </a:ext>
+            </a:extLst>
+          </p:cNvPr>
+          <p:cNvPicPr>
+            <a:picLocks noGrp="1" noChangeAspect="1"/>
+          </p:cNvPicPr>
           <p:nvPr>
             <p:ph idx="1"/>
           </p:nvPr>
-        </p:nvSpPr>
+        </p:nvPicPr>
+        <p:blipFill>
+          <a:blip r:embed="rId2"/>
+          <a:stretch>
+            <a:fillRect/>
+          </a:stretch>
+        </p:blipFill>
         <p:spPr>
           <a:xfrm>
-            <a:off x="838200" y="1825625"/>
-            <a:ext cx="10515600" cy="841375"/>
+            <a:off x="1153697" y="1859181"/>
+            <a:ext cx="9549046" cy="4351338"/>
           </a:xfrm>
         </p:spPr>
-        <p:txBody>
-          <a:bodyPr>
-            <a:normAutofit lnSpcReduction="10000"/>
-          </a:bodyPr>
-          <a:lstStyle/>
-          <a:p>
-            <a:r>
-              <a:rPr lang="en-US" altLang="zh-CN" dirty="0"/>
-              <a:t>1.</a:t>
-            </a:r>
-            <a:r>
-              <a:rPr lang="zh-CN" altLang="en-US" dirty="0"/>
-              <a:t> </a:t>
-            </a:r>
-            <a:r>
-              <a:rPr lang="en-US" altLang="zh-CN" dirty="0"/>
-              <a:t>The</a:t>
-            </a:r>
-            <a:r>
-              <a:rPr lang="zh-CN" altLang="en-US" dirty="0"/>
-              <a:t> </a:t>
-            </a:r>
-            <a:r>
-              <a:rPr lang="en-US" altLang="zh-CN" dirty="0"/>
-              <a:t>energy</a:t>
-            </a:r>
-            <a:r>
-              <a:rPr lang="zh-CN" altLang="en-US" dirty="0"/>
-              <a:t> </a:t>
-            </a:r>
-            <a:r>
-              <a:rPr lang="en-US" altLang="zh-CN" dirty="0"/>
-              <a:t>is</a:t>
-            </a:r>
-            <a:r>
-              <a:rPr lang="zh-CN" altLang="en-US" dirty="0"/>
-              <a:t> </a:t>
-            </a:r>
-            <a:r>
-              <a:rPr lang="en-US" altLang="zh-CN" dirty="0"/>
-              <a:t>not</a:t>
-            </a:r>
-            <a:r>
-              <a:rPr lang="zh-CN" altLang="en-US" dirty="0"/>
-              <a:t> </a:t>
-            </a:r>
-            <a:r>
-              <a:rPr lang="en-US" altLang="zh-CN" dirty="0"/>
-              <a:t>the</a:t>
-            </a:r>
-            <a:r>
-              <a:rPr lang="zh-CN" altLang="en-US" dirty="0"/>
-              <a:t> </a:t>
-            </a:r>
-            <a:r>
-              <a:rPr lang="en-US" altLang="zh-CN" dirty="0"/>
-              <a:t>important</a:t>
-            </a:r>
-            <a:r>
-              <a:rPr lang="zh-CN" altLang="en-US" dirty="0"/>
-              <a:t> </a:t>
-            </a:r>
-            <a:r>
-              <a:rPr lang="en-US" altLang="zh-CN" dirty="0"/>
-              <a:t>things.</a:t>
-            </a:r>
-            <a:r>
-              <a:rPr lang="zh-CN" altLang="en-US" dirty="0"/>
-              <a:t> </a:t>
-            </a:r>
-            <a:r>
-              <a:rPr lang="en-US" altLang="zh-CN" dirty="0"/>
-              <a:t>Mostly</a:t>
-            </a:r>
-            <a:r>
-              <a:rPr lang="zh-CN" altLang="en-US" dirty="0"/>
-              <a:t> </a:t>
-            </a:r>
-            <a:r>
-              <a:rPr lang="en-US" altLang="zh-CN" dirty="0"/>
-              <a:t>we</a:t>
-            </a:r>
-            <a:r>
-              <a:rPr lang="zh-CN" altLang="en-US" dirty="0"/>
-              <a:t> </a:t>
-            </a:r>
-            <a:r>
-              <a:rPr lang="en-US" altLang="zh-CN" dirty="0"/>
-              <a:t>pay</a:t>
-            </a:r>
-            <a:r>
-              <a:rPr lang="zh-CN" altLang="en-US" dirty="0"/>
-              <a:t> </a:t>
-            </a:r>
-            <a:r>
-              <a:rPr lang="en-US" altLang="zh-CN" dirty="0"/>
-              <a:t>attention</a:t>
-            </a:r>
-            <a:r>
-              <a:rPr lang="zh-CN" altLang="en-US" dirty="0"/>
-              <a:t> </a:t>
-            </a:r>
-            <a:r>
-              <a:rPr lang="en-US" altLang="zh-CN" dirty="0"/>
-              <a:t>to</a:t>
-            </a:r>
-            <a:r>
-              <a:rPr lang="zh-CN" altLang="en-US" dirty="0"/>
-              <a:t> </a:t>
-            </a:r>
-            <a:r>
-              <a:rPr lang="en-US" altLang="zh-CN" dirty="0"/>
-              <a:t>the</a:t>
-            </a:r>
-            <a:r>
-              <a:rPr lang="zh-CN" altLang="en-US" dirty="0"/>
-              <a:t> </a:t>
-            </a:r>
-            <a:r>
-              <a:rPr lang="en-US" altLang="zh-CN" dirty="0"/>
-              <a:t>training</a:t>
-            </a:r>
-            <a:r>
-              <a:rPr lang="zh-CN" altLang="en-US" dirty="0"/>
-              <a:t> </a:t>
-            </a:r>
-            <a:r>
-              <a:rPr lang="en-US" altLang="zh-CN" dirty="0"/>
-              <a:t>time.</a:t>
-            </a:r>
-            <a:r>
-              <a:rPr lang="zh-CN" altLang="en-US" dirty="0"/>
-              <a:t> </a:t>
-            </a:r>
-            <a:endParaRPr lang="en-US" altLang="zh-CN" dirty="0"/>
-          </a:p>
-          <a:p>
-            <a:endParaRPr lang="en-SA" dirty="0"/>
-          </a:p>
-        </p:txBody>
-      </p:sp>
-      <p:sp>
-        <p:nvSpPr>
-          <p:cNvPr id="4" name="Title 1">
-            <a:extLst>
-              <a:ext uri="{FF2B5EF4-FFF2-40B4-BE49-F238E27FC236}">
-                <a16:creationId xmlns:a16="http://schemas.microsoft.com/office/drawing/2014/main" id="{BBE4F9C6-64E4-C2CA-4965-39DDAA1E4F8E}"/>
+      </p:pic>
+      <p:sp>
+        <p:nvSpPr>
+          <p:cNvPr id="6" name="Title 1">
+            <a:extLst>
+              <a:ext uri="{FF2B5EF4-FFF2-40B4-BE49-F238E27FC236}">
+                <a16:creationId xmlns:a16="http://schemas.microsoft.com/office/drawing/2014/main" id="{6D99285F-76CF-A12E-8D79-D516E8681E98}"/>
               </a:ext>
             </a:extLst>
           </p:cNvPr>
@@ -9686,7 +9553,7 @@
         </p:nvSpPr>
         <p:spPr>
           <a:xfrm>
-            <a:off x="708755" y="3075063"/>
+            <a:off x="838200" y="218740"/>
             <a:ext cx="10515600" cy="1325563"/>
           </a:xfrm>
           <a:prstGeom prst="rect">
@@ -9718,29 +9585,216 @@
           </a:lstStyle>
           <a:p>
             <a:r>
-              <a:rPr lang="en-US" altLang="zh-CN" sz="3600" dirty="0">
+              <a:rPr lang="en-US" sz="3600" dirty="0">
                 <a:solidFill>
                   <a:srgbClr val="FF5600"/>
                 </a:solidFill>
                 <a:latin typeface="GillSans" panose="020B0A02020104020203" pitchFamily="34" charset="77"/>
               </a:rPr>
-              <a:t>Strength</a:t>
-            </a:r>
-            <a:endParaRPr lang="en-US" sz="3600" dirty="0">
-              <a:solidFill>
-                <a:srgbClr val="FF5600"/>
-              </a:solidFill>
-              <a:latin typeface="GillSans" panose="020B0A02020104020203" pitchFamily="34" charset="77"/>
-            </a:endParaRPr>
-          </a:p>
-        </p:txBody>
-      </p:sp>
-      <p:sp>
-        <p:nvSpPr>
-          <p:cNvPr id="5" name="Title 1">
-            <a:extLst>
-              <a:ext uri="{FF2B5EF4-FFF2-40B4-BE49-F238E27FC236}">
-                <a16:creationId xmlns:a16="http://schemas.microsoft.com/office/drawing/2014/main" id="{53C6B570-BADE-54E7-D124-6AC8A209165A}"/>
+              <a:t>Conclusion</a:t>
+            </a:r>
+          </a:p>
+        </p:txBody>
+      </p:sp>
+    </p:spTree>
+    <p:extLst>
+      <p:ext uri="{BB962C8B-B14F-4D97-AF65-F5344CB8AC3E}">
+        <p14:creationId xmlns:p14="http://schemas.microsoft.com/office/powerpoint/2010/main" val="2627662302"/>
+      </p:ext>
+    </p:extLst>
+  </p:cSld>
+  <p:clrMapOvr>
+    <a:masterClrMapping/>
+  </p:clrMapOvr>
+</p:sld>
+</file>
+
+<file path=ppt/slides/slide29.xml><?xml version="1.0" encoding="utf-8"?>
+<p:sld xmlns:a="http://schemas.openxmlformats.org/drawingml/2006/main" xmlns:r="http://schemas.openxmlformats.org/officeDocument/2006/relationships" xmlns:p="http://schemas.openxmlformats.org/presentationml/2006/main">
+  <p:cSld>
+    <p:spTree>
+      <p:nvGrpSpPr>
+        <p:cNvPr id="1" name=""/>
+        <p:cNvGrpSpPr/>
+        <p:nvPr/>
+      </p:nvGrpSpPr>
+      <p:grpSpPr>
+        <a:xfrm>
+          <a:off x="0" y="0"/>
+          <a:ext cx="0" cy="0"/>
+          <a:chOff x="0" y="0"/>
+          <a:chExt cx="0" cy="0"/>
+        </a:xfrm>
+      </p:grpSpPr>
+      <p:sp>
+        <p:nvSpPr>
+          <p:cNvPr id="3" name="Content Placeholder 2">
+            <a:extLst>
+              <a:ext uri="{FF2B5EF4-FFF2-40B4-BE49-F238E27FC236}">
+                <a16:creationId xmlns:a16="http://schemas.microsoft.com/office/drawing/2014/main" id="{484D8235-3425-4FA0-DDBA-014E65117FEC}"/>
+              </a:ext>
+            </a:extLst>
+          </p:cNvPr>
+          <p:cNvSpPr>
+            <a:spLocks noGrp="1"/>
+          </p:cNvSpPr>
+          <p:nvPr>
+            <p:ph idx="1"/>
+          </p:nvPr>
+        </p:nvSpPr>
+        <p:spPr>
+          <a:xfrm>
+            <a:off x="838200" y="1825625"/>
+            <a:ext cx="10515600" cy="841375"/>
+          </a:xfrm>
+        </p:spPr>
+        <p:txBody>
+          <a:bodyPr>
+            <a:normAutofit lnSpcReduction="10000"/>
+          </a:bodyPr>
+          <a:lstStyle/>
+          <a:p>
+            <a:r>
+              <a:rPr lang="en-US" altLang="zh-CN" dirty="0"/>
+              <a:t>1.</a:t>
+            </a:r>
+            <a:r>
+              <a:rPr lang="zh-CN" altLang="en-US" dirty="0"/>
+              <a:t> </a:t>
+            </a:r>
+            <a:r>
+              <a:rPr lang="en-US" altLang="zh-CN" dirty="0"/>
+              <a:t>The</a:t>
+            </a:r>
+            <a:r>
+              <a:rPr lang="zh-CN" altLang="en-US" dirty="0"/>
+              <a:t> </a:t>
+            </a:r>
+            <a:r>
+              <a:rPr lang="en-US" altLang="zh-CN" dirty="0"/>
+              <a:t>energy</a:t>
+            </a:r>
+            <a:r>
+              <a:rPr lang="zh-CN" altLang="en-US" dirty="0"/>
+              <a:t> </a:t>
+            </a:r>
+            <a:r>
+              <a:rPr lang="en-US" altLang="zh-CN" dirty="0"/>
+              <a:t>is</a:t>
+            </a:r>
+            <a:r>
+              <a:rPr lang="zh-CN" altLang="en-US" dirty="0"/>
+              <a:t> </a:t>
+            </a:r>
+            <a:r>
+              <a:rPr lang="en-US" altLang="zh-CN" dirty="0"/>
+              <a:t>not</a:t>
+            </a:r>
+            <a:r>
+              <a:rPr lang="zh-CN" altLang="en-US" dirty="0"/>
+              <a:t> </a:t>
+            </a:r>
+            <a:r>
+              <a:rPr lang="en-US" altLang="zh-CN" dirty="0"/>
+              <a:t>the</a:t>
+            </a:r>
+            <a:r>
+              <a:rPr lang="zh-CN" altLang="en-US" dirty="0"/>
+              <a:t> </a:t>
+            </a:r>
+            <a:r>
+              <a:rPr lang="en-US" altLang="zh-CN" dirty="0"/>
+              <a:t>important</a:t>
+            </a:r>
+            <a:r>
+              <a:rPr lang="zh-CN" altLang="en-US" dirty="0"/>
+              <a:t> </a:t>
+            </a:r>
+            <a:r>
+              <a:rPr lang="en-US" altLang="zh-CN" dirty="0"/>
+              <a:t>things.</a:t>
+            </a:r>
+            <a:r>
+              <a:rPr lang="zh-CN" altLang="en-US" dirty="0"/>
+              <a:t> </a:t>
+            </a:r>
+            <a:r>
+              <a:rPr lang="en-US" altLang="zh-CN" dirty="0"/>
+              <a:t>Mostly</a:t>
+            </a:r>
+            <a:r>
+              <a:rPr lang="zh-CN" altLang="en-US" dirty="0"/>
+              <a:t> </a:t>
+            </a:r>
+            <a:r>
+              <a:rPr lang="en-US" altLang="zh-CN" dirty="0"/>
+              <a:t>we</a:t>
+            </a:r>
+            <a:r>
+              <a:rPr lang="zh-CN" altLang="en-US" dirty="0"/>
+              <a:t> </a:t>
+            </a:r>
+            <a:r>
+              <a:rPr lang="en-US" altLang="zh-CN" dirty="0"/>
+              <a:t>pay</a:t>
+            </a:r>
+            <a:r>
+              <a:rPr lang="zh-CN" altLang="en-US" dirty="0"/>
+              <a:t> </a:t>
+            </a:r>
+            <a:r>
+              <a:rPr lang="en-US" altLang="zh-CN" dirty="0"/>
+              <a:t>attention</a:t>
+            </a:r>
+            <a:r>
+              <a:rPr lang="zh-CN" altLang="en-US" dirty="0"/>
+              <a:t> </a:t>
+            </a:r>
+            <a:r>
+              <a:rPr lang="en-US" altLang="zh-CN" dirty="0"/>
+              <a:t>to</a:t>
+            </a:r>
+            <a:r>
+              <a:rPr lang="zh-CN" altLang="en-US" dirty="0"/>
+              <a:t> </a:t>
+            </a:r>
+            <a:r>
+              <a:rPr lang="en-US" altLang="zh-CN" dirty="0"/>
+              <a:t>the</a:t>
+            </a:r>
+            <a:r>
+              <a:rPr lang="zh-CN" altLang="en-US" dirty="0"/>
+              <a:t> </a:t>
+            </a:r>
+            <a:r>
+              <a:rPr lang="en-US" altLang="zh-CN" dirty="0"/>
+              <a:t>training</a:t>
+            </a:r>
+            <a:r>
+              <a:rPr lang="zh-CN" altLang="en-US" dirty="0"/>
+              <a:t> </a:t>
+            </a:r>
+            <a:r>
+              <a:rPr lang="en-US" altLang="zh-CN" dirty="0"/>
+              <a:t>time.</a:t>
+            </a:r>
+            <a:r>
+              <a:rPr lang="zh-CN" altLang="en-US" dirty="0"/>
+              <a:t> </a:t>
+            </a:r>
+            <a:endParaRPr lang="en-US" altLang="zh-CN" dirty="0"/>
+          </a:p>
+          <a:p>
+            <a:endParaRPr lang="en-SA" dirty="0"/>
+          </a:p>
+        </p:txBody>
+      </p:sp>
+      <p:sp>
+        <p:nvSpPr>
+          <p:cNvPr id="4" name="Title 1">
+            <a:extLst>
+              <a:ext uri="{FF2B5EF4-FFF2-40B4-BE49-F238E27FC236}">
+                <a16:creationId xmlns:a16="http://schemas.microsoft.com/office/drawing/2014/main" id="{BBE4F9C6-64E4-C2CA-4965-39DDAA1E4F8E}"/>
               </a:ext>
             </a:extLst>
           </p:cNvPr>
@@ -9751,7 +9805,7 @@
         </p:nvSpPr>
         <p:spPr>
           <a:xfrm>
-            <a:off x="982133" y="237595"/>
+            <a:off x="838200" y="2929467"/>
             <a:ext cx="10515600" cy="1325563"/>
           </a:xfrm>
           <a:prstGeom prst="rect">
@@ -9789,7 +9843,7 @@
                 </a:solidFill>
                 <a:latin typeface="GillSans" panose="020B0A02020104020203" pitchFamily="34" charset="77"/>
               </a:rPr>
-              <a:t>Weakness</a:t>
+              <a:t>Strength</a:t>
             </a:r>
             <a:endParaRPr lang="en-US" sz="3600" dirty="0">
               <a:solidFill>
@@ -9802,10 +9856,10 @@
       </p:sp>
       <p:sp>
         <p:nvSpPr>
-          <p:cNvPr id="6" name="Content Placeholder 2">
-            <a:extLst>
-              <a:ext uri="{FF2B5EF4-FFF2-40B4-BE49-F238E27FC236}">
-                <a16:creationId xmlns:a16="http://schemas.microsoft.com/office/drawing/2014/main" id="{C2409D3C-A687-DC0B-6D95-9961E5302C3B}"/>
+          <p:cNvPr id="5" name="Title 1">
+            <a:extLst>
+              <a:ext uri="{FF2B5EF4-FFF2-40B4-BE49-F238E27FC236}">
+                <a16:creationId xmlns:a16="http://schemas.microsoft.com/office/drawing/2014/main" id="{53C6B570-BADE-54E7-D124-6AC8A209165A}"/>
               </a:ext>
             </a:extLst>
           </p:cNvPr>
@@ -9816,7 +9870,72 @@
         </p:nvSpPr>
         <p:spPr>
           <a:xfrm>
-            <a:off x="579309" y="4108482"/>
+            <a:off x="838200" y="237595"/>
+            <a:ext cx="10515600" cy="1325563"/>
+          </a:xfrm>
+          <a:prstGeom prst="rect">
+            <a:avLst/>
+          </a:prstGeom>
+        </p:spPr>
+        <p:txBody>
+          <a:bodyPr vert="horz" lIns="91440" tIns="45720" rIns="91440" bIns="45720" rtlCol="0" anchor="ctr">
+            <a:normAutofit/>
+          </a:bodyPr>
+          <a:lstStyle>
+            <a:lvl1pPr algn="l" defTabSz="914400" rtl="0" eaLnBrk="1" latinLnBrk="0" hangingPunct="1">
+              <a:lnSpc>
+                <a:spcPct val="90000"/>
+              </a:lnSpc>
+              <a:spcBef>
+                <a:spcPct val="0"/>
+              </a:spcBef>
+              <a:buNone/>
+              <a:defRPr sz="4400" kern="1200">
+                <a:solidFill>
+                  <a:schemeClr val="tx1"/>
+                </a:solidFill>
+                <a:latin typeface="+mj-lt"/>
+                <a:ea typeface="+mj-ea"/>
+                <a:cs typeface="+mj-cs"/>
+              </a:defRPr>
+            </a:lvl1pPr>
+          </a:lstStyle>
+          <a:p>
+            <a:r>
+              <a:rPr lang="en-US" altLang="zh-CN" sz="3600" dirty="0">
+                <a:solidFill>
+                  <a:srgbClr val="FF5600"/>
+                </a:solidFill>
+                <a:latin typeface="GillSans" panose="020B0A02020104020203" pitchFamily="34" charset="77"/>
+              </a:rPr>
+              <a:t>Weakness</a:t>
+            </a:r>
+            <a:endParaRPr lang="en-US" sz="3600" dirty="0">
+              <a:solidFill>
+                <a:srgbClr val="FF5600"/>
+              </a:solidFill>
+              <a:latin typeface="GillSans" panose="020B0A02020104020203" pitchFamily="34" charset="77"/>
+            </a:endParaRPr>
+          </a:p>
+        </p:txBody>
+      </p:sp>
+      <p:sp>
+        <p:nvSpPr>
+          <p:cNvPr id="6" name="Content Placeholder 2">
+            <a:extLst>
+              <a:ext uri="{FF2B5EF4-FFF2-40B4-BE49-F238E27FC236}">
+                <a16:creationId xmlns:a16="http://schemas.microsoft.com/office/drawing/2014/main" id="{C2409D3C-A687-DC0B-6D95-9961E5302C3B}"/>
+              </a:ext>
+            </a:extLst>
+          </p:cNvPr>
+          <p:cNvSpPr txBox="1">
+            <a:spLocks/>
+          </p:cNvSpPr>
+          <p:nvPr/>
+        </p:nvSpPr>
+        <p:spPr>
+          <a:xfrm>
+            <a:off x="838200" y="4083315"/>
             <a:ext cx="10903935" cy="1445651"/>
           </a:xfrm>
           <a:prstGeom prst="rect">

--- a/paperview/zeuspresentation.pptx
+++ b/paperview/zeuspresentation.pptx
@@ -5,38 +5,37 @@
     <p:sldMasterId id="2147483648" r:id="rId1"/>
   </p:sldMasterIdLst>
   <p:notesMasterIdLst>
-    <p:notesMasterId r:id="rId31"/>
+    <p:notesMasterId r:id="rId30"/>
   </p:notesMasterIdLst>
   <p:sldIdLst>
     <p:sldId id="256" r:id="rId2"/>
     <p:sldId id="257" r:id="rId3"/>
     <p:sldId id="258" r:id="rId4"/>
-    <p:sldId id="260" r:id="rId5"/>
-    <p:sldId id="261" r:id="rId6"/>
-    <p:sldId id="278" r:id="rId7"/>
-    <p:sldId id="269" r:id="rId8"/>
-    <p:sldId id="259" r:id="rId9"/>
-    <p:sldId id="263" r:id="rId10"/>
-    <p:sldId id="279" r:id="rId11"/>
-    <p:sldId id="264" r:id="rId12"/>
-    <p:sldId id="265" r:id="rId13"/>
-    <p:sldId id="266" r:id="rId14"/>
-    <p:sldId id="267" r:id="rId15"/>
-    <p:sldId id="272" r:id="rId16"/>
-    <p:sldId id="273" r:id="rId17"/>
-    <p:sldId id="280" r:id="rId18"/>
-    <p:sldId id="270" r:id="rId19"/>
-    <p:sldId id="274" r:id="rId20"/>
-    <p:sldId id="281" r:id="rId21"/>
-    <p:sldId id="271" r:id="rId22"/>
-    <p:sldId id="275" r:id="rId23"/>
-    <p:sldId id="276" r:id="rId24"/>
-    <p:sldId id="282" r:id="rId25"/>
-    <p:sldId id="277" r:id="rId26"/>
-    <p:sldId id="285" r:id="rId27"/>
-    <p:sldId id="284" r:id="rId28"/>
-    <p:sldId id="286" r:id="rId29"/>
-    <p:sldId id="283" r:id="rId30"/>
+    <p:sldId id="261" r:id="rId5"/>
+    <p:sldId id="278" r:id="rId6"/>
+    <p:sldId id="269" r:id="rId7"/>
+    <p:sldId id="259" r:id="rId8"/>
+    <p:sldId id="263" r:id="rId9"/>
+    <p:sldId id="279" r:id="rId10"/>
+    <p:sldId id="264" r:id="rId11"/>
+    <p:sldId id="265" r:id="rId12"/>
+    <p:sldId id="266" r:id="rId13"/>
+    <p:sldId id="267" r:id="rId14"/>
+    <p:sldId id="272" r:id="rId15"/>
+    <p:sldId id="273" r:id="rId16"/>
+    <p:sldId id="280" r:id="rId17"/>
+    <p:sldId id="270" r:id="rId18"/>
+    <p:sldId id="274" r:id="rId19"/>
+    <p:sldId id="281" r:id="rId20"/>
+    <p:sldId id="271" r:id="rId21"/>
+    <p:sldId id="275" r:id="rId22"/>
+    <p:sldId id="276" r:id="rId23"/>
+    <p:sldId id="282" r:id="rId24"/>
+    <p:sldId id="277" r:id="rId25"/>
+    <p:sldId id="285" r:id="rId26"/>
+    <p:sldId id="284" r:id="rId27"/>
+    <p:sldId id="286" r:id="rId28"/>
+    <p:sldId id="283" r:id="rId29"/>
   </p:sldIdLst>
   <p:sldSz cx="12192000" cy="6858000"/>
   <p:notesSz cx="6858000" cy="9144000"/>
@@ -225,7 +224,7 @@
           <a:p>
             <a:fld id="{03C7591F-E050-C44E-A3D8-79B085E510DB}" type="datetimeFigureOut">
               <a:rPr lang="en-SA" smtClean="0"/>
-              <a:t>24/02/2024 R</a:t>
+              <a:t>20/03/2024 R</a:t>
             </a:fld>
             <a:endParaRPr lang="en-SA"/>
           </a:p>
@@ -638,7 +637,7 @@
           <a:p>
             <a:fld id="{06A23FBF-B721-4A48-93F8-EC1885D2D624}" type="slidenum">
               <a:rPr lang="en-SA" smtClean="0"/>
-              <a:t>8</a:t>
+              <a:t>7</a:t>
             </a:fld>
             <a:endParaRPr lang="en-SA"/>
           </a:p>
@@ -722,7 +721,7 @@
           <a:p>
             <a:fld id="{06A23FBF-B721-4A48-93F8-EC1885D2D624}" type="slidenum">
               <a:rPr lang="en-SA" smtClean="0"/>
-              <a:t>12</a:t>
+              <a:t>11</a:t>
             </a:fld>
             <a:endParaRPr lang="en-SA"/>
           </a:p>
@@ -806,7 +805,7 @@
           <a:p>
             <a:fld id="{06A23FBF-B721-4A48-93F8-EC1885D2D624}" type="slidenum">
               <a:rPr lang="en-SA" smtClean="0"/>
-              <a:t>13</a:t>
+              <a:t>12</a:t>
             </a:fld>
             <a:endParaRPr lang="en-SA"/>
           </a:p>
@@ -938,7 +937,7 @@
           <a:p>
             <a:fld id="{06A23FBF-B721-4A48-93F8-EC1885D2D624}" type="slidenum">
               <a:rPr lang="en-SA" smtClean="0"/>
-              <a:t>22</a:t>
+              <a:t>21</a:t>
             </a:fld>
             <a:endParaRPr lang="en-SA"/>
           </a:p>
@@ -1070,7 +1069,7 @@
           <a:p>
             <a:fld id="{06A23FBF-B721-4A48-93F8-EC1885D2D624}" type="slidenum">
               <a:rPr lang="en-SA" smtClean="0"/>
-              <a:t>23</a:t>
+              <a:t>22</a:t>
             </a:fld>
             <a:endParaRPr lang="en-SA"/>
           </a:p>
@@ -1238,7 +1237,7 @@
           <a:p>
             <a:fld id="{B4F2347B-C685-C34E-9983-4D82371570CB}" type="datetimeFigureOut">
               <a:rPr lang="en-SA" smtClean="0"/>
-              <a:t>24/02/2024 R</a:t>
+              <a:t>20/03/2024 R</a:t>
             </a:fld>
             <a:endParaRPr lang="en-SA"/>
           </a:p>
@@ -1438,7 +1437,7 @@
           <a:p>
             <a:fld id="{B4F2347B-C685-C34E-9983-4D82371570CB}" type="datetimeFigureOut">
               <a:rPr lang="en-SA" smtClean="0"/>
-              <a:t>24/02/2024 R</a:t>
+              <a:t>20/03/2024 R</a:t>
             </a:fld>
             <a:endParaRPr lang="en-SA"/>
           </a:p>
@@ -1648,7 +1647,7 @@
           <a:p>
             <a:fld id="{B4F2347B-C685-C34E-9983-4D82371570CB}" type="datetimeFigureOut">
               <a:rPr lang="en-SA" smtClean="0"/>
-              <a:t>24/02/2024 R</a:t>
+              <a:t>20/03/2024 R</a:t>
             </a:fld>
             <a:endParaRPr lang="en-SA"/>
           </a:p>
@@ -1848,7 +1847,7 @@
           <a:p>
             <a:fld id="{B4F2347B-C685-C34E-9983-4D82371570CB}" type="datetimeFigureOut">
               <a:rPr lang="en-SA" smtClean="0"/>
-              <a:t>24/02/2024 R</a:t>
+              <a:t>20/03/2024 R</a:t>
             </a:fld>
             <a:endParaRPr lang="en-SA"/>
           </a:p>
@@ -2124,7 +2123,7 @@
           <a:p>
             <a:fld id="{B4F2347B-C685-C34E-9983-4D82371570CB}" type="datetimeFigureOut">
               <a:rPr lang="en-SA" smtClean="0"/>
-              <a:t>24/02/2024 R</a:t>
+              <a:t>20/03/2024 R</a:t>
             </a:fld>
             <a:endParaRPr lang="en-SA"/>
           </a:p>
@@ -2392,7 +2391,7 @@
           <a:p>
             <a:fld id="{B4F2347B-C685-C34E-9983-4D82371570CB}" type="datetimeFigureOut">
               <a:rPr lang="en-SA" smtClean="0"/>
-              <a:t>24/02/2024 R</a:t>
+              <a:t>20/03/2024 R</a:t>
             </a:fld>
             <a:endParaRPr lang="en-SA"/>
           </a:p>
@@ -2807,7 +2806,7 @@
           <a:p>
             <a:fld id="{B4F2347B-C685-C34E-9983-4D82371570CB}" type="datetimeFigureOut">
               <a:rPr lang="en-SA" smtClean="0"/>
-              <a:t>24/02/2024 R</a:t>
+              <a:t>20/03/2024 R</a:t>
             </a:fld>
             <a:endParaRPr lang="en-SA"/>
           </a:p>
@@ -2949,7 +2948,7 @@
           <a:p>
             <a:fld id="{B4F2347B-C685-C34E-9983-4D82371570CB}" type="datetimeFigureOut">
               <a:rPr lang="en-SA" smtClean="0"/>
-              <a:t>24/02/2024 R</a:t>
+              <a:t>20/03/2024 R</a:t>
             </a:fld>
             <a:endParaRPr lang="en-SA"/>
           </a:p>
@@ -3062,7 +3061,7 @@
           <a:p>
             <a:fld id="{B4F2347B-C685-C34E-9983-4D82371570CB}" type="datetimeFigureOut">
               <a:rPr lang="en-SA" smtClean="0"/>
-              <a:t>24/02/2024 R</a:t>
+              <a:t>20/03/2024 R</a:t>
             </a:fld>
             <a:endParaRPr lang="en-SA"/>
           </a:p>
@@ -3375,7 +3374,7 @@
           <a:p>
             <a:fld id="{B4F2347B-C685-C34E-9983-4D82371570CB}" type="datetimeFigureOut">
               <a:rPr lang="en-SA" smtClean="0"/>
-              <a:t>24/02/2024 R</a:t>
+              <a:t>20/03/2024 R</a:t>
             </a:fld>
             <a:endParaRPr lang="en-SA"/>
           </a:p>
@@ -3664,7 +3663,7 @@
           <a:p>
             <a:fld id="{B4F2347B-C685-C34E-9983-4D82371570CB}" type="datetimeFigureOut">
               <a:rPr lang="en-SA" smtClean="0"/>
-              <a:t>24/02/2024 R</a:t>
+              <a:t>20/03/2024 R</a:t>
             </a:fld>
             <a:endParaRPr lang="en-SA"/>
           </a:p>
@@ -3907,7 +3906,7 @@
           <a:p>
             <a:fld id="{B4F2347B-C685-C34E-9983-4D82371570CB}" type="datetimeFigureOut">
               <a:rPr lang="en-SA" smtClean="0"/>
-              <a:t>24/02/2024 R</a:t>
+              <a:t>20/03/2024 R</a:t>
             </a:fld>
             <a:endParaRPr lang="en-SA"/>
           </a:p>
@@ -4478,172 +4477,6 @@
           <a:chExt cx="0" cy="0"/>
         </a:xfrm>
       </p:grpSpPr>
-      <p:sp>
-        <p:nvSpPr>
-          <p:cNvPr id="2" name="Title 1"/>
-          <p:cNvSpPr>
-            <a:spLocks noGrp="1"/>
-          </p:cNvSpPr>
-          <p:nvPr>
-            <p:ph type="title"/>
-          </p:nvPr>
-        </p:nvSpPr>
-        <p:spPr/>
-        <p:txBody>
-          <a:bodyPr/>
-          <a:lstStyle/>
-          <a:p>
-            <a:r>
-              <a:rPr lang="en-US" dirty="0"/>
-              <a:t>Outline</a:t>
-            </a:r>
-            <a:endParaRPr lang="el-GR" dirty="0"/>
-          </a:p>
-        </p:txBody>
-      </p:sp>
-      <p:sp>
-        <p:nvSpPr>
-          <p:cNvPr id="3" name="Content Placeholder 2"/>
-          <p:cNvSpPr>
-            <a:spLocks noGrp="1"/>
-          </p:cNvSpPr>
-          <p:nvPr>
-            <p:ph idx="1"/>
-          </p:nvPr>
-        </p:nvSpPr>
-        <p:spPr/>
-        <p:txBody>
-          <a:bodyPr/>
-          <a:lstStyle/>
-          <a:p>
-            <a:r>
-              <a:rPr lang="en-US" dirty="0">
-                <a:solidFill>
-                  <a:schemeClr val="bg2">
-                    <a:lumMod val="90000"/>
-                  </a:schemeClr>
-                </a:solidFill>
-              </a:rPr>
-              <a:t>Background</a:t>
-            </a:r>
-          </a:p>
-          <a:p>
-            <a:r>
-              <a:rPr lang="en-US" dirty="0"/>
-              <a:t>Motivation</a:t>
-            </a:r>
-          </a:p>
-          <a:p>
-            <a:r>
-              <a:rPr lang="en-US" altLang="zh-CN" dirty="0">
-                <a:solidFill>
-                  <a:schemeClr val="bg2">
-                    <a:lumMod val="90000"/>
-                  </a:schemeClr>
-                </a:solidFill>
-              </a:rPr>
-              <a:t>Overview</a:t>
-            </a:r>
-            <a:endParaRPr lang="en-US" dirty="0">
-              <a:solidFill>
-                <a:schemeClr val="bg2">
-                  <a:lumMod val="90000"/>
-                </a:schemeClr>
-              </a:solidFill>
-            </a:endParaRPr>
-          </a:p>
-          <a:p>
-            <a:r>
-              <a:rPr lang="en-US" dirty="0">
-                <a:solidFill>
-                  <a:schemeClr val="bg2">
-                    <a:lumMod val="90000"/>
-                  </a:schemeClr>
-                </a:solidFill>
-              </a:rPr>
-              <a:t>Me</a:t>
-            </a:r>
-            <a:r>
-              <a:rPr lang="en-US" altLang="zh-CN" dirty="0">
-                <a:solidFill>
-                  <a:schemeClr val="bg2">
-                    <a:lumMod val="90000"/>
-                  </a:schemeClr>
-                </a:solidFill>
-              </a:rPr>
-              <a:t>thod</a:t>
-            </a:r>
-            <a:endParaRPr lang="en-US" dirty="0">
-              <a:solidFill>
-                <a:schemeClr val="bg2">
-                  <a:lumMod val="90000"/>
-                </a:schemeClr>
-              </a:solidFill>
-            </a:endParaRPr>
-          </a:p>
-          <a:p>
-            <a:r>
-              <a:rPr lang="en-US" dirty="0">
-                <a:solidFill>
-                  <a:schemeClr val="bg2">
-                    <a:lumMod val="90000"/>
-                  </a:schemeClr>
-                </a:solidFill>
-              </a:rPr>
-              <a:t>Evaluation</a:t>
-            </a:r>
-          </a:p>
-          <a:p>
-            <a:r>
-              <a:rPr lang="en-US" dirty="0">
-                <a:solidFill>
-                  <a:schemeClr val="bg2">
-                    <a:lumMod val="90000"/>
-                  </a:schemeClr>
-                </a:solidFill>
-              </a:rPr>
-              <a:t>Summary and Discussion</a:t>
-            </a:r>
-            <a:endParaRPr lang="el-GR" dirty="0">
-              <a:solidFill>
-                <a:schemeClr val="bg2">
-                  <a:lumMod val="90000"/>
-                </a:schemeClr>
-              </a:solidFill>
-            </a:endParaRPr>
-          </a:p>
-        </p:txBody>
-      </p:sp>
-    </p:spTree>
-    <p:extLst>
-      <p:ext uri="{BB962C8B-B14F-4D97-AF65-F5344CB8AC3E}">
-        <p14:creationId xmlns:p14="http://schemas.microsoft.com/office/powerpoint/2010/main" val="9971072"/>
-      </p:ext>
-    </p:extLst>
-  </p:cSld>
-  <p:clrMapOvr>
-    <a:masterClrMapping/>
-  </p:clrMapOvr>
-</p:sld>
-</file>
-
-<file path=ppt/slides/slide11.xml><?xml version="1.0" encoding="utf-8"?>
-<p:sld xmlns:a="http://schemas.openxmlformats.org/drawingml/2006/main" xmlns:r="http://schemas.openxmlformats.org/officeDocument/2006/relationships" xmlns:p="http://schemas.openxmlformats.org/presentationml/2006/main">
-  <p:cSld>
-    <p:spTree>
-      <p:nvGrpSpPr>
-        <p:cNvPr id="1" name=""/>
-        <p:cNvGrpSpPr/>
-        <p:nvPr/>
-      </p:nvGrpSpPr>
-      <p:grpSpPr>
-        <a:xfrm>
-          <a:off x="0" y="0"/>
-          <a:ext cx="0" cy="0"/>
-          <a:chOff x="0" y="0"/>
-          <a:chExt cx="0" cy="0"/>
-        </a:xfrm>
-      </p:grpSpPr>
       <p:pic>
         <p:nvPicPr>
           <p:cNvPr id="5" name="Content Placeholder 4">
@@ -4746,7 +4579,7 @@
 </p:sld>
 </file>
 
-<file path=ppt/slides/slide12.xml><?xml version="1.0" encoding="utf-8"?>
+<file path=ppt/slides/slide11.xml><?xml version="1.0" encoding="utf-8"?>
 <p:sld xmlns:a="http://schemas.openxmlformats.org/drawingml/2006/main" xmlns:r="http://schemas.openxmlformats.org/officeDocument/2006/relationships" xmlns:p="http://schemas.openxmlformats.org/presentationml/2006/main">
   <p:cSld>
     <p:spTree>
@@ -4866,7 +4699,7 @@
 </p:sld>
 </file>
 
-<file path=ppt/slides/slide13.xml><?xml version="1.0" encoding="utf-8"?>
+<file path=ppt/slides/slide12.xml><?xml version="1.0" encoding="utf-8"?>
 <p:sld xmlns:a="http://schemas.openxmlformats.org/drawingml/2006/main" xmlns:r="http://schemas.openxmlformats.org/officeDocument/2006/relationships" xmlns:p="http://schemas.openxmlformats.org/presentationml/2006/main">
   <p:cSld>
     <p:spTree>
@@ -5093,6 +4926,353 @@
     <p:extLst>
       <p:ext uri="{BB962C8B-B14F-4D97-AF65-F5344CB8AC3E}">
         <p14:creationId xmlns:p14="http://schemas.microsoft.com/office/powerpoint/2010/main" val="3060000733"/>
+      </p:ext>
+    </p:extLst>
+  </p:cSld>
+  <p:clrMapOvr>
+    <a:masterClrMapping/>
+  </p:clrMapOvr>
+</p:sld>
+</file>
+
+<file path=ppt/slides/slide13.xml><?xml version="1.0" encoding="utf-8"?>
+<p:sld xmlns:a="http://schemas.openxmlformats.org/drawingml/2006/main" xmlns:r="http://schemas.openxmlformats.org/officeDocument/2006/relationships" xmlns:p="http://schemas.openxmlformats.org/presentationml/2006/main">
+  <p:cSld>
+    <p:spTree>
+      <p:nvGrpSpPr>
+        <p:cNvPr id="1" name=""/>
+        <p:cNvGrpSpPr/>
+        <p:nvPr/>
+      </p:nvGrpSpPr>
+      <p:grpSpPr>
+        <a:xfrm>
+          <a:off x="0" y="0"/>
+          <a:ext cx="0" cy="0"/>
+          <a:chOff x="0" y="0"/>
+          <a:chExt cx="0" cy="0"/>
+        </a:xfrm>
+      </p:grpSpPr>
+      <p:sp>
+        <p:nvSpPr>
+          <p:cNvPr id="11" name="Title 1">
+            <a:extLst>
+              <a:ext uri="{FF2B5EF4-FFF2-40B4-BE49-F238E27FC236}">
+                <a16:creationId xmlns:a16="http://schemas.microsoft.com/office/drawing/2014/main" id="{14161596-AA78-1603-FF38-81875A55FE80}"/>
+              </a:ext>
+            </a:extLst>
+          </p:cNvPr>
+          <p:cNvSpPr txBox="1">
+            <a:spLocks/>
+          </p:cNvSpPr>
+          <p:nvPr/>
+        </p:nvSpPr>
+        <p:spPr>
+          <a:xfrm>
+            <a:off x="982133" y="237595"/>
+            <a:ext cx="10515600" cy="1325563"/>
+          </a:xfrm>
+          <a:prstGeom prst="rect">
+            <a:avLst/>
+          </a:prstGeom>
+        </p:spPr>
+        <p:txBody>
+          <a:bodyPr vert="horz" lIns="91440" tIns="45720" rIns="91440" bIns="45720" rtlCol="0" anchor="ctr">
+            <a:normAutofit/>
+          </a:bodyPr>
+          <a:lstStyle>
+            <a:lvl1pPr algn="l" defTabSz="914400" rtl="0" eaLnBrk="1" latinLnBrk="0" hangingPunct="1">
+              <a:lnSpc>
+                <a:spcPct val="90000"/>
+              </a:lnSpc>
+              <a:spcBef>
+                <a:spcPct val="0"/>
+              </a:spcBef>
+              <a:buNone/>
+              <a:defRPr sz="4400" kern="1200">
+                <a:solidFill>
+                  <a:schemeClr val="tx1"/>
+                </a:solidFill>
+                <a:latin typeface="+mj-lt"/>
+                <a:ea typeface="+mj-ea"/>
+                <a:cs typeface="+mj-cs"/>
+              </a:defRPr>
+            </a:lvl1pPr>
+          </a:lstStyle>
+          <a:p>
+            <a:r>
+              <a:rPr lang="en-US" altLang="zh-CN" sz="3600" dirty="0">
+                <a:solidFill>
+                  <a:srgbClr val="FF5600"/>
+                </a:solidFill>
+                <a:latin typeface="GillSans" panose="020B0A02020104020203" pitchFamily="34" charset="77"/>
+              </a:rPr>
+              <a:t>Relationship</a:t>
+            </a:r>
+            <a:r>
+              <a:rPr lang="zh-CN" altLang="en-US" sz="3600" dirty="0">
+                <a:solidFill>
+                  <a:srgbClr val="FF5600"/>
+                </a:solidFill>
+                <a:latin typeface="GillSans" panose="020B0A02020104020203" pitchFamily="34" charset="77"/>
+              </a:rPr>
+              <a:t> </a:t>
+            </a:r>
+            <a:r>
+              <a:rPr lang="en-US" altLang="zh-CN" sz="3600" dirty="0">
+                <a:solidFill>
+                  <a:srgbClr val="FF5600"/>
+                </a:solidFill>
+                <a:latin typeface="GillSans" panose="020B0A02020104020203" pitchFamily="34" charset="77"/>
+              </a:rPr>
+              <a:t>Between</a:t>
+            </a:r>
+            <a:r>
+              <a:rPr lang="zh-CN" altLang="en-US" sz="3600" dirty="0">
+                <a:solidFill>
+                  <a:srgbClr val="FF5600"/>
+                </a:solidFill>
+                <a:latin typeface="GillSans" panose="020B0A02020104020203" pitchFamily="34" charset="77"/>
+              </a:rPr>
+              <a:t> </a:t>
+            </a:r>
+            <a:r>
+              <a:rPr lang="en-US" altLang="zh-CN" sz="3600" dirty="0">
+                <a:solidFill>
+                  <a:srgbClr val="FF5600"/>
+                </a:solidFill>
+                <a:latin typeface="GillSans" panose="020B0A02020104020203" pitchFamily="34" charset="77"/>
+              </a:rPr>
+              <a:t>Time</a:t>
+            </a:r>
+            <a:r>
+              <a:rPr lang="zh-CN" altLang="en-US" sz="3600" dirty="0">
+                <a:solidFill>
+                  <a:srgbClr val="FF5600"/>
+                </a:solidFill>
+                <a:latin typeface="GillSans" panose="020B0A02020104020203" pitchFamily="34" charset="77"/>
+              </a:rPr>
+              <a:t> </a:t>
+            </a:r>
+            <a:r>
+              <a:rPr lang="en-US" altLang="zh-CN" sz="3600" dirty="0">
+                <a:solidFill>
+                  <a:srgbClr val="FF5600"/>
+                </a:solidFill>
+                <a:latin typeface="GillSans" panose="020B0A02020104020203" pitchFamily="34" charset="77"/>
+              </a:rPr>
+              <a:t>and</a:t>
+            </a:r>
+            <a:r>
+              <a:rPr lang="zh-CN" altLang="en-US" sz="3600" dirty="0">
+                <a:solidFill>
+                  <a:srgbClr val="FF5600"/>
+                </a:solidFill>
+                <a:latin typeface="GillSans" panose="020B0A02020104020203" pitchFamily="34" charset="77"/>
+              </a:rPr>
+              <a:t> </a:t>
+            </a:r>
+            <a:r>
+              <a:rPr lang="en-US" altLang="zh-CN" sz="3600" dirty="0">
+                <a:solidFill>
+                  <a:srgbClr val="FF5600"/>
+                </a:solidFill>
+                <a:latin typeface="GillSans" panose="020B0A02020104020203" pitchFamily="34" charset="77"/>
+              </a:rPr>
+              <a:t>Energy</a:t>
+            </a:r>
+            <a:endParaRPr lang="en-SA" sz="3600" dirty="0"/>
+          </a:p>
+        </p:txBody>
+      </p:sp>
+      <p:pic>
+        <p:nvPicPr>
+          <p:cNvPr id="15" name="Picture 14">
+            <a:extLst>
+              <a:ext uri="{FF2B5EF4-FFF2-40B4-BE49-F238E27FC236}">
+                <a16:creationId xmlns:a16="http://schemas.microsoft.com/office/drawing/2014/main" id="{FA117685-1A02-FCEE-0EB0-B88E256F01BB}"/>
+              </a:ext>
+            </a:extLst>
+          </p:cNvPr>
+          <p:cNvPicPr>
+            <a:picLocks noChangeAspect="1"/>
+          </p:cNvPicPr>
+          <p:nvPr/>
+        </p:nvPicPr>
+        <p:blipFill>
+          <a:blip r:embed="rId2"/>
+          <a:stretch>
+            <a:fillRect/>
+          </a:stretch>
+        </p:blipFill>
+        <p:spPr>
+          <a:xfrm>
+            <a:off x="88543" y="1655233"/>
+            <a:ext cx="4743418" cy="4038600"/>
+          </a:xfrm>
+          <a:prstGeom prst="rect">
+            <a:avLst/>
+          </a:prstGeom>
+        </p:spPr>
+      </p:pic>
+      <p:sp>
+        <p:nvSpPr>
+          <p:cNvPr id="16" name="Content Placeholder 2">
+            <a:extLst>
+              <a:ext uri="{FF2B5EF4-FFF2-40B4-BE49-F238E27FC236}">
+                <a16:creationId xmlns:a16="http://schemas.microsoft.com/office/drawing/2014/main" id="{F8939C1B-EC64-F63A-7870-191C4F07D199}"/>
+              </a:ext>
+            </a:extLst>
+          </p:cNvPr>
+          <p:cNvSpPr>
+            <a:spLocks noGrp="1"/>
+          </p:cNvSpPr>
+          <p:nvPr>
+            <p:ph idx="1"/>
+          </p:nvPr>
+        </p:nvSpPr>
+        <p:spPr>
+          <a:xfrm>
+            <a:off x="4724400" y="2310180"/>
+            <a:ext cx="8801457" cy="763750"/>
+          </a:xfrm>
+        </p:spPr>
+        <p:txBody>
+          <a:bodyPr>
+            <a:noAutofit/>
+          </a:bodyPr>
+          <a:lstStyle/>
+          <a:p>
+            <a:pPr marL="742950" indent="-742950">
+              <a:buAutoNum type="arabicPeriod"/>
+            </a:pPr>
+            <a:r>
+              <a:rPr lang="en-US" altLang="zh-CN" dirty="0">
+                <a:effectLst/>
+                <a:latin typeface="ArialMT"/>
+              </a:rPr>
+              <a:t>faster</a:t>
+            </a:r>
+            <a:r>
+              <a:rPr lang="zh-CN" altLang="en-US" dirty="0">
+                <a:effectLst/>
+                <a:latin typeface="ArialMT"/>
+              </a:rPr>
+              <a:t>  </a:t>
+            </a:r>
+            <a:r>
+              <a:rPr lang="en-US" altLang="zh-CN" dirty="0">
+                <a:effectLst/>
+                <a:latin typeface="ArialMT"/>
+              </a:rPr>
+              <a:t>!=</a:t>
+            </a:r>
+            <a:r>
+              <a:rPr lang="zh-CN" altLang="en-US" dirty="0">
+                <a:effectLst/>
+                <a:latin typeface="ArialMT"/>
+              </a:rPr>
+              <a:t> </a:t>
+            </a:r>
+            <a:r>
+              <a:rPr lang="en-US" altLang="zh-CN" dirty="0">
+                <a:latin typeface="ArialMT"/>
+              </a:rPr>
+              <a:t>energy</a:t>
+            </a:r>
+            <a:r>
+              <a:rPr lang="zh-CN" altLang="en-US" dirty="0">
+                <a:latin typeface="ArialMT"/>
+              </a:rPr>
+              <a:t> </a:t>
+            </a:r>
+            <a:r>
+              <a:rPr lang="en-US" altLang="zh-CN" dirty="0">
+                <a:latin typeface="ArialMT"/>
+              </a:rPr>
+              <a:t>efficient</a:t>
+            </a:r>
+          </a:p>
+          <a:p>
+            <a:pPr marL="742950" indent="-742950">
+              <a:buAutoNum type="arabicPeriod"/>
+            </a:pPr>
+            <a:r>
+              <a:rPr lang="en-US" dirty="0">
+                <a:latin typeface="ArialMT"/>
+              </a:rPr>
+              <a:t>Efficient time and energy show a </a:t>
+            </a:r>
+            <a:r>
+              <a:rPr lang="en-US" dirty="0">
+                <a:solidFill>
+                  <a:srgbClr val="FF0000"/>
+                </a:solidFill>
+                <a:latin typeface="ArialMT"/>
+              </a:rPr>
+              <a:t>trade-off </a:t>
+            </a:r>
+          </a:p>
+        </p:txBody>
+      </p:sp>
+      <p:sp>
+        <p:nvSpPr>
+          <p:cNvPr id="19" name="TextBox 18">
+            <a:extLst>
+              <a:ext uri="{FF2B5EF4-FFF2-40B4-BE49-F238E27FC236}">
+                <a16:creationId xmlns:a16="http://schemas.microsoft.com/office/drawing/2014/main" id="{E4794ACA-315D-ECFF-3E56-30818458E94F}"/>
+              </a:ext>
+            </a:extLst>
+          </p:cNvPr>
+          <p:cNvSpPr txBox="1"/>
+          <p:nvPr/>
+        </p:nvSpPr>
+        <p:spPr>
+          <a:xfrm>
+            <a:off x="2353733" y="5942277"/>
+            <a:ext cx="7772400" cy="646331"/>
+          </a:xfrm>
+          <a:prstGeom prst="rect">
+            <a:avLst/>
+          </a:prstGeom>
+          <a:noFill/>
+        </p:spPr>
+        <p:txBody>
+          <a:bodyPr wrap="square">
+            <a:spAutoFit/>
+          </a:bodyPr>
+          <a:lstStyle/>
+          <a:p>
+            <a:r>
+              <a:rPr lang="en-US" sz="1800" b="0" dirty="0">
+                <a:effectLst/>
+                <a:latin typeface="GillSans" panose="020B0A02020104020203" pitchFamily="34" charset="77"/>
+              </a:rPr>
+              <a:t>Results from training DeepSpeech2 on </a:t>
+            </a:r>
+            <a:r>
+              <a:rPr lang="en-US" sz="1800" b="0" dirty="0" err="1">
+                <a:effectLst/>
+                <a:latin typeface="GillSans" panose="020B0A02020104020203" pitchFamily="34" charset="77"/>
+              </a:rPr>
+              <a:t>LibriSpeech</a:t>
+            </a:r>
+            <a:r>
+              <a:rPr lang="en-US" sz="1800" b="0" dirty="0">
+                <a:effectLst/>
+                <a:latin typeface="GillSans" panose="020B0A02020104020203" pitchFamily="34" charset="77"/>
+              </a:rPr>
+              <a:t> on an NVIDIA V100 GPU. Similar trends found across 6 DL workloads and 4 GPU generations. </a:t>
+            </a:r>
+            <a:endParaRPr lang="en-US" dirty="0">
+              <a:effectLst/>
+            </a:endParaRPr>
+          </a:p>
+        </p:txBody>
+      </p:sp>
+    </p:spTree>
+    <p:extLst>
+      <p:ext uri="{BB962C8B-B14F-4D97-AF65-F5344CB8AC3E}">
+        <p14:creationId xmlns:p14="http://schemas.microsoft.com/office/powerpoint/2010/main" val="2030726583"/>
       </p:ext>
     </p:extLst>
   </p:cSld>
@@ -5273,353 +5453,6 @@
         </p:blipFill>
         <p:spPr>
           <a:xfrm>
-            <a:off x="88543" y="1655233"/>
-            <a:ext cx="4743418" cy="4038600"/>
-          </a:xfrm>
-          <a:prstGeom prst="rect">
-            <a:avLst/>
-          </a:prstGeom>
-        </p:spPr>
-      </p:pic>
-      <p:sp>
-        <p:nvSpPr>
-          <p:cNvPr id="16" name="Content Placeholder 2">
-            <a:extLst>
-              <a:ext uri="{FF2B5EF4-FFF2-40B4-BE49-F238E27FC236}">
-                <a16:creationId xmlns:a16="http://schemas.microsoft.com/office/drawing/2014/main" id="{F8939C1B-EC64-F63A-7870-191C4F07D199}"/>
-              </a:ext>
-            </a:extLst>
-          </p:cNvPr>
-          <p:cNvSpPr>
-            <a:spLocks noGrp="1"/>
-          </p:cNvSpPr>
-          <p:nvPr>
-            <p:ph idx="1"/>
-          </p:nvPr>
-        </p:nvSpPr>
-        <p:spPr>
-          <a:xfrm>
-            <a:off x="4724400" y="2310180"/>
-            <a:ext cx="8801457" cy="763750"/>
-          </a:xfrm>
-        </p:spPr>
-        <p:txBody>
-          <a:bodyPr>
-            <a:noAutofit/>
-          </a:bodyPr>
-          <a:lstStyle/>
-          <a:p>
-            <a:pPr marL="742950" indent="-742950">
-              <a:buAutoNum type="arabicPeriod"/>
-            </a:pPr>
-            <a:r>
-              <a:rPr lang="en-US" altLang="zh-CN" dirty="0">
-                <a:effectLst/>
-                <a:latin typeface="ArialMT"/>
-              </a:rPr>
-              <a:t>faster</a:t>
-            </a:r>
-            <a:r>
-              <a:rPr lang="zh-CN" altLang="en-US" dirty="0">
-                <a:effectLst/>
-                <a:latin typeface="ArialMT"/>
-              </a:rPr>
-              <a:t>  </a:t>
-            </a:r>
-            <a:r>
-              <a:rPr lang="en-US" altLang="zh-CN" dirty="0">
-                <a:effectLst/>
-                <a:latin typeface="ArialMT"/>
-              </a:rPr>
-              <a:t>!=</a:t>
-            </a:r>
-            <a:r>
-              <a:rPr lang="zh-CN" altLang="en-US" dirty="0">
-                <a:effectLst/>
-                <a:latin typeface="ArialMT"/>
-              </a:rPr>
-              <a:t> </a:t>
-            </a:r>
-            <a:r>
-              <a:rPr lang="en-US" altLang="zh-CN" dirty="0">
-                <a:latin typeface="ArialMT"/>
-              </a:rPr>
-              <a:t>energy</a:t>
-            </a:r>
-            <a:r>
-              <a:rPr lang="zh-CN" altLang="en-US" dirty="0">
-                <a:latin typeface="ArialMT"/>
-              </a:rPr>
-              <a:t> </a:t>
-            </a:r>
-            <a:r>
-              <a:rPr lang="en-US" altLang="zh-CN" dirty="0">
-                <a:latin typeface="ArialMT"/>
-              </a:rPr>
-              <a:t>efficient</a:t>
-            </a:r>
-          </a:p>
-          <a:p>
-            <a:pPr marL="742950" indent="-742950">
-              <a:buAutoNum type="arabicPeriod"/>
-            </a:pPr>
-            <a:r>
-              <a:rPr lang="en-US" dirty="0">
-                <a:latin typeface="ArialMT"/>
-              </a:rPr>
-              <a:t>Efficient time and energy show a </a:t>
-            </a:r>
-            <a:r>
-              <a:rPr lang="en-US" dirty="0">
-                <a:solidFill>
-                  <a:srgbClr val="FF0000"/>
-                </a:solidFill>
-                <a:latin typeface="ArialMT"/>
-              </a:rPr>
-              <a:t>trade-off </a:t>
-            </a:r>
-          </a:p>
-        </p:txBody>
-      </p:sp>
-      <p:sp>
-        <p:nvSpPr>
-          <p:cNvPr id="19" name="TextBox 18">
-            <a:extLst>
-              <a:ext uri="{FF2B5EF4-FFF2-40B4-BE49-F238E27FC236}">
-                <a16:creationId xmlns:a16="http://schemas.microsoft.com/office/drawing/2014/main" id="{E4794ACA-315D-ECFF-3E56-30818458E94F}"/>
-              </a:ext>
-            </a:extLst>
-          </p:cNvPr>
-          <p:cNvSpPr txBox="1"/>
-          <p:nvPr/>
-        </p:nvSpPr>
-        <p:spPr>
-          <a:xfrm>
-            <a:off x="2353733" y="5942277"/>
-            <a:ext cx="7772400" cy="646331"/>
-          </a:xfrm>
-          <a:prstGeom prst="rect">
-            <a:avLst/>
-          </a:prstGeom>
-          <a:noFill/>
-        </p:spPr>
-        <p:txBody>
-          <a:bodyPr wrap="square">
-            <a:spAutoFit/>
-          </a:bodyPr>
-          <a:lstStyle/>
-          <a:p>
-            <a:r>
-              <a:rPr lang="en-US" sz="1800" b="0" dirty="0">
-                <a:effectLst/>
-                <a:latin typeface="GillSans" panose="020B0A02020104020203" pitchFamily="34" charset="77"/>
-              </a:rPr>
-              <a:t>Results from training DeepSpeech2 on </a:t>
-            </a:r>
-            <a:r>
-              <a:rPr lang="en-US" sz="1800" b="0" dirty="0" err="1">
-                <a:effectLst/>
-                <a:latin typeface="GillSans" panose="020B0A02020104020203" pitchFamily="34" charset="77"/>
-              </a:rPr>
-              <a:t>LibriSpeech</a:t>
-            </a:r>
-            <a:r>
-              <a:rPr lang="en-US" sz="1800" b="0" dirty="0">
-                <a:effectLst/>
-                <a:latin typeface="GillSans" panose="020B0A02020104020203" pitchFamily="34" charset="77"/>
-              </a:rPr>
-              <a:t> on an NVIDIA V100 GPU. Similar trends found across 6 DL workloads and 4 GPU generations. </a:t>
-            </a:r>
-            <a:endParaRPr lang="en-US" dirty="0">
-              <a:effectLst/>
-            </a:endParaRPr>
-          </a:p>
-        </p:txBody>
-      </p:sp>
-    </p:spTree>
-    <p:extLst>
-      <p:ext uri="{BB962C8B-B14F-4D97-AF65-F5344CB8AC3E}">
-        <p14:creationId xmlns:p14="http://schemas.microsoft.com/office/powerpoint/2010/main" val="2030726583"/>
-      </p:ext>
-    </p:extLst>
-  </p:cSld>
-  <p:clrMapOvr>
-    <a:masterClrMapping/>
-  </p:clrMapOvr>
-</p:sld>
-</file>
-
-<file path=ppt/slides/slide15.xml><?xml version="1.0" encoding="utf-8"?>
-<p:sld xmlns:a="http://schemas.openxmlformats.org/drawingml/2006/main" xmlns:r="http://schemas.openxmlformats.org/officeDocument/2006/relationships" xmlns:p="http://schemas.openxmlformats.org/presentationml/2006/main">
-  <p:cSld>
-    <p:spTree>
-      <p:nvGrpSpPr>
-        <p:cNvPr id="1" name=""/>
-        <p:cNvGrpSpPr/>
-        <p:nvPr/>
-      </p:nvGrpSpPr>
-      <p:grpSpPr>
-        <a:xfrm>
-          <a:off x="0" y="0"/>
-          <a:ext cx="0" cy="0"/>
-          <a:chOff x="0" y="0"/>
-          <a:chExt cx="0" cy="0"/>
-        </a:xfrm>
-      </p:grpSpPr>
-      <p:sp>
-        <p:nvSpPr>
-          <p:cNvPr id="11" name="Title 1">
-            <a:extLst>
-              <a:ext uri="{FF2B5EF4-FFF2-40B4-BE49-F238E27FC236}">
-                <a16:creationId xmlns:a16="http://schemas.microsoft.com/office/drawing/2014/main" id="{14161596-AA78-1603-FF38-81875A55FE80}"/>
-              </a:ext>
-            </a:extLst>
-          </p:cNvPr>
-          <p:cNvSpPr txBox="1">
-            <a:spLocks/>
-          </p:cNvSpPr>
-          <p:nvPr/>
-        </p:nvSpPr>
-        <p:spPr>
-          <a:xfrm>
-            <a:off x="982133" y="237595"/>
-            <a:ext cx="10515600" cy="1325563"/>
-          </a:xfrm>
-          <a:prstGeom prst="rect">
-            <a:avLst/>
-          </a:prstGeom>
-        </p:spPr>
-        <p:txBody>
-          <a:bodyPr vert="horz" lIns="91440" tIns="45720" rIns="91440" bIns="45720" rtlCol="0" anchor="ctr">
-            <a:normAutofit/>
-          </a:bodyPr>
-          <a:lstStyle>
-            <a:lvl1pPr algn="l" defTabSz="914400" rtl="0" eaLnBrk="1" latinLnBrk="0" hangingPunct="1">
-              <a:lnSpc>
-                <a:spcPct val="90000"/>
-              </a:lnSpc>
-              <a:spcBef>
-                <a:spcPct val="0"/>
-              </a:spcBef>
-              <a:buNone/>
-              <a:defRPr sz="4400" kern="1200">
-                <a:solidFill>
-                  <a:schemeClr val="tx1"/>
-                </a:solidFill>
-                <a:latin typeface="+mj-lt"/>
-                <a:ea typeface="+mj-ea"/>
-                <a:cs typeface="+mj-cs"/>
-              </a:defRPr>
-            </a:lvl1pPr>
-          </a:lstStyle>
-          <a:p>
-            <a:r>
-              <a:rPr lang="en-US" altLang="zh-CN" sz="3600" dirty="0">
-                <a:solidFill>
-                  <a:srgbClr val="FF5600"/>
-                </a:solidFill>
-                <a:latin typeface="GillSans" panose="020B0A02020104020203" pitchFamily="34" charset="77"/>
-              </a:rPr>
-              <a:t>Relationship</a:t>
-            </a:r>
-            <a:r>
-              <a:rPr lang="zh-CN" altLang="en-US" sz="3600" dirty="0">
-                <a:solidFill>
-                  <a:srgbClr val="FF5600"/>
-                </a:solidFill>
-                <a:latin typeface="GillSans" panose="020B0A02020104020203" pitchFamily="34" charset="77"/>
-              </a:rPr>
-              <a:t> </a:t>
-            </a:r>
-            <a:r>
-              <a:rPr lang="en-US" altLang="zh-CN" sz="3600" dirty="0">
-                <a:solidFill>
-                  <a:srgbClr val="FF5600"/>
-                </a:solidFill>
-                <a:latin typeface="GillSans" panose="020B0A02020104020203" pitchFamily="34" charset="77"/>
-              </a:rPr>
-              <a:t>Between</a:t>
-            </a:r>
-            <a:r>
-              <a:rPr lang="zh-CN" altLang="en-US" sz="3600" dirty="0">
-                <a:solidFill>
-                  <a:srgbClr val="FF5600"/>
-                </a:solidFill>
-                <a:latin typeface="GillSans" panose="020B0A02020104020203" pitchFamily="34" charset="77"/>
-              </a:rPr>
-              <a:t> </a:t>
-            </a:r>
-            <a:r>
-              <a:rPr lang="en-US" altLang="zh-CN" sz="3600" dirty="0">
-                <a:solidFill>
-                  <a:srgbClr val="FF5600"/>
-                </a:solidFill>
-                <a:latin typeface="GillSans" panose="020B0A02020104020203" pitchFamily="34" charset="77"/>
-              </a:rPr>
-              <a:t>Time</a:t>
-            </a:r>
-            <a:r>
-              <a:rPr lang="zh-CN" altLang="en-US" sz="3600" dirty="0">
-                <a:solidFill>
-                  <a:srgbClr val="FF5600"/>
-                </a:solidFill>
-                <a:latin typeface="GillSans" panose="020B0A02020104020203" pitchFamily="34" charset="77"/>
-              </a:rPr>
-              <a:t> </a:t>
-            </a:r>
-            <a:r>
-              <a:rPr lang="en-US" altLang="zh-CN" sz="3600" dirty="0">
-                <a:solidFill>
-                  <a:srgbClr val="FF5600"/>
-                </a:solidFill>
-                <a:latin typeface="GillSans" panose="020B0A02020104020203" pitchFamily="34" charset="77"/>
-              </a:rPr>
-              <a:t>and</a:t>
-            </a:r>
-            <a:r>
-              <a:rPr lang="zh-CN" altLang="en-US" sz="3600" dirty="0">
-                <a:solidFill>
-                  <a:srgbClr val="FF5600"/>
-                </a:solidFill>
-                <a:latin typeface="GillSans" panose="020B0A02020104020203" pitchFamily="34" charset="77"/>
-              </a:rPr>
-              <a:t> </a:t>
-            </a:r>
-            <a:r>
-              <a:rPr lang="en-US" altLang="zh-CN" sz="3600" dirty="0">
-                <a:solidFill>
-                  <a:srgbClr val="FF5600"/>
-                </a:solidFill>
-                <a:latin typeface="GillSans" panose="020B0A02020104020203" pitchFamily="34" charset="77"/>
-              </a:rPr>
-              <a:t>Energy</a:t>
-            </a:r>
-            <a:endParaRPr lang="en-SA" sz="3600" dirty="0"/>
-          </a:p>
-        </p:txBody>
-      </p:sp>
-      <p:pic>
-        <p:nvPicPr>
-          <p:cNvPr id="15" name="Picture 14">
-            <a:extLst>
-              <a:ext uri="{FF2B5EF4-FFF2-40B4-BE49-F238E27FC236}">
-                <a16:creationId xmlns:a16="http://schemas.microsoft.com/office/drawing/2014/main" id="{FA117685-1A02-FCEE-0EB0-B88E256F01BB}"/>
-              </a:ext>
-            </a:extLst>
-          </p:cNvPr>
-          <p:cNvPicPr>
-            <a:picLocks noChangeAspect="1"/>
-          </p:cNvPicPr>
-          <p:nvPr/>
-        </p:nvPicPr>
-        <p:blipFill>
-          <a:blip r:embed="rId2"/>
-          <a:stretch>
-            <a:fillRect/>
-          </a:stretch>
-        </p:blipFill>
-        <p:spPr>
-          <a:xfrm>
             <a:off x="88542" y="1655233"/>
             <a:ext cx="5035221" cy="4287044"/>
           </a:xfrm>
@@ -5815,7 +5648,7 @@
 </p:sld>
 </file>
 
-<file path=ppt/slides/slide16.xml><?xml version="1.0" encoding="utf-8"?>
+<file path=ppt/slides/slide15.xml><?xml version="1.0" encoding="utf-8"?>
 <p:sld xmlns:a="http://schemas.openxmlformats.org/drawingml/2006/main" xmlns:r="http://schemas.openxmlformats.org/officeDocument/2006/relationships" xmlns:p="http://schemas.openxmlformats.org/presentationml/2006/main">
   <p:cSld>
     <p:spTree>
@@ -6268,6 +6101,166 @@
 </p:sld>
 </file>
 
+<file path=ppt/slides/slide16.xml><?xml version="1.0" encoding="utf-8"?>
+<p:sld xmlns:a="http://schemas.openxmlformats.org/drawingml/2006/main" xmlns:r="http://schemas.openxmlformats.org/officeDocument/2006/relationships" xmlns:p="http://schemas.openxmlformats.org/presentationml/2006/main">
+  <p:cSld>
+    <p:spTree>
+      <p:nvGrpSpPr>
+        <p:cNvPr id="1" name=""/>
+        <p:cNvGrpSpPr/>
+        <p:nvPr/>
+      </p:nvGrpSpPr>
+      <p:grpSpPr>
+        <a:xfrm>
+          <a:off x="0" y="0"/>
+          <a:ext cx="0" cy="0"/>
+          <a:chOff x="0" y="0"/>
+          <a:chExt cx="0" cy="0"/>
+        </a:xfrm>
+      </p:grpSpPr>
+      <p:sp>
+        <p:nvSpPr>
+          <p:cNvPr id="2" name="Title 1"/>
+          <p:cNvSpPr>
+            <a:spLocks noGrp="1"/>
+          </p:cNvSpPr>
+          <p:nvPr>
+            <p:ph type="title"/>
+          </p:nvPr>
+        </p:nvSpPr>
+        <p:spPr/>
+        <p:txBody>
+          <a:bodyPr/>
+          <a:lstStyle/>
+          <a:p>
+            <a:r>
+              <a:rPr lang="en-US" dirty="0"/>
+              <a:t>Outline</a:t>
+            </a:r>
+            <a:endParaRPr lang="el-GR" dirty="0"/>
+          </a:p>
+        </p:txBody>
+      </p:sp>
+      <p:sp>
+        <p:nvSpPr>
+          <p:cNvPr id="3" name="Content Placeholder 2"/>
+          <p:cNvSpPr>
+            <a:spLocks noGrp="1"/>
+          </p:cNvSpPr>
+          <p:nvPr>
+            <p:ph idx="1"/>
+          </p:nvPr>
+        </p:nvSpPr>
+        <p:spPr/>
+        <p:txBody>
+          <a:bodyPr/>
+          <a:lstStyle/>
+          <a:p>
+            <a:r>
+              <a:rPr lang="en-US" dirty="0">
+                <a:solidFill>
+                  <a:schemeClr val="bg2">
+                    <a:lumMod val="90000"/>
+                  </a:schemeClr>
+                </a:solidFill>
+              </a:rPr>
+              <a:t>Background</a:t>
+            </a:r>
+          </a:p>
+          <a:p>
+            <a:r>
+              <a:rPr lang="en-US" dirty="0">
+                <a:solidFill>
+                  <a:schemeClr val="bg2">
+                    <a:lumMod val="90000"/>
+                  </a:schemeClr>
+                </a:solidFill>
+              </a:rPr>
+              <a:t>Motivation</a:t>
+            </a:r>
+          </a:p>
+          <a:p>
+            <a:r>
+              <a:rPr lang="en-US" altLang="zh-CN" dirty="0"/>
+              <a:t>Overview</a:t>
+            </a:r>
+            <a:endParaRPr lang="en-US" dirty="0"/>
+          </a:p>
+          <a:p>
+            <a:r>
+              <a:rPr lang="en-US" dirty="0">
+                <a:solidFill>
+                  <a:schemeClr val="bg2">
+                    <a:lumMod val="90000"/>
+                  </a:schemeClr>
+                </a:solidFill>
+              </a:rPr>
+              <a:t>Me</a:t>
+            </a:r>
+            <a:r>
+              <a:rPr lang="en-US" altLang="zh-CN" dirty="0">
+                <a:solidFill>
+                  <a:schemeClr val="bg2">
+                    <a:lumMod val="90000"/>
+                  </a:schemeClr>
+                </a:solidFill>
+              </a:rPr>
+              <a:t>thod</a:t>
+            </a:r>
+            <a:endParaRPr lang="en-US" dirty="0">
+              <a:solidFill>
+                <a:schemeClr val="bg2">
+                  <a:lumMod val="90000"/>
+                </a:schemeClr>
+              </a:solidFill>
+            </a:endParaRPr>
+          </a:p>
+          <a:p>
+            <a:r>
+              <a:rPr lang="en-US" dirty="0">
+                <a:solidFill>
+                  <a:schemeClr val="bg2">
+                    <a:lumMod val="90000"/>
+                  </a:schemeClr>
+                </a:solidFill>
+              </a:rPr>
+              <a:t>Evaluation</a:t>
+            </a:r>
+          </a:p>
+          <a:p>
+            <a:r>
+              <a:rPr lang="en-US" dirty="0">
+                <a:solidFill>
+                  <a:schemeClr val="bg2">
+                    <a:lumMod val="90000"/>
+                  </a:schemeClr>
+                </a:solidFill>
+              </a:rPr>
+              <a:t>Summary and Discussion</a:t>
+            </a:r>
+            <a:endParaRPr lang="el-GR" dirty="0">
+              <a:solidFill>
+                <a:schemeClr val="bg2">
+                  <a:lumMod val="90000"/>
+                </a:schemeClr>
+              </a:solidFill>
+            </a:endParaRPr>
+          </a:p>
+        </p:txBody>
+      </p:sp>
+    </p:spTree>
+    <p:extLst>
+      <p:ext uri="{BB962C8B-B14F-4D97-AF65-F5344CB8AC3E}">
+        <p14:creationId xmlns:p14="http://schemas.microsoft.com/office/powerpoint/2010/main" val="2652685593"/>
+      </p:ext>
+    </p:extLst>
+  </p:cSld>
+  <p:clrMapOvr>
+    <a:masterClrMapping/>
+  </p:clrMapOvr>
+</p:sld>
+</file>
+
 <file path=ppt/slides/slide17.xml><?xml version="1.0" encoding="utf-8"?>
 <p:sld xmlns:a="http://schemas.openxmlformats.org/drawingml/2006/main" xmlns:r="http://schemas.openxmlformats.org/officeDocument/2006/relationships" xmlns:p="http://schemas.openxmlformats.org/presentationml/2006/main">
   <p:cSld>
@@ -6285,132 +6278,334 @@
           <a:chExt cx="0" cy="0"/>
         </a:xfrm>
       </p:grpSpPr>
-      <p:sp>
-        <p:nvSpPr>
-          <p:cNvPr id="2" name="Title 1"/>
-          <p:cNvSpPr>
-            <a:spLocks noGrp="1"/>
-          </p:cNvSpPr>
-          <p:nvPr>
-            <p:ph type="title"/>
-          </p:nvPr>
-        </p:nvSpPr>
-        <p:spPr/>
-        <p:txBody>
-          <a:bodyPr/>
-          <a:lstStyle/>
-          <a:p>
-            <a:r>
-              <a:rPr lang="en-US" dirty="0"/>
-              <a:t>Outline</a:t>
-            </a:r>
-            <a:endParaRPr lang="el-GR" dirty="0"/>
-          </a:p>
-        </p:txBody>
-      </p:sp>
-      <p:sp>
-        <p:nvSpPr>
-          <p:cNvPr id="3" name="Content Placeholder 2"/>
-          <p:cNvSpPr>
-            <a:spLocks noGrp="1"/>
-          </p:cNvSpPr>
+      <p:pic>
+        <p:nvPicPr>
+          <p:cNvPr id="5" name="Content Placeholder 4">
+            <a:extLst>
+              <a:ext uri="{FF2B5EF4-FFF2-40B4-BE49-F238E27FC236}">
+                <a16:creationId xmlns:a16="http://schemas.microsoft.com/office/drawing/2014/main" id="{5999F9B3-D009-0BF5-9C32-8A95B336C37C}"/>
+              </a:ext>
+            </a:extLst>
+          </p:cNvPr>
+          <p:cNvPicPr>
+            <a:picLocks noGrp="1" noChangeAspect="1"/>
+          </p:cNvPicPr>
           <p:nvPr>
             <p:ph idx="1"/>
           </p:nvPr>
-        </p:nvSpPr>
-        <p:spPr/>
-        <p:txBody>
-          <a:bodyPr/>
+        </p:nvPicPr>
+        <p:blipFill>
+          <a:blip r:embed="rId2"/>
+          <a:stretch>
+            <a:fillRect/>
+          </a:stretch>
+        </p:blipFill>
+        <p:spPr>
+          <a:xfrm>
+            <a:off x="668867" y="86315"/>
+            <a:ext cx="10515600" cy="2004952"/>
+          </a:xfrm>
+        </p:spPr>
+      </p:pic>
+      <p:sp>
+        <p:nvSpPr>
+          <p:cNvPr id="7" name="TextBox 6">
+            <a:extLst>
+              <a:ext uri="{FF2B5EF4-FFF2-40B4-BE49-F238E27FC236}">
+                <a16:creationId xmlns:a16="http://schemas.microsoft.com/office/drawing/2014/main" id="{634128F4-7106-D3AD-7B26-A7CD20B7BE65}"/>
+              </a:ext>
+            </a:extLst>
+          </p:cNvPr>
+          <p:cNvSpPr txBox="1"/>
+          <p:nvPr/>
+        </p:nvSpPr>
+        <p:spPr>
+          <a:xfrm>
+            <a:off x="169332" y="2336799"/>
+            <a:ext cx="6841067" cy="3785652"/>
+          </a:xfrm>
+          <a:prstGeom prst="rect">
+            <a:avLst/>
+          </a:prstGeom>
+          <a:noFill/>
+        </p:spPr>
+        <p:txBody>
+          <a:bodyPr wrap="square">
+            <a:spAutoFit/>
+          </a:bodyPr>
           <a:lstStyle/>
           <a:p>
             <a:r>
-              <a:rPr lang="en-US" dirty="0">
-                <a:solidFill>
-                  <a:schemeClr val="bg2">
-                    <a:lumMod val="90000"/>
-                  </a:schemeClr>
-                </a:solidFill>
-              </a:rPr>
-              <a:t>Background</a:t>
-            </a:r>
-          </a:p>
-          <a:p>
-            <a:r>
-              <a:rPr lang="en-US" dirty="0">
-                <a:solidFill>
-                  <a:schemeClr val="bg2">
-                    <a:lumMod val="90000"/>
-                  </a:schemeClr>
-                </a:solidFill>
-              </a:rPr>
-              <a:t>Motivation</a:t>
-            </a:r>
-          </a:p>
-          <a:p>
-            <a:r>
-              <a:rPr lang="en-US" altLang="zh-CN" dirty="0"/>
-              <a:t>Overview</a:t>
-            </a:r>
-            <a:endParaRPr lang="en-US" dirty="0"/>
-          </a:p>
-          <a:p>
-            <a:r>
-              <a:rPr lang="en-US" dirty="0">
-                <a:solidFill>
-                  <a:schemeClr val="bg2">
-                    <a:lumMod val="90000"/>
-                  </a:schemeClr>
-                </a:solidFill>
-              </a:rPr>
-              <a:t>Me</a:t>
-            </a:r>
-            <a:r>
-              <a:rPr lang="en-US" altLang="zh-CN" dirty="0">
-                <a:solidFill>
-                  <a:schemeClr val="bg2">
-                    <a:lumMod val="90000"/>
-                  </a:schemeClr>
-                </a:solidFill>
-              </a:rPr>
-              <a:t>thod</a:t>
-            </a:r>
-            <a:endParaRPr lang="en-US" dirty="0">
-              <a:solidFill>
-                <a:schemeClr val="bg2">
-                  <a:lumMod val="90000"/>
-                </a:schemeClr>
-              </a:solidFill>
+              <a:rPr lang="en-US" sz="3600" b="1" dirty="0">
+                <a:effectLst/>
+                <a:latin typeface="Arial" panose="020B0604020202020204" pitchFamily="34" charset="0"/>
+                <a:cs typeface="Arial" panose="020B0604020202020204" pitchFamily="34" charset="0"/>
+              </a:rPr>
+              <a:t>Optimizes the cost </a:t>
+            </a:r>
+          </a:p>
+          <a:p>
+            <a:pPr>
+              <a:buFont typeface="Arial" panose="020B0604020202020204" pitchFamily="34" charset="0"/>
+              <a:buChar char="•"/>
+            </a:pPr>
+            <a:r>
+              <a:rPr lang="en-US" sz="2800" dirty="0">
+                <a:effectLst/>
+                <a:latin typeface="Arial" panose="020B0604020202020204" pitchFamily="34" charset="0"/>
+                <a:cs typeface="Arial" panose="020B0604020202020204" pitchFamily="34" charset="0"/>
+              </a:rPr>
+              <a:t>of an arbitrary DNN model </a:t>
+            </a:r>
+          </a:p>
+          <a:p>
+            <a:pPr>
+              <a:buFont typeface="Arial" panose="020B0604020202020204" pitchFamily="34" charset="0"/>
+              <a:buChar char="•"/>
+            </a:pPr>
+            <a:r>
+              <a:rPr lang="en-US" sz="2800" dirty="0">
+                <a:effectLst/>
+                <a:latin typeface="Arial" panose="020B0604020202020204" pitchFamily="34" charset="0"/>
+                <a:cs typeface="Arial" panose="020B0604020202020204" pitchFamily="34" charset="0"/>
+              </a:rPr>
+              <a:t>on an arbitrary GPU type </a:t>
+            </a:r>
+          </a:p>
+          <a:p>
+            <a:pPr>
+              <a:buFont typeface="Arial" panose="020B0604020202020204" pitchFamily="34" charset="0"/>
+              <a:buChar char="•"/>
+            </a:pPr>
+            <a:r>
+              <a:rPr lang="en-US" sz="2800" dirty="0">
+                <a:effectLst/>
+                <a:latin typeface="Arial" panose="020B0604020202020204" pitchFamily="34" charset="0"/>
+                <a:cs typeface="Arial" panose="020B0604020202020204" pitchFamily="34" charset="0"/>
+              </a:rPr>
+              <a:t>in an efficient manner </a:t>
+            </a:r>
+          </a:p>
+          <a:p>
+            <a:r>
+              <a:rPr lang="en-US" sz="3600" b="1" dirty="0">
+                <a:effectLst/>
+                <a:latin typeface="Arial" panose="020B0604020202020204" pitchFamily="34" charset="0"/>
+                <a:cs typeface="Arial" panose="020B0604020202020204" pitchFamily="34" charset="0"/>
+              </a:rPr>
+              <a:t>without any </a:t>
+            </a:r>
+          </a:p>
+          <a:p>
+            <a:pPr>
+              <a:buFont typeface="Arial" panose="020B0604020202020204" pitchFamily="34" charset="0"/>
+              <a:buChar char="•"/>
+            </a:pPr>
+            <a:r>
+              <a:rPr lang="en-US" sz="2800" b="0" dirty="0">
+                <a:effectLst/>
+                <a:latin typeface="Arial" panose="020B0604020202020204" pitchFamily="34" charset="0"/>
+                <a:cs typeface="Arial" panose="020B0604020202020204" pitchFamily="34" charset="0"/>
+              </a:rPr>
+              <a:t>offline profiling, </a:t>
+            </a:r>
+            <a:endParaRPr lang="en-US" sz="2800" dirty="0">
+              <a:effectLst/>
+              <a:latin typeface="Arial" panose="020B0604020202020204" pitchFamily="34" charset="0"/>
+              <a:cs typeface="Arial" panose="020B0604020202020204" pitchFamily="34" charset="0"/>
             </a:endParaRPr>
           </a:p>
           <a:p>
-            <a:r>
-              <a:rPr lang="en-US" dirty="0">
-                <a:solidFill>
-                  <a:schemeClr val="bg2">
-                    <a:lumMod val="90000"/>
-                  </a:schemeClr>
-                </a:solidFill>
-              </a:rPr>
-              <a:t>Evaluation</a:t>
-            </a:r>
-          </a:p>
-          <a:p>
-            <a:r>
-              <a:rPr lang="en-US" dirty="0">
-                <a:solidFill>
-                  <a:schemeClr val="bg2">
-                    <a:lumMod val="90000"/>
-                  </a:schemeClr>
-                </a:solidFill>
-              </a:rPr>
-              <a:t>Summary and Discussion</a:t>
-            </a:r>
-            <a:endParaRPr lang="el-GR" dirty="0">
-              <a:solidFill>
-                <a:schemeClr val="bg2">
-                  <a:lumMod val="90000"/>
-                </a:schemeClr>
-              </a:solidFill>
+            <a:pPr>
+              <a:buFont typeface="Arial" panose="020B0604020202020204" pitchFamily="34" charset="0"/>
+              <a:buChar char="•"/>
+            </a:pPr>
+            <a:r>
+              <a:rPr lang="en-US" sz="2800" b="0" dirty="0">
+                <a:effectLst/>
+                <a:latin typeface="Arial" panose="020B0604020202020204" pitchFamily="34" charset="0"/>
+                <a:cs typeface="Arial" panose="020B0604020202020204" pitchFamily="34" charset="0"/>
+              </a:rPr>
+              <a:t>hardware modification, or </a:t>
+            </a:r>
+            <a:endParaRPr lang="en-US" sz="2800" dirty="0">
+              <a:effectLst/>
+              <a:latin typeface="Arial" panose="020B0604020202020204" pitchFamily="34" charset="0"/>
+              <a:cs typeface="Arial" panose="020B0604020202020204" pitchFamily="34" charset="0"/>
+            </a:endParaRPr>
+          </a:p>
+          <a:p>
+            <a:pPr>
+              <a:buFont typeface="Arial" panose="020B0604020202020204" pitchFamily="34" charset="0"/>
+              <a:buChar char="•"/>
+            </a:pPr>
+            <a:r>
+              <a:rPr lang="en-US" sz="2800" b="0" dirty="0">
+                <a:effectLst/>
+                <a:latin typeface="Arial" panose="020B0604020202020204" pitchFamily="34" charset="0"/>
+                <a:cs typeface="Arial" panose="020B0604020202020204" pitchFamily="34" charset="0"/>
+              </a:rPr>
+              <a:t>accuracy degradation </a:t>
+            </a:r>
+            <a:endParaRPr lang="en-US" sz="2800" dirty="0">
+              <a:effectLst/>
+              <a:latin typeface="Arial" panose="020B0604020202020204" pitchFamily="34" charset="0"/>
+              <a:cs typeface="Arial" panose="020B0604020202020204" pitchFamily="34" charset="0"/>
+            </a:endParaRPr>
+          </a:p>
+        </p:txBody>
+      </p:sp>
+      <p:sp>
+        <p:nvSpPr>
+          <p:cNvPr id="8" name="TextBox 7">
+            <a:extLst>
+              <a:ext uri="{FF2B5EF4-FFF2-40B4-BE49-F238E27FC236}">
+                <a16:creationId xmlns:a16="http://schemas.microsoft.com/office/drawing/2014/main" id="{63B39670-C03D-884E-723A-E439DD72DE2D}"/>
+              </a:ext>
+            </a:extLst>
+          </p:cNvPr>
+          <p:cNvSpPr txBox="1"/>
+          <p:nvPr/>
+        </p:nvSpPr>
+        <p:spPr>
+          <a:xfrm>
+            <a:off x="5105401" y="2480732"/>
+            <a:ext cx="6841067" cy="523220"/>
+          </a:xfrm>
+          <a:prstGeom prst="rect">
+            <a:avLst/>
+          </a:prstGeom>
+          <a:noFill/>
+        </p:spPr>
+        <p:txBody>
+          <a:bodyPr wrap="square">
+            <a:spAutoFit/>
+          </a:bodyPr>
+          <a:lstStyle/>
+          <a:p>
+            <a:r>
+              <a:rPr lang="en-US" altLang="zh-CN" sz="2800" dirty="0">
+                <a:effectLst/>
+                <a:latin typeface="Arial" panose="020B0604020202020204" pitchFamily="34" charset="0"/>
+                <a:cs typeface="Arial" panose="020B0604020202020204" pitchFamily="34" charset="0"/>
+              </a:rPr>
+              <a:t>Identify</a:t>
+            </a:r>
+            <a:r>
+              <a:rPr lang="zh-CN" altLang="en-US" sz="2800" dirty="0">
+                <a:effectLst/>
+                <a:latin typeface="Arial" panose="020B0604020202020204" pitchFamily="34" charset="0"/>
+                <a:cs typeface="Arial" panose="020B0604020202020204" pitchFamily="34" charset="0"/>
+              </a:rPr>
+              <a:t> </a:t>
+            </a:r>
+            <a:r>
+              <a:rPr lang="en-US" altLang="zh-CN" sz="2800" dirty="0">
+                <a:latin typeface="Arial" panose="020B0604020202020204" pitchFamily="34" charset="0"/>
+                <a:cs typeface="Arial" panose="020B0604020202020204" pitchFamily="34" charset="0"/>
+              </a:rPr>
+              <a:t>o</a:t>
+            </a:r>
+            <a:r>
+              <a:rPr lang="en-US" altLang="zh-CN" sz="2800" dirty="0">
+                <a:effectLst/>
+                <a:latin typeface="Arial" panose="020B0604020202020204" pitchFamily="34" charset="0"/>
+                <a:cs typeface="Arial" panose="020B0604020202020204" pitchFamily="34" charset="0"/>
+              </a:rPr>
+              <a:t>ptimal</a:t>
+            </a:r>
+            <a:r>
+              <a:rPr lang="zh-CN" altLang="en-US" sz="2800" dirty="0">
+                <a:effectLst/>
+                <a:latin typeface="Arial" panose="020B0604020202020204" pitchFamily="34" charset="0"/>
+                <a:cs typeface="Arial" panose="020B0604020202020204" pitchFamily="34" charset="0"/>
+              </a:rPr>
+              <a:t> </a:t>
+            </a:r>
+            <a:r>
+              <a:rPr lang="en-US" altLang="zh-CN" sz="2800" dirty="0">
+                <a:effectLst/>
+                <a:latin typeface="Arial" panose="020B0604020202020204" pitchFamily="34" charset="0"/>
+                <a:cs typeface="Arial" panose="020B0604020202020204" pitchFamily="34" charset="0"/>
+              </a:rPr>
+              <a:t>batch</a:t>
+            </a:r>
+            <a:r>
+              <a:rPr lang="zh-CN" altLang="en-US" sz="2800" dirty="0">
+                <a:effectLst/>
+                <a:latin typeface="Arial" panose="020B0604020202020204" pitchFamily="34" charset="0"/>
+                <a:cs typeface="Arial" panose="020B0604020202020204" pitchFamily="34" charset="0"/>
+              </a:rPr>
+              <a:t> </a:t>
+            </a:r>
+            <a:r>
+              <a:rPr lang="en-US" altLang="zh-CN" sz="2800" dirty="0">
+                <a:effectLst/>
+                <a:latin typeface="Arial" panose="020B0604020202020204" pitchFamily="34" charset="0"/>
+                <a:cs typeface="Arial" panose="020B0604020202020204" pitchFamily="34" charset="0"/>
+              </a:rPr>
+              <a:t>size</a:t>
+            </a:r>
+            <a:r>
+              <a:rPr lang="zh-CN" altLang="en-US" sz="2800" dirty="0">
+                <a:effectLst/>
+                <a:latin typeface="Arial" panose="020B0604020202020204" pitchFamily="34" charset="0"/>
+                <a:cs typeface="Arial" panose="020B0604020202020204" pitchFamily="34" charset="0"/>
+              </a:rPr>
+              <a:t> </a:t>
+            </a:r>
+            <a:r>
+              <a:rPr lang="en-US" altLang="zh-CN" sz="2800" dirty="0">
+                <a:effectLst/>
+                <a:latin typeface="Arial" panose="020B0604020202020204" pitchFamily="34" charset="0"/>
+                <a:cs typeface="Arial" panose="020B0604020202020204" pitchFamily="34" charset="0"/>
+              </a:rPr>
+              <a:t>and</a:t>
+            </a:r>
+            <a:r>
+              <a:rPr lang="zh-CN" altLang="en-US" sz="2800" dirty="0">
+                <a:effectLst/>
+                <a:latin typeface="Arial" panose="020B0604020202020204" pitchFamily="34" charset="0"/>
+                <a:cs typeface="Arial" panose="020B0604020202020204" pitchFamily="34" charset="0"/>
+              </a:rPr>
+              <a:t> </a:t>
+            </a:r>
+            <a:r>
+              <a:rPr lang="en-US" altLang="zh-CN" sz="2800" dirty="0">
+                <a:effectLst/>
+                <a:latin typeface="Arial" panose="020B0604020202020204" pitchFamily="34" charset="0"/>
+                <a:cs typeface="Arial" panose="020B0604020202020204" pitchFamily="34" charset="0"/>
+              </a:rPr>
+              <a:t>power</a:t>
+            </a:r>
+            <a:r>
+              <a:rPr lang="zh-CN" altLang="en-US" sz="2800" dirty="0">
+                <a:effectLst/>
+                <a:latin typeface="Arial" panose="020B0604020202020204" pitchFamily="34" charset="0"/>
+                <a:cs typeface="Arial" panose="020B0604020202020204" pitchFamily="34" charset="0"/>
+              </a:rPr>
+              <a:t> </a:t>
+            </a:r>
+            <a:r>
+              <a:rPr lang="en-US" altLang="zh-CN" sz="2800" dirty="0">
+                <a:effectLst/>
+                <a:latin typeface="Arial" panose="020B0604020202020204" pitchFamily="34" charset="0"/>
+                <a:cs typeface="Arial" panose="020B0604020202020204" pitchFamily="34" charset="0"/>
+              </a:rPr>
+              <a:t>limit</a:t>
+            </a:r>
+            <a:r>
+              <a:rPr lang="zh-CN" altLang="en-US" sz="2800" dirty="0">
+                <a:effectLst/>
+                <a:latin typeface="Arial" panose="020B0604020202020204" pitchFamily="34" charset="0"/>
+                <a:cs typeface="Arial" panose="020B0604020202020204" pitchFamily="34" charset="0"/>
+              </a:rPr>
+              <a:t> </a:t>
+            </a:r>
+            <a:endParaRPr lang="en-US" sz="2800" dirty="0">
+              <a:effectLst/>
+              <a:latin typeface="Arial" panose="020B0604020202020204" pitchFamily="34" charset="0"/>
+              <a:cs typeface="Arial" panose="020B0604020202020204" pitchFamily="34" charset="0"/>
             </a:endParaRPr>
           </a:p>
         </p:txBody>
@@ -6418,7 +6613,7 @@
     </p:spTree>
     <p:extLst>
       <p:ext uri="{BB962C8B-B14F-4D97-AF65-F5344CB8AC3E}">
-        <p14:creationId xmlns:p14="http://schemas.microsoft.com/office/powerpoint/2010/main" val="2652685593"/>
+        <p14:creationId xmlns:p14="http://schemas.microsoft.com/office/powerpoint/2010/main" val="904119402"/>
       </p:ext>
     </p:extLst>
   </p:cSld>
@@ -6450,7 +6645,7 @@
           <p:cNvPr id="5" name="Content Placeholder 4">
             <a:extLst>
               <a:ext uri="{FF2B5EF4-FFF2-40B4-BE49-F238E27FC236}">
-                <a16:creationId xmlns:a16="http://schemas.microsoft.com/office/drawing/2014/main" id="{5999F9B3-D009-0BF5-9C32-8A95B336C37C}"/>
+                <a16:creationId xmlns:a16="http://schemas.microsoft.com/office/drawing/2014/main" id="{1EBF4B52-8539-71FF-8732-0072B7681507}"/>
               </a:ext>
             </a:extLst>
           </p:cNvPr>
@@ -6469,165 +6664,95 @@
         </p:blipFill>
         <p:spPr>
           <a:xfrm>
-            <a:off x="668867" y="86315"/>
-            <a:ext cx="10515600" cy="2004952"/>
+            <a:off x="0" y="1131357"/>
+            <a:ext cx="8191799" cy="5286375"/>
           </a:xfrm>
         </p:spPr>
       </p:pic>
       <p:sp>
         <p:nvSpPr>
-          <p:cNvPr id="7" name="TextBox 6">
-            <a:extLst>
-              <a:ext uri="{FF2B5EF4-FFF2-40B4-BE49-F238E27FC236}">
-                <a16:creationId xmlns:a16="http://schemas.microsoft.com/office/drawing/2014/main" id="{634128F4-7106-D3AD-7B26-A7CD20B7BE65}"/>
-              </a:ext>
-            </a:extLst>
-          </p:cNvPr>
-          <p:cNvSpPr txBox="1"/>
+          <p:cNvPr id="6" name="Title 1">
+            <a:extLst>
+              <a:ext uri="{FF2B5EF4-FFF2-40B4-BE49-F238E27FC236}">
+                <a16:creationId xmlns:a16="http://schemas.microsoft.com/office/drawing/2014/main" id="{9FE652CD-4170-787F-CF89-3E22A1110325}"/>
+              </a:ext>
+            </a:extLst>
+          </p:cNvPr>
+          <p:cNvSpPr txBox="1">
+            <a:spLocks/>
+          </p:cNvSpPr>
           <p:nvPr/>
         </p:nvSpPr>
         <p:spPr>
           <a:xfrm>
-            <a:off x="169332" y="2336799"/>
-            <a:ext cx="6841067" cy="3785652"/>
+            <a:off x="982133" y="237595"/>
+            <a:ext cx="10515600" cy="1325563"/>
           </a:xfrm>
           <a:prstGeom prst="rect">
             <a:avLst/>
           </a:prstGeom>
-          <a:noFill/>
         </p:spPr>
         <p:txBody>
-          <a:bodyPr wrap="square">
-            <a:spAutoFit/>
+          <a:bodyPr vert="horz" lIns="91440" tIns="45720" rIns="91440" bIns="45720" rtlCol="0" anchor="ctr">
+            <a:normAutofit/>
           </a:bodyPr>
-          <a:lstStyle/>
-          <a:p>
-            <a:r>
-              <a:rPr lang="en-US" sz="3600" b="1" dirty="0">
-                <a:effectLst/>
-                <a:latin typeface="Arial" panose="020B0604020202020204" pitchFamily="34" charset="0"/>
-                <a:cs typeface="Arial" panose="020B0604020202020204" pitchFamily="34" charset="0"/>
-              </a:rPr>
-              <a:t>Optimizes the cost </a:t>
-            </a:r>
-          </a:p>
-          <a:p>
-            <a:pPr>
-              <a:buFont typeface="Arial" panose="020B0604020202020204" pitchFamily="34" charset="0"/>
-              <a:buChar char="•"/>
-            </a:pPr>
-            <a:r>
-              <a:rPr lang="en-US" sz="2800" dirty="0">
-                <a:effectLst/>
-                <a:latin typeface="Arial" panose="020B0604020202020204" pitchFamily="34" charset="0"/>
-                <a:cs typeface="Arial" panose="020B0604020202020204" pitchFamily="34" charset="0"/>
-              </a:rPr>
-              <a:t>of an arbitrary DNN model </a:t>
-            </a:r>
-          </a:p>
-          <a:p>
-            <a:pPr>
-              <a:buFont typeface="Arial" panose="020B0604020202020204" pitchFamily="34" charset="0"/>
-              <a:buChar char="•"/>
-            </a:pPr>
-            <a:r>
-              <a:rPr lang="en-US" sz="2800" dirty="0">
-                <a:effectLst/>
-                <a:latin typeface="Arial" panose="020B0604020202020204" pitchFamily="34" charset="0"/>
-                <a:cs typeface="Arial" panose="020B0604020202020204" pitchFamily="34" charset="0"/>
-              </a:rPr>
-              <a:t>on an arbitrary GPU type </a:t>
-            </a:r>
-          </a:p>
-          <a:p>
-            <a:pPr>
-              <a:buFont typeface="Arial" panose="020B0604020202020204" pitchFamily="34" charset="0"/>
-              <a:buChar char="•"/>
-            </a:pPr>
-            <a:r>
-              <a:rPr lang="en-US" sz="2800" dirty="0">
-                <a:effectLst/>
-                <a:latin typeface="Arial" panose="020B0604020202020204" pitchFamily="34" charset="0"/>
-                <a:cs typeface="Arial" panose="020B0604020202020204" pitchFamily="34" charset="0"/>
-              </a:rPr>
-              <a:t>in an efficient manner </a:t>
-            </a:r>
-          </a:p>
-          <a:p>
-            <a:r>
-              <a:rPr lang="en-US" sz="3600" b="1" dirty="0">
-                <a:effectLst/>
-                <a:latin typeface="Arial" panose="020B0604020202020204" pitchFamily="34" charset="0"/>
-                <a:cs typeface="Arial" panose="020B0604020202020204" pitchFamily="34" charset="0"/>
-              </a:rPr>
-              <a:t>without any </a:t>
-            </a:r>
-          </a:p>
-          <a:p>
-            <a:pPr>
-              <a:buFont typeface="Arial" panose="020B0604020202020204" pitchFamily="34" charset="0"/>
-              <a:buChar char="•"/>
-            </a:pPr>
-            <a:r>
-              <a:rPr lang="en-US" sz="2800" b="0" dirty="0">
-                <a:effectLst/>
-                <a:latin typeface="Arial" panose="020B0604020202020204" pitchFamily="34" charset="0"/>
-                <a:cs typeface="Arial" panose="020B0604020202020204" pitchFamily="34" charset="0"/>
-              </a:rPr>
-              <a:t>offline profiling, </a:t>
-            </a:r>
-            <a:endParaRPr lang="en-US" sz="2800" dirty="0">
-              <a:effectLst/>
-              <a:latin typeface="Arial" panose="020B0604020202020204" pitchFamily="34" charset="0"/>
-              <a:cs typeface="Arial" panose="020B0604020202020204" pitchFamily="34" charset="0"/>
-            </a:endParaRPr>
-          </a:p>
-          <a:p>
-            <a:pPr>
-              <a:buFont typeface="Arial" panose="020B0604020202020204" pitchFamily="34" charset="0"/>
-              <a:buChar char="•"/>
-            </a:pPr>
-            <a:r>
-              <a:rPr lang="en-US" sz="2800" b="0" dirty="0">
-                <a:effectLst/>
-                <a:latin typeface="Arial" panose="020B0604020202020204" pitchFamily="34" charset="0"/>
-                <a:cs typeface="Arial" panose="020B0604020202020204" pitchFamily="34" charset="0"/>
-              </a:rPr>
-              <a:t>hardware modification, or </a:t>
-            </a:r>
-            <a:endParaRPr lang="en-US" sz="2800" dirty="0">
-              <a:effectLst/>
-              <a:latin typeface="Arial" panose="020B0604020202020204" pitchFamily="34" charset="0"/>
-              <a:cs typeface="Arial" panose="020B0604020202020204" pitchFamily="34" charset="0"/>
-            </a:endParaRPr>
-          </a:p>
-          <a:p>
-            <a:pPr>
-              <a:buFont typeface="Arial" panose="020B0604020202020204" pitchFamily="34" charset="0"/>
-              <a:buChar char="•"/>
-            </a:pPr>
-            <a:r>
-              <a:rPr lang="en-US" sz="2800" b="0" dirty="0">
-                <a:effectLst/>
-                <a:latin typeface="Arial" panose="020B0604020202020204" pitchFamily="34" charset="0"/>
-                <a:cs typeface="Arial" panose="020B0604020202020204" pitchFamily="34" charset="0"/>
-              </a:rPr>
-              <a:t>accuracy degradation </a:t>
-            </a:r>
-            <a:endParaRPr lang="en-US" sz="2800" dirty="0">
-              <a:effectLst/>
-              <a:latin typeface="Arial" panose="020B0604020202020204" pitchFamily="34" charset="0"/>
-              <a:cs typeface="Arial" panose="020B0604020202020204" pitchFamily="34" charset="0"/>
-            </a:endParaRPr>
-          </a:p>
-        </p:txBody>
-      </p:sp>
-      <p:sp>
-        <p:nvSpPr>
-          <p:cNvPr id="8" name="TextBox 7">
-            <a:extLst>
-              <a:ext uri="{FF2B5EF4-FFF2-40B4-BE49-F238E27FC236}">
-                <a16:creationId xmlns:a16="http://schemas.microsoft.com/office/drawing/2014/main" id="{63B39670-C03D-884E-723A-E439DD72DE2D}"/>
+          <a:lstStyle>
+            <a:lvl1pPr algn="l" defTabSz="914400" rtl="0" eaLnBrk="1" latinLnBrk="0" hangingPunct="1">
+              <a:lnSpc>
+                <a:spcPct val="90000"/>
+              </a:lnSpc>
+              <a:spcBef>
+                <a:spcPct val="0"/>
+              </a:spcBef>
+              <a:buNone/>
+              <a:defRPr sz="4400" kern="1200">
+                <a:solidFill>
+                  <a:schemeClr val="tx1"/>
+                </a:solidFill>
+                <a:latin typeface="+mj-lt"/>
+                <a:ea typeface="+mj-ea"/>
+                <a:cs typeface="+mj-cs"/>
+              </a:defRPr>
+            </a:lvl1pPr>
+          </a:lstStyle>
+          <a:p>
+            <a:r>
+              <a:rPr lang="en-US" altLang="zh-CN" sz="3600" dirty="0">
+                <a:solidFill>
+                  <a:srgbClr val="FF5600"/>
+                </a:solidFill>
+                <a:latin typeface="GillSans" panose="020B0A02020104020203" pitchFamily="34" charset="77"/>
+              </a:rPr>
+              <a:t>Overall</a:t>
+            </a:r>
+            <a:r>
+              <a:rPr lang="zh-CN" altLang="en-US" sz="3600" dirty="0">
+                <a:solidFill>
+                  <a:srgbClr val="FF5600"/>
+                </a:solidFill>
+                <a:latin typeface="GillSans" panose="020B0A02020104020203" pitchFamily="34" charset="77"/>
+              </a:rPr>
+              <a:t> </a:t>
+            </a:r>
+            <a:r>
+              <a:rPr lang="en-US" altLang="zh-CN" sz="3600" dirty="0">
+                <a:solidFill>
+                  <a:srgbClr val="FF5600"/>
+                </a:solidFill>
+                <a:latin typeface="GillSans" panose="020B0A02020104020203" pitchFamily="34" charset="77"/>
+              </a:rPr>
+              <a:t>Workflow</a:t>
+            </a:r>
+            <a:endParaRPr lang="en-SA" sz="3600" dirty="0"/>
+          </a:p>
+        </p:txBody>
+      </p:sp>
+      <p:sp>
+        <p:nvSpPr>
+          <p:cNvPr id="7" name="TextBox 6">
+            <a:extLst>
+              <a:ext uri="{FF2B5EF4-FFF2-40B4-BE49-F238E27FC236}">
+                <a16:creationId xmlns:a16="http://schemas.microsoft.com/office/drawing/2014/main" id="{CAA4A020-A3FC-0C71-5E18-ED287B5D19E1}"/>
               </a:ext>
             </a:extLst>
           </p:cNvPr>
@@ -6636,7 +6761,7 @@
         </p:nvSpPr>
         <p:spPr>
           <a:xfrm>
-            <a:off x="5105401" y="2480732"/>
+            <a:off x="5977468" y="1969117"/>
             <a:ext cx="6841067" cy="523220"/>
           </a:xfrm>
           <a:prstGeom prst="rect">
@@ -6656,7 +6781,31 @@
                 <a:latin typeface="Arial" panose="020B0604020202020204" pitchFamily="34" charset="0"/>
                 <a:cs typeface="Arial" panose="020B0604020202020204" pitchFamily="34" charset="0"/>
               </a:rPr>
-              <a:t>Identify</a:t>
+              <a:t>L</a:t>
+            </a:r>
+            <a:r>
+              <a:rPr lang="en-SA" altLang="zh-CN" sz="2800" dirty="0">
+                <a:effectLst/>
+                <a:latin typeface="Arial" panose="020B0604020202020204" pitchFamily="34" charset="0"/>
+                <a:cs typeface="Arial" panose="020B0604020202020204" pitchFamily="34" charset="0"/>
+              </a:rPr>
+              <a:t>earn</a:t>
+            </a:r>
+            <a:r>
+              <a:rPr lang="zh-CN" altLang="en-US" sz="2800" dirty="0">
+                <a:effectLst/>
+                <a:latin typeface="Arial" panose="020B0604020202020204" pitchFamily="34" charset="0"/>
+                <a:cs typeface="Arial" panose="020B0604020202020204" pitchFamily="34" charset="0"/>
+              </a:rPr>
+              <a:t> </a:t>
+            </a:r>
+            <a:r>
+              <a:rPr lang="en-US" altLang="zh-CN" sz="2800" dirty="0">
+                <a:effectLst/>
+                <a:latin typeface="Arial" panose="020B0604020202020204" pitchFamily="34" charset="0"/>
+                <a:cs typeface="Arial" panose="020B0604020202020204" pitchFamily="34" charset="0"/>
+              </a:rPr>
+              <a:t>how</a:t>
             </a:r>
             <a:r>
               <a:rPr lang="zh-CN" altLang="en-US" sz="2800" dirty="0">
@@ -6671,99 +6820,52 @@
                 <a:latin typeface="Arial" panose="020B0604020202020204" pitchFamily="34" charset="0"/>
                 <a:cs typeface="Arial" panose="020B0604020202020204" pitchFamily="34" charset="0"/>
               </a:rPr>
-              <a:t>o</a:t>
-            </a:r>
-            <a:r>
-              <a:rPr lang="en-US" altLang="zh-CN" sz="2800" dirty="0">
-                <a:effectLst/>
+              <a:t>cost</a:t>
+            </a:r>
+            <a:r>
+              <a:rPr lang="zh-CN" altLang="en-US" sz="2800" dirty="0">
                 <a:latin typeface="Arial" panose="020B0604020202020204" pitchFamily="34" charset="0"/>
                 <a:cs typeface="Arial" panose="020B0604020202020204" pitchFamily="34" charset="0"/>
               </a:rPr>
-              <a:t>ptimal</a:t>
-            </a:r>
-            <a:r>
-              <a:rPr lang="zh-CN" altLang="en-US" sz="2800" dirty="0">
-                <a:effectLst/>
+              <a:t> </a:t>
+            </a:r>
+            <a:r>
+              <a:rPr lang="en-US" altLang="zh-CN" sz="2800" dirty="0">
                 <a:latin typeface="Arial" panose="020B0604020202020204" pitchFamily="34" charset="0"/>
                 <a:cs typeface="Arial" panose="020B0604020202020204" pitchFamily="34" charset="0"/>
               </a:rPr>
-              <a:t> </a:t>
-            </a:r>
-            <a:r>
-              <a:rPr lang="en-US" altLang="zh-CN" sz="2800" dirty="0">
-                <a:effectLst/>
+              <a:t>behave</a:t>
+            </a:r>
+            <a:r>
+              <a:rPr lang="zh-CN" altLang="en-US" sz="2800" dirty="0">
                 <a:latin typeface="Arial" panose="020B0604020202020204" pitchFamily="34" charset="0"/>
                 <a:cs typeface="Arial" panose="020B0604020202020204" pitchFamily="34" charset="0"/>
               </a:rPr>
-              <a:t>batch</a:t>
-            </a:r>
-            <a:r>
-              <a:rPr lang="zh-CN" altLang="en-US" sz="2800" dirty="0">
-                <a:effectLst/>
+              <a:t> </a:t>
+            </a:r>
+            <a:r>
+              <a:rPr lang="en-US" altLang="zh-CN" sz="2800" dirty="0">
                 <a:latin typeface="Arial" panose="020B0604020202020204" pitchFamily="34" charset="0"/>
                 <a:cs typeface="Arial" panose="020B0604020202020204" pitchFamily="34" charset="0"/>
               </a:rPr>
-              <a:t> </a:t>
-            </a:r>
-            <a:r>
-              <a:rPr lang="en-US" altLang="zh-CN" sz="2800" dirty="0">
-                <a:effectLst/>
+              <a:t>when</a:t>
+            </a:r>
+            <a:r>
+              <a:rPr lang="zh-CN" altLang="en-US" sz="2800" dirty="0">
                 <a:latin typeface="Arial" panose="020B0604020202020204" pitchFamily="34" charset="0"/>
                 <a:cs typeface="Arial" panose="020B0604020202020204" pitchFamily="34" charset="0"/>
               </a:rPr>
-              <a:t>size</a:t>
-            </a:r>
-            <a:r>
-              <a:rPr lang="zh-CN" altLang="en-US" sz="2800" dirty="0">
-                <a:effectLst/>
+              <a:t> </a:t>
+            </a:r>
+            <a:r>
+              <a:rPr lang="en-US" altLang="zh-CN" sz="2800" dirty="0">
                 <a:latin typeface="Arial" panose="020B0604020202020204" pitchFamily="34" charset="0"/>
                 <a:cs typeface="Arial" panose="020B0604020202020204" pitchFamily="34" charset="0"/>
               </a:rPr>
-              <a:t> </a:t>
-            </a:r>
-            <a:r>
-              <a:rPr lang="en-US" altLang="zh-CN" sz="2800" dirty="0">
-                <a:effectLst/>
-                <a:latin typeface="Arial" panose="020B0604020202020204" pitchFamily="34" charset="0"/>
-                <a:cs typeface="Arial" panose="020B0604020202020204" pitchFamily="34" charset="0"/>
-              </a:rPr>
-              <a:t>and</a:t>
+              <a:t>retrain</a:t>
             </a:r>
             <a:r>
               <a:rPr lang="zh-CN" altLang="en-US" sz="2800" dirty="0">
-                <a:effectLst/>
-                <a:latin typeface="Arial" panose="020B0604020202020204" pitchFamily="34" charset="0"/>
-                <a:cs typeface="Arial" panose="020B0604020202020204" pitchFamily="34" charset="0"/>
-              </a:rPr>
-              <a:t> </a:t>
-            </a:r>
-            <a:r>
-              <a:rPr lang="en-US" altLang="zh-CN" sz="2800" dirty="0">
-                <a:effectLst/>
-                <a:latin typeface="Arial" panose="020B0604020202020204" pitchFamily="34" charset="0"/>
-                <a:cs typeface="Arial" panose="020B0604020202020204" pitchFamily="34" charset="0"/>
-              </a:rPr>
-              <a:t>power</a:t>
-            </a:r>
-            <a:r>
-              <a:rPr lang="zh-CN" altLang="en-US" sz="2800" dirty="0">
-                <a:effectLst/>
-                <a:latin typeface="Arial" panose="020B0604020202020204" pitchFamily="34" charset="0"/>
-                <a:cs typeface="Arial" panose="020B0604020202020204" pitchFamily="34" charset="0"/>
-              </a:rPr>
-              <a:t> </a:t>
-            </a:r>
-            <a:r>
-              <a:rPr lang="en-US" altLang="zh-CN" sz="2800" dirty="0">
-                <a:effectLst/>
-                <a:latin typeface="Arial" panose="020B0604020202020204" pitchFamily="34" charset="0"/>
-                <a:cs typeface="Arial" panose="020B0604020202020204" pitchFamily="34" charset="0"/>
-              </a:rPr>
-              <a:t>limit</a:t>
-            </a:r>
-            <a:r>
-              <a:rPr lang="zh-CN" altLang="en-US" sz="2800" dirty="0">
-                <a:effectLst/>
                 <a:latin typeface="Arial" panose="020B0604020202020204" pitchFamily="34" charset="0"/>
                 <a:cs typeface="Arial" panose="020B0604020202020204" pitchFamily="34" charset="0"/>
               </a:rPr>
@@ -6777,10 +6879,78 @@
           </a:p>
         </p:txBody>
       </p:sp>
+      <p:sp>
+        <p:nvSpPr>
+          <p:cNvPr id="9" name="TextBox 8">
+            <a:extLst>
+              <a:ext uri="{FF2B5EF4-FFF2-40B4-BE49-F238E27FC236}">
+                <a16:creationId xmlns:a16="http://schemas.microsoft.com/office/drawing/2014/main" id="{225AC6A6-0581-057D-B71E-84FE1AAA5BC1}"/>
+              </a:ext>
+            </a:extLst>
+          </p:cNvPr>
+          <p:cNvSpPr txBox="1"/>
+          <p:nvPr/>
+        </p:nvSpPr>
+        <p:spPr>
+          <a:xfrm>
+            <a:off x="6409269" y="2989714"/>
+            <a:ext cx="6409266" cy="1569660"/>
+          </a:xfrm>
+          <a:prstGeom prst="rect">
+            <a:avLst/>
+          </a:prstGeom>
+          <a:noFill/>
+        </p:spPr>
+        <p:txBody>
+          <a:bodyPr wrap="square">
+            <a:spAutoFit/>
+          </a:bodyPr>
+          <a:lstStyle/>
+          <a:p>
+            <a:pPr>
+              <a:buFont typeface="+mj-lt"/>
+              <a:buAutoNum type="arabicPeriod"/>
+            </a:pPr>
+            <a:r>
+              <a:rPr lang="en-US" sz="3200" b="0" dirty="0">
+                <a:effectLst/>
+                <a:latin typeface="GillSans" panose="020B0A02020104020203" pitchFamily="34" charset="77"/>
+              </a:rPr>
+              <a:t>Decoupling Variables </a:t>
+            </a:r>
+          </a:p>
+          <a:p>
+            <a:pPr>
+              <a:buFont typeface="+mj-lt"/>
+              <a:buAutoNum type="arabicPeriod"/>
+            </a:pPr>
+            <a:r>
+              <a:rPr lang="en-US" sz="3200" b="0" dirty="0">
+                <a:effectLst/>
+                <a:latin typeface="GillSans" panose="020B0A02020104020203" pitchFamily="34" charset="77"/>
+              </a:rPr>
+              <a:t>Power Limit Optimizer </a:t>
+            </a:r>
+          </a:p>
+          <a:p>
+            <a:pPr>
+              <a:buFont typeface="+mj-lt"/>
+              <a:buAutoNum type="arabicPeriod"/>
+            </a:pPr>
+            <a:r>
+              <a:rPr lang="en-US" sz="3200" b="0" dirty="0">
+                <a:effectLst/>
+                <a:latin typeface="GillSans" panose="020B0A02020104020203" pitchFamily="34" charset="77"/>
+              </a:rPr>
+              <a:t>Batch Size Optimizer </a:t>
+            </a:r>
+          </a:p>
+        </p:txBody>
+      </p:sp>
     </p:spTree>
     <p:extLst>
       <p:ext uri="{BB962C8B-B14F-4D97-AF65-F5344CB8AC3E}">
-        <p14:creationId xmlns:p14="http://schemas.microsoft.com/office/powerpoint/2010/main" val="904119402"/>
+        <p14:creationId xmlns:p14="http://schemas.microsoft.com/office/powerpoint/2010/main" val="825597419"/>
       </p:ext>
     </p:extLst>
   </p:cSld>
@@ -6807,317 +6977,134 @@
           <a:chExt cx="0" cy="0"/>
         </a:xfrm>
       </p:grpSpPr>
-      <p:pic>
-        <p:nvPicPr>
-          <p:cNvPr id="5" name="Content Placeholder 4">
-            <a:extLst>
-              <a:ext uri="{FF2B5EF4-FFF2-40B4-BE49-F238E27FC236}">
-                <a16:creationId xmlns:a16="http://schemas.microsoft.com/office/drawing/2014/main" id="{1EBF4B52-8539-71FF-8732-0072B7681507}"/>
-              </a:ext>
-            </a:extLst>
-          </p:cNvPr>
-          <p:cNvPicPr>
-            <a:picLocks noGrp="1" noChangeAspect="1"/>
-          </p:cNvPicPr>
+      <p:sp>
+        <p:nvSpPr>
+          <p:cNvPr id="2" name="Title 1"/>
+          <p:cNvSpPr>
+            <a:spLocks noGrp="1"/>
+          </p:cNvSpPr>
+          <p:nvPr>
+            <p:ph type="title"/>
+          </p:nvPr>
+        </p:nvSpPr>
+        <p:spPr/>
+        <p:txBody>
+          <a:bodyPr/>
+          <a:lstStyle/>
+          <a:p>
+            <a:r>
+              <a:rPr lang="en-US" dirty="0"/>
+              <a:t>Outline</a:t>
+            </a:r>
+            <a:endParaRPr lang="el-GR" dirty="0"/>
+          </a:p>
+        </p:txBody>
+      </p:sp>
+      <p:sp>
+        <p:nvSpPr>
+          <p:cNvPr id="3" name="Content Placeholder 2"/>
+          <p:cNvSpPr>
+            <a:spLocks noGrp="1"/>
+          </p:cNvSpPr>
           <p:nvPr>
             <p:ph idx="1"/>
           </p:nvPr>
-        </p:nvPicPr>
-        <p:blipFill>
-          <a:blip r:embed="rId2"/>
-          <a:stretch>
-            <a:fillRect/>
-          </a:stretch>
-        </p:blipFill>
-        <p:spPr>
-          <a:xfrm>
-            <a:off x="0" y="1131357"/>
-            <a:ext cx="8191799" cy="5286375"/>
-          </a:xfrm>
-        </p:spPr>
-      </p:pic>
-      <p:sp>
-        <p:nvSpPr>
-          <p:cNvPr id="6" name="Title 1">
-            <a:extLst>
-              <a:ext uri="{FF2B5EF4-FFF2-40B4-BE49-F238E27FC236}">
-                <a16:creationId xmlns:a16="http://schemas.microsoft.com/office/drawing/2014/main" id="{9FE652CD-4170-787F-CF89-3E22A1110325}"/>
-              </a:ext>
-            </a:extLst>
-          </p:cNvPr>
-          <p:cNvSpPr txBox="1">
-            <a:spLocks/>
-          </p:cNvSpPr>
-          <p:nvPr/>
-        </p:nvSpPr>
-        <p:spPr>
-          <a:xfrm>
-            <a:off x="982133" y="237595"/>
-            <a:ext cx="10515600" cy="1325563"/>
-          </a:xfrm>
-          <a:prstGeom prst="rect">
-            <a:avLst/>
-          </a:prstGeom>
-        </p:spPr>
-        <p:txBody>
-          <a:bodyPr vert="horz" lIns="91440" tIns="45720" rIns="91440" bIns="45720" rtlCol="0" anchor="ctr">
-            <a:normAutofit/>
-          </a:bodyPr>
-          <a:lstStyle>
-            <a:lvl1pPr algn="l" defTabSz="914400" rtl="0" eaLnBrk="1" latinLnBrk="0" hangingPunct="1">
-              <a:lnSpc>
-                <a:spcPct val="90000"/>
-              </a:lnSpc>
-              <a:spcBef>
-                <a:spcPct val="0"/>
-              </a:spcBef>
-              <a:buNone/>
-              <a:defRPr sz="4400" kern="1200">
-                <a:solidFill>
-                  <a:schemeClr val="tx1"/>
-                </a:solidFill>
-                <a:latin typeface="+mj-lt"/>
-                <a:ea typeface="+mj-ea"/>
-                <a:cs typeface="+mj-cs"/>
-              </a:defRPr>
-            </a:lvl1pPr>
-          </a:lstStyle>
-          <a:p>
-            <a:r>
-              <a:rPr lang="en-US" altLang="zh-CN" sz="3600" dirty="0">
-                <a:solidFill>
-                  <a:srgbClr val="FF5600"/>
-                </a:solidFill>
-                <a:latin typeface="GillSans" panose="020B0A02020104020203" pitchFamily="34" charset="77"/>
-              </a:rPr>
-              <a:t>Overall</a:t>
-            </a:r>
-            <a:r>
-              <a:rPr lang="zh-CN" altLang="en-US" sz="3600" dirty="0">
-                <a:solidFill>
-                  <a:srgbClr val="FF5600"/>
-                </a:solidFill>
-                <a:latin typeface="GillSans" panose="020B0A02020104020203" pitchFamily="34" charset="77"/>
-              </a:rPr>
-              <a:t> </a:t>
-            </a:r>
-            <a:r>
-              <a:rPr lang="en-US" altLang="zh-CN" sz="3600" dirty="0">
-                <a:solidFill>
-                  <a:srgbClr val="FF5600"/>
-                </a:solidFill>
-                <a:latin typeface="GillSans" panose="020B0A02020104020203" pitchFamily="34" charset="77"/>
-              </a:rPr>
-              <a:t>Workflow</a:t>
-            </a:r>
-            <a:endParaRPr lang="en-SA" sz="3600" dirty="0"/>
-          </a:p>
-        </p:txBody>
-      </p:sp>
-      <p:sp>
-        <p:nvSpPr>
-          <p:cNvPr id="7" name="TextBox 6">
-            <a:extLst>
-              <a:ext uri="{FF2B5EF4-FFF2-40B4-BE49-F238E27FC236}">
-                <a16:creationId xmlns:a16="http://schemas.microsoft.com/office/drawing/2014/main" id="{CAA4A020-A3FC-0C71-5E18-ED287B5D19E1}"/>
-              </a:ext>
-            </a:extLst>
-          </p:cNvPr>
-          <p:cNvSpPr txBox="1"/>
-          <p:nvPr/>
-        </p:nvSpPr>
-        <p:spPr>
-          <a:xfrm>
-            <a:off x="5977468" y="1969117"/>
-            <a:ext cx="6841067" cy="523220"/>
-          </a:xfrm>
-          <a:prstGeom prst="rect">
-            <a:avLst/>
-          </a:prstGeom>
-          <a:noFill/>
-        </p:spPr>
-        <p:txBody>
-          <a:bodyPr wrap="square">
-            <a:spAutoFit/>
-          </a:bodyPr>
+        </p:nvSpPr>
+        <p:spPr/>
+        <p:txBody>
+          <a:bodyPr/>
           <a:lstStyle/>
           <a:p>
             <a:r>
-              <a:rPr lang="en-US" altLang="zh-CN" sz="2800" dirty="0">
-                <a:effectLst/>
-                <a:latin typeface="Arial" panose="020B0604020202020204" pitchFamily="34" charset="0"/>
-                <a:cs typeface="Arial" panose="020B0604020202020204" pitchFamily="34" charset="0"/>
-              </a:rPr>
-              <a:t>L</a:t>
-            </a:r>
-            <a:r>
-              <a:rPr lang="en-SA" altLang="zh-CN" sz="2800" dirty="0">
-                <a:effectLst/>
-                <a:latin typeface="Arial" panose="020B0604020202020204" pitchFamily="34" charset="0"/>
-                <a:cs typeface="Arial" panose="020B0604020202020204" pitchFamily="34" charset="0"/>
-              </a:rPr>
-              <a:t>earn</a:t>
-            </a:r>
-            <a:r>
-              <a:rPr lang="zh-CN" altLang="en-US" sz="2800" dirty="0">
-                <a:effectLst/>
-                <a:latin typeface="Arial" panose="020B0604020202020204" pitchFamily="34" charset="0"/>
-                <a:cs typeface="Arial" panose="020B0604020202020204" pitchFamily="34" charset="0"/>
-              </a:rPr>
-              <a:t> </a:t>
-            </a:r>
-            <a:r>
-              <a:rPr lang="en-US" altLang="zh-CN" sz="2800" dirty="0">
-                <a:effectLst/>
-                <a:latin typeface="Arial" panose="020B0604020202020204" pitchFamily="34" charset="0"/>
-                <a:cs typeface="Arial" panose="020B0604020202020204" pitchFamily="34" charset="0"/>
-              </a:rPr>
-              <a:t>how</a:t>
-            </a:r>
-            <a:r>
-              <a:rPr lang="zh-CN" altLang="en-US" sz="2800" dirty="0">
-                <a:effectLst/>
-                <a:latin typeface="Arial" panose="020B0604020202020204" pitchFamily="34" charset="0"/>
-                <a:cs typeface="Arial" panose="020B0604020202020204" pitchFamily="34" charset="0"/>
-              </a:rPr>
-              <a:t> </a:t>
-            </a:r>
-            <a:r>
-              <a:rPr lang="en-US" altLang="zh-CN" sz="2800" dirty="0">
-                <a:latin typeface="Arial" panose="020B0604020202020204" pitchFamily="34" charset="0"/>
-                <a:cs typeface="Arial" panose="020B0604020202020204" pitchFamily="34" charset="0"/>
-              </a:rPr>
-              <a:t>cost</a:t>
-            </a:r>
-            <a:r>
-              <a:rPr lang="zh-CN" altLang="en-US" sz="2800" dirty="0">
-                <a:latin typeface="Arial" panose="020B0604020202020204" pitchFamily="34" charset="0"/>
-                <a:cs typeface="Arial" panose="020B0604020202020204" pitchFamily="34" charset="0"/>
-              </a:rPr>
-              <a:t> </a:t>
-            </a:r>
-            <a:r>
-              <a:rPr lang="en-US" altLang="zh-CN" sz="2800" dirty="0">
-                <a:latin typeface="Arial" panose="020B0604020202020204" pitchFamily="34" charset="0"/>
-                <a:cs typeface="Arial" panose="020B0604020202020204" pitchFamily="34" charset="0"/>
-              </a:rPr>
-              <a:t>behave</a:t>
-            </a:r>
-            <a:r>
-              <a:rPr lang="zh-CN" altLang="en-US" sz="2800" dirty="0">
-                <a:latin typeface="Arial" panose="020B0604020202020204" pitchFamily="34" charset="0"/>
-                <a:cs typeface="Arial" panose="020B0604020202020204" pitchFamily="34" charset="0"/>
-              </a:rPr>
-              <a:t> </a:t>
-            </a:r>
-            <a:r>
-              <a:rPr lang="en-US" altLang="zh-CN" sz="2800" dirty="0">
-                <a:latin typeface="Arial" panose="020B0604020202020204" pitchFamily="34" charset="0"/>
-                <a:cs typeface="Arial" panose="020B0604020202020204" pitchFamily="34" charset="0"/>
-              </a:rPr>
-              <a:t>when</a:t>
-            </a:r>
-            <a:r>
-              <a:rPr lang="zh-CN" altLang="en-US" sz="2800" dirty="0">
-                <a:latin typeface="Arial" panose="020B0604020202020204" pitchFamily="34" charset="0"/>
-                <a:cs typeface="Arial" panose="020B0604020202020204" pitchFamily="34" charset="0"/>
-              </a:rPr>
-              <a:t> </a:t>
-            </a:r>
-            <a:r>
-              <a:rPr lang="en-US" altLang="zh-CN" sz="2800" dirty="0">
-                <a:latin typeface="Arial" panose="020B0604020202020204" pitchFamily="34" charset="0"/>
-                <a:cs typeface="Arial" panose="020B0604020202020204" pitchFamily="34" charset="0"/>
-              </a:rPr>
-              <a:t>retrain</a:t>
-            </a:r>
-            <a:r>
-              <a:rPr lang="zh-CN" altLang="en-US" sz="2800" dirty="0">
-                <a:latin typeface="Arial" panose="020B0604020202020204" pitchFamily="34" charset="0"/>
-                <a:cs typeface="Arial" panose="020B0604020202020204" pitchFamily="34" charset="0"/>
-              </a:rPr>
-              <a:t> </a:t>
-            </a:r>
-            <a:endParaRPr lang="en-US" sz="2800" dirty="0">
-              <a:effectLst/>
-              <a:latin typeface="Arial" panose="020B0604020202020204" pitchFamily="34" charset="0"/>
-              <a:cs typeface="Arial" panose="020B0604020202020204" pitchFamily="34" charset="0"/>
+              <a:rPr lang="en-US" dirty="0">
+                <a:solidFill>
+                  <a:schemeClr val="bg2">
+                    <a:lumMod val="90000"/>
+                  </a:schemeClr>
+                </a:solidFill>
+              </a:rPr>
+              <a:t>Background</a:t>
+            </a:r>
+          </a:p>
+          <a:p>
+            <a:r>
+              <a:rPr lang="en-US" dirty="0">
+                <a:solidFill>
+                  <a:schemeClr val="bg2">
+                    <a:lumMod val="90000"/>
+                  </a:schemeClr>
+                </a:solidFill>
+              </a:rPr>
+              <a:t>Motivation</a:t>
+            </a:r>
+          </a:p>
+          <a:p>
+            <a:r>
+              <a:rPr lang="en-US" altLang="zh-CN" dirty="0">
+                <a:solidFill>
+                  <a:schemeClr val="bg2">
+                    <a:lumMod val="90000"/>
+                  </a:schemeClr>
+                </a:solidFill>
+              </a:rPr>
+              <a:t>Overview</a:t>
+            </a:r>
+            <a:endParaRPr lang="en-US" dirty="0">
+              <a:solidFill>
+                <a:schemeClr val="bg2">
+                  <a:lumMod val="90000"/>
+                </a:schemeClr>
+              </a:solidFill>
             </a:endParaRPr>
           </a:p>
-        </p:txBody>
-      </p:sp>
-      <p:sp>
-        <p:nvSpPr>
-          <p:cNvPr id="9" name="TextBox 8">
-            <a:extLst>
-              <a:ext uri="{FF2B5EF4-FFF2-40B4-BE49-F238E27FC236}">
-                <a16:creationId xmlns:a16="http://schemas.microsoft.com/office/drawing/2014/main" id="{225AC6A6-0581-057D-B71E-84FE1AAA5BC1}"/>
-              </a:ext>
-            </a:extLst>
-          </p:cNvPr>
-          <p:cNvSpPr txBox="1"/>
-          <p:nvPr/>
-        </p:nvSpPr>
-        <p:spPr>
-          <a:xfrm>
-            <a:off x="6409269" y="2989714"/>
-            <a:ext cx="6409266" cy="1569660"/>
-          </a:xfrm>
-          <a:prstGeom prst="rect">
-            <a:avLst/>
-          </a:prstGeom>
-          <a:noFill/>
-        </p:spPr>
-        <p:txBody>
-          <a:bodyPr wrap="square">
-            <a:spAutoFit/>
-          </a:bodyPr>
-          <a:lstStyle/>
-          <a:p>
-            <a:pPr>
-              <a:buFont typeface="+mj-lt"/>
-              <a:buAutoNum type="arabicPeriod"/>
-            </a:pPr>
-            <a:r>
-              <a:rPr lang="en-US" sz="3200" b="0" dirty="0">
-                <a:effectLst/>
-                <a:latin typeface="GillSans" panose="020B0A02020104020203" pitchFamily="34" charset="77"/>
-              </a:rPr>
-              <a:t>Decoupling Variables </a:t>
-            </a:r>
-          </a:p>
-          <a:p>
-            <a:pPr>
-              <a:buFont typeface="+mj-lt"/>
-              <a:buAutoNum type="arabicPeriod"/>
-            </a:pPr>
-            <a:r>
-              <a:rPr lang="en-US" sz="3200" b="0" dirty="0">
-                <a:effectLst/>
-                <a:latin typeface="GillSans" panose="020B0A02020104020203" pitchFamily="34" charset="77"/>
-              </a:rPr>
-              <a:t>Power Limit Optimizer </a:t>
-            </a:r>
-          </a:p>
-          <a:p>
-            <a:pPr>
-              <a:buFont typeface="+mj-lt"/>
-              <a:buAutoNum type="arabicPeriod"/>
-            </a:pPr>
-            <a:r>
-              <a:rPr lang="en-US" sz="3200" b="0" dirty="0">
-                <a:effectLst/>
-                <a:latin typeface="GillSans" panose="020B0A02020104020203" pitchFamily="34" charset="77"/>
-              </a:rPr>
-              <a:t>Batch Size Optimizer </a:t>
-            </a:r>
+          <a:p>
+            <a:r>
+              <a:rPr lang="en-US" dirty="0"/>
+              <a:t>Me</a:t>
+            </a:r>
+            <a:r>
+              <a:rPr lang="en-US" altLang="zh-CN" dirty="0"/>
+              <a:t>thod</a:t>
+            </a:r>
+            <a:endParaRPr lang="en-US" dirty="0"/>
+          </a:p>
+          <a:p>
+            <a:r>
+              <a:rPr lang="en-US" dirty="0">
+                <a:solidFill>
+                  <a:schemeClr val="bg2">
+                    <a:lumMod val="90000"/>
+                  </a:schemeClr>
+                </a:solidFill>
+              </a:rPr>
+              <a:t>Evaluation</a:t>
+            </a:r>
+          </a:p>
+          <a:p>
+            <a:r>
+              <a:rPr lang="en-US" dirty="0">
+                <a:solidFill>
+                  <a:schemeClr val="bg2">
+                    <a:lumMod val="90000"/>
+                  </a:schemeClr>
+                </a:solidFill>
+              </a:rPr>
+              <a:t>Summary and Discussion</a:t>
+            </a:r>
+            <a:endParaRPr lang="el-GR" dirty="0">
+              <a:solidFill>
+                <a:schemeClr val="bg2">
+                  <a:lumMod val="90000"/>
+                </a:schemeClr>
+              </a:solidFill>
+            </a:endParaRPr>
           </a:p>
         </p:txBody>
       </p:sp>
     </p:spTree>
     <p:extLst>
       <p:ext uri="{BB962C8B-B14F-4D97-AF65-F5344CB8AC3E}">
-        <p14:creationId xmlns:p14="http://schemas.microsoft.com/office/powerpoint/2010/main" val="825597419"/>
+        <p14:creationId xmlns:p14="http://schemas.microsoft.com/office/powerpoint/2010/main" val="1756009192"/>
       </p:ext>
     </p:extLst>
   </p:cSld>
@@ -7261,126 +7248,247 @@
           <a:chExt cx="0" cy="0"/>
         </a:xfrm>
       </p:grpSpPr>
-      <p:sp>
-        <p:nvSpPr>
-          <p:cNvPr id="2" name="Title 1"/>
-          <p:cNvSpPr>
-            <a:spLocks noGrp="1"/>
-          </p:cNvSpPr>
-          <p:nvPr>
-            <p:ph type="title"/>
-          </p:nvPr>
-        </p:nvSpPr>
-        <p:spPr/>
-        <p:txBody>
-          <a:bodyPr/>
-          <a:lstStyle/>
-          <a:p>
-            <a:r>
-              <a:rPr lang="en-US" dirty="0"/>
-              <a:t>Outline</a:t>
-            </a:r>
-            <a:endParaRPr lang="el-GR" dirty="0"/>
-          </a:p>
-        </p:txBody>
-      </p:sp>
-      <p:sp>
-        <p:nvSpPr>
-          <p:cNvPr id="3" name="Content Placeholder 2"/>
-          <p:cNvSpPr>
-            <a:spLocks noGrp="1"/>
-          </p:cNvSpPr>
+      <p:pic>
+        <p:nvPicPr>
+          <p:cNvPr id="6" name="Content Placeholder 5">
+            <a:extLst>
+              <a:ext uri="{FF2B5EF4-FFF2-40B4-BE49-F238E27FC236}">
+                <a16:creationId xmlns:a16="http://schemas.microsoft.com/office/drawing/2014/main" id="{87FAD21B-2CC0-5490-05BA-6D8820D12EC5}"/>
+              </a:ext>
+            </a:extLst>
+          </p:cNvPr>
+          <p:cNvPicPr>
+            <a:picLocks noGrp="1" noChangeAspect="1"/>
+          </p:cNvPicPr>
           <p:nvPr>
             <p:ph idx="1"/>
           </p:nvPr>
-        </p:nvSpPr>
-        <p:spPr/>
-        <p:txBody>
-          <a:bodyPr/>
+        </p:nvPicPr>
+        <p:blipFill rotWithShape="1">
+          <a:blip r:embed="rId2"/>
+          <a:srcRect t="3381"/>
+          <a:stretch/>
+        </p:blipFill>
+        <p:spPr>
+          <a:xfrm>
+            <a:off x="121925" y="1964267"/>
+            <a:ext cx="8821890" cy="4204230"/>
+          </a:xfrm>
+        </p:spPr>
+      </p:pic>
+      <p:sp>
+        <p:nvSpPr>
+          <p:cNvPr id="4" name="Title 1">
+            <a:extLst>
+              <a:ext uri="{FF2B5EF4-FFF2-40B4-BE49-F238E27FC236}">
+                <a16:creationId xmlns:a16="http://schemas.microsoft.com/office/drawing/2014/main" id="{F9CFC499-3B08-78D3-F70A-9932DAEA4FAB}"/>
+              </a:ext>
+            </a:extLst>
+          </p:cNvPr>
+          <p:cNvSpPr txBox="1">
+            <a:spLocks/>
+          </p:cNvSpPr>
+          <p:nvPr/>
+        </p:nvSpPr>
+        <p:spPr>
+          <a:xfrm>
+            <a:off x="982133" y="237595"/>
+            <a:ext cx="10515600" cy="1325563"/>
+          </a:xfrm>
+          <a:prstGeom prst="rect">
+            <a:avLst/>
+          </a:prstGeom>
+        </p:spPr>
+        <p:txBody>
+          <a:bodyPr vert="horz" lIns="91440" tIns="45720" rIns="91440" bIns="45720" rtlCol="0" anchor="ctr">
+            <a:normAutofit/>
+          </a:bodyPr>
+          <a:lstStyle>
+            <a:lvl1pPr algn="l" defTabSz="914400" rtl="0" eaLnBrk="1" latinLnBrk="0" hangingPunct="1">
+              <a:lnSpc>
+                <a:spcPct val="90000"/>
+              </a:lnSpc>
+              <a:spcBef>
+                <a:spcPct val="0"/>
+              </a:spcBef>
+              <a:buNone/>
+              <a:defRPr sz="4400" kern="1200">
+                <a:solidFill>
+                  <a:schemeClr val="tx1"/>
+                </a:solidFill>
+                <a:latin typeface="+mj-lt"/>
+                <a:ea typeface="+mj-ea"/>
+                <a:cs typeface="+mj-cs"/>
+              </a:defRPr>
+            </a:lvl1pPr>
+          </a:lstStyle>
+          <a:p>
+            <a:r>
+              <a:rPr lang="en-US" altLang="zh-CN" sz="3600" dirty="0">
+                <a:solidFill>
+                  <a:srgbClr val="FF5600"/>
+                </a:solidFill>
+                <a:latin typeface="GillSans" panose="020B0A02020104020203" pitchFamily="34" charset="77"/>
+              </a:rPr>
+              <a:t>1.</a:t>
+            </a:r>
+            <a:r>
+              <a:rPr lang="zh-CN" altLang="en-US" sz="3600" dirty="0">
+                <a:solidFill>
+                  <a:srgbClr val="FF5600"/>
+                </a:solidFill>
+                <a:latin typeface="GillSans" panose="020B0A02020104020203" pitchFamily="34" charset="77"/>
+              </a:rPr>
+              <a:t> </a:t>
+            </a:r>
+            <a:r>
+              <a:rPr lang="en-US" sz="3600" dirty="0">
+                <a:solidFill>
+                  <a:srgbClr val="FF5600"/>
+                </a:solidFill>
+                <a:latin typeface="GillSans" panose="020B0A02020104020203" pitchFamily="34" charset="77"/>
+              </a:rPr>
+              <a:t>Decoupling Batch Size and Power Limit </a:t>
+            </a:r>
+          </a:p>
+        </p:txBody>
+      </p:sp>
+      <p:sp>
+        <p:nvSpPr>
+          <p:cNvPr id="7" name="Arc 6">
+            <a:extLst>
+              <a:ext uri="{FF2B5EF4-FFF2-40B4-BE49-F238E27FC236}">
+                <a16:creationId xmlns:a16="http://schemas.microsoft.com/office/drawing/2014/main" id="{52CCDB8F-46EB-8385-7FAE-A82F89ADE42F}"/>
+              </a:ext>
+            </a:extLst>
+          </p:cNvPr>
+          <p:cNvSpPr/>
+          <p:nvPr/>
+        </p:nvSpPr>
+        <p:spPr>
+          <a:xfrm flipV="1">
+            <a:off x="3728537" y="5762690"/>
+            <a:ext cx="3126259" cy="811614"/>
+          </a:xfrm>
+          <a:prstGeom prst="arc">
+            <a:avLst>
+              <a:gd name="adj1" fmla="val 10868942"/>
+              <a:gd name="adj2" fmla="val 0"/>
+            </a:avLst>
+          </a:prstGeom>
+        </p:spPr>
+        <p:style>
+          <a:lnRef idx="1">
+            <a:schemeClr val="accent1"/>
+          </a:lnRef>
+          <a:fillRef idx="0">
+            <a:schemeClr val="accent1"/>
+          </a:fillRef>
+          <a:effectRef idx="0">
+            <a:schemeClr val="accent1"/>
+          </a:effectRef>
+          <a:fontRef idx="minor">
+            <a:schemeClr val="tx1"/>
+          </a:fontRef>
+        </p:style>
+        <p:txBody>
+          <a:bodyPr rtlCol="0" anchor="ctr"/>
           <a:lstStyle/>
           <a:p>
-            <a:r>
-              <a:rPr lang="en-US" dirty="0">
-                <a:solidFill>
-                  <a:schemeClr val="bg2">
-                    <a:lumMod val="90000"/>
-                  </a:schemeClr>
-                </a:solidFill>
-              </a:rPr>
-              <a:t>Background</a:t>
-            </a:r>
-          </a:p>
-          <a:p>
-            <a:r>
-              <a:rPr lang="en-US" dirty="0">
-                <a:solidFill>
-                  <a:schemeClr val="bg2">
-                    <a:lumMod val="90000"/>
-                  </a:schemeClr>
-                </a:solidFill>
-              </a:rPr>
-              <a:t>Motivation</a:t>
-            </a:r>
-          </a:p>
-          <a:p>
-            <a:r>
-              <a:rPr lang="en-US" altLang="zh-CN" dirty="0">
-                <a:solidFill>
-                  <a:schemeClr val="bg2">
-                    <a:lumMod val="90000"/>
-                  </a:schemeClr>
-                </a:solidFill>
-              </a:rPr>
-              <a:t>Overview</a:t>
-            </a:r>
-            <a:endParaRPr lang="en-US" dirty="0">
-              <a:solidFill>
-                <a:schemeClr val="bg2">
-                  <a:lumMod val="90000"/>
-                </a:schemeClr>
-              </a:solidFill>
-            </a:endParaRPr>
-          </a:p>
-          <a:p>
-            <a:r>
-              <a:rPr lang="en-US" dirty="0"/>
-              <a:t>Me</a:t>
-            </a:r>
-            <a:r>
-              <a:rPr lang="en-US" altLang="zh-CN" dirty="0"/>
-              <a:t>thod</a:t>
-            </a:r>
-            <a:endParaRPr lang="en-US" dirty="0"/>
-          </a:p>
-          <a:p>
-            <a:r>
-              <a:rPr lang="en-US" dirty="0">
-                <a:solidFill>
-                  <a:schemeClr val="bg2">
-                    <a:lumMod val="90000"/>
-                  </a:schemeClr>
-                </a:solidFill>
-              </a:rPr>
-              <a:t>Evaluation</a:t>
-            </a:r>
-          </a:p>
-          <a:p>
-            <a:r>
-              <a:rPr lang="en-US" dirty="0">
-                <a:solidFill>
-                  <a:schemeClr val="bg2">
-                    <a:lumMod val="90000"/>
-                  </a:schemeClr>
-                </a:solidFill>
-              </a:rPr>
-              <a:t>Summary and Discussion</a:t>
-            </a:r>
-            <a:endParaRPr lang="el-GR" dirty="0">
-              <a:solidFill>
-                <a:schemeClr val="bg2">
-                  <a:lumMod val="90000"/>
-                </a:schemeClr>
-              </a:solidFill>
+            <a:pPr algn="ctr"/>
+            <a:endParaRPr lang="en-SA"/>
+          </a:p>
+        </p:txBody>
+      </p:sp>
+      <p:sp>
+        <p:nvSpPr>
+          <p:cNvPr id="8" name="TextBox 7">
+            <a:extLst>
+              <a:ext uri="{FF2B5EF4-FFF2-40B4-BE49-F238E27FC236}">
+                <a16:creationId xmlns:a16="http://schemas.microsoft.com/office/drawing/2014/main" id="{0A202B53-6885-6F7C-B920-0603BDC6EB8F}"/>
+              </a:ext>
+            </a:extLst>
+          </p:cNvPr>
+          <p:cNvSpPr txBox="1"/>
+          <p:nvPr/>
+        </p:nvSpPr>
+        <p:spPr>
+          <a:xfrm>
+            <a:off x="6239933" y="1563158"/>
+            <a:ext cx="6841067" cy="523220"/>
+          </a:xfrm>
+          <a:prstGeom prst="rect">
+            <a:avLst/>
+          </a:prstGeom>
+          <a:noFill/>
+        </p:spPr>
+        <p:txBody>
+          <a:bodyPr wrap="square">
+            <a:spAutoFit/>
+          </a:bodyPr>
+          <a:lstStyle/>
+          <a:p>
+            <a:r>
+              <a:rPr lang="en-SA" altLang="zh-CN" sz="2800" dirty="0">
+                <a:effectLst/>
+                <a:latin typeface="Arial" panose="020B0604020202020204" pitchFamily="34" charset="0"/>
+                <a:cs typeface="Arial" panose="020B0604020202020204" pitchFamily="34" charset="0"/>
+              </a:rPr>
+              <a:t> </a:t>
+            </a:r>
+            <a:r>
+              <a:rPr lang="en-US" altLang="zh-CN" sz="2800" dirty="0">
+                <a:latin typeface="Arial" panose="020B0604020202020204" pitchFamily="34" charset="0"/>
+                <a:cs typeface="Arial" panose="020B0604020202020204" pitchFamily="34" charset="0"/>
+              </a:rPr>
+              <a:t>power</a:t>
+            </a:r>
+            <a:r>
+              <a:rPr lang="zh-CN" altLang="en-US" sz="2800" dirty="0">
+                <a:latin typeface="Arial" panose="020B0604020202020204" pitchFamily="34" charset="0"/>
+                <a:cs typeface="Arial" panose="020B0604020202020204" pitchFamily="34" charset="0"/>
+              </a:rPr>
+              <a:t> </a:t>
+            </a:r>
+            <a:r>
+              <a:rPr lang="en-US" altLang="zh-CN" sz="2800" dirty="0">
+                <a:latin typeface="Arial" panose="020B0604020202020204" pitchFamily="34" charset="0"/>
+                <a:cs typeface="Arial" panose="020B0604020202020204" pitchFamily="34" charset="0"/>
+              </a:rPr>
+              <a:t>limit</a:t>
+            </a:r>
+            <a:r>
+              <a:rPr lang="zh-CN" altLang="en-US" sz="2800" dirty="0">
+                <a:latin typeface="Arial" panose="020B0604020202020204" pitchFamily="34" charset="0"/>
+                <a:cs typeface="Arial" panose="020B0604020202020204" pitchFamily="34" charset="0"/>
+              </a:rPr>
+              <a:t> </a:t>
+            </a:r>
+            <a:r>
+              <a:rPr lang="en-US" altLang="zh-CN" sz="2800" dirty="0">
+                <a:latin typeface="Arial" panose="020B0604020202020204" pitchFamily="34" charset="0"/>
+                <a:cs typeface="Arial" panose="020B0604020202020204" pitchFamily="34" charset="0"/>
+              </a:rPr>
+              <a:t>is</a:t>
+            </a:r>
+            <a:r>
+              <a:rPr lang="zh-CN" altLang="en-US" sz="2800" dirty="0">
+                <a:latin typeface="Arial" panose="020B0604020202020204" pitchFamily="34" charset="0"/>
+                <a:cs typeface="Arial" panose="020B0604020202020204" pitchFamily="34" charset="0"/>
+              </a:rPr>
+              <a:t> </a:t>
+            </a:r>
+            <a:r>
+              <a:rPr lang="en-US" altLang="zh-CN" sz="2800" dirty="0">
+                <a:latin typeface="Arial" panose="020B0604020202020204" pitchFamily="34" charset="0"/>
+                <a:cs typeface="Arial" panose="020B0604020202020204" pitchFamily="34" charset="0"/>
+              </a:rPr>
+              <a:t>easier</a:t>
+            </a:r>
+            <a:endParaRPr lang="en-US" sz="2800" dirty="0">
+              <a:effectLst/>
+              <a:latin typeface="Arial" panose="020B0604020202020204" pitchFamily="34" charset="0"/>
+              <a:cs typeface="Arial" panose="020B0604020202020204" pitchFamily="34" charset="0"/>
             </a:endParaRPr>
           </a:p>
         </p:txBody>
@@ -7388,7 +7496,7 @@
     </p:spTree>
     <p:extLst>
       <p:ext uri="{BB962C8B-B14F-4D97-AF65-F5344CB8AC3E}">
-        <p14:creationId xmlns:p14="http://schemas.microsoft.com/office/powerpoint/2010/main" val="1756009192"/>
+        <p14:creationId xmlns:p14="http://schemas.microsoft.com/office/powerpoint/2010/main" val="2956792008"/>
       </p:ext>
     </p:extLst>
   </p:cSld>
@@ -7415,34 +7523,6 @@
           <a:chExt cx="0" cy="0"/>
         </a:xfrm>
       </p:grpSpPr>
-      <p:pic>
-        <p:nvPicPr>
-          <p:cNvPr id="6" name="Content Placeholder 5">
-            <a:extLst>
-              <a:ext uri="{FF2B5EF4-FFF2-40B4-BE49-F238E27FC236}">
-                <a16:creationId xmlns:a16="http://schemas.microsoft.com/office/drawing/2014/main" id="{87FAD21B-2CC0-5490-05BA-6D8820D12EC5}"/>
-              </a:ext>
-            </a:extLst>
-          </p:cNvPr>
-          <p:cNvPicPr>
-            <a:picLocks noGrp="1" noChangeAspect="1"/>
-          </p:cNvPicPr>
-          <p:nvPr>
-            <p:ph idx="1"/>
-          </p:nvPr>
-        </p:nvPicPr>
-        <p:blipFill rotWithShape="1">
-          <a:blip r:embed="rId2"/>
-          <a:srcRect t="3381"/>
-          <a:stretch/>
-        </p:blipFill>
-        <p:spPr>
-          <a:xfrm>
-            <a:off x="121925" y="1964267"/>
-            <a:ext cx="8821890" cy="4204230"/>
-          </a:xfrm>
-        </p:spPr>
-      </p:pic>
       <p:sp>
         <p:nvSpPr>
           <p:cNvPr id="4" name="Title 1">
@@ -7491,171 +7571,363 @@
           </a:lstStyle>
           <a:p>
             <a:r>
-              <a:rPr lang="en-US" altLang="zh-CN" sz="3600" dirty="0">
+              <a:rPr lang="en-US" sz="3600" dirty="0">
                 <a:solidFill>
                   <a:srgbClr val="FF5600"/>
                 </a:solidFill>
                 <a:latin typeface="GillSans" panose="020B0A02020104020203" pitchFamily="34" charset="77"/>
               </a:rPr>
-              <a:t>1.</a:t>
-            </a:r>
-            <a:r>
-              <a:rPr lang="zh-CN" altLang="en-US" sz="3600" dirty="0">
-                <a:solidFill>
-                  <a:srgbClr val="FF5600"/>
-                </a:solidFill>
-                <a:latin typeface="GillSans" panose="020B0A02020104020203" pitchFamily="34" charset="77"/>
-              </a:rPr>
-              <a:t> </a:t>
-            </a:r>
-            <a:r>
-              <a:rPr lang="en-US" sz="3600" dirty="0">
-                <a:solidFill>
-                  <a:srgbClr val="FF5600"/>
-                </a:solidFill>
-                <a:latin typeface="GillSans" panose="020B0A02020104020203" pitchFamily="34" charset="77"/>
-              </a:rPr>
-              <a:t>Decoupling Batch Size and Power Limit </a:t>
-            </a:r>
-          </a:p>
-        </p:txBody>
-      </p:sp>
-      <p:sp>
-        <p:nvSpPr>
-          <p:cNvPr id="7" name="Arc 6">
-            <a:extLst>
-              <a:ext uri="{FF2B5EF4-FFF2-40B4-BE49-F238E27FC236}">
-                <a16:creationId xmlns:a16="http://schemas.microsoft.com/office/drawing/2014/main" id="{52CCDB8F-46EB-8385-7FAE-A82F89ADE42F}"/>
-              </a:ext>
-            </a:extLst>
-          </p:cNvPr>
-          <p:cNvSpPr/>
-          <p:nvPr/>
-        </p:nvSpPr>
-        <p:spPr>
-          <a:xfrm flipV="1">
-            <a:off x="3728537" y="5762690"/>
-            <a:ext cx="3126259" cy="811614"/>
-          </a:xfrm>
-          <a:prstGeom prst="arc">
-            <a:avLst>
-              <a:gd name="adj1" fmla="val 10868942"/>
-              <a:gd name="adj2" fmla="val 0"/>
-            </a:avLst>
-          </a:prstGeom>
-        </p:spPr>
-        <p:style>
-          <a:lnRef idx="1">
-            <a:schemeClr val="accent1"/>
-          </a:lnRef>
-          <a:fillRef idx="0">
-            <a:schemeClr val="accent1"/>
-          </a:fillRef>
-          <a:effectRef idx="0">
-            <a:schemeClr val="accent1"/>
-          </a:effectRef>
-          <a:fontRef idx="minor">
-            <a:schemeClr val="tx1"/>
-          </a:fontRef>
-        </p:style>
-        <p:txBody>
-          <a:bodyPr rtlCol="0" anchor="ctr"/>
-          <a:lstStyle/>
-          <a:p>
-            <a:pPr algn="ctr"/>
-            <a:endParaRPr lang="en-SA"/>
-          </a:p>
-        </p:txBody>
-      </p:sp>
-      <p:sp>
-        <p:nvSpPr>
-          <p:cNvPr id="8" name="TextBox 7">
-            <a:extLst>
-              <a:ext uri="{FF2B5EF4-FFF2-40B4-BE49-F238E27FC236}">
-                <a16:creationId xmlns:a16="http://schemas.microsoft.com/office/drawing/2014/main" id="{0A202B53-6885-6F7C-B920-0603BDC6EB8F}"/>
-              </a:ext>
-            </a:extLst>
-          </p:cNvPr>
-          <p:cNvSpPr txBox="1"/>
-          <p:nvPr/>
-        </p:nvSpPr>
-        <p:spPr>
-          <a:xfrm>
-            <a:off x="6239933" y="1563158"/>
-            <a:ext cx="6841067" cy="523220"/>
-          </a:xfrm>
-          <a:prstGeom prst="rect">
-            <a:avLst/>
-          </a:prstGeom>
-          <a:noFill/>
-        </p:spPr>
-        <p:txBody>
-          <a:bodyPr wrap="square">
-            <a:spAutoFit/>
+              <a:t>2. Power Limit Optimizer </a:t>
+            </a:r>
+          </a:p>
+        </p:txBody>
+      </p:sp>
+      <p:sp>
+        <p:nvSpPr>
+          <p:cNvPr id="3" name="Content Placeholder 2">
+            <a:extLst>
+              <a:ext uri="{FF2B5EF4-FFF2-40B4-BE49-F238E27FC236}">
+                <a16:creationId xmlns:a16="http://schemas.microsoft.com/office/drawing/2014/main" id="{CC9A468B-DC25-005B-8262-0634F9F73E47}"/>
+              </a:ext>
+            </a:extLst>
+          </p:cNvPr>
+          <p:cNvSpPr>
+            <a:spLocks noGrp="1"/>
+          </p:cNvSpPr>
+          <p:nvPr>
+            <p:ph idx="1"/>
+          </p:nvPr>
+        </p:nvSpPr>
+        <p:spPr/>
+        <p:txBody>
+          <a:bodyPr>
+            <a:normAutofit fontScale="92500" lnSpcReduction="10000"/>
           </a:bodyPr>
           <a:lstStyle/>
           <a:p>
-            <a:r>
-              <a:rPr lang="en-SA" altLang="zh-CN" sz="2800" dirty="0">
-                <a:effectLst/>
-                <a:latin typeface="Arial" panose="020B0604020202020204" pitchFamily="34" charset="0"/>
-                <a:cs typeface="Arial" panose="020B0604020202020204" pitchFamily="34" charset="0"/>
-              </a:rPr>
-              <a:t> </a:t>
-            </a:r>
-            <a:r>
-              <a:rPr lang="en-US" altLang="zh-CN" sz="2800" dirty="0">
-                <a:latin typeface="Arial" panose="020B0604020202020204" pitchFamily="34" charset="0"/>
-                <a:cs typeface="Arial" panose="020B0604020202020204" pitchFamily="34" charset="0"/>
-              </a:rPr>
-              <a:t>power</a:t>
-            </a:r>
-            <a:r>
-              <a:rPr lang="zh-CN" altLang="en-US" sz="2800" dirty="0">
-                <a:latin typeface="Arial" panose="020B0604020202020204" pitchFamily="34" charset="0"/>
-                <a:cs typeface="Arial" panose="020B0604020202020204" pitchFamily="34" charset="0"/>
-              </a:rPr>
-              <a:t> </a:t>
-            </a:r>
-            <a:r>
-              <a:rPr lang="en-US" altLang="zh-CN" sz="2800" dirty="0">
-                <a:latin typeface="Arial" panose="020B0604020202020204" pitchFamily="34" charset="0"/>
-                <a:cs typeface="Arial" panose="020B0604020202020204" pitchFamily="34" charset="0"/>
-              </a:rPr>
-              <a:t>limit</a:t>
-            </a:r>
-            <a:r>
-              <a:rPr lang="zh-CN" altLang="en-US" sz="2800" dirty="0">
-                <a:latin typeface="Arial" panose="020B0604020202020204" pitchFamily="34" charset="0"/>
-                <a:cs typeface="Arial" panose="020B0604020202020204" pitchFamily="34" charset="0"/>
-              </a:rPr>
-              <a:t> </a:t>
-            </a:r>
-            <a:r>
-              <a:rPr lang="en-US" altLang="zh-CN" sz="2800" dirty="0">
-                <a:latin typeface="Arial" panose="020B0604020202020204" pitchFamily="34" charset="0"/>
-                <a:cs typeface="Arial" panose="020B0604020202020204" pitchFamily="34" charset="0"/>
-              </a:rPr>
-              <a:t>is</a:t>
-            </a:r>
-            <a:r>
-              <a:rPr lang="zh-CN" altLang="en-US" sz="2800" dirty="0">
-                <a:latin typeface="Arial" panose="020B0604020202020204" pitchFamily="34" charset="0"/>
-                <a:cs typeface="Arial" panose="020B0604020202020204" pitchFamily="34" charset="0"/>
-              </a:rPr>
-              <a:t> </a:t>
-            </a:r>
-            <a:r>
-              <a:rPr lang="en-US" altLang="zh-CN" sz="2800" dirty="0">
-                <a:latin typeface="Arial" panose="020B0604020202020204" pitchFamily="34" charset="0"/>
-                <a:cs typeface="Arial" panose="020B0604020202020204" pitchFamily="34" charset="0"/>
-              </a:rPr>
-              <a:t>easier</a:t>
-            </a:r>
-            <a:endParaRPr lang="en-US" sz="2800" dirty="0">
+            <a:pPr marL="0" indent="0">
+              <a:buNone/>
+            </a:pPr>
+            <a:r>
+              <a:rPr lang="en-US" sz="3200" dirty="0">
+                <a:effectLst/>
+                <a:latin typeface="GillSans" panose="020B0A02020104020203" pitchFamily="34" charset="77"/>
+              </a:rPr>
+              <a:t>Just-in-time online profiler </a:t>
+            </a:r>
+            <a:endParaRPr lang="en-US" dirty="0">
               <a:effectLst/>
-              <a:latin typeface="Arial" panose="020B0604020202020204" pitchFamily="34" charset="0"/>
-              <a:cs typeface="Arial" panose="020B0604020202020204" pitchFamily="34" charset="0"/>
+            </a:endParaRPr>
+          </a:p>
+          <a:p>
+            <a:pPr>
+              <a:buFont typeface="Arial" panose="020B0604020202020204" pitchFamily="34" charset="0"/>
+              <a:buChar char="•"/>
+            </a:pPr>
+            <a:r>
+              <a:rPr lang="en-US" sz="3200" b="0" dirty="0">
+                <a:effectLst/>
+                <a:latin typeface="GillSans" panose="020B0A02020104020203" pitchFamily="34" charset="77"/>
+              </a:rPr>
+              <a:t>Profiles the </a:t>
+            </a:r>
+            <a:r>
+              <a:rPr lang="en-US" sz="3200" b="0" dirty="0">
+                <a:solidFill>
+                  <a:srgbClr val="F47F21"/>
+                </a:solidFill>
+                <a:effectLst/>
+                <a:latin typeface="GillSans" panose="020B0A02020104020203" pitchFamily="34" charset="77"/>
+              </a:rPr>
+              <a:t>power </a:t>
+            </a:r>
+            <a:r>
+              <a:rPr lang="en-US" sz="3200" b="0" dirty="0">
+                <a:effectLst/>
+                <a:latin typeface="GillSans" panose="020B0A02020104020203" pitchFamily="34" charset="77"/>
+              </a:rPr>
+              <a:t>and </a:t>
+            </a:r>
+            <a:r>
+              <a:rPr lang="en-US" sz="3200" b="0" dirty="0">
+                <a:solidFill>
+                  <a:srgbClr val="F47F21"/>
+                </a:solidFill>
+                <a:effectLst/>
+                <a:latin typeface="GillSans" panose="020B0A02020104020203" pitchFamily="34" charset="77"/>
+              </a:rPr>
+              <a:t>throughput </a:t>
+            </a:r>
+            <a:r>
+              <a:rPr lang="en-US" sz="3200" b="0" dirty="0">
+                <a:effectLst/>
+                <a:latin typeface="GillSans" panose="020B0A02020104020203" pitchFamily="34" charset="77"/>
+              </a:rPr>
+              <a:t>of each power limit </a:t>
+            </a:r>
+            <a:r>
+              <a:rPr lang="en-US" altLang="zh-CN" sz="3200" b="0" dirty="0">
+                <a:effectLst/>
+                <a:latin typeface="GillSans" panose="020B0A02020104020203" pitchFamily="34" charset="77"/>
+              </a:rPr>
+              <a:t>(at</a:t>
+            </a:r>
+            <a:r>
+              <a:rPr lang="zh-CN" altLang="en-US" sz="3200" b="0" dirty="0">
+                <a:effectLst/>
+                <a:latin typeface="GillSans" panose="020B0A02020104020203" pitchFamily="34" charset="77"/>
+              </a:rPr>
+              <a:t> </a:t>
+            </a:r>
+            <a:r>
+              <a:rPr lang="en-US" altLang="zh-CN" sz="3200" b="0" dirty="0">
+                <a:effectLst/>
+                <a:latin typeface="GillSans" panose="020B0A02020104020203" pitchFamily="34" charset="77"/>
+              </a:rPr>
+              <a:t>the</a:t>
+            </a:r>
+            <a:r>
+              <a:rPr lang="zh-CN" altLang="en-US" sz="3200" b="0" dirty="0">
+                <a:effectLst/>
+                <a:latin typeface="GillSans" panose="020B0A02020104020203" pitchFamily="34" charset="77"/>
+              </a:rPr>
+              <a:t> </a:t>
+            </a:r>
+            <a:r>
+              <a:rPr lang="en-US" altLang="zh-CN" sz="3200" b="0" dirty="0">
+                <a:effectLst/>
+                <a:latin typeface="GillSans" panose="020B0A02020104020203" pitchFamily="34" charset="77"/>
+              </a:rPr>
+              <a:t>beginning</a:t>
+            </a:r>
+            <a:r>
+              <a:rPr lang="zh-CN" altLang="en-US" sz="3200" b="0" dirty="0">
+                <a:effectLst/>
+                <a:latin typeface="GillSans" panose="020B0A02020104020203" pitchFamily="34" charset="77"/>
+              </a:rPr>
+              <a:t> </a:t>
+            </a:r>
+            <a:r>
+              <a:rPr lang="en-US" altLang="zh-CN" sz="3200" b="0" dirty="0">
+                <a:effectLst/>
+                <a:latin typeface="GillSans" panose="020B0A02020104020203" pitchFamily="34" charset="77"/>
+              </a:rPr>
+              <a:t>of</a:t>
+            </a:r>
+            <a:r>
+              <a:rPr lang="zh-CN" altLang="en-US" sz="3200" b="0" dirty="0">
+                <a:effectLst/>
+                <a:latin typeface="GillSans" panose="020B0A02020104020203" pitchFamily="34" charset="77"/>
+              </a:rPr>
+              <a:t> </a:t>
+            </a:r>
+            <a:r>
+              <a:rPr lang="en-US" altLang="zh-CN" sz="3200" b="0" dirty="0">
+                <a:effectLst/>
+                <a:latin typeface="GillSans" panose="020B0A02020104020203" pitchFamily="34" charset="77"/>
+              </a:rPr>
+              <a:t>training)</a:t>
+            </a:r>
+            <a:endParaRPr lang="en-US" sz="3200" dirty="0">
+              <a:effectLst/>
+              <a:latin typeface="ArialMT"/>
+            </a:endParaRPr>
+          </a:p>
+          <a:p>
+            <a:pPr>
+              <a:buFont typeface="Arial" panose="020B0604020202020204" pitchFamily="34" charset="0"/>
+              <a:buChar char="•"/>
+            </a:pPr>
+            <a:r>
+              <a:rPr lang="en-US" sz="3200" b="0" dirty="0">
+                <a:solidFill>
+                  <a:srgbClr val="F47F21"/>
+                </a:solidFill>
+                <a:effectLst/>
+                <a:latin typeface="GillSans" panose="020B0A02020104020203" pitchFamily="34" charset="77"/>
+              </a:rPr>
+              <a:t>Five seconds </a:t>
+            </a:r>
+            <a:r>
+              <a:rPr lang="en-US" sz="3200" b="0" dirty="0">
+                <a:effectLst/>
+                <a:latin typeface="GillSans" panose="020B0A02020104020203" pitchFamily="34" charset="77"/>
+              </a:rPr>
+              <a:t>per power limit is enough </a:t>
+            </a:r>
+            <a:r>
+              <a:rPr lang="en-US" altLang="zh-CN" sz="3200" b="0" dirty="0">
+                <a:effectLst/>
+                <a:latin typeface="GillSans" panose="020B0A02020104020203" pitchFamily="34" charset="77"/>
+              </a:rPr>
+              <a:t>(each</a:t>
+            </a:r>
+            <a:r>
+              <a:rPr lang="zh-CN" altLang="en-US" sz="3200" b="0" dirty="0">
+                <a:effectLst/>
+                <a:latin typeface="GillSans" panose="020B0A02020104020203" pitchFamily="34" charset="77"/>
+              </a:rPr>
+              <a:t> </a:t>
+            </a:r>
+            <a:r>
+              <a:rPr lang="en-US" altLang="zh-CN" sz="3200" b="0" dirty="0">
+                <a:effectLst/>
+                <a:latin typeface="GillSans" panose="020B0A02020104020203" pitchFamily="34" charset="77"/>
+              </a:rPr>
+              <a:t>batch</a:t>
+            </a:r>
+            <a:r>
+              <a:rPr lang="zh-CN" altLang="en-US" sz="3200" b="0" dirty="0">
+                <a:effectLst/>
+                <a:latin typeface="GillSans" panose="020B0A02020104020203" pitchFamily="34" charset="77"/>
+              </a:rPr>
+              <a:t> </a:t>
+            </a:r>
+            <a:r>
+              <a:rPr lang="en-US" altLang="zh-CN" sz="3200" b="0" dirty="0">
+                <a:effectLst/>
+                <a:latin typeface="GillSans" panose="020B0A02020104020203" pitchFamily="34" charset="77"/>
+              </a:rPr>
+              <a:t>size</a:t>
+            </a:r>
+            <a:r>
+              <a:rPr lang="zh-CN" altLang="en-US" sz="3200" b="0" dirty="0">
+                <a:effectLst/>
+                <a:latin typeface="GillSans" panose="020B0A02020104020203" pitchFamily="34" charset="77"/>
+              </a:rPr>
+              <a:t> </a:t>
+            </a:r>
+            <a:r>
+              <a:rPr lang="en-US" altLang="zh-CN" sz="3200" b="0" dirty="0">
+                <a:effectLst/>
+                <a:latin typeface="GillSans" panose="020B0A02020104020203" pitchFamily="34" charset="77"/>
+              </a:rPr>
+              <a:t>do</a:t>
+            </a:r>
+            <a:r>
+              <a:rPr lang="zh-CN" altLang="en-US" sz="3200" b="0" dirty="0">
+                <a:effectLst/>
+                <a:latin typeface="GillSans" panose="020B0A02020104020203" pitchFamily="34" charset="77"/>
+              </a:rPr>
+              <a:t> </a:t>
+            </a:r>
+            <a:r>
+              <a:rPr lang="en-US" altLang="zh-CN" sz="3200" dirty="0">
+                <a:latin typeface="GillSans" panose="020B0A02020104020203" pitchFamily="34" charset="77"/>
+              </a:rPr>
+              <a:t>once</a:t>
+            </a:r>
+            <a:r>
+              <a:rPr lang="en-US" altLang="zh-CN" sz="3200" b="0" dirty="0">
+                <a:effectLst/>
+                <a:latin typeface="GillSans" panose="020B0A02020104020203" pitchFamily="34" charset="77"/>
+              </a:rPr>
+              <a:t>)</a:t>
+            </a:r>
+            <a:endParaRPr lang="en-US" sz="3200" dirty="0">
+              <a:effectLst/>
+              <a:latin typeface="ArialMT"/>
+            </a:endParaRPr>
+          </a:p>
+          <a:p>
+            <a:pPr marL="0" indent="0">
+              <a:buNone/>
+            </a:pPr>
+            <a:endParaRPr lang="en-US" sz="3200" dirty="0">
+              <a:effectLst/>
+              <a:latin typeface="GillSans" panose="020B0A02020104020203" pitchFamily="34" charset="77"/>
+            </a:endParaRPr>
+          </a:p>
+          <a:p>
+            <a:pPr marL="0" indent="0">
+              <a:buNone/>
+            </a:pPr>
+            <a:endParaRPr lang="en-US" sz="3200" dirty="0">
+              <a:latin typeface="GillSans" panose="020B0A02020104020203" pitchFamily="34" charset="77"/>
+            </a:endParaRPr>
+          </a:p>
+          <a:p>
+            <a:pPr marL="0" indent="0">
+              <a:buNone/>
+            </a:pPr>
+            <a:r>
+              <a:rPr lang="en-US" sz="3200" dirty="0">
+                <a:effectLst/>
+                <a:latin typeface="GillSans" panose="020B0A02020104020203" pitchFamily="34" charset="77"/>
+              </a:rPr>
+              <a:t>Low overhead </a:t>
+            </a:r>
+            <a:endParaRPr lang="en-US" sz="3200" dirty="0">
+              <a:effectLst/>
+              <a:latin typeface="ArialMT"/>
+            </a:endParaRPr>
+          </a:p>
+          <a:p>
+            <a:pPr marL="742950" lvl="1" indent="-285750">
+              <a:buFont typeface="Arial" panose="020B0604020202020204" pitchFamily="34" charset="0"/>
+              <a:buChar char="•"/>
+            </a:pPr>
+            <a:r>
+              <a:rPr lang="en-US" sz="3200" b="0" dirty="0">
+                <a:effectLst/>
+                <a:latin typeface="GillSans" panose="020B0A02020104020203" pitchFamily="34" charset="77"/>
+              </a:rPr>
+              <a:t>Profile </a:t>
+            </a:r>
+            <a:r>
+              <a:rPr lang="en-US" sz="3200" b="0" dirty="0">
+                <a:solidFill>
+                  <a:srgbClr val="F47F21"/>
+                </a:solidFill>
+                <a:effectLst/>
+                <a:latin typeface="GillSans" panose="020B0A02020104020203" pitchFamily="34" charset="77"/>
+              </a:rPr>
+              <a:t>only once </a:t>
+            </a:r>
+            <a:r>
+              <a:rPr lang="en-US" sz="3200" b="0" dirty="0">
+                <a:effectLst/>
+                <a:latin typeface="GillSans" panose="020B0A02020104020203" pitchFamily="34" charset="77"/>
+              </a:rPr>
+              <a:t>for each batch size </a:t>
+            </a:r>
+            <a:endParaRPr lang="en-US" sz="3200" dirty="0">
+              <a:effectLst/>
+              <a:latin typeface="ArialMT"/>
+            </a:endParaRPr>
+          </a:p>
+          <a:p>
+            <a:pPr marL="742950" lvl="1" indent="-285750">
+              <a:buFont typeface="Arial" panose="020B0604020202020204" pitchFamily="34" charset="0"/>
+              <a:buChar char="•"/>
+            </a:pPr>
+            <a:r>
+              <a:rPr lang="en-US" sz="3200" b="0" dirty="0">
+                <a:effectLst/>
+                <a:latin typeface="GillSans" panose="020B0A02020104020203" pitchFamily="34" charset="77"/>
+              </a:rPr>
+              <a:t>Profiling </a:t>
+            </a:r>
+            <a:r>
+              <a:rPr lang="en-US" sz="3200" b="0" dirty="0">
+                <a:solidFill>
+                  <a:srgbClr val="F47F21"/>
+                </a:solidFill>
+                <a:effectLst/>
+                <a:latin typeface="GillSans" panose="020B0A02020104020203" pitchFamily="34" charset="77"/>
+              </a:rPr>
+              <a:t>contributes </a:t>
+            </a:r>
+            <a:r>
+              <a:rPr lang="en-US" sz="3200" b="0" dirty="0">
+                <a:effectLst/>
+                <a:latin typeface="GillSans" panose="020B0A02020104020203" pitchFamily="34" charset="77"/>
+              </a:rPr>
+              <a:t>to the training process </a:t>
+            </a:r>
+            <a:endParaRPr lang="en-US" sz="3200" dirty="0">
+              <a:effectLst/>
+              <a:latin typeface="ArialMT"/>
             </a:endParaRPr>
           </a:p>
         </p:txBody>
@@ -7663,7 +7935,7 @@
     </p:spTree>
     <p:extLst>
       <p:ext uri="{BB962C8B-B14F-4D97-AF65-F5344CB8AC3E}">
-        <p14:creationId xmlns:p14="http://schemas.microsoft.com/office/powerpoint/2010/main" val="2956792008"/>
+        <p14:creationId xmlns:p14="http://schemas.microsoft.com/office/powerpoint/2010/main" val="724920771"/>
       </p:ext>
     </p:extLst>
   </p:cSld>
@@ -7738,13 +8010,67 @@
           </a:lstStyle>
           <a:p>
             <a:r>
+              <a:rPr lang="en-US" altLang="zh-CN" sz="3600" dirty="0">
+                <a:solidFill>
+                  <a:srgbClr val="FF5600"/>
+                </a:solidFill>
+                <a:latin typeface="GillSans" panose="020B0A02020104020203" pitchFamily="34" charset="77"/>
+              </a:rPr>
+              <a:t>3.</a:t>
+            </a:r>
+            <a:r>
               <a:rPr lang="en-US" sz="3600" dirty="0">
                 <a:solidFill>
                   <a:srgbClr val="FF5600"/>
                 </a:solidFill>
                 <a:latin typeface="GillSans" panose="020B0A02020104020203" pitchFamily="34" charset="77"/>
               </a:rPr>
-              <a:t>2. Power Limit Optimizer </a:t>
+              <a:t> </a:t>
+            </a:r>
+            <a:r>
+              <a:rPr lang="en-US" altLang="zh-CN" sz="3600" dirty="0">
+                <a:solidFill>
+                  <a:srgbClr val="FF5600"/>
+                </a:solidFill>
+                <a:latin typeface="GillSans" panose="020B0A02020104020203" pitchFamily="34" charset="77"/>
+              </a:rPr>
+              <a:t>Batch</a:t>
+            </a:r>
+            <a:r>
+              <a:rPr lang="zh-CN" altLang="en-US" sz="3600" dirty="0">
+                <a:solidFill>
+                  <a:srgbClr val="FF5600"/>
+                </a:solidFill>
+                <a:latin typeface="GillSans" panose="020B0A02020104020203" pitchFamily="34" charset="77"/>
+              </a:rPr>
+              <a:t> </a:t>
+            </a:r>
+            <a:r>
+              <a:rPr lang="en-US" altLang="zh-CN" sz="3600" dirty="0">
+                <a:solidFill>
+                  <a:srgbClr val="FF5600"/>
+                </a:solidFill>
+                <a:latin typeface="GillSans" panose="020B0A02020104020203" pitchFamily="34" charset="77"/>
+              </a:rPr>
+              <a:t>Size</a:t>
+            </a:r>
+            <a:r>
+              <a:rPr lang="zh-CN" altLang="en-US" sz="3600" dirty="0">
+                <a:solidFill>
+                  <a:srgbClr val="FF5600"/>
+                </a:solidFill>
+                <a:latin typeface="GillSans" panose="020B0A02020104020203" pitchFamily="34" charset="77"/>
+              </a:rPr>
+              <a:t> </a:t>
+            </a:r>
+            <a:r>
+              <a:rPr lang="en-US" sz="3600" dirty="0">
+                <a:solidFill>
+                  <a:srgbClr val="FF5600"/>
+                </a:solidFill>
+                <a:latin typeface="GillSans" panose="020B0A02020104020203" pitchFamily="34" charset="77"/>
+              </a:rPr>
+              <a:t>Optimizer </a:t>
             </a:r>
           </a:p>
         </p:txBody>
@@ -7765,10 +8091,15 @@
             <p:ph idx="1"/>
           </p:nvPr>
         </p:nvSpPr>
-        <p:spPr/>
+        <p:spPr>
+          <a:xfrm>
+            <a:off x="770467" y="1774824"/>
+            <a:ext cx="10515600" cy="4351338"/>
+          </a:xfrm>
+        </p:spPr>
         <p:txBody>
           <a:bodyPr>
-            <a:normAutofit fontScale="92500" lnSpcReduction="10000"/>
+            <a:noAutofit/>
           </a:bodyPr>
           <a:lstStyle/>
           <a:p>
@@ -7776,231 +8107,147 @@
               <a:buNone/>
             </a:pPr>
             <a:r>
-              <a:rPr lang="en-US" sz="3200" dirty="0">
-                <a:effectLst/>
-                <a:latin typeface="GillSans" panose="020B0A02020104020203" pitchFamily="34" charset="77"/>
-              </a:rPr>
-              <a:t>Just-in-time online profiler </a:t>
+              <a:rPr lang="en-US" altLang="zh-CN" dirty="0">
+                <a:latin typeface="GillSans" panose="020B0A02020104020203" pitchFamily="34" charset="77"/>
+              </a:rPr>
+              <a:t>A</a:t>
+            </a:r>
+            <a:r>
+              <a:rPr lang="en-US" dirty="0">
+                <a:effectLst/>
+                <a:latin typeface="GillSans" panose="020B0A02020104020203" pitchFamily="34" charset="77"/>
+              </a:rPr>
+              <a:t> good solution must </a:t>
             </a:r>
             <a:endParaRPr lang="en-US" dirty="0">
               <a:effectLst/>
             </a:endParaRPr>
           </a:p>
           <a:p>
-            <a:pPr>
-              <a:buFont typeface="Arial" panose="020B0604020202020204" pitchFamily="34" charset="0"/>
-              <a:buChar char="•"/>
-            </a:pPr>
-            <a:r>
-              <a:rPr lang="en-US" sz="3200" b="0" dirty="0">
-                <a:effectLst/>
-                <a:latin typeface="GillSans" panose="020B0A02020104020203" pitchFamily="34" charset="77"/>
-              </a:rPr>
-              <a:t>Profiles the </a:t>
-            </a:r>
-            <a:r>
-              <a:rPr lang="en-US" sz="3200" b="0" dirty="0">
-                <a:solidFill>
-                  <a:srgbClr val="F47F21"/>
-                </a:solidFill>
-                <a:effectLst/>
-                <a:latin typeface="GillSans" panose="020B0A02020104020203" pitchFamily="34" charset="77"/>
-              </a:rPr>
-              <a:t>power </a:t>
-            </a:r>
-            <a:r>
-              <a:rPr lang="en-US" sz="3200" b="0" dirty="0">
-                <a:effectLst/>
-                <a:latin typeface="GillSans" panose="020B0A02020104020203" pitchFamily="34" charset="77"/>
-              </a:rPr>
-              <a:t>and </a:t>
-            </a:r>
-            <a:r>
-              <a:rPr lang="en-US" sz="3200" b="0" dirty="0">
-                <a:solidFill>
-                  <a:srgbClr val="F47F21"/>
-                </a:solidFill>
-                <a:effectLst/>
-                <a:latin typeface="GillSans" panose="020B0A02020104020203" pitchFamily="34" charset="77"/>
-              </a:rPr>
-              <a:t>throughput </a:t>
-            </a:r>
-            <a:r>
-              <a:rPr lang="en-US" sz="3200" b="0" dirty="0">
-                <a:effectLst/>
-                <a:latin typeface="GillSans" panose="020B0A02020104020203" pitchFamily="34" charset="77"/>
-              </a:rPr>
-              <a:t>of each power limit </a:t>
-            </a:r>
-            <a:r>
-              <a:rPr lang="en-US" altLang="zh-CN" sz="3200" b="0" dirty="0">
-                <a:effectLst/>
-                <a:latin typeface="GillSans" panose="020B0A02020104020203" pitchFamily="34" charset="77"/>
-              </a:rPr>
-              <a:t>(at</a:t>
-            </a:r>
-            <a:r>
-              <a:rPr lang="zh-CN" altLang="en-US" sz="3200" b="0" dirty="0">
-                <a:effectLst/>
-                <a:latin typeface="GillSans" panose="020B0A02020104020203" pitchFamily="34" charset="77"/>
-              </a:rPr>
-              <a:t> </a:t>
-            </a:r>
-            <a:r>
-              <a:rPr lang="en-US" altLang="zh-CN" sz="3200" b="0" dirty="0">
-                <a:effectLst/>
-                <a:latin typeface="GillSans" panose="020B0A02020104020203" pitchFamily="34" charset="77"/>
-              </a:rPr>
-              <a:t>the</a:t>
-            </a:r>
-            <a:r>
-              <a:rPr lang="zh-CN" altLang="en-US" sz="3200" b="0" dirty="0">
-                <a:effectLst/>
-                <a:latin typeface="GillSans" panose="020B0A02020104020203" pitchFamily="34" charset="77"/>
-              </a:rPr>
-              <a:t> </a:t>
-            </a:r>
-            <a:r>
-              <a:rPr lang="en-US" altLang="zh-CN" sz="3200" b="0" dirty="0">
-                <a:effectLst/>
-                <a:latin typeface="GillSans" panose="020B0A02020104020203" pitchFamily="34" charset="77"/>
-              </a:rPr>
-              <a:t>beginning</a:t>
-            </a:r>
-            <a:r>
-              <a:rPr lang="zh-CN" altLang="en-US" sz="3200" b="0" dirty="0">
-                <a:effectLst/>
-                <a:latin typeface="GillSans" panose="020B0A02020104020203" pitchFamily="34" charset="77"/>
-              </a:rPr>
-              <a:t> </a:t>
-            </a:r>
-            <a:r>
-              <a:rPr lang="en-US" altLang="zh-CN" sz="3200" b="0" dirty="0">
-                <a:effectLst/>
-                <a:latin typeface="GillSans" panose="020B0A02020104020203" pitchFamily="34" charset="77"/>
-              </a:rPr>
-              <a:t>of</a:t>
-            </a:r>
-            <a:r>
-              <a:rPr lang="zh-CN" altLang="en-US" sz="3200" b="0" dirty="0">
-                <a:effectLst/>
-                <a:latin typeface="GillSans" panose="020B0A02020104020203" pitchFamily="34" charset="77"/>
-              </a:rPr>
-              <a:t> </a:t>
-            </a:r>
-            <a:r>
-              <a:rPr lang="en-US" altLang="zh-CN" sz="3200" b="0" dirty="0">
-                <a:effectLst/>
-                <a:latin typeface="GillSans" panose="020B0A02020104020203" pitchFamily="34" charset="77"/>
-              </a:rPr>
-              <a:t>training)</a:t>
-            </a:r>
-            <a:endParaRPr lang="en-US" sz="3200" dirty="0">
-              <a:effectLst/>
-              <a:latin typeface="ArialMT"/>
-            </a:endParaRPr>
-          </a:p>
-          <a:p>
-            <a:pPr>
-              <a:buFont typeface="Arial" panose="020B0604020202020204" pitchFamily="34" charset="0"/>
-              <a:buChar char="•"/>
-            </a:pPr>
-            <a:r>
-              <a:rPr lang="en-US" sz="3200" b="0" dirty="0">
-                <a:solidFill>
-                  <a:srgbClr val="F47F21"/>
-                </a:solidFill>
-                <a:effectLst/>
-                <a:latin typeface="GillSans" panose="020B0A02020104020203" pitchFamily="34" charset="77"/>
-              </a:rPr>
-              <a:t>Five seconds </a:t>
-            </a:r>
-            <a:r>
-              <a:rPr lang="en-US" sz="3200" b="0" dirty="0">
-                <a:effectLst/>
-                <a:latin typeface="GillSans" panose="020B0A02020104020203" pitchFamily="34" charset="77"/>
-              </a:rPr>
-              <a:t>per power limit is enough </a:t>
-            </a:r>
-            <a:r>
-              <a:rPr lang="en-US" altLang="zh-CN" sz="3200" b="0" dirty="0">
-                <a:effectLst/>
-                <a:latin typeface="GillSans" panose="020B0A02020104020203" pitchFamily="34" charset="77"/>
-              </a:rPr>
-              <a:t>(each</a:t>
-            </a:r>
-            <a:r>
-              <a:rPr lang="zh-CN" altLang="en-US" sz="3200" b="0" dirty="0">
-                <a:effectLst/>
-                <a:latin typeface="GillSans" panose="020B0A02020104020203" pitchFamily="34" charset="77"/>
-              </a:rPr>
-              <a:t> </a:t>
-            </a:r>
-            <a:r>
-              <a:rPr lang="en-US" altLang="zh-CN" sz="3200" b="0" dirty="0">
-                <a:effectLst/>
-                <a:latin typeface="GillSans" panose="020B0A02020104020203" pitchFamily="34" charset="77"/>
-              </a:rPr>
-              <a:t>batch</a:t>
-            </a:r>
-            <a:r>
-              <a:rPr lang="zh-CN" altLang="en-US" sz="3200" b="0" dirty="0">
-                <a:effectLst/>
-                <a:latin typeface="GillSans" panose="020B0A02020104020203" pitchFamily="34" charset="77"/>
-              </a:rPr>
-              <a:t> </a:t>
-            </a:r>
-            <a:r>
-              <a:rPr lang="en-US" altLang="zh-CN" sz="3200" b="0" dirty="0">
-                <a:effectLst/>
-                <a:latin typeface="GillSans" panose="020B0A02020104020203" pitchFamily="34" charset="77"/>
-              </a:rPr>
-              <a:t>size</a:t>
-            </a:r>
-            <a:r>
-              <a:rPr lang="zh-CN" altLang="en-US" sz="3200" b="0" dirty="0">
-                <a:effectLst/>
-                <a:latin typeface="GillSans" panose="020B0A02020104020203" pitchFamily="34" charset="77"/>
-              </a:rPr>
-              <a:t> </a:t>
-            </a:r>
-            <a:r>
-              <a:rPr lang="en-US" altLang="zh-CN" sz="3200" b="0" dirty="0">
-                <a:effectLst/>
-                <a:latin typeface="GillSans" panose="020B0A02020104020203" pitchFamily="34" charset="77"/>
-              </a:rPr>
-              <a:t>do</a:t>
-            </a:r>
-            <a:r>
-              <a:rPr lang="zh-CN" altLang="en-US" sz="3200" b="0" dirty="0">
-                <a:effectLst/>
-                <a:latin typeface="GillSans" panose="020B0A02020104020203" pitchFamily="34" charset="77"/>
-              </a:rPr>
-              <a:t> </a:t>
-            </a:r>
-            <a:r>
-              <a:rPr lang="en-US" altLang="zh-CN" sz="3200" dirty="0">
-                <a:latin typeface="GillSans" panose="020B0A02020104020203" pitchFamily="34" charset="77"/>
-              </a:rPr>
-              <a:t>once</a:t>
-            </a:r>
-            <a:r>
-              <a:rPr lang="en-US" altLang="zh-CN" sz="3200" b="0" dirty="0">
-                <a:effectLst/>
-                <a:latin typeface="GillSans" panose="020B0A02020104020203" pitchFamily="34" charset="77"/>
-              </a:rPr>
-              <a:t>)</a:t>
-            </a:r>
-            <a:endParaRPr lang="en-US" sz="3200" dirty="0">
-              <a:effectLst/>
-              <a:latin typeface="ArialMT"/>
-            </a:endParaRPr>
-          </a:p>
-          <a:p>
             <a:pPr marL="0" indent="0">
               <a:buNone/>
             </a:pPr>
-            <a:endParaRPr lang="en-US" sz="3200" dirty="0">
+            <a:r>
+              <a:rPr lang="en-US" b="0" dirty="0">
+                <a:effectLst/>
+                <a:latin typeface="GillSans" panose="020B0A02020104020203" pitchFamily="34" charset="77"/>
+              </a:rPr>
+              <a:t>1. Incorporate</a:t>
+            </a:r>
+            <a:r>
+              <a:rPr lang="zh-CN" altLang="en-US" b="0" dirty="0">
+                <a:effectLst/>
+                <a:latin typeface="GillSans" panose="020B0A02020104020203" pitchFamily="34" charset="77"/>
+              </a:rPr>
+              <a:t> </a:t>
+            </a:r>
+            <a:r>
+              <a:rPr lang="en-US" b="0" dirty="0">
+                <a:effectLst/>
+                <a:latin typeface="GillSans" panose="020B0A02020104020203" pitchFamily="34" charset="77"/>
+              </a:rPr>
+              <a:t>the</a:t>
+            </a:r>
+            <a:r>
+              <a:rPr lang="zh-CN" altLang="en-US" b="0" dirty="0">
+                <a:effectLst/>
+                <a:latin typeface="GillSans" panose="020B0A02020104020203" pitchFamily="34" charset="77"/>
+              </a:rPr>
+              <a:t> </a:t>
+            </a:r>
+            <a:r>
+              <a:rPr lang="en-US" b="0" dirty="0">
+                <a:solidFill>
+                  <a:srgbClr val="F47F23"/>
+                </a:solidFill>
+                <a:effectLst/>
+                <a:latin typeface="GillSans" panose="020B0A02020104020203" pitchFamily="34" charset="77"/>
+              </a:rPr>
+              <a:t>stochasticity</a:t>
+            </a:r>
+            <a:r>
+              <a:rPr lang="zh-CN" altLang="en-US" b="0" dirty="0">
+                <a:solidFill>
+                  <a:srgbClr val="F47F23"/>
+                </a:solidFill>
+                <a:effectLst/>
+                <a:latin typeface="GillSans" panose="020B0A02020104020203" pitchFamily="34" charset="77"/>
+              </a:rPr>
+              <a:t> </a:t>
+            </a:r>
+            <a:r>
+              <a:rPr lang="en-US" b="0" dirty="0">
+                <a:effectLst/>
+                <a:latin typeface="GillSans" panose="020B0A02020104020203" pitchFamily="34" charset="77"/>
+              </a:rPr>
+              <a:t>of</a:t>
+            </a:r>
+            <a:r>
+              <a:rPr lang="zh-CN" altLang="en-US" b="0" dirty="0">
+                <a:effectLst/>
+                <a:latin typeface="GillSans" panose="020B0A02020104020203" pitchFamily="34" charset="77"/>
+              </a:rPr>
+              <a:t> </a:t>
+            </a:r>
+            <a:r>
+              <a:rPr lang="en-US" b="0" dirty="0">
+                <a:effectLst/>
+                <a:latin typeface="GillSans" panose="020B0A02020104020203" pitchFamily="34" charset="77"/>
+              </a:rPr>
+              <a:t>DNN</a:t>
+            </a:r>
+            <a:r>
+              <a:rPr lang="zh-CN" altLang="en-US" b="0" dirty="0">
+                <a:effectLst/>
+                <a:latin typeface="GillSans" panose="020B0A02020104020203" pitchFamily="34" charset="77"/>
+              </a:rPr>
+              <a:t> </a:t>
+            </a:r>
+            <a:r>
+              <a:rPr lang="en-US" b="0" dirty="0">
+                <a:effectLst/>
+                <a:latin typeface="GillSans" panose="020B0A02020104020203" pitchFamily="34" charset="77"/>
+              </a:rPr>
+              <a:t>training</a:t>
+            </a:r>
+          </a:p>
+          <a:p>
+            <a:pPr marL="0" indent="0">
+              <a:buNone/>
+            </a:pPr>
+            <a:r>
+              <a:rPr lang="en-US" b="0" dirty="0">
+                <a:effectLst/>
+                <a:latin typeface="GillSans" panose="020B0A02020104020203" pitchFamily="34" charset="77"/>
+              </a:rPr>
+              <a:t>2. intelligently </a:t>
+            </a:r>
+            <a:r>
+              <a:rPr lang="en-US" b="0" dirty="0">
+                <a:solidFill>
+                  <a:srgbClr val="F47F23"/>
+                </a:solidFill>
+                <a:effectLst/>
+                <a:latin typeface="GillSans" panose="020B0A02020104020203" pitchFamily="34" charset="77"/>
+              </a:rPr>
+              <a:t>trade-off </a:t>
+            </a:r>
+            <a:r>
+              <a:rPr lang="en-US" b="0" dirty="0">
+                <a:effectLst/>
+                <a:latin typeface="GillSans" panose="020B0A02020104020203" pitchFamily="34" charset="77"/>
+              </a:rPr>
+              <a:t>exploration and exploitation </a:t>
+            </a:r>
+            <a:endParaRPr lang="en-US" dirty="0">
+              <a:effectLst/>
+            </a:endParaRPr>
+          </a:p>
+          <a:p>
+            <a:pPr marL="0" indent="0">
+              <a:buNone/>
+            </a:pPr>
+            <a:endParaRPr lang="en-US" dirty="0">
               <a:effectLst/>
               <a:latin typeface="GillSans" panose="020B0A02020104020203" pitchFamily="34" charset="77"/>
             </a:endParaRPr>
@@ -8009,7 +8256,8 @@
             <a:pPr marL="0" indent="0">
               <a:buNone/>
             </a:pPr>
-            <a:endParaRPr lang="en-US" sz="3200" dirty="0">
+            <a:endParaRPr lang="en-US" dirty="0">
+              <a:effectLst/>
               <a:latin typeface="GillSans" panose="020B0A02020104020203" pitchFamily="34" charset="77"/>
             </a:endParaRPr>
           </a:p>
@@ -8018,91 +8266,138 @@
               <a:buNone/>
             </a:pPr>
             <a:r>
-              <a:rPr lang="en-US" sz="3200" dirty="0">
-                <a:effectLst/>
-                <a:latin typeface="GillSans" panose="020B0A02020104020203" pitchFamily="34" charset="77"/>
-              </a:rPr>
-              <a:t>Low overhead </a:t>
-            </a:r>
-            <a:endParaRPr lang="en-US" sz="3200" dirty="0">
+              <a:rPr lang="en-US" dirty="0">
+                <a:effectLst/>
+                <a:latin typeface="GillSans" panose="020B0A02020104020203" pitchFamily="34" charset="77"/>
+              </a:rPr>
+              <a:t>Multi-Armed Bandit </a:t>
+            </a:r>
+            <a:endParaRPr lang="en-US" dirty="0">
               <a:effectLst/>
-              <a:latin typeface="ArialMT"/>
             </a:endParaRPr>
           </a:p>
           <a:p>
-            <a:pPr marL="742950" lvl="1" indent="-285750">
-              <a:buFont typeface="Arial" panose="020B0604020202020204" pitchFamily="34" charset="0"/>
-              <a:buChar char="•"/>
+            <a:pPr marL="0" indent="0">
+              <a:buNone/>
             </a:pPr>
             <a:r>
-              <a:rPr lang="en-US" sz="3200" b="0" dirty="0">
-                <a:effectLst/>
-                <a:latin typeface="GillSans" panose="020B0A02020104020203" pitchFamily="34" charset="77"/>
-              </a:rPr>
-              <a:t>Profile </a:t>
-            </a:r>
-            <a:r>
-              <a:rPr lang="en-US" sz="3200" b="0" dirty="0">
+              <a:rPr lang="en-US" dirty="0">
+                <a:effectLst/>
+                <a:latin typeface="CambriaMath"/>
+              </a:rPr>
+              <a:t>Cost=</a:t>
+            </a:r>
+            <a:r>
+              <a:rPr lang="en-US" dirty="0">
+                <a:solidFill>
+                  <a:srgbClr val="F47F23"/>
+                </a:solidFill>
+                <a:effectLst/>
+                <a:latin typeface="CambriaMath"/>
+              </a:rPr>
+              <a:t>𝜂</a:t>
+            </a:r>
+            <a:r>
+              <a:rPr lang="en-US" dirty="0">
+                <a:effectLst/>
+                <a:latin typeface="CambriaMath"/>
+              </a:rPr>
+              <a:t>⋅ETA+ </a:t>
+            </a:r>
+            <a:r>
+              <a:rPr lang="en-US" altLang="zh-CN" dirty="0">
+                <a:effectLst/>
+                <a:latin typeface="CambriaMath"/>
+              </a:rPr>
+              <a:t>(</a:t>
+            </a:r>
+            <a:r>
+              <a:rPr lang="en-US" dirty="0">
+                <a:effectLst/>
+                <a:latin typeface="CambriaMath"/>
+              </a:rPr>
+              <a:t>1−</a:t>
+            </a:r>
+            <a:r>
+              <a:rPr lang="en-US" dirty="0">
+                <a:solidFill>
+                  <a:srgbClr val="F47F23"/>
+                </a:solidFill>
+                <a:effectLst/>
+                <a:latin typeface="CambriaMath"/>
+              </a:rPr>
+              <a:t>𝜂 </a:t>
+            </a:r>
+            <a:r>
+              <a:rPr lang="en-US" altLang="zh-CN" dirty="0">
+                <a:solidFill>
+                  <a:srgbClr val="F47F23"/>
+                </a:solidFill>
+                <a:effectLst/>
+                <a:latin typeface="CambriaMath"/>
+              </a:rPr>
+              <a:t>)</a:t>
+            </a:r>
+            <a:r>
+              <a:rPr lang="en-US" dirty="0">
+                <a:effectLst/>
+                <a:latin typeface="CambriaMath"/>
+              </a:rPr>
+              <a:t>⋅MaxPower⋅TTA </a:t>
+            </a:r>
+            <a:endParaRPr lang="en-US" dirty="0">
+              <a:effectLst/>
+            </a:endParaRPr>
+          </a:p>
+          <a:p>
+            <a:pPr>
+              <a:buFont typeface="+mj-lt"/>
+              <a:buAutoNum type="arabicPeriod"/>
+            </a:pPr>
+            <a:r>
+              <a:rPr lang="en-US" b="0" dirty="0">
+                <a:effectLst/>
+                <a:latin typeface="GillSans" panose="020B0A02020104020203" pitchFamily="34" charset="77"/>
+              </a:rPr>
+              <a:t>Models </a:t>
+            </a:r>
+            <a:r>
+              <a:rPr lang="en-US" b="0" dirty="0">
                 <a:solidFill>
                   <a:srgbClr val="F47F21"/>
                 </a:solidFill>
                 <a:effectLst/>
                 <a:latin typeface="GillSans" panose="020B0A02020104020203" pitchFamily="34" charset="77"/>
               </a:rPr>
-              <a:t>only once </a:t>
-            </a:r>
-            <a:r>
-              <a:rPr lang="en-US" sz="3200" b="0" dirty="0">
-                <a:effectLst/>
-                <a:latin typeface="GillSans" panose="020B0A02020104020203" pitchFamily="34" charset="77"/>
-              </a:rPr>
-              <a:t>for each batch size </a:t>
-            </a:r>
-            <a:endParaRPr lang="en-US" sz="3200" dirty="0">
-              <a:effectLst/>
-              <a:latin typeface="ArialMT"/>
-            </a:endParaRPr>
-          </a:p>
-          <a:p>
-            <a:pPr marL="742950" lvl="1" indent="-285750">
-              <a:buFont typeface="Arial" panose="020B0604020202020204" pitchFamily="34" charset="0"/>
-              <a:buChar char="•"/>
+              <a:t>cost </a:t>
+            </a:r>
+            <a:r>
+              <a:rPr lang="en-US" b="0" dirty="0">
+                <a:effectLst/>
+                <a:latin typeface="GillSans" panose="020B0A02020104020203" pitchFamily="34" charset="77"/>
+              </a:rPr>
+              <a:t>as a Gaussian random variable </a:t>
+            </a:r>
+          </a:p>
+          <a:p>
+            <a:pPr>
+              <a:buFont typeface="+mj-lt"/>
+              <a:buAutoNum type="arabicPeriod"/>
             </a:pPr>
             <a:r>
-              <a:rPr lang="en-US" sz="3200" b="0" dirty="0">
-                <a:effectLst/>
-                <a:latin typeface="GillSans" panose="020B0A02020104020203" pitchFamily="34" charset="77"/>
-              </a:rPr>
-              <a:t>Profiling </a:t>
-            </a:r>
-            <a:r>
-              <a:rPr lang="en-US" sz="3200" b="0" dirty="0">
-                <a:solidFill>
-                  <a:srgbClr val="F47F21"/>
-                </a:solidFill>
-                <a:effectLst/>
-                <a:latin typeface="GillSans" panose="020B0A02020104020203" pitchFamily="34" charset="77"/>
-              </a:rPr>
-              <a:t>contributes </a:t>
-            </a:r>
-            <a:r>
-              <a:rPr lang="en-US" sz="3200" b="0" dirty="0">
-                <a:effectLst/>
-                <a:latin typeface="GillSans" panose="020B0A02020104020203" pitchFamily="34" charset="77"/>
-              </a:rPr>
-              <a:t>to the training process </a:t>
-            </a:r>
-            <a:endParaRPr lang="en-US" sz="3200" dirty="0">
-              <a:effectLst/>
-              <a:latin typeface="ArialMT"/>
-            </a:endParaRPr>
+              <a:rPr lang="en-US" b="0" dirty="0">
+                <a:effectLst/>
+                <a:latin typeface="GillSans" panose="020B0A02020104020203" pitchFamily="34" charset="77"/>
+              </a:rPr>
+              <a:t>Automatically controls exploration and exploitation </a:t>
+            </a:r>
           </a:p>
         </p:txBody>
       </p:sp>
     </p:spTree>
     <p:extLst>
       <p:ext uri="{BB962C8B-B14F-4D97-AF65-F5344CB8AC3E}">
-        <p14:creationId xmlns:p14="http://schemas.microsoft.com/office/powerpoint/2010/main" val="724920771"/>
+        <p14:creationId xmlns:p14="http://schemas.microsoft.com/office/powerpoint/2010/main" val="5651927"/>
       </p:ext>
     </p:extLst>
   </p:cSld>
@@ -8131,126 +8426,30 @@
       </p:grpSpPr>
       <p:sp>
         <p:nvSpPr>
-          <p:cNvPr id="4" name="Title 1">
-            <a:extLst>
-              <a:ext uri="{FF2B5EF4-FFF2-40B4-BE49-F238E27FC236}">
-                <a16:creationId xmlns:a16="http://schemas.microsoft.com/office/drawing/2014/main" id="{F9CFC499-3B08-78D3-F70A-9932DAEA4FAB}"/>
-              </a:ext>
-            </a:extLst>
-          </p:cNvPr>
-          <p:cNvSpPr txBox="1">
-            <a:spLocks/>
-          </p:cNvSpPr>
-          <p:nvPr/>
-        </p:nvSpPr>
-        <p:spPr>
-          <a:xfrm>
-            <a:off x="982133" y="237595"/>
-            <a:ext cx="10515600" cy="1325563"/>
-          </a:xfrm>
-          <a:prstGeom prst="rect">
-            <a:avLst/>
-          </a:prstGeom>
-        </p:spPr>
-        <p:txBody>
-          <a:bodyPr vert="horz" lIns="91440" tIns="45720" rIns="91440" bIns="45720" rtlCol="0" anchor="ctr">
-            <a:normAutofit/>
-          </a:bodyPr>
-          <a:lstStyle>
-            <a:lvl1pPr algn="l" defTabSz="914400" rtl="0" eaLnBrk="1" latinLnBrk="0" hangingPunct="1">
-              <a:lnSpc>
-                <a:spcPct val="90000"/>
-              </a:lnSpc>
-              <a:spcBef>
-                <a:spcPct val="0"/>
-              </a:spcBef>
-              <a:buNone/>
-              <a:defRPr sz="4400" kern="1200">
-                <a:solidFill>
-                  <a:schemeClr val="tx1"/>
-                </a:solidFill>
-                <a:latin typeface="+mj-lt"/>
-                <a:ea typeface="+mj-ea"/>
-                <a:cs typeface="+mj-cs"/>
-              </a:defRPr>
-            </a:lvl1pPr>
-          </a:lstStyle>
-          <a:p>
-            <a:r>
-              <a:rPr lang="en-US" altLang="zh-CN" sz="3600" dirty="0">
-                <a:solidFill>
-                  <a:srgbClr val="FF5600"/>
-                </a:solidFill>
-                <a:latin typeface="GillSans" panose="020B0A02020104020203" pitchFamily="34" charset="77"/>
-              </a:rPr>
-              <a:t>3.</a:t>
-            </a:r>
-            <a:r>
-              <a:rPr lang="en-US" sz="3600" dirty="0">
-                <a:solidFill>
-                  <a:srgbClr val="FF5600"/>
-                </a:solidFill>
-                <a:latin typeface="GillSans" panose="020B0A02020104020203" pitchFamily="34" charset="77"/>
-              </a:rPr>
-              <a:t> </a:t>
-            </a:r>
-            <a:r>
-              <a:rPr lang="en-US" altLang="zh-CN" sz="3600" dirty="0">
-                <a:solidFill>
-                  <a:srgbClr val="FF5600"/>
-                </a:solidFill>
-                <a:latin typeface="GillSans" panose="020B0A02020104020203" pitchFamily="34" charset="77"/>
-              </a:rPr>
-              <a:t>Batch</a:t>
-            </a:r>
-            <a:r>
-              <a:rPr lang="zh-CN" altLang="en-US" sz="3600" dirty="0">
-                <a:solidFill>
-                  <a:srgbClr val="FF5600"/>
-                </a:solidFill>
-                <a:latin typeface="GillSans" panose="020B0A02020104020203" pitchFamily="34" charset="77"/>
-              </a:rPr>
-              <a:t> </a:t>
-            </a:r>
-            <a:r>
-              <a:rPr lang="en-US" altLang="zh-CN" sz="3600" dirty="0">
-                <a:solidFill>
-                  <a:srgbClr val="FF5600"/>
-                </a:solidFill>
-                <a:latin typeface="GillSans" panose="020B0A02020104020203" pitchFamily="34" charset="77"/>
-              </a:rPr>
-              <a:t>Size</a:t>
-            </a:r>
-            <a:r>
-              <a:rPr lang="zh-CN" altLang="en-US" sz="3600" dirty="0">
-                <a:solidFill>
-                  <a:srgbClr val="FF5600"/>
-                </a:solidFill>
-                <a:latin typeface="GillSans" panose="020B0A02020104020203" pitchFamily="34" charset="77"/>
-              </a:rPr>
-              <a:t> </a:t>
-            </a:r>
-            <a:r>
-              <a:rPr lang="en-US" sz="3600" dirty="0">
-                <a:solidFill>
-                  <a:srgbClr val="FF5600"/>
-                </a:solidFill>
-                <a:latin typeface="GillSans" panose="020B0A02020104020203" pitchFamily="34" charset="77"/>
-              </a:rPr>
-              <a:t>Optimizer </a:t>
-            </a:r>
-          </a:p>
-        </p:txBody>
-      </p:sp>
-      <p:sp>
-        <p:nvSpPr>
-          <p:cNvPr id="3" name="Content Placeholder 2">
-            <a:extLst>
-              <a:ext uri="{FF2B5EF4-FFF2-40B4-BE49-F238E27FC236}">
-                <a16:creationId xmlns:a16="http://schemas.microsoft.com/office/drawing/2014/main" id="{CC9A468B-DC25-005B-8262-0634F9F73E47}"/>
-              </a:ext>
-            </a:extLst>
-          </p:cNvPr>
+          <p:cNvPr id="2" name="Title 1"/>
+          <p:cNvSpPr>
+            <a:spLocks noGrp="1"/>
+          </p:cNvSpPr>
+          <p:nvPr>
+            <p:ph type="title"/>
+          </p:nvPr>
+        </p:nvSpPr>
+        <p:spPr/>
+        <p:txBody>
+          <a:bodyPr/>
+          <a:lstStyle/>
+          <a:p>
+            <a:r>
+              <a:rPr lang="en-US" dirty="0"/>
+              <a:t>Outline</a:t>
+            </a:r>
+            <a:endParaRPr lang="el-GR" dirty="0"/>
+          </a:p>
+        </p:txBody>
+      </p:sp>
+      <p:sp>
+        <p:nvSpPr>
+          <p:cNvPr id="3" name="Content Placeholder 2"/>
           <p:cNvSpPr>
             <a:spLocks noGrp="1"/>
           </p:cNvSpPr>
@@ -8258,313 +8457,113 @@
             <p:ph idx="1"/>
           </p:nvPr>
         </p:nvSpPr>
-        <p:spPr>
-          <a:xfrm>
-            <a:off x="770467" y="1774824"/>
-            <a:ext cx="10515600" cy="4351338"/>
-          </a:xfrm>
-        </p:spPr>
-        <p:txBody>
-          <a:bodyPr>
-            <a:noAutofit/>
-          </a:bodyPr>
+        <p:spPr/>
+        <p:txBody>
+          <a:bodyPr/>
           <a:lstStyle/>
           <a:p>
-            <a:pPr marL="0" indent="0">
-              <a:buNone/>
-            </a:pPr>
+            <a:r>
+              <a:rPr lang="en-US" dirty="0">
+                <a:solidFill>
+                  <a:schemeClr val="bg2">
+                    <a:lumMod val="90000"/>
+                  </a:schemeClr>
+                </a:solidFill>
+              </a:rPr>
+              <a:t>Background</a:t>
+            </a:r>
+          </a:p>
+          <a:p>
+            <a:r>
+              <a:rPr lang="en-US" dirty="0">
+                <a:solidFill>
+                  <a:schemeClr val="bg2">
+                    <a:lumMod val="90000"/>
+                  </a:schemeClr>
+                </a:solidFill>
+              </a:rPr>
+              <a:t>Motivation</a:t>
+            </a:r>
+          </a:p>
+          <a:p>
             <a:r>
               <a:rPr lang="en-US" altLang="zh-CN" dirty="0">
-                <a:latin typeface="GillSans" panose="020B0A02020104020203" pitchFamily="34" charset="77"/>
-              </a:rPr>
-              <a:t>A</a:t>
-            </a:r>
+                <a:solidFill>
+                  <a:schemeClr val="bg2">
+                    <a:lumMod val="90000"/>
+                  </a:schemeClr>
+                </a:solidFill>
+              </a:rPr>
+              <a:t>Overview</a:t>
+            </a:r>
+            <a:endParaRPr lang="en-US" dirty="0">
+              <a:solidFill>
+                <a:schemeClr val="bg2">
+                  <a:lumMod val="90000"/>
+                </a:schemeClr>
+              </a:solidFill>
+            </a:endParaRPr>
+          </a:p>
+          <a:p>
             <a:r>
               <a:rPr lang="en-US" dirty="0">
-                <a:effectLst/>
-                <a:latin typeface="GillSans" panose="020B0A02020104020203" pitchFamily="34" charset="77"/>
-              </a:rPr>
-              <a:t> good solution must </a:t>
+                <a:solidFill>
+                  <a:schemeClr val="bg2">
+                    <a:lumMod val="90000"/>
+                  </a:schemeClr>
+                </a:solidFill>
+              </a:rPr>
+              <a:t>Me</a:t>
+            </a:r>
+            <a:r>
+              <a:rPr lang="en-US" altLang="zh-CN" dirty="0">
+                <a:solidFill>
+                  <a:schemeClr val="bg2">
+                    <a:lumMod val="90000"/>
+                  </a:schemeClr>
+                </a:solidFill>
+              </a:rPr>
+              <a:t>thod</a:t>
             </a:r>
             <a:endParaRPr lang="en-US" dirty="0">
-              <a:effectLst/>
+              <a:solidFill>
+                <a:schemeClr val="bg2">
+                  <a:lumMod val="90000"/>
+                </a:schemeClr>
+              </a:solidFill>
             </a:endParaRPr>
           </a:p>
           <a:p>
-            <a:pPr marL="0" indent="0">
-              <a:buNone/>
-            </a:pPr>
-            <a:r>
-              <a:rPr lang="en-US" b="0" dirty="0">
-                <a:effectLst/>
-                <a:latin typeface="GillSans" panose="020B0A02020104020203" pitchFamily="34" charset="77"/>
-              </a:rPr>
-              <a:t>1. Incorporate</a:t>
-            </a:r>
-            <a:r>
-              <a:rPr lang="zh-CN" altLang="en-US" b="0" dirty="0">
-                <a:effectLst/>
-                <a:latin typeface="GillSans" panose="020B0A02020104020203" pitchFamily="34" charset="77"/>
-              </a:rPr>
-              <a:t> </a:t>
-            </a:r>
-            <a:r>
-              <a:rPr lang="en-US" b="0" dirty="0">
-                <a:effectLst/>
-                <a:latin typeface="GillSans" panose="020B0A02020104020203" pitchFamily="34" charset="77"/>
-              </a:rPr>
-              <a:t>the</a:t>
-            </a:r>
-            <a:r>
-              <a:rPr lang="zh-CN" altLang="en-US" b="0" dirty="0">
-                <a:effectLst/>
-                <a:latin typeface="GillSans" panose="020B0A02020104020203" pitchFamily="34" charset="77"/>
-              </a:rPr>
-              <a:t> </a:t>
-            </a:r>
-            <a:r>
-              <a:rPr lang="en-US" b="0" dirty="0">
-                <a:solidFill>
-                  <a:srgbClr val="F47F23"/>
-                </a:solidFill>
-                <a:effectLst/>
-                <a:latin typeface="GillSans" panose="020B0A02020104020203" pitchFamily="34" charset="77"/>
-              </a:rPr>
-              <a:t>stochasticity</a:t>
-            </a:r>
-            <a:r>
-              <a:rPr lang="zh-CN" altLang="en-US" b="0" dirty="0">
-                <a:solidFill>
-                  <a:srgbClr val="F47F23"/>
-                </a:solidFill>
-                <a:effectLst/>
-                <a:latin typeface="GillSans" panose="020B0A02020104020203" pitchFamily="34" charset="77"/>
-              </a:rPr>
-              <a:t> </a:t>
-            </a:r>
-            <a:r>
-              <a:rPr lang="en-US" b="0" dirty="0">
-                <a:effectLst/>
-                <a:latin typeface="GillSans" panose="020B0A02020104020203" pitchFamily="34" charset="77"/>
-              </a:rPr>
-              <a:t>of</a:t>
-            </a:r>
-            <a:r>
-              <a:rPr lang="zh-CN" altLang="en-US" b="0" dirty="0">
-                <a:effectLst/>
-                <a:latin typeface="GillSans" panose="020B0A02020104020203" pitchFamily="34" charset="77"/>
-              </a:rPr>
-              <a:t> </a:t>
-            </a:r>
-            <a:r>
-              <a:rPr lang="en-US" b="0" dirty="0">
-                <a:effectLst/>
-                <a:latin typeface="GillSans" panose="020B0A02020104020203" pitchFamily="34" charset="77"/>
-              </a:rPr>
-              <a:t>DNN</a:t>
-            </a:r>
-            <a:r>
-              <a:rPr lang="zh-CN" altLang="en-US" b="0" dirty="0">
-                <a:effectLst/>
-                <a:latin typeface="GillSans" panose="020B0A02020104020203" pitchFamily="34" charset="77"/>
-              </a:rPr>
-              <a:t> </a:t>
-            </a:r>
-            <a:r>
-              <a:rPr lang="en-US" b="0" dirty="0">
-                <a:effectLst/>
-                <a:latin typeface="GillSans" panose="020B0A02020104020203" pitchFamily="34" charset="77"/>
-              </a:rPr>
-              <a:t>training</a:t>
-            </a:r>
-          </a:p>
-          <a:p>
-            <a:pPr marL="0" indent="0">
-              <a:buNone/>
-            </a:pPr>
-            <a:r>
-              <a:rPr lang="en-US" b="0" dirty="0">
-                <a:effectLst/>
-                <a:latin typeface="GillSans" panose="020B0A02020104020203" pitchFamily="34" charset="77"/>
-              </a:rPr>
-              <a:t>2. intelligently </a:t>
-            </a:r>
-            <a:r>
-              <a:rPr lang="en-US" b="0" dirty="0">
-                <a:solidFill>
-                  <a:srgbClr val="F47F23"/>
-                </a:solidFill>
-                <a:effectLst/>
-                <a:latin typeface="GillSans" panose="020B0A02020104020203" pitchFamily="34" charset="77"/>
-              </a:rPr>
-              <a:t>trade-off </a:t>
-            </a:r>
-            <a:r>
-              <a:rPr lang="en-US" b="0" dirty="0">
-                <a:effectLst/>
-                <a:latin typeface="GillSans" panose="020B0A02020104020203" pitchFamily="34" charset="77"/>
-              </a:rPr>
-              <a:t>exploration and exploitation </a:t>
-            </a:r>
-            <a:endParaRPr lang="en-US" dirty="0">
-              <a:effectLst/>
+            <a:r>
+              <a:rPr lang="en-US" dirty="0"/>
+              <a:t>Evaluation</a:t>
+            </a:r>
+          </a:p>
+          <a:p>
+            <a:r>
+              <a:rPr lang="en-US" dirty="0">
+                <a:solidFill>
+                  <a:schemeClr val="bg2">
+                    <a:lumMod val="90000"/>
+                  </a:schemeClr>
+                </a:solidFill>
+              </a:rPr>
+              <a:t>Summary and Discussion</a:t>
+            </a:r>
+            <a:endParaRPr lang="el-GR" dirty="0">
+              <a:solidFill>
+                <a:schemeClr val="bg2">
+                  <a:lumMod val="90000"/>
+                </a:schemeClr>
+              </a:solidFill>
             </a:endParaRPr>
-          </a:p>
-          <a:p>
-            <a:pPr marL="0" indent="0">
-              <a:buNone/>
-            </a:pPr>
-            <a:endParaRPr lang="en-US" dirty="0">
-              <a:effectLst/>
-              <a:latin typeface="GillSans" panose="020B0A02020104020203" pitchFamily="34" charset="77"/>
-            </a:endParaRPr>
-          </a:p>
-          <a:p>
-            <a:pPr marL="0" indent="0">
-              <a:buNone/>
-            </a:pPr>
-            <a:endParaRPr lang="en-US" dirty="0">
-              <a:effectLst/>
-              <a:latin typeface="GillSans" panose="020B0A02020104020203" pitchFamily="34" charset="77"/>
-            </a:endParaRPr>
-          </a:p>
-          <a:p>
-            <a:pPr marL="0" indent="0">
-              <a:buNone/>
-            </a:pPr>
-            <a:r>
-              <a:rPr lang="en-US" dirty="0">
-                <a:effectLst/>
-                <a:latin typeface="GillSans" panose="020B0A02020104020203" pitchFamily="34" charset="77"/>
-              </a:rPr>
-              <a:t>Multi-Armed Bandit </a:t>
-            </a:r>
-            <a:endParaRPr lang="en-US" dirty="0">
-              <a:effectLst/>
-            </a:endParaRPr>
-          </a:p>
-          <a:p>
-            <a:pPr marL="0" indent="0">
-              <a:buNone/>
-            </a:pPr>
-            <a:r>
-              <a:rPr lang="en-US" dirty="0">
-                <a:effectLst/>
-                <a:latin typeface="CambriaMath"/>
-              </a:rPr>
-              <a:t>Cost=</a:t>
-            </a:r>
-            <a:r>
-              <a:rPr lang="en-US" dirty="0">
-                <a:solidFill>
-                  <a:srgbClr val="F47F23"/>
-                </a:solidFill>
-                <a:effectLst/>
-                <a:latin typeface="CambriaMath"/>
-              </a:rPr>
-              <a:t>𝜂</a:t>
-            </a:r>
-            <a:r>
-              <a:rPr lang="en-US" dirty="0">
-                <a:effectLst/>
-                <a:latin typeface="CambriaMath"/>
-              </a:rPr>
-              <a:t>⋅ETA+ </a:t>
-            </a:r>
-            <a:r>
-              <a:rPr lang="en-US" altLang="zh-CN" dirty="0">
-                <a:effectLst/>
-                <a:latin typeface="CambriaMath"/>
-              </a:rPr>
-              <a:t>(</a:t>
-            </a:r>
-            <a:r>
-              <a:rPr lang="en-US" dirty="0">
-                <a:effectLst/>
-                <a:latin typeface="CambriaMath"/>
-              </a:rPr>
-              <a:t>1−</a:t>
-            </a:r>
-            <a:r>
-              <a:rPr lang="en-US" dirty="0">
-                <a:solidFill>
-                  <a:srgbClr val="F47F23"/>
-                </a:solidFill>
-                <a:effectLst/>
-                <a:latin typeface="CambriaMath"/>
-              </a:rPr>
-              <a:t>𝜂 </a:t>
-            </a:r>
-            <a:r>
-              <a:rPr lang="en-US" altLang="zh-CN" dirty="0">
-                <a:solidFill>
-                  <a:srgbClr val="F47F23"/>
-                </a:solidFill>
-                <a:effectLst/>
-                <a:latin typeface="CambriaMath"/>
-              </a:rPr>
-              <a:t>)</a:t>
-            </a:r>
-            <a:r>
-              <a:rPr lang="en-US" dirty="0">
-                <a:effectLst/>
-                <a:latin typeface="CambriaMath"/>
-              </a:rPr>
-              <a:t>⋅MaxPower⋅TTA </a:t>
-            </a:r>
-            <a:endParaRPr lang="en-US" dirty="0">
-              <a:effectLst/>
-            </a:endParaRPr>
-          </a:p>
-          <a:p>
-            <a:pPr>
-              <a:buFont typeface="+mj-lt"/>
-              <a:buAutoNum type="arabicPeriod"/>
-            </a:pPr>
-            <a:r>
-              <a:rPr lang="en-US" b="0" dirty="0">
-                <a:effectLst/>
-                <a:latin typeface="GillSans" panose="020B0A02020104020203" pitchFamily="34" charset="77"/>
-              </a:rPr>
-              <a:t>Models </a:t>
-            </a:r>
-            <a:r>
-              <a:rPr lang="en-US" b="0" dirty="0">
-                <a:solidFill>
-                  <a:srgbClr val="F47F21"/>
-                </a:solidFill>
-                <a:effectLst/>
-                <a:latin typeface="GillSans" panose="020B0A02020104020203" pitchFamily="34" charset="77"/>
-              </a:rPr>
-              <a:t>cost </a:t>
-            </a:r>
-            <a:r>
-              <a:rPr lang="en-US" b="0" dirty="0">
-                <a:effectLst/>
-                <a:latin typeface="GillSans" panose="020B0A02020104020203" pitchFamily="34" charset="77"/>
-              </a:rPr>
-              <a:t>as a Gaussian random variable </a:t>
-            </a:r>
-          </a:p>
-          <a:p>
-            <a:pPr>
-              <a:buFont typeface="+mj-lt"/>
-              <a:buAutoNum type="arabicPeriod"/>
-            </a:pPr>
-            <a:r>
-              <a:rPr lang="en-US" b="0" dirty="0">
-                <a:effectLst/>
-                <a:latin typeface="GillSans" panose="020B0A02020104020203" pitchFamily="34" charset="77"/>
-              </a:rPr>
-              <a:t>Automatically controls exploration and exploitation </a:t>
-            </a:r>
           </a:p>
         </p:txBody>
       </p:sp>
     </p:spTree>
     <p:extLst>
       <p:ext uri="{BB962C8B-B14F-4D97-AF65-F5344CB8AC3E}">
-        <p14:creationId xmlns:p14="http://schemas.microsoft.com/office/powerpoint/2010/main" val="5651927"/>
+        <p14:creationId xmlns:p14="http://schemas.microsoft.com/office/powerpoint/2010/main" val="3695987241"/>
       </p:ext>
     </p:extLst>
   </p:cSld>
@@ -8591,146 +8590,246 @@
           <a:chExt cx="0" cy="0"/>
         </a:xfrm>
       </p:grpSpPr>
-      <p:sp>
-        <p:nvSpPr>
-          <p:cNvPr id="2" name="Title 1"/>
-          <p:cNvSpPr>
-            <a:spLocks noGrp="1"/>
-          </p:cNvSpPr>
-          <p:nvPr>
-            <p:ph type="title"/>
-          </p:nvPr>
-        </p:nvSpPr>
-        <p:spPr/>
-        <p:txBody>
-          <a:bodyPr/>
-          <a:lstStyle/>
-          <a:p>
-            <a:r>
-              <a:rPr lang="en-US" dirty="0"/>
-              <a:t>Outline</a:t>
-            </a:r>
-            <a:endParaRPr lang="el-GR" dirty="0"/>
-          </a:p>
-        </p:txBody>
-      </p:sp>
-      <p:sp>
-        <p:nvSpPr>
-          <p:cNvPr id="3" name="Content Placeholder 2"/>
-          <p:cNvSpPr>
-            <a:spLocks noGrp="1"/>
-          </p:cNvSpPr>
+      <p:pic>
+        <p:nvPicPr>
+          <p:cNvPr id="5" name="Content Placeholder 4">
+            <a:extLst>
+              <a:ext uri="{FF2B5EF4-FFF2-40B4-BE49-F238E27FC236}">
+                <a16:creationId xmlns:a16="http://schemas.microsoft.com/office/drawing/2014/main" id="{C402DDC3-8F6C-A5CF-161C-DE4C83C76CC5}"/>
+              </a:ext>
+            </a:extLst>
+          </p:cNvPr>
+          <p:cNvPicPr>
+            <a:picLocks noGrp="1" noChangeAspect="1"/>
+          </p:cNvPicPr>
           <p:nvPr>
             <p:ph idx="1"/>
           </p:nvPr>
-        </p:nvSpPr>
-        <p:spPr/>
-        <p:txBody>
-          <a:bodyPr/>
+        </p:nvPicPr>
+        <p:blipFill>
+          <a:blip r:embed="rId2"/>
+          <a:stretch>
+            <a:fillRect/>
+          </a:stretch>
+        </p:blipFill>
+        <p:spPr>
+          <a:xfrm>
+            <a:off x="1444236" y="1825625"/>
+            <a:ext cx="9303528" cy="4351338"/>
+          </a:xfrm>
+        </p:spPr>
+      </p:pic>
+      <p:sp>
+        <p:nvSpPr>
+          <p:cNvPr id="9" name="Title 1">
+            <a:extLst>
+              <a:ext uri="{FF2B5EF4-FFF2-40B4-BE49-F238E27FC236}">
+                <a16:creationId xmlns:a16="http://schemas.microsoft.com/office/drawing/2014/main" id="{B54250B1-5082-3CDA-064E-B74E696999D3}"/>
+              </a:ext>
+            </a:extLst>
+          </p:cNvPr>
+          <p:cNvSpPr txBox="1">
+            <a:spLocks/>
+          </p:cNvSpPr>
+          <p:nvPr/>
+        </p:nvSpPr>
+        <p:spPr>
+          <a:xfrm>
+            <a:off x="982133" y="237595"/>
+            <a:ext cx="10515600" cy="1325563"/>
+          </a:xfrm>
+          <a:prstGeom prst="rect">
+            <a:avLst/>
+          </a:prstGeom>
+        </p:spPr>
+        <p:txBody>
+          <a:bodyPr vert="horz" lIns="91440" tIns="45720" rIns="91440" bIns="45720" rtlCol="0" anchor="ctr">
+            <a:normAutofit/>
+          </a:bodyPr>
+          <a:lstStyle>
+            <a:lvl1pPr algn="l" defTabSz="914400" rtl="0" eaLnBrk="1" latinLnBrk="0" hangingPunct="1">
+              <a:lnSpc>
+                <a:spcPct val="90000"/>
+              </a:lnSpc>
+              <a:spcBef>
+                <a:spcPct val="0"/>
+              </a:spcBef>
+              <a:buNone/>
+              <a:defRPr sz="4400" kern="1200">
+                <a:solidFill>
+                  <a:schemeClr val="tx1"/>
+                </a:solidFill>
+                <a:latin typeface="+mj-lt"/>
+                <a:ea typeface="+mj-ea"/>
+                <a:cs typeface="+mj-cs"/>
+              </a:defRPr>
+            </a:lvl1pPr>
+          </a:lstStyle>
+          <a:p>
+            <a:r>
+              <a:rPr lang="en-US" altLang="zh-CN" sz="3600" dirty="0">
+                <a:solidFill>
+                  <a:srgbClr val="FF5600"/>
+                </a:solidFill>
+                <a:latin typeface="GillSans" panose="020B0A02020104020203" pitchFamily="34" charset="77"/>
+              </a:rPr>
+              <a:t>Compare</a:t>
+            </a:r>
+            <a:r>
+              <a:rPr lang="zh-CN" altLang="en-US" sz="3600" dirty="0">
+                <a:solidFill>
+                  <a:srgbClr val="FF5600"/>
+                </a:solidFill>
+                <a:latin typeface="GillSans" panose="020B0A02020104020203" pitchFamily="34" charset="77"/>
+              </a:rPr>
+              <a:t> </a:t>
+            </a:r>
+            <a:r>
+              <a:rPr lang="en-US" altLang="zh-CN" sz="3600" dirty="0">
+                <a:solidFill>
+                  <a:srgbClr val="FF5600"/>
+                </a:solidFill>
+                <a:latin typeface="GillSans" panose="020B0A02020104020203" pitchFamily="34" charset="77"/>
+              </a:rPr>
+              <a:t>with</a:t>
+            </a:r>
+            <a:r>
+              <a:rPr lang="zh-CN" altLang="en-US" sz="3600" dirty="0">
+                <a:solidFill>
+                  <a:srgbClr val="FF5600"/>
+                </a:solidFill>
+                <a:latin typeface="GillSans" panose="020B0A02020104020203" pitchFamily="34" charset="77"/>
+              </a:rPr>
+              <a:t> </a:t>
+            </a:r>
+            <a:r>
+              <a:rPr lang="en-US" altLang="zh-CN" sz="3600" dirty="0">
+                <a:solidFill>
+                  <a:srgbClr val="FF5600"/>
+                </a:solidFill>
+                <a:latin typeface="GillSans" panose="020B0A02020104020203" pitchFamily="34" charset="77"/>
+              </a:rPr>
+              <a:t>Grid</a:t>
+            </a:r>
+            <a:r>
+              <a:rPr lang="zh-CN" altLang="en-US" sz="3600" dirty="0">
+                <a:solidFill>
+                  <a:srgbClr val="FF5600"/>
+                </a:solidFill>
+                <a:latin typeface="GillSans" panose="020B0A02020104020203" pitchFamily="34" charset="77"/>
+              </a:rPr>
+              <a:t> </a:t>
+            </a:r>
+            <a:r>
+              <a:rPr lang="en-US" altLang="zh-CN" sz="3600" dirty="0">
+                <a:solidFill>
+                  <a:srgbClr val="FF5600"/>
+                </a:solidFill>
+                <a:latin typeface="GillSans" panose="020B0A02020104020203" pitchFamily="34" charset="77"/>
+              </a:rPr>
+              <a:t>Search</a:t>
+            </a:r>
+            <a:endParaRPr lang="en-US" sz="3600" dirty="0">
+              <a:solidFill>
+                <a:srgbClr val="FF5600"/>
+              </a:solidFill>
+              <a:latin typeface="GillSans" panose="020B0A02020104020203" pitchFamily="34" charset="77"/>
+            </a:endParaRPr>
+          </a:p>
+        </p:txBody>
+      </p:sp>
+      <p:sp>
+        <p:nvSpPr>
+          <p:cNvPr id="11" name="TextBox 10">
+            <a:extLst>
+              <a:ext uri="{FF2B5EF4-FFF2-40B4-BE49-F238E27FC236}">
+                <a16:creationId xmlns:a16="http://schemas.microsoft.com/office/drawing/2014/main" id="{90F953A9-FCA6-CC6E-0500-1E84D46E9BAE}"/>
+              </a:ext>
+            </a:extLst>
+          </p:cNvPr>
+          <p:cNvSpPr txBox="1"/>
+          <p:nvPr/>
+        </p:nvSpPr>
+        <p:spPr>
+          <a:xfrm>
+            <a:off x="5214231" y="1456293"/>
+            <a:ext cx="6099142" cy="369332"/>
+          </a:xfrm>
+          <a:prstGeom prst="rect">
+            <a:avLst/>
+          </a:prstGeom>
+          <a:noFill/>
+        </p:spPr>
+        <p:txBody>
+          <a:bodyPr wrap="square">
+            <a:spAutoFit/>
+          </a:bodyPr>
           <a:lstStyle/>
           <a:p>
             <a:r>
-              <a:rPr lang="en-US" dirty="0">
-                <a:solidFill>
-                  <a:schemeClr val="bg2">
-                    <a:lumMod val="90000"/>
-                  </a:schemeClr>
-                </a:solidFill>
-              </a:rPr>
-              <a:t>Background</a:t>
-            </a:r>
-          </a:p>
-          <a:p>
-            <a:r>
-              <a:rPr lang="en-US" dirty="0">
-                <a:solidFill>
-                  <a:schemeClr val="bg2">
-                    <a:lumMod val="90000"/>
-                  </a:schemeClr>
-                </a:solidFill>
-              </a:rPr>
-              <a:t>Motivation</a:t>
-            </a:r>
-          </a:p>
-          <a:p>
-            <a:r>
-              <a:rPr lang="en-US" altLang="zh-CN" dirty="0">
-                <a:solidFill>
-                  <a:schemeClr val="bg2">
-                    <a:lumMod val="90000"/>
-                  </a:schemeClr>
-                </a:solidFill>
-              </a:rPr>
-              <a:t>Overview</a:t>
-            </a:r>
-            <a:endParaRPr lang="en-US" dirty="0">
-              <a:solidFill>
-                <a:schemeClr val="bg2">
-                  <a:lumMod val="90000"/>
-                </a:schemeClr>
-              </a:solidFill>
-            </a:endParaRPr>
-          </a:p>
-          <a:p>
-            <a:r>
-              <a:rPr lang="en-US" dirty="0">
-                <a:solidFill>
-                  <a:schemeClr val="bg2">
-                    <a:lumMod val="90000"/>
-                  </a:schemeClr>
-                </a:solidFill>
-              </a:rPr>
-              <a:t>Me</a:t>
-            </a:r>
-            <a:r>
-              <a:rPr lang="en-US" altLang="zh-CN" dirty="0">
-                <a:solidFill>
-                  <a:schemeClr val="bg2">
-                    <a:lumMod val="90000"/>
-                  </a:schemeClr>
-                </a:solidFill>
-              </a:rPr>
-              <a:t>thod</a:t>
-            </a:r>
-            <a:endParaRPr lang="en-US" dirty="0">
-              <a:solidFill>
-                <a:schemeClr val="bg2">
-                  <a:lumMod val="90000"/>
-                </a:schemeClr>
-              </a:solidFill>
-            </a:endParaRPr>
-          </a:p>
-          <a:p>
-            <a:r>
-              <a:rPr lang="en-US" dirty="0"/>
-              <a:t>Evaluation</a:t>
-            </a:r>
-          </a:p>
-          <a:p>
-            <a:r>
-              <a:rPr lang="en-US" dirty="0">
-                <a:solidFill>
-                  <a:schemeClr val="bg2">
-                    <a:lumMod val="90000"/>
-                  </a:schemeClr>
-                </a:solidFill>
-              </a:rPr>
-              <a:t>Summary and Discussion</a:t>
-            </a:r>
-            <a:endParaRPr lang="el-GR" dirty="0">
-              <a:solidFill>
-                <a:schemeClr val="bg2">
-                  <a:lumMod val="90000"/>
-                </a:schemeClr>
-              </a:solidFill>
-            </a:endParaRPr>
+              <a:rPr lang="en-US" altLang="zh-CN" dirty="0"/>
+              <a:t>Aware</a:t>
+            </a:r>
+            <a:r>
+              <a:rPr lang="zh-CN" altLang="en-US" dirty="0"/>
+              <a:t> </a:t>
+            </a:r>
+            <a:r>
+              <a:rPr lang="en-US" altLang="zh-CN" dirty="0"/>
+              <a:t>of</a:t>
+            </a:r>
+            <a:r>
+              <a:rPr lang="zh-CN" altLang="en-US" dirty="0"/>
+              <a:t> </a:t>
+            </a:r>
+            <a:r>
+              <a:rPr lang="en-US" altLang="zh-CN" dirty="0"/>
+              <a:t>stochastic</a:t>
+            </a:r>
+            <a:r>
+              <a:rPr lang="zh-CN" altLang="en-US" dirty="0"/>
+              <a:t> </a:t>
+            </a:r>
+            <a:r>
+              <a:rPr lang="en-US" altLang="zh-CN" dirty="0"/>
+              <a:t>nature</a:t>
+            </a:r>
+            <a:r>
+              <a:rPr lang="zh-CN" altLang="en-US" dirty="0"/>
+              <a:t> </a:t>
+            </a:r>
+            <a:r>
+              <a:rPr lang="en-US" altLang="zh-CN" dirty="0"/>
+              <a:t>of</a:t>
+            </a:r>
+            <a:r>
+              <a:rPr lang="zh-CN" altLang="en-US" dirty="0"/>
+              <a:t> </a:t>
+            </a:r>
+            <a:r>
+              <a:rPr lang="en-US" altLang="zh-CN" dirty="0"/>
+              <a:t>DNN</a:t>
+            </a:r>
+            <a:r>
+              <a:rPr lang="zh-CN" altLang="en-US" dirty="0"/>
+              <a:t> </a:t>
+            </a:r>
+            <a:r>
+              <a:rPr lang="en-US" altLang="zh-CN" dirty="0"/>
+              <a:t>training!</a:t>
+            </a:r>
+            <a:r>
+              <a:rPr lang="zh-CN" altLang="en-US" dirty="0"/>
+              <a:t> </a:t>
+            </a:r>
+            <a:endParaRPr lang="en-SA" dirty="0"/>
           </a:p>
         </p:txBody>
       </p:sp>
     </p:spTree>
     <p:extLst>
       <p:ext uri="{BB962C8B-B14F-4D97-AF65-F5344CB8AC3E}">
-        <p14:creationId xmlns:p14="http://schemas.microsoft.com/office/powerpoint/2010/main" val="3695987241"/>
+        <p14:creationId xmlns:p14="http://schemas.microsoft.com/office/powerpoint/2010/main" val="2690231959"/>
       </p:ext>
     </p:extLst>
   </p:cSld>
@@ -8759,10 +8858,10 @@
       </p:grpSpPr>
       <p:pic>
         <p:nvPicPr>
-          <p:cNvPr id="5" name="Content Placeholder 4">
-            <a:extLst>
-              <a:ext uri="{FF2B5EF4-FFF2-40B4-BE49-F238E27FC236}">
-                <a16:creationId xmlns:a16="http://schemas.microsoft.com/office/drawing/2014/main" id="{C402DDC3-8F6C-A5CF-161C-DE4C83C76CC5}"/>
+          <p:cNvPr id="6" name="Content Placeholder 5">
+            <a:extLst>
+              <a:ext uri="{FF2B5EF4-FFF2-40B4-BE49-F238E27FC236}">
+                <a16:creationId xmlns:a16="http://schemas.microsoft.com/office/drawing/2014/main" id="{2BE50369-4957-6677-CCB9-0298A3A88EB8}"/>
               </a:ext>
             </a:extLst>
           </p:cNvPr>
@@ -8781,17 +8880,17 @@
         </p:blipFill>
         <p:spPr>
           <a:xfrm>
-            <a:off x="1444236" y="1825625"/>
-            <a:ext cx="9303528" cy="4351338"/>
+            <a:off x="474134" y="1112503"/>
+            <a:ext cx="10515600" cy="3362263"/>
           </a:xfrm>
         </p:spPr>
       </p:pic>
       <p:sp>
         <p:nvSpPr>
-          <p:cNvPr id="9" name="Title 1">
-            <a:extLst>
-              <a:ext uri="{FF2B5EF4-FFF2-40B4-BE49-F238E27FC236}">
-                <a16:creationId xmlns:a16="http://schemas.microsoft.com/office/drawing/2014/main" id="{B54250B1-5082-3CDA-064E-B74E696999D3}"/>
+          <p:cNvPr id="4" name="Title 1">
+            <a:extLst>
+              <a:ext uri="{FF2B5EF4-FFF2-40B4-BE49-F238E27FC236}">
+                <a16:creationId xmlns:a16="http://schemas.microsoft.com/office/drawing/2014/main" id="{87C258A1-AED0-EBF5-F8AF-815A1B239400}"/>
               </a:ext>
             </a:extLst>
           </p:cNvPr>
@@ -8802,7 +8901,7 @@
         </p:nvSpPr>
         <p:spPr>
           <a:xfrm>
-            <a:off x="982133" y="237595"/>
+            <a:off x="838200" y="218740"/>
             <a:ext cx="10515600" cy="1325563"/>
           </a:xfrm>
           <a:prstGeom prst="rect">
@@ -8840,61 +8939,7 @@
                 </a:solidFill>
                 <a:latin typeface="GillSans" panose="020B0A02020104020203" pitchFamily="34" charset="77"/>
               </a:rPr>
-              <a:t>Compare</a:t>
-            </a:r>
-            <a:r>
-              <a:rPr lang="zh-CN" altLang="en-US" sz="3600" dirty="0">
-                <a:solidFill>
-                  <a:srgbClr val="FF5600"/>
-                </a:solidFill>
-                <a:latin typeface="GillSans" panose="020B0A02020104020203" pitchFamily="34" charset="77"/>
-              </a:rPr>
-              <a:t> </a:t>
-            </a:r>
-            <a:r>
-              <a:rPr lang="en-US" altLang="zh-CN" sz="3600" dirty="0">
-                <a:solidFill>
-                  <a:srgbClr val="FF5600"/>
-                </a:solidFill>
-                <a:latin typeface="GillSans" panose="020B0A02020104020203" pitchFamily="34" charset="77"/>
-              </a:rPr>
-              <a:t>with</a:t>
-            </a:r>
-            <a:r>
-              <a:rPr lang="zh-CN" altLang="en-US" sz="3600" dirty="0">
-                <a:solidFill>
-                  <a:srgbClr val="FF5600"/>
-                </a:solidFill>
-                <a:latin typeface="GillSans" panose="020B0A02020104020203" pitchFamily="34" charset="77"/>
-              </a:rPr>
-              <a:t> </a:t>
-            </a:r>
-            <a:r>
-              <a:rPr lang="en-US" altLang="zh-CN" sz="3600" dirty="0">
-                <a:solidFill>
-                  <a:srgbClr val="FF5600"/>
-                </a:solidFill>
-                <a:latin typeface="GillSans" panose="020B0A02020104020203" pitchFamily="34" charset="77"/>
-              </a:rPr>
-              <a:t>Grid</a:t>
-            </a:r>
-            <a:r>
-              <a:rPr lang="zh-CN" altLang="en-US" sz="3600" dirty="0">
-                <a:solidFill>
-                  <a:srgbClr val="FF5600"/>
-                </a:solidFill>
-                <a:latin typeface="GillSans" panose="020B0A02020104020203" pitchFamily="34" charset="77"/>
-              </a:rPr>
-              <a:t> </a:t>
-            </a:r>
-            <a:r>
-              <a:rPr lang="en-US" altLang="zh-CN" sz="3600" dirty="0">
-                <a:solidFill>
-                  <a:srgbClr val="FF5600"/>
-                </a:solidFill>
-                <a:latin typeface="GillSans" panose="020B0A02020104020203" pitchFamily="34" charset="77"/>
-              </a:rPr>
-              <a:t>Search</a:t>
+              <a:t>Results</a:t>
             </a:r>
             <a:endParaRPr lang="en-US" sz="3600" dirty="0">
               <a:solidFill>
@@ -8907,10 +8952,10 @@
       </p:sp>
       <p:sp>
         <p:nvSpPr>
-          <p:cNvPr id="11" name="TextBox 10">
-            <a:extLst>
-              <a:ext uri="{FF2B5EF4-FFF2-40B4-BE49-F238E27FC236}">
-                <a16:creationId xmlns:a16="http://schemas.microsoft.com/office/drawing/2014/main" id="{90F953A9-FCA6-CC6E-0500-1E84D46E9BAE}"/>
+          <p:cNvPr id="8" name="TextBox 7">
+            <a:extLst>
+              <a:ext uri="{FF2B5EF4-FFF2-40B4-BE49-F238E27FC236}">
+                <a16:creationId xmlns:a16="http://schemas.microsoft.com/office/drawing/2014/main" id="{1E0B080D-8718-ECBE-B9A4-2F69916EE6E0}"/>
               </a:ext>
             </a:extLst>
           </p:cNvPr>
@@ -8919,8 +8964,8 @@
         </p:nvSpPr>
         <p:spPr>
           <a:xfrm>
-            <a:off x="5214231" y="1456293"/>
-            <a:ext cx="6099142" cy="369332"/>
+            <a:off x="2633132" y="5022222"/>
+            <a:ext cx="7509933" cy="1938992"/>
           </a:xfrm>
           <a:prstGeom prst="rect">
             <a:avLst/>
@@ -8934,69 +8979,182 @@
           <a:lstStyle/>
           <a:p>
             <a:r>
-              <a:rPr lang="en-US" altLang="zh-CN" dirty="0"/>
-              <a:t>Aware</a:t>
-            </a:r>
-            <a:r>
-              <a:rPr lang="zh-CN" altLang="en-US" dirty="0"/>
-              <a:t> </a:t>
-            </a:r>
-            <a:r>
-              <a:rPr lang="en-US" altLang="zh-CN" dirty="0"/>
-              <a:t>of</a:t>
-            </a:r>
-            <a:r>
-              <a:rPr lang="zh-CN" altLang="en-US" dirty="0"/>
-              <a:t> </a:t>
-            </a:r>
-            <a:r>
-              <a:rPr lang="en-US" altLang="zh-CN" dirty="0"/>
-              <a:t>stochastic</a:t>
-            </a:r>
-            <a:r>
-              <a:rPr lang="zh-CN" altLang="en-US" dirty="0"/>
-              <a:t> </a:t>
-            </a:r>
-            <a:r>
-              <a:rPr lang="en-US" altLang="zh-CN" dirty="0"/>
-              <a:t>nature</a:t>
-            </a:r>
-            <a:r>
-              <a:rPr lang="zh-CN" altLang="en-US" dirty="0"/>
-              <a:t> </a:t>
-            </a:r>
-            <a:r>
-              <a:rPr lang="en-US" altLang="zh-CN" dirty="0"/>
-              <a:t>of</a:t>
-            </a:r>
-            <a:r>
-              <a:rPr lang="zh-CN" altLang="en-US" dirty="0"/>
-              <a:t> </a:t>
-            </a:r>
-            <a:r>
-              <a:rPr lang="en-US" altLang="zh-CN" dirty="0"/>
-              <a:t>DNN</a:t>
-            </a:r>
-            <a:r>
-              <a:rPr lang="zh-CN" altLang="en-US" dirty="0"/>
-              <a:t> </a:t>
-            </a:r>
-            <a:r>
-              <a:rPr lang="en-US" altLang="zh-CN" dirty="0"/>
-              <a:t>training!</a:t>
-            </a:r>
-            <a:r>
-              <a:rPr lang="zh-CN" altLang="en-US" dirty="0"/>
-              <a:t> </a:t>
-            </a:r>
-            <a:endParaRPr lang="en-SA" dirty="0"/>
+              <a:rPr lang="en-US" sz="3200" dirty="0">
+                <a:solidFill>
+                  <a:srgbClr val="FF5600"/>
+                </a:solidFill>
+                <a:effectLst/>
+                <a:latin typeface="AbrilFatface"/>
+              </a:rPr>
+              <a:t>15 ~ 76% energy reduction </a:t>
+            </a:r>
+            <a:endParaRPr lang="en-US" sz="3200" dirty="0">
+              <a:effectLst/>
+            </a:endParaRPr>
+          </a:p>
+          <a:p>
+            <a:r>
+              <a:rPr lang="en-US" sz="3200" dirty="0">
+                <a:solidFill>
+                  <a:srgbClr val="FF5600"/>
+                </a:solidFill>
+                <a:effectLst/>
+                <a:latin typeface="AbrilFatface"/>
+              </a:rPr>
+              <a:t>Up to 60% time reduction </a:t>
+            </a:r>
+            <a:r>
+              <a:rPr lang="zh-CN" altLang="en-US" sz="3200" dirty="0">
+                <a:solidFill>
+                  <a:srgbClr val="FF5600"/>
+                </a:solidFill>
+                <a:effectLst/>
+                <a:latin typeface="AbrilFatface"/>
+              </a:rPr>
+              <a:t>  （</a:t>
+            </a:r>
+            <a:r>
+              <a:rPr lang="en-US" altLang="zh-CN" sz="3200" dirty="0">
+                <a:solidFill>
+                  <a:srgbClr val="FF5600"/>
+                </a:solidFill>
+                <a:effectLst/>
+                <a:latin typeface="AbrilFatface"/>
+              </a:rPr>
+              <a:t>really?</a:t>
+            </a:r>
+            <a:r>
+              <a:rPr lang="zh-CN" altLang="en-US" sz="3200" dirty="0">
+                <a:solidFill>
+                  <a:srgbClr val="FF5600"/>
+                </a:solidFill>
+                <a:effectLst/>
+                <a:latin typeface="AbrilFatface"/>
+              </a:rPr>
+              <a:t> </a:t>
+            </a:r>
+            <a:r>
+              <a:rPr lang="en-US" altLang="zh-CN" sz="3200" dirty="0">
+                <a:solidFill>
+                  <a:srgbClr val="FF5600"/>
+                </a:solidFill>
+                <a:effectLst/>
+                <a:latin typeface="AbrilFatface"/>
+              </a:rPr>
+              <a:t>Cannot</a:t>
+            </a:r>
+            <a:r>
+              <a:rPr lang="zh-CN" altLang="en-US" sz="3200" dirty="0">
+                <a:solidFill>
+                  <a:srgbClr val="FF5600"/>
+                </a:solidFill>
+                <a:effectLst/>
+                <a:latin typeface="AbrilFatface"/>
+              </a:rPr>
+              <a:t> </a:t>
+            </a:r>
+            <a:r>
+              <a:rPr lang="en-US" altLang="zh-CN" sz="3200" dirty="0">
+                <a:solidFill>
+                  <a:srgbClr val="FF5600"/>
+                </a:solidFill>
+                <a:effectLst/>
+                <a:latin typeface="AbrilFatface"/>
+              </a:rPr>
+              <a:t>find</a:t>
+            </a:r>
+            <a:r>
+              <a:rPr lang="zh-CN" altLang="en-US" sz="3200" dirty="0">
+                <a:solidFill>
+                  <a:srgbClr val="FF5600"/>
+                </a:solidFill>
+                <a:effectLst/>
+                <a:latin typeface="AbrilFatface"/>
+              </a:rPr>
+              <a:t> </a:t>
+            </a:r>
+            <a:r>
+              <a:rPr lang="en-US" altLang="zh-CN" sz="3200" dirty="0">
+                <a:solidFill>
+                  <a:srgbClr val="FF5600"/>
+                </a:solidFill>
+                <a:effectLst/>
+                <a:latin typeface="AbrilFatface"/>
+              </a:rPr>
+              <a:t>in</a:t>
+            </a:r>
+            <a:r>
+              <a:rPr lang="zh-CN" altLang="en-US" sz="3200" dirty="0">
+                <a:solidFill>
+                  <a:srgbClr val="FF5600"/>
+                </a:solidFill>
+                <a:effectLst/>
+                <a:latin typeface="AbrilFatface"/>
+              </a:rPr>
+              <a:t> </a:t>
+            </a:r>
+            <a:r>
+              <a:rPr lang="en-US" altLang="zh-CN" sz="3200" dirty="0">
+                <a:solidFill>
+                  <a:srgbClr val="FF5600"/>
+                </a:solidFill>
+                <a:effectLst/>
+                <a:latin typeface="AbrilFatface"/>
+              </a:rPr>
+              <a:t>this</a:t>
+            </a:r>
+            <a:r>
+              <a:rPr lang="zh-CN" altLang="en-US" sz="3200" dirty="0">
+                <a:solidFill>
+                  <a:srgbClr val="FF5600"/>
+                </a:solidFill>
+                <a:effectLst/>
+                <a:latin typeface="AbrilFatface"/>
+              </a:rPr>
+              <a:t> </a:t>
+            </a:r>
+            <a:r>
+              <a:rPr lang="en-US" altLang="zh-CN" sz="3200" dirty="0">
+                <a:solidFill>
+                  <a:srgbClr val="FF5600"/>
+                </a:solidFill>
+                <a:effectLst/>
+                <a:latin typeface="AbrilFatface"/>
+              </a:rPr>
+              <a:t>figure</a:t>
+            </a:r>
+            <a:r>
+              <a:rPr lang="zh-CN" altLang="en-US" sz="3200" dirty="0">
+                <a:solidFill>
+                  <a:srgbClr val="FF5600"/>
+                </a:solidFill>
+                <a:effectLst/>
+                <a:latin typeface="AbrilFatface"/>
+              </a:rPr>
+              <a:t>） </a:t>
+            </a:r>
+            <a:endParaRPr lang="en-US" sz="3200" dirty="0">
+              <a:effectLst/>
+            </a:endParaRPr>
+          </a:p>
+          <a:p>
+            <a:r>
+              <a:rPr lang="en-US" sz="2400" b="0" dirty="0">
+                <a:effectLst/>
+                <a:latin typeface="GillSans" panose="020B0A02020104020203" pitchFamily="34" charset="77"/>
+              </a:rPr>
+              <a:t>Results obtained on an NVIDIA V100 GPU </a:t>
+            </a:r>
+            <a:endParaRPr lang="en-US" sz="2400" dirty="0">
+              <a:effectLst/>
+            </a:endParaRPr>
           </a:p>
         </p:txBody>
       </p:sp>
     </p:spTree>
     <p:extLst>
       <p:ext uri="{BB962C8B-B14F-4D97-AF65-F5344CB8AC3E}">
-        <p14:creationId xmlns:p14="http://schemas.microsoft.com/office/powerpoint/2010/main" val="2690231959"/>
+        <p14:creationId xmlns:p14="http://schemas.microsoft.com/office/powerpoint/2010/main" val="2489248460"/>
       </p:ext>
     </p:extLst>
   </p:cSld>
@@ -9023,305 +9181,140 @@
           <a:chExt cx="0" cy="0"/>
         </a:xfrm>
       </p:grpSpPr>
-      <p:pic>
-        <p:nvPicPr>
-          <p:cNvPr id="6" name="Content Placeholder 5">
-            <a:extLst>
-              <a:ext uri="{FF2B5EF4-FFF2-40B4-BE49-F238E27FC236}">
-                <a16:creationId xmlns:a16="http://schemas.microsoft.com/office/drawing/2014/main" id="{2BE50369-4957-6677-CCB9-0298A3A88EB8}"/>
-              </a:ext>
-            </a:extLst>
-          </p:cNvPr>
-          <p:cNvPicPr>
-            <a:picLocks noGrp="1" noChangeAspect="1"/>
-          </p:cNvPicPr>
+      <p:sp>
+        <p:nvSpPr>
+          <p:cNvPr id="2" name="Title 1"/>
+          <p:cNvSpPr>
+            <a:spLocks noGrp="1"/>
+          </p:cNvSpPr>
+          <p:nvPr>
+            <p:ph type="title"/>
+          </p:nvPr>
+        </p:nvSpPr>
+        <p:spPr/>
+        <p:txBody>
+          <a:bodyPr/>
+          <a:lstStyle/>
+          <a:p>
+            <a:r>
+              <a:rPr lang="en-US" dirty="0"/>
+              <a:t>Outline</a:t>
+            </a:r>
+            <a:endParaRPr lang="el-GR" dirty="0"/>
+          </a:p>
+        </p:txBody>
+      </p:sp>
+      <p:sp>
+        <p:nvSpPr>
+          <p:cNvPr id="3" name="Content Placeholder 2"/>
+          <p:cNvSpPr>
+            <a:spLocks noGrp="1"/>
+          </p:cNvSpPr>
           <p:nvPr>
             <p:ph idx="1"/>
           </p:nvPr>
-        </p:nvPicPr>
-        <p:blipFill>
-          <a:blip r:embed="rId2"/>
-          <a:stretch>
-            <a:fillRect/>
-          </a:stretch>
-        </p:blipFill>
-        <p:spPr>
-          <a:xfrm>
-            <a:off x="474134" y="1112503"/>
-            <a:ext cx="10515600" cy="3362263"/>
-          </a:xfrm>
-        </p:spPr>
-      </p:pic>
-      <p:sp>
-        <p:nvSpPr>
-          <p:cNvPr id="4" name="Title 1">
-            <a:extLst>
-              <a:ext uri="{FF2B5EF4-FFF2-40B4-BE49-F238E27FC236}">
-                <a16:creationId xmlns:a16="http://schemas.microsoft.com/office/drawing/2014/main" id="{87C258A1-AED0-EBF5-F8AF-815A1B239400}"/>
-              </a:ext>
-            </a:extLst>
-          </p:cNvPr>
-          <p:cNvSpPr txBox="1">
-            <a:spLocks/>
-          </p:cNvSpPr>
-          <p:nvPr/>
-        </p:nvSpPr>
-        <p:spPr>
-          <a:xfrm>
-            <a:off x="838200" y="218740"/>
-            <a:ext cx="10515600" cy="1325563"/>
-          </a:xfrm>
-          <a:prstGeom prst="rect">
-            <a:avLst/>
-          </a:prstGeom>
-        </p:spPr>
-        <p:txBody>
-          <a:bodyPr vert="horz" lIns="91440" tIns="45720" rIns="91440" bIns="45720" rtlCol="0" anchor="ctr">
-            <a:normAutofit/>
-          </a:bodyPr>
-          <a:lstStyle>
-            <a:lvl1pPr algn="l" defTabSz="914400" rtl="0" eaLnBrk="1" latinLnBrk="0" hangingPunct="1">
-              <a:lnSpc>
-                <a:spcPct val="90000"/>
-              </a:lnSpc>
-              <a:spcBef>
-                <a:spcPct val="0"/>
-              </a:spcBef>
-              <a:buNone/>
-              <a:defRPr sz="4400" kern="1200">
-                <a:solidFill>
-                  <a:schemeClr val="tx1"/>
-                </a:solidFill>
-                <a:latin typeface="+mj-lt"/>
-                <a:ea typeface="+mj-ea"/>
-                <a:cs typeface="+mj-cs"/>
-              </a:defRPr>
-            </a:lvl1pPr>
-          </a:lstStyle>
-          <a:p>
-            <a:r>
-              <a:rPr lang="en-US" altLang="zh-CN" sz="3600" dirty="0">
-                <a:solidFill>
-                  <a:srgbClr val="FF5600"/>
-                </a:solidFill>
-                <a:latin typeface="GillSans" panose="020B0A02020104020203" pitchFamily="34" charset="77"/>
-              </a:rPr>
-              <a:t>Results</a:t>
-            </a:r>
-            <a:endParaRPr lang="en-US" sz="3600" dirty="0">
+        </p:nvSpPr>
+        <p:spPr/>
+        <p:txBody>
+          <a:bodyPr/>
+          <a:lstStyle/>
+          <a:p>
+            <a:r>
+              <a:rPr lang="en-US" dirty="0">
+                <a:solidFill>
+                  <a:schemeClr val="bg2">
+                    <a:lumMod val="90000"/>
+                  </a:schemeClr>
+                </a:solidFill>
+              </a:rPr>
+              <a:t>Background</a:t>
+            </a:r>
+          </a:p>
+          <a:p>
+            <a:r>
+              <a:rPr lang="en-US" dirty="0">
+                <a:solidFill>
+                  <a:schemeClr val="bg2">
+                    <a:lumMod val="90000"/>
+                  </a:schemeClr>
+                </a:solidFill>
+              </a:rPr>
+              <a:t>Motivation</a:t>
+            </a:r>
+          </a:p>
+          <a:p>
+            <a:r>
+              <a:rPr lang="en-US" altLang="zh-CN" dirty="0">
+                <a:solidFill>
+                  <a:schemeClr val="bg2">
+                    <a:lumMod val="90000"/>
+                  </a:schemeClr>
+                </a:solidFill>
+              </a:rPr>
+              <a:t>Overview</a:t>
+            </a:r>
+            <a:endParaRPr lang="en-US" dirty="0">
               <a:solidFill>
-                <a:srgbClr val="FF5600"/>
+                <a:schemeClr val="bg2">
+                  <a:lumMod val="90000"/>
+                </a:schemeClr>
               </a:solidFill>
-              <a:latin typeface="GillSans" panose="020B0A02020104020203" pitchFamily="34" charset="77"/>
             </a:endParaRPr>
           </a:p>
-        </p:txBody>
-      </p:sp>
-      <p:sp>
-        <p:nvSpPr>
-          <p:cNvPr id="8" name="TextBox 7">
-            <a:extLst>
-              <a:ext uri="{FF2B5EF4-FFF2-40B4-BE49-F238E27FC236}">
-                <a16:creationId xmlns:a16="http://schemas.microsoft.com/office/drawing/2014/main" id="{1E0B080D-8718-ECBE-B9A4-2F69916EE6E0}"/>
-              </a:ext>
-            </a:extLst>
-          </p:cNvPr>
-          <p:cNvSpPr txBox="1"/>
-          <p:nvPr/>
-        </p:nvSpPr>
-        <p:spPr>
-          <a:xfrm>
-            <a:off x="2633132" y="5022222"/>
-            <a:ext cx="7509933" cy="1938992"/>
-          </a:xfrm>
-          <a:prstGeom prst="rect">
-            <a:avLst/>
-          </a:prstGeom>
-          <a:noFill/>
-        </p:spPr>
-        <p:txBody>
-          <a:bodyPr wrap="square">
-            <a:spAutoFit/>
-          </a:bodyPr>
-          <a:lstStyle/>
-          <a:p>
-            <a:r>
-              <a:rPr lang="en-US" sz="3200" dirty="0">
-                <a:solidFill>
-                  <a:srgbClr val="FF5600"/>
-                </a:solidFill>
-                <a:effectLst/>
-                <a:latin typeface="AbrilFatface"/>
-              </a:rPr>
-              <a:t>15 ~ 76% energy reduction </a:t>
-            </a:r>
-            <a:endParaRPr lang="en-US" sz="3200" dirty="0">
-              <a:effectLst/>
+          <a:p>
+            <a:r>
+              <a:rPr lang="en-US" dirty="0">
+                <a:solidFill>
+                  <a:schemeClr val="bg2">
+                    <a:lumMod val="90000"/>
+                  </a:schemeClr>
+                </a:solidFill>
+              </a:rPr>
+              <a:t>Me</a:t>
+            </a:r>
+            <a:r>
+              <a:rPr lang="en-US" altLang="zh-CN" dirty="0">
+                <a:solidFill>
+                  <a:schemeClr val="bg2">
+                    <a:lumMod val="90000"/>
+                  </a:schemeClr>
+                </a:solidFill>
+              </a:rPr>
+              <a:t>thod</a:t>
+            </a:r>
+            <a:endParaRPr lang="en-US" dirty="0">
+              <a:solidFill>
+                <a:schemeClr val="bg2">
+                  <a:lumMod val="90000"/>
+                </a:schemeClr>
+              </a:solidFill>
             </a:endParaRPr>
           </a:p>
           <a:p>
             <a:r>
-              <a:rPr lang="en-US" sz="3200" dirty="0">
-                <a:solidFill>
-                  <a:srgbClr val="FF5600"/>
-                </a:solidFill>
-                <a:effectLst/>
-                <a:latin typeface="AbrilFatface"/>
-              </a:rPr>
-              <a:t>Up to 60% time reduction </a:t>
-            </a:r>
-            <a:r>
-              <a:rPr lang="zh-CN" altLang="en-US" sz="3200" dirty="0">
-                <a:solidFill>
-                  <a:srgbClr val="FF5600"/>
-                </a:solidFill>
-                <a:effectLst/>
-                <a:latin typeface="AbrilFatface"/>
-              </a:rPr>
-              <a:t>  （</a:t>
-            </a:r>
-            <a:r>
-              <a:rPr lang="en-US" altLang="zh-CN" sz="3200" dirty="0">
-                <a:solidFill>
-                  <a:srgbClr val="FF5600"/>
-                </a:solidFill>
-                <a:effectLst/>
-                <a:latin typeface="AbrilFatface"/>
-              </a:rPr>
-              <a:t>really?</a:t>
-            </a:r>
-            <a:r>
-              <a:rPr lang="zh-CN" altLang="en-US" sz="3200" dirty="0">
-                <a:solidFill>
-                  <a:srgbClr val="FF5600"/>
-                </a:solidFill>
-                <a:effectLst/>
-                <a:latin typeface="AbrilFatface"/>
-              </a:rPr>
-              <a:t> </a:t>
-            </a:r>
-            <a:r>
-              <a:rPr lang="en-US" altLang="zh-CN" sz="3200" dirty="0">
-                <a:solidFill>
-                  <a:srgbClr val="FF5600"/>
-                </a:solidFill>
-                <a:effectLst/>
-                <a:latin typeface="AbrilFatface"/>
-              </a:rPr>
-              <a:t>Cannot</a:t>
-            </a:r>
-            <a:r>
-              <a:rPr lang="zh-CN" altLang="en-US" sz="3200" dirty="0">
-                <a:solidFill>
-                  <a:srgbClr val="FF5600"/>
-                </a:solidFill>
-                <a:effectLst/>
-                <a:latin typeface="AbrilFatface"/>
-              </a:rPr>
-              <a:t> </a:t>
-            </a:r>
-            <a:r>
-              <a:rPr lang="en-US" altLang="zh-CN" sz="3200" dirty="0">
-                <a:solidFill>
-                  <a:srgbClr val="FF5600"/>
-                </a:solidFill>
-                <a:effectLst/>
-                <a:latin typeface="AbrilFatface"/>
-              </a:rPr>
-              <a:t>find</a:t>
-            </a:r>
-            <a:r>
-              <a:rPr lang="zh-CN" altLang="en-US" sz="3200" dirty="0">
-                <a:solidFill>
-                  <a:srgbClr val="FF5600"/>
-                </a:solidFill>
-                <a:effectLst/>
-                <a:latin typeface="AbrilFatface"/>
-              </a:rPr>
-              <a:t> </a:t>
-            </a:r>
-            <a:r>
-              <a:rPr lang="en-US" altLang="zh-CN" sz="3200" dirty="0">
-                <a:solidFill>
-                  <a:srgbClr val="FF5600"/>
-                </a:solidFill>
-                <a:effectLst/>
-                <a:latin typeface="AbrilFatface"/>
-              </a:rPr>
-              <a:t>in</a:t>
-            </a:r>
-            <a:r>
-              <a:rPr lang="zh-CN" altLang="en-US" sz="3200" dirty="0">
-                <a:solidFill>
-                  <a:srgbClr val="FF5600"/>
-                </a:solidFill>
-                <a:effectLst/>
-                <a:latin typeface="AbrilFatface"/>
-              </a:rPr>
-              <a:t> </a:t>
-            </a:r>
-            <a:r>
-              <a:rPr lang="en-US" altLang="zh-CN" sz="3200" dirty="0">
-                <a:solidFill>
-                  <a:srgbClr val="FF5600"/>
-                </a:solidFill>
-                <a:effectLst/>
-                <a:latin typeface="AbrilFatface"/>
-              </a:rPr>
-              <a:t>this</a:t>
-            </a:r>
-            <a:r>
-              <a:rPr lang="zh-CN" altLang="en-US" sz="3200" dirty="0">
-                <a:solidFill>
-                  <a:srgbClr val="FF5600"/>
-                </a:solidFill>
-                <a:effectLst/>
-                <a:latin typeface="AbrilFatface"/>
-              </a:rPr>
-              <a:t> </a:t>
-            </a:r>
-            <a:r>
-              <a:rPr lang="en-US" altLang="zh-CN" sz="3200" dirty="0">
-                <a:solidFill>
-                  <a:srgbClr val="FF5600"/>
-                </a:solidFill>
-                <a:effectLst/>
-                <a:latin typeface="AbrilFatface"/>
-              </a:rPr>
-              <a:t>figure</a:t>
-            </a:r>
-            <a:r>
-              <a:rPr lang="zh-CN" altLang="en-US" sz="3200" dirty="0">
-                <a:solidFill>
-                  <a:srgbClr val="FF5600"/>
-                </a:solidFill>
-                <a:effectLst/>
-                <a:latin typeface="AbrilFatface"/>
-              </a:rPr>
-              <a:t>） </a:t>
-            </a:r>
-            <a:endParaRPr lang="en-US" sz="3200" dirty="0">
-              <a:effectLst/>
-            </a:endParaRPr>
-          </a:p>
-          <a:p>
-            <a:r>
-              <a:rPr lang="en-US" sz="2400" b="0" dirty="0">
-                <a:effectLst/>
-                <a:latin typeface="GillSans" panose="020B0A02020104020203" pitchFamily="34" charset="77"/>
-              </a:rPr>
-              <a:t>Results obtained on an NVIDIA V100 GPU </a:t>
-            </a:r>
-            <a:endParaRPr lang="en-US" sz="2400" dirty="0">
-              <a:effectLst/>
-            </a:endParaRPr>
+              <a:rPr lang="en-US" dirty="0">
+                <a:solidFill>
+                  <a:schemeClr val="bg2">
+                    <a:lumMod val="90000"/>
+                  </a:schemeClr>
+                </a:solidFill>
+              </a:rPr>
+              <a:t>Evaluation</a:t>
+            </a:r>
+          </a:p>
+          <a:p>
+            <a:r>
+              <a:rPr lang="en-US" dirty="0"/>
+              <a:t>Summary and Discussion</a:t>
+            </a:r>
+            <a:endParaRPr lang="el-GR" dirty="0"/>
           </a:p>
         </p:txBody>
       </p:sp>
     </p:spTree>
     <p:extLst>
       <p:ext uri="{BB962C8B-B14F-4D97-AF65-F5344CB8AC3E}">
-        <p14:creationId xmlns:p14="http://schemas.microsoft.com/office/powerpoint/2010/main" val="2489248460"/>
+        <p14:creationId xmlns:p14="http://schemas.microsoft.com/office/powerpoint/2010/main" val="1230532767"/>
       </p:ext>
     </p:extLst>
   </p:cSld>
@@ -9348,166 +9341,6 @@
           <a:chExt cx="0" cy="0"/>
         </a:xfrm>
       </p:grpSpPr>
-      <p:sp>
-        <p:nvSpPr>
-          <p:cNvPr id="2" name="Title 1"/>
-          <p:cNvSpPr>
-            <a:spLocks noGrp="1"/>
-          </p:cNvSpPr>
-          <p:nvPr>
-            <p:ph type="title"/>
-          </p:nvPr>
-        </p:nvSpPr>
-        <p:spPr/>
-        <p:txBody>
-          <a:bodyPr/>
-          <a:lstStyle/>
-          <a:p>
-            <a:r>
-              <a:rPr lang="en-US" dirty="0"/>
-              <a:t>Outline</a:t>
-            </a:r>
-            <a:endParaRPr lang="el-GR" dirty="0"/>
-          </a:p>
-        </p:txBody>
-      </p:sp>
-      <p:sp>
-        <p:nvSpPr>
-          <p:cNvPr id="3" name="Content Placeholder 2"/>
-          <p:cNvSpPr>
-            <a:spLocks noGrp="1"/>
-          </p:cNvSpPr>
-          <p:nvPr>
-            <p:ph idx="1"/>
-          </p:nvPr>
-        </p:nvSpPr>
-        <p:spPr/>
-        <p:txBody>
-          <a:bodyPr/>
-          <a:lstStyle/>
-          <a:p>
-            <a:r>
-              <a:rPr lang="en-US" dirty="0">
-                <a:solidFill>
-                  <a:schemeClr val="bg2">
-                    <a:lumMod val="90000"/>
-                  </a:schemeClr>
-                </a:solidFill>
-              </a:rPr>
-              <a:t>Background</a:t>
-            </a:r>
-          </a:p>
-          <a:p>
-            <a:r>
-              <a:rPr lang="en-US" dirty="0">
-                <a:solidFill>
-                  <a:schemeClr val="bg2">
-                    <a:lumMod val="90000"/>
-                  </a:schemeClr>
-                </a:solidFill>
-              </a:rPr>
-              <a:t>Motivation</a:t>
-            </a:r>
-          </a:p>
-          <a:p>
-            <a:r>
-              <a:rPr lang="en-US" altLang="zh-CN" dirty="0">
-                <a:solidFill>
-                  <a:schemeClr val="bg2">
-                    <a:lumMod val="90000"/>
-                  </a:schemeClr>
-                </a:solidFill>
-              </a:rPr>
-              <a:t>Overview</a:t>
-            </a:r>
-            <a:endParaRPr lang="en-US" dirty="0">
-              <a:solidFill>
-                <a:schemeClr val="bg2">
-                  <a:lumMod val="90000"/>
-                </a:schemeClr>
-              </a:solidFill>
-            </a:endParaRPr>
-          </a:p>
-          <a:p>
-            <a:r>
-              <a:rPr lang="en-US" dirty="0">
-                <a:solidFill>
-                  <a:schemeClr val="bg2">
-                    <a:lumMod val="90000"/>
-                  </a:schemeClr>
-                </a:solidFill>
-              </a:rPr>
-              <a:t>Me</a:t>
-            </a:r>
-            <a:r>
-              <a:rPr lang="en-US" altLang="zh-CN" dirty="0">
-                <a:solidFill>
-                  <a:schemeClr val="bg2">
-                    <a:lumMod val="90000"/>
-                  </a:schemeClr>
-                </a:solidFill>
-              </a:rPr>
-              <a:t>thod</a:t>
-            </a:r>
-            <a:endParaRPr lang="en-US" dirty="0">
-              <a:solidFill>
-                <a:schemeClr val="bg2">
-                  <a:lumMod val="90000"/>
-                </a:schemeClr>
-              </a:solidFill>
-            </a:endParaRPr>
-          </a:p>
-          <a:p>
-            <a:r>
-              <a:rPr lang="en-US" dirty="0">
-                <a:solidFill>
-                  <a:schemeClr val="bg2">
-                    <a:lumMod val="90000"/>
-                  </a:schemeClr>
-                </a:solidFill>
-              </a:rPr>
-              <a:t>Evaluation</a:t>
-            </a:r>
-          </a:p>
-          <a:p>
-            <a:r>
-              <a:rPr lang="en-US" dirty="0"/>
-              <a:t>Summary and Discussion</a:t>
-            </a:r>
-            <a:endParaRPr lang="el-GR" dirty="0"/>
-          </a:p>
-        </p:txBody>
-      </p:sp>
-    </p:spTree>
-    <p:extLst>
-      <p:ext uri="{BB962C8B-B14F-4D97-AF65-F5344CB8AC3E}">
-        <p14:creationId xmlns:p14="http://schemas.microsoft.com/office/powerpoint/2010/main" val="1230532767"/>
-      </p:ext>
-    </p:extLst>
-  </p:cSld>
-  <p:clrMapOvr>
-    <a:masterClrMapping/>
-  </p:clrMapOvr>
-</p:sld>
-</file>
-
-<file path=ppt/slides/slide28.xml><?xml version="1.0" encoding="utf-8"?>
-<p:sld xmlns:a="http://schemas.openxmlformats.org/drawingml/2006/main" xmlns:r="http://schemas.openxmlformats.org/officeDocument/2006/relationships" xmlns:p="http://schemas.openxmlformats.org/presentationml/2006/main">
-  <p:cSld>
-    <p:spTree>
-      <p:nvGrpSpPr>
-        <p:cNvPr id="1" name=""/>
-        <p:cNvGrpSpPr/>
-        <p:nvPr/>
-      </p:nvGrpSpPr>
-      <p:grpSpPr>
-        <a:xfrm>
-          <a:off x="0" y="0"/>
-          <a:ext cx="0" cy="0"/>
-          <a:chOff x="0" y="0"/>
-          <a:chExt cx="0" cy="0"/>
-        </a:xfrm>
-      </p:grpSpPr>
       <p:pic>
         <p:nvPicPr>
           <p:cNvPr id="5" name="Content Placeholder 4">
@@ -9609,7 +9442,7 @@
 </p:sld>
 </file>
 
-<file path=ppt/slides/slide29.xml><?xml version="1.0" encoding="utf-8"?>
+<file path=ppt/slides/slide28.xml><?xml version="1.0" encoding="utf-8"?>
 <p:sld xmlns:a="http://schemas.openxmlformats.org/drawingml/2006/main" xmlns:r="http://schemas.openxmlformats.org/officeDocument/2006/relationships" xmlns:p="http://schemas.openxmlformats.org/presentationml/2006/main">
   <p:cSld>
     <p:spTree>
@@ -10463,7 +10296,7 @@
           <a:p>
             <a:r>
               <a:rPr lang="en-US" dirty="0"/>
-              <a:t>Overview</a:t>
+              <a:t>Outline</a:t>
             </a:r>
             <a:endParaRPr lang="el-GR" dirty="0"/>
           </a:p>
@@ -10481,51 +10314,50 @@
         </p:nvSpPr>
         <p:spPr/>
         <p:txBody>
-          <a:bodyPr>
-            <a:normAutofit/>
-          </a:bodyPr>
+          <a:bodyPr/>
           <a:lstStyle/>
           <a:p>
             <a:r>
               <a:rPr lang="en-US" dirty="0"/>
-              <a:t>Problem: challenging.</a:t>
+              <a:t>Background</a:t>
             </a:r>
           </a:p>
           <a:p>
             <a:r>
               <a:rPr lang="en-US" dirty="0"/>
-              <a:t>Approach:  M</a:t>
-            </a:r>
+              <a:t>Motivation</a:t>
+            </a:r>
+          </a:p>
+          <a:p>
             <a:r>
               <a:rPr lang="en-US" altLang="zh-CN" dirty="0"/>
-              <a:t>w</a:t>
-            </a:r>
-            <a:r>
-              <a:rPr lang="zh-CN" altLang="en-US" dirty="0"/>
-              <a:t>  </a:t>
-            </a:r>
+              <a:t>Overview</a:t>
+            </a:r>
+            <a:endParaRPr lang="en-US" dirty="0"/>
+          </a:p>
+          <a:p>
             <a:r>
               <a:rPr lang="en-US" dirty="0"/>
-              <a:t>How?</a:t>
-            </a:r>
-          </a:p>
-          <a:p>
-            <a:pPr lvl="1"/>
+              <a:t>Me</a:t>
+            </a:r>
+            <a:r>
+              <a:rPr lang="en-US" altLang="zh-CN" dirty="0"/>
+              <a:t>thod</a:t>
+            </a:r>
+            <a:endParaRPr lang="en-US" dirty="0"/>
+          </a:p>
+          <a:p>
             <a:r>
               <a:rPr lang="en-US" dirty="0"/>
-              <a:t>Us.</a:t>
+              <a:t>Evaluation</a:t>
             </a:r>
           </a:p>
           <a:p>
             <a:r>
               <a:rPr lang="en-US" dirty="0"/>
-              <a:t>Findings:</a:t>
-            </a:r>
-            <a:endParaRPr lang="el-GR" b="1" dirty="0">
-              <a:solidFill>
-                <a:srgbClr val="C00000"/>
-              </a:solidFill>
-            </a:endParaRPr>
+              <a:t>Summary and Discussion</a:t>
+            </a:r>
+            <a:endParaRPr lang="el-GR" dirty="0"/>
           </a:p>
         </p:txBody>
       </p:sp>
@@ -10599,113 +10431,6 @@
           </a:p>
           <a:p>
             <a:r>
-              <a:rPr lang="en-US" dirty="0"/>
-              <a:t>Motivation</a:t>
-            </a:r>
-          </a:p>
-          <a:p>
-            <a:r>
-              <a:rPr lang="en-US" altLang="zh-CN" dirty="0"/>
-              <a:t>Overview</a:t>
-            </a:r>
-            <a:endParaRPr lang="en-US" dirty="0"/>
-          </a:p>
-          <a:p>
-            <a:r>
-              <a:rPr lang="en-US" dirty="0"/>
-              <a:t>Me</a:t>
-            </a:r>
-            <a:r>
-              <a:rPr lang="en-US" altLang="zh-CN" dirty="0"/>
-              <a:t>thod</a:t>
-            </a:r>
-            <a:endParaRPr lang="en-US" dirty="0"/>
-          </a:p>
-          <a:p>
-            <a:r>
-              <a:rPr lang="en-US" dirty="0"/>
-              <a:t>Evaluation</a:t>
-            </a:r>
-          </a:p>
-          <a:p>
-            <a:r>
-              <a:rPr lang="en-US" dirty="0"/>
-              <a:t>Summary and Discussion</a:t>
-            </a:r>
-            <a:endParaRPr lang="el-GR" dirty="0"/>
-          </a:p>
-        </p:txBody>
-      </p:sp>
-    </p:spTree>
-  </p:cSld>
-  <p:clrMapOvr>
-    <a:masterClrMapping/>
-  </p:clrMapOvr>
-</p:sld>
-</file>
-
-<file path=ppt/slides/slide6.xml><?xml version="1.0" encoding="utf-8"?>
-<p:sld xmlns:a="http://schemas.openxmlformats.org/drawingml/2006/main" xmlns:r="http://schemas.openxmlformats.org/officeDocument/2006/relationships" xmlns:p="http://schemas.openxmlformats.org/presentationml/2006/main">
-  <p:cSld>
-    <p:spTree>
-      <p:nvGrpSpPr>
-        <p:cNvPr id="1" name=""/>
-        <p:cNvGrpSpPr/>
-        <p:nvPr/>
-      </p:nvGrpSpPr>
-      <p:grpSpPr>
-        <a:xfrm>
-          <a:off x="0" y="0"/>
-          <a:ext cx="0" cy="0"/>
-          <a:chOff x="0" y="0"/>
-          <a:chExt cx="0" cy="0"/>
-        </a:xfrm>
-      </p:grpSpPr>
-      <p:sp>
-        <p:nvSpPr>
-          <p:cNvPr id="2" name="Title 1"/>
-          <p:cNvSpPr>
-            <a:spLocks noGrp="1"/>
-          </p:cNvSpPr>
-          <p:nvPr>
-            <p:ph type="title"/>
-          </p:nvPr>
-        </p:nvSpPr>
-        <p:spPr/>
-        <p:txBody>
-          <a:bodyPr/>
-          <a:lstStyle/>
-          <a:p>
-            <a:r>
-              <a:rPr lang="en-US" dirty="0"/>
-              <a:t>Outline</a:t>
-            </a:r>
-            <a:endParaRPr lang="el-GR" dirty="0"/>
-          </a:p>
-        </p:txBody>
-      </p:sp>
-      <p:sp>
-        <p:nvSpPr>
-          <p:cNvPr id="3" name="Content Placeholder 2"/>
-          <p:cNvSpPr>
-            <a:spLocks noGrp="1"/>
-          </p:cNvSpPr>
-          <p:nvPr>
-            <p:ph idx="1"/>
-          </p:nvPr>
-        </p:nvSpPr>
-        <p:spPr/>
-        <p:txBody>
-          <a:bodyPr/>
-          <a:lstStyle/>
-          <a:p>
-            <a:r>
-              <a:rPr lang="en-US" dirty="0"/>
-              <a:t>Background</a:t>
-            </a:r>
-          </a:p>
-          <a:p>
-            <a:r>
               <a:rPr lang="en-US" dirty="0">
                 <a:solidFill>
                   <a:schemeClr val="bg2">
@@ -10810,7 +10535,7 @@
 </p:sld>
 </file>
 
-<file path=ppt/slides/slide7.xml><?xml version="1.0" encoding="utf-8"?>
+<file path=ppt/slides/slide6.xml><?xml version="1.0" encoding="utf-8"?>
 <p:sld xmlns:a="http://schemas.openxmlformats.org/drawingml/2006/main" xmlns:r="http://schemas.openxmlformats.org/officeDocument/2006/relationships" xmlns:p="http://schemas.openxmlformats.org/presentationml/2006/main">
   <p:cSld>
     <p:spTree>
@@ -10869,7 +10594,7 @@
 </p:sld>
 </file>
 
-<file path=ppt/slides/slide8.xml><?xml version="1.0" encoding="utf-8"?>
+<file path=ppt/slides/slide7.xml><?xml version="1.0" encoding="utf-8"?>
 <p:sld xmlns:a="http://schemas.openxmlformats.org/drawingml/2006/main" xmlns:r="http://schemas.openxmlformats.org/officeDocument/2006/relationships" xmlns:p="http://schemas.openxmlformats.org/presentationml/2006/main">
   <p:cSld>
     <p:spTree>
@@ -11553,6 +11278,175 @@
 </p:sld>
 </file>
 
+<file path=ppt/slides/slide8.xml><?xml version="1.0" encoding="utf-8"?>
+<p:sld xmlns:a="http://schemas.openxmlformats.org/drawingml/2006/main" xmlns:r="http://schemas.openxmlformats.org/officeDocument/2006/relationships" xmlns:p="http://schemas.openxmlformats.org/presentationml/2006/main">
+  <p:cSld>
+    <p:spTree>
+      <p:nvGrpSpPr>
+        <p:cNvPr id="1" name=""/>
+        <p:cNvGrpSpPr/>
+        <p:nvPr/>
+      </p:nvGrpSpPr>
+      <p:grpSpPr>
+        <a:xfrm>
+          <a:off x="0" y="0"/>
+          <a:ext cx="0" cy="0"/>
+          <a:chOff x="0" y="0"/>
+          <a:chExt cx="0" cy="0"/>
+        </a:xfrm>
+      </p:grpSpPr>
+      <p:sp>
+        <p:nvSpPr>
+          <p:cNvPr id="2" name="Title 1">
+            <a:extLst>
+              <a:ext uri="{FF2B5EF4-FFF2-40B4-BE49-F238E27FC236}">
+                <a16:creationId xmlns:a16="http://schemas.microsoft.com/office/drawing/2014/main" id="{695D55AA-D2D5-F8AA-F9DC-B17BED342CA6}"/>
+              </a:ext>
+            </a:extLst>
+          </p:cNvPr>
+          <p:cNvSpPr>
+            <a:spLocks noGrp="1"/>
+          </p:cNvSpPr>
+          <p:nvPr>
+            <p:ph type="title"/>
+          </p:nvPr>
+        </p:nvSpPr>
+        <p:spPr/>
+        <p:txBody>
+          <a:bodyPr>
+            <a:normAutofit/>
+          </a:bodyPr>
+          <a:lstStyle/>
+          <a:p>
+            <a:r>
+              <a:rPr lang="en-US" sz="3600" b="0" dirty="0">
+                <a:solidFill>
+                  <a:srgbClr val="FF5600"/>
+                </a:solidFill>
+                <a:effectLst/>
+                <a:latin typeface="GillSans" panose="020B0A02020104020203" pitchFamily="34" charset="77"/>
+              </a:rPr>
+              <a:t>Understanding GPU Energy Consumption </a:t>
+            </a:r>
+            <a:endParaRPr lang="en-SA" sz="3600" dirty="0"/>
+          </a:p>
+        </p:txBody>
+      </p:sp>
+      <p:sp>
+        <p:nvSpPr>
+          <p:cNvPr id="3" name="Content Placeholder 2">
+            <a:extLst>
+              <a:ext uri="{FF2B5EF4-FFF2-40B4-BE49-F238E27FC236}">
+                <a16:creationId xmlns:a16="http://schemas.microsoft.com/office/drawing/2014/main" id="{ADDBE3F1-5241-BB2E-1DBD-94B58F189375}"/>
+              </a:ext>
+            </a:extLst>
+          </p:cNvPr>
+          <p:cNvSpPr>
+            <a:spLocks noGrp="1"/>
+          </p:cNvSpPr>
+          <p:nvPr>
+            <p:ph idx="1"/>
+          </p:nvPr>
+        </p:nvSpPr>
+        <p:spPr>
+          <a:xfrm>
+            <a:off x="838199" y="1825625"/>
+            <a:ext cx="11244209" cy="2068281"/>
+          </a:xfrm>
+        </p:spPr>
+        <p:txBody>
+          <a:bodyPr>
+            <a:normAutofit/>
+          </a:bodyPr>
+          <a:lstStyle/>
+          <a:p>
+            <a:pPr marL="0" indent="0">
+              <a:buNone/>
+            </a:pPr>
+            <a:r>
+              <a:rPr lang="en-US" sz="3600" dirty="0">
+                <a:effectLst/>
+                <a:latin typeface="GillSans" panose="020B0A02020104020203" pitchFamily="34" charset="77"/>
+              </a:rPr>
+              <a:t>Energy to Accuracy (ETA) </a:t>
+            </a:r>
+            <a:endParaRPr lang="en-US" sz="3600" dirty="0">
+              <a:effectLst/>
+            </a:endParaRPr>
+          </a:p>
+          <a:p>
+            <a:pPr>
+              <a:buFont typeface="Arial" panose="020B0604020202020204" pitchFamily="34" charset="0"/>
+              <a:buChar char="•"/>
+            </a:pPr>
+            <a:r>
+              <a:rPr lang="en-US" sz="3600" b="0" dirty="0">
+                <a:effectLst/>
+                <a:latin typeface="GillSans" panose="020B0A02020104020203" pitchFamily="34" charset="77"/>
+              </a:rPr>
+              <a:t>Energy needed to reach the user-specified </a:t>
+            </a:r>
+            <a:r>
+              <a:rPr lang="en-US" sz="3600" b="0" dirty="0">
+                <a:solidFill>
+                  <a:srgbClr val="F47F23"/>
+                </a:solidFill>
+                <a:effectLst/>
+                <a:latin typeface="GillSans" panose="020B0A02020104020203" pitchFamily="34" charset="77"/>
+              </a:rPr>
+              <a:t>target accuracy </a:t>
+            </a:r>
+            <a:endParaRPr lang="en-US" sz="3600" dirty="0">
+              <a:effectLst/>
+              <a:latin typeface="ArialMT"/>
+            </a:endParaRPr>
+          </a:p>
+          <a:p>
+            <a:pPr>
+              <a:buFont typeface="Arial" panose="020B0604020202020204" pitchFamily="34" charset="0"/>
+              <a:buChar char="•"/>
+            </a:pPr>
+            <a:r>
+              <a:rPr lang="en-US" sz="3600" b="0" dirty="0">
+                <a:effectLst/>
+                <a:latin typeface="GillSans" panose="020B0A02020104020203" pitchFamily="34" charset="77"/>
+              </a:rPr>
+              <a:t>Energy-counterpart of </a:t>
+            </a:r>
+            <a:r>
+              <a:rPr lang="en-US" sz="3600" b="0" i="1" dirty="0">
+                <a:effectLst/>
+                <a:latin typeface="GillSans" panose="020B0A02020104020203" pitchFamily="34" charset="77"/>
+              </a:rPr>
+              <a:t>Time to Accuracy </a:t>
+            </a:r>
+            <a:r>
+              <a:rPr lang="en-US" sz="3600" b="0" dirty="0">
+                <a:effectLst/>
+                <a:latin typeface="GillSans" panose="020B0A02020104020203" pitchFamily="34" charset="77"/>
+              </a:rPr>
+              <a:t>(TTA) </a:t>
+            </a:r>
+            <a:endParaRPr lang="en-US" sz="3600" dirty="0">
+              <a:effectLst/>
+              <a:latin typeface="ArialMT"/>
+            </a:endParaRPr>
+          </a:p>
+        </p:txBody>
+      </p:sp>
+    </p:spTree>
+    <p:extLst>
+      <p:ext uri="{BB962C8B-B14F-4D97-AF65-F5344CB8AC3E}">
+        <p14:creationId xmlns:p14="http://schemas.microsoft.com/office/powerpoint/2010/main" val="3240778873"/>
+      </p:ext>
+    </p:extLst>
+  </p:cSld>
+  <p:clrMapOvr>
+    <a:masterClrMapping/>
+  </p:clrMapOvr>
+</p:sld>
+</file>
+
 <file path=ppt/slides/slide9.xml><?xml version="1.0" encoding="utf-8"?>
 <p:sld xmlns:a="http://schemas.openxmlformats.org/drawingml/2006/main" xmlns:r="http://schemas.openxmlformats.org/officeDocument/2006/relationships" xmlns:p="http://schemas.openxmlformats.org/presentationml/2006/main">
   <p:cSld>
@@ -11572,13 +11466,7 @@
       </p:grpSpPr>
       <p:sp>
         <p:nvSpPr>
-          <p:cNvPr id="2" name="Title 1">
-            <a:extLst>
-              <a:ext uri="{FF2B5EF4-FFF2-40B4-BE49-F238E27FC236}">
-                <a16:creationId xmlns:a16="http://schemas.microsoft.com/office/drawing/2014/main" id="{695D55AA-D2D5-F8AA-F9DC-B17BED342CA6}"/>
-              </a:ext>
-            </a:extLst>
-          </p:cNvPr>
+          <p:cNvPr id="2" name="Title 1"/>
           <p:cNvSpPr>
             <a:spLocks noGrp="1"/>
           </p:cNvSpPr>
@@ -11588,34 +11476,20 @@
         </p:nvSpPr>
         <p:spPr/>
         <p:txBody>
-          <a:bodyPr>
-            <a:normAutofit/>
-          </a:bodyPr>
+          <a:bodyPr/>
           <a:lstStyle/>
           <a:p>
             <a:r>
-              <a:rPr lang="en-US" sz="3600" b="0" dirty="0">
-                <a:solidFill>
-                  <a:srgbClr val="FF5600"/>
-                </a:solidFill>
-                <a:effectLst/>
-                <a:latin typeface="GillSans" panose="020B0A02020104020203" pitchFamily="34" charset="77"/>
-              </a:rPr>
-              <a:t>Understanding GPU Energy Consumption </a:t>
-            </a:r>
-            <a:endParaRPr lang="en-SA" sz="3600" dirty="0"/>
-          </a:p>
-        </p:txBody>
-      </p:sp>
-      <p:sp>
-        <p:nvSpPr>
-          <p:cNvPr id="3" name="Content Placeholder 2">
-            <a:extLst>
-              <a:ext uri="{FF2B5EF4-FFF2-40B4-BE49-F238E27FC236}">
-                <a16:creationId xmlns:a16="http://schemas.microsoft.com/office/drawing/2014/main" id="{ADDBE3F1-5241-BB2E-1DBD-94B58F189375}"/>
-              </a:ext>
-            </a:extLst>
-          </p:cNvPr>
+              <a:rPr lang="en-US" dirty="0"/>
+              <a:t>Outline</a:t>
+            </a:r>
+            <a:endParaRPr lang="el-GR" dirty="0"/>
+          </a:p>
+        </p:txBody>
+      </p:sp>
+      <p:sp>
+        <p:nvSpPr>
+          <p:cNvPr id="3" name="Content Placeholder 2"/>
           <p:cNvSpPr>
             <a:spLocks noGrp="1"/>
           </p:cNvSpPr>
@@ -11623,88 +11497,105 @@
             <p:ph idx="1"/>
           </p:nvPr>
         </p:nvSpPr>
-        <p:spPr>
-          <a:xfrm>
-            <a:off x="838199" y="1825625"/>
-            <a:ext cx="11244209" cy="2068281"/>
-          </a:xfrm>
-        </p:spPr>
-        <p:txBody>
-          <a:bodyPr>
-            <a:normAutofit/>
-          </a:bodyPr>
+        <p:spPr/>
+        <p:txBody>
+          <a:bodyPr/>
           <a:lstStyle/>
           <a:p>
-            <a:pPr marL="0" indent="0">
-              <a:buNone/>
-            </a:pPr>
-            <a:r>
-              <a:rPr lang="en-US" sz="3600" dirty="0">
-                <a:effectLst/>
-                <a:latin typeface="GillSans" panose="020B0A02020104020203" pitchFamily="34" charset="77"/>
-              </a:rPr>
-              <a:t>Energy to Accuracy (ETA) </a:t>
-            </a:r>
-            <a:endParaRPr lang="en-US" sz="3600" dirty="0">
-              <a:effectLst/>
+            <a:r>
+              <a:rPr lang="en-US" dirty="0">
+                <a:solidFill>
+                  <a:schemeClr val="bg2">
+                    <a:lumMod val="90000"/>
+                  </a:schemeClr>
+                </a:solidFill>
+              </a:rPr>
+              <a:t>Background</a:t>
+            </a:r>
+          </a:p>
+          <a:p>
+            <a:r>
+              <a:rPr lang="en-US" dirty="0"/>
+              <a:t>Motivation</a:t>
+            </a:r>
+          </a:p>
+          <a:p>
+            <a:r>
+              <a:rPr lang="en-US" altLang="zh-CN" dirty="0">
+                <a:solidFill>
+                  <a:schemeClr val="bg2">
+                    <a:lumMod val="90000"/>
+                  </a:schemeClr>
+                </a:solidFill>
+              </a:rPr>
+              <a:t>Overview</a:t>
+            </a:r>
+            <a:endParaRPr lang="en-US" dirty="0">
+              <a:solidFill>
+                <a:schemeClr val="bg2">
+                  <a:lumMod val="90000"/>
+                </a:schemeClr>
+              </a:solidFill>
             </a:endParaRPr>
           </a:p>
           <a:p>
-            <a:pPr>
-              <a:buFont typeface="Arial" panose="020B0604020202020204" pitchFamily="34" charset="0"/>
-              <a:buChar char="•"/>
-            </a:pPr>
-            <a:r>
-              <a:rPr lang="en-US" sz="3600" b="0" dirty="0">
-                <a:effectLst/>
-                <a:latin typeface="GillSans" panose="020B0A02020104020203" pitchFamily="34" charset="77"/>
-              </a:rPr>
-              <a:t>Energy needed to reach the user-specified </a:t>
-            </a:r>
-            <a:r>
-              <a:rPr lang="en-US" sz="3600" b="0" dirty="0">
-                <a:solidFill>
-                  <a:srgbClr val="F47F23"/>
-                </a:solidFill>
-                <a:effectLst/>
-                <a:latin typeface="GillSans" panose="020B0A02020104020203" pitchFamily="34" charset="77"/>
-              </a:rPr>
-              <a:t>target accuracy </a:t>
-            </a:r>
-            <a:endParaRPr lang="en-US" sz="3600" dirty="0">
-              <a:effectLst/>
-              <a:latin typeface="ArialMT"/>
+            <a:r>
+              <a:rPr lang="en-US" dirty="0">
+                <a:solidFill>
+                  <a:schemeClr val="bg2">
+                    <a:lumMod val="90000"/>
+                  </a:schemeClr>
+                </a:solidFill>
+              </a:rPr>
+              <a:t>Me</a:t>
+            </a:r>
+            <a:r>
+              <a:rPr lang="en-US" altLang="zh-CN" dirty="0">
+                <a:solidFill>
+                  <a:schemeClr val="bg2">
+                    <a:lumMod val="90000"/>
+                  </a:schemeClr>
+                </a:solidFill>
+              </a:rPr>
+              <a:t>thod</a:t>
+            </a:r>
+            <a:endParaRPr lang="en-US" dirty="0">
+              <a:solidFill>
+                <a:schemeClr val="bg2">
+                  <a:lumMod val="90000"/>
+                </a:schemeClr>
+              </a:solidFill>
             </a:endParaRPr>
           </a:p>
           <a:p>
-            <a:pPr>
-              <a:buFont typeface="Arial" panose="020B0604020202020204" pitchFamily="34" charset="0"/>
-              <a:buChar char="•"/>
-            </a:pPr>
-            <a:r>
-              <a:rPr lang="en-US" sz="3600" b="0" dirty="0">
-                <a:effectLst/>
-                <a:latin typeface="GillSans" panose="020B0A02020104020203" pitchFamily="34" charset="77"/>
-              </a:rPr>
-              <a:t>Energy-counterpart of </a:t>
-            </a:r>
-            <a:r>
-              <a:rPr lang="en-US" sz="3600" b="0" i="1" dirty="0">
-                <a:effectLst/>
-                <a:latin typeface="GillSans" panose="020B0A02020104020203" pitchFamily="34" charset="77"/>
-              </a:rPr>
-              <a:t>Time to Accuracy </a:t>
-            </a:r>
-            <a:r>
-              <a:rPr lang="en-US" sz="3600" b="0" dirty="0">
-                <a:effectLst/>
-                <a:latin typeface="GillSans" panose="020B0A02020104020203" pitchFamily="34" charset="77"/>
-              </a:rPr>
-              <a:t>(TTA) </a:t>
-            </a:r>
-            <a:endParaRPr lang="en-US" sz="3600" dirty="0">
-              <a:effectLst/>
-              <a:latin typeface="ArialMT"/>
+            <a:r>
+              <a:rPr lang="en-US" dirty="0">
+                <a:solidFill>
+                  <a:schemeClr val="bg2">
+                    <a:lumMod val="90000"/>
+                  </a:schemeClr>
+                </a:solidFill>
+              </a:rPr>
+              <a:t>Evaluation</a:t>
+            </a:r>
+          </a:p>
+          <a:p>
+            <a:r>
+              <a:rPr lang="en-US" dirty="0">
+                <a:solidFill>
+                  <a:schemeClr val="bg2">
+                    <a:lumMod val="90000"/>
+                  </a:schemeClr>
+                </a:solidFill>
+              </a:rPr>
+              <a:t>Summary and Discussion</a:t>
+            </a:r>
+            <a:endParaRPr lang="el-GR" dirty="0">
+              <a:solidFill>
+                <a:schemeClr val="bg2">
+                  <a:lumMod val="90000"/>
+                </a:schemeClr>
+              </a:solidFill>
             </a:endParaRPr>
           </a:p>
         </p:txBody>
@@ -11712,7 +11603,7 @@
     </p:spTree>
     <p:extLst>
       <p:ext uri="{BB962C8B-B14F-4D97-AF65-F5344CB8AC3E}">
-        <p14:creationId xmlns:p14="http://schemas.microsoft.com/office/powerpoint/2010/main" val="3240778873"/>
+        <p14:creationId xmlns:p14="http://schemas.microsoft.com/office/powerpoint/2010/main" val="9971072"/>
       </p:ext>
     </p:extLst>
   </p:cSld>

--- a/paperview/zeuspresentation.pptx
+++ b/paperview/zeuspresentation.pptx
@@ -5,7 +5,7 @@
     <p:sldMasterId id="2147483648" r:id="rId1"/>
   </p:sldMasterIdLst>
   <p:notesMasterIdLst>
-    <p:notesMasterId r:id="rId30"/>
+    <p:notesMasterId r:id="rId32"/>
   </p:notesMasterIdLst>
   <p:sldIdLst>
     <p:sldId id="256" r:id="rId2"/>
@@ -36,6 +36,8 @@
     <p:sldId id="284" r:id="rId27"/>
     <p:sldId id="286" r:id="rId28"/>
     <p:sldId id="283" r:id="rId29"/>
+    <p:sldId id="287" r:id="rId30"/>
+    <p:sldId id="288" r:id="rId31"/>
   </p:sldIdLst>
   <p:sldSz cx="12192000" cy="6858000"/>
   <p:notesSz cx="6858000" cy="9144000"/>
@@ -10052,6 +10054,86 @@
 </p:sld>
 </file>
 
+<file path=ppt/slides/slide29.xml><?xml version="1.0" encoding="utf-8"?>
+<p:sld xmlns:a="http://schemas.openxmlformats.org/drawingml/2006/main" xmlns:r="http://schemas.openxmlformats.org/officeDocument/2006/relationships" xmlns:p="http://schemas.openxmlformats.org/presentationml/2006/main">
+  <p:cSld>
+    <p:spTree>
+      <p:nvGrpSpPr>
+        <p:cNvPr id="1" name=""/>
+        <p:cNvGrpSpPr/>
+        <p:nvPr/>
+      </p:nvGrpSpPr>
+      <p:grpSpPr>
+        <a:xfrm>
+          <a:off x="0" y="0"/>
+          <a:ext cx="0" cy="0"/>
+          <a:chOff x="0" y="0"/>
+          <a:chExt cx="0" cy="0"/>
+        </a:xfrm>
+      </p:grpSpPr>
+      <p:sp>
+        <p:nvSpPr>
+          <p:cNvPr id="2" name="Title 1">
+            <a:extLst>
+              <a:ext uri="{FF2B5EF4-FFF2-40B4-BE49-F238E27FC236}">
+                <a16:creationId xmlns:a16="http://schemas.microsoft.com/office/drawing/2014/main" id="{978CFD8C-2A5D-813B-EE46-D16F95D03A56}"/>
+              </a:ext>
+            </a:extLst>
+          </p:cNvPr>
+          <p:cNvSpPr>
+            <a:spLocks noGrp="1"/>
+          </p:cNvSpPr>
+          <p:nvPr>
+            <p:ph type="title"/>
+          </p:nvPr>
+        </p:nvSpPr>
+        <p:spPr/>
+        <p:txBody>
+          <a:bodyPr/>
+          <a:lstStyle/>
+          <a:p>
+            <a:endParaRPr lang="en-SA"/>
+          </a:p>
+        </p:txBody>
+      </p:sp>
+      <p:sp>
+        <p:nvSpPr>
+          <p:cNvPr id="3" name="Content Placeholder 2">
+            <a:extLst>
+              <a:ext uri="{FF2B5EF4-FFF2-40B4-BE49-F238E27FC236}">
+                <a16:creationId xmlns:a16="http://schemas.microsoft.com/office/drawing/2014/main" id="{3FE1BB19-1D23-D74C-139C-B17E127E78F1}"/>
+              </a:ext>
+            </a:extLst>
+          </p:cNvPr>
+          <p:cNvSpPr>
+            <a:spLocks noGrp="1"/>
+          </p:cNvSpPr>
+          <p:nvPr>
+            <p:ph idx="1"/>
+          </p:nvPr>
+        </p:nvSpPr>
+        <p:spPr/>
+        <p:txBody>
+          <a:bodyPr/>
+          <a:lstStyle/>
+          <a:p>
+            <a:endParaRPr lang="en-SA"/>
+          </a:p>
+        </p:txBody>
+      </p:sp>
+    </p:spTree>
+    <p:extLst>
+      <p:ext uri="{BB962C8B-B14F-4D97-AF65-F5344CB8AC3E}">
+        <p14:creationId xmlns:p14="http://schemas.microsoft.com/office/powerpoint/2010/main" val="263407091"/>
+      </p:ext>
+    </p:extLst>
+  </p:cSld>
+  <p:clrMapOvr>
+    <a:masterClrMapping/>
+  </p:clrMapOvr>
+</p:sld>
+</file>
+
 <file path=ppt/slides/slide3.xml><?xml version="1.0" encoding="utf-8"?>
 <p:sld xmlns:a="http://schemas.openxmlformats.org/drawingml/2006/main" xmlns:r="http://schemas.openxmlformats.org/officeDocument/2006/relationships" xmlns:p="http://schemas.openxmlformats.org/presentationml/2006/main">
   <p:cSld>
@@ -10253,6 +10335,371 @@
     <p:extLst>
       <p:ext uri="{BB962C8B-B14F-4D97-AF65-F5344CB8AC3E}">
         <p14:creationId xmlns:p14="http://schemas.microsoft.com/office/powerpoint/2010/main" val="495360764"/>
+      </p:ext>
+    </p:extLst>
+  </p:cSld>
+  <p:clrMapOvr>
+    <a:masterClrMapping/>
+  </p:clrMapOvr>
+</p:sld>
+</file>
+
+<file path=ppt/slides/slide30.xml><?xml version="1.0" encoding="utf-8"?>
+<p:sld xmlns:a="http://schemas.openxmlformats.org/drawingml/2006/main" xmlns:r="http://schemas.openxmlformats.org/officeDocument/2006/relationships" xmlns:p="http://schemas.openxmlformats.org/presentationml/2006/main">
+  <p:cSld>
+    <p:spTree>
+      <p:nvGrpSpPr>
+        <p:cNvPr id="1" name=""/>
+        <p:cNvGrpSpPr/>
+        <p:nvPr/>
+      </p:nvGrpSpPr>
+      <p:grpSpPr>
+        <a:xfrm>
+          <a:off x="0" y="0"/>
+          <a:ext cx="0" cy="0"/>
+          <a:chOff x="0" y="0"/>
+          <a:chExt cx="0" cy="0"/>
+        </a:xfrm>
+      </p:grpSpPr>
+      <p:sp>
+        <p:nvSpPr>
+          <p:cNvPr id="6" name="Title 1">
+            <a:extLst>
+              <a:ext uri="{FF2B5EF4-FFF2-40B4-BE49-F238E27FC236}">
+                <a16:creationId xmlns:a16="http://schemas.microsoft.com/office/drawing/2014/main" id="{6D99285F-76CF-A12E-8D79-D516E8681E98}"/>
+              </a:ext>
+            </a:extLst>
+          </p:cNvPr>
+          <p:cNvSpPr txBox="1">
+            <a:spLocks/>
+          </p:cNvSpPr>
+          <p:nvPr/>
+        </p:nvSpPr>
+        <p:spPr>
+          <a:xfrm>
+            <a:off x="838200" y="218740"/>
+            <a:ext cx="10515600" cy="1325563"/>
+          </a:xfrm>
+          <a:prstGeom prst="rect">
+            <a:avLst/>
+          </a:prstGeom>
+        </p:spPr>
+        <p:txBody>
+          <a:bodyPr vert="horz" lIns="91440" tIns="45720" rIns="91440" bIns="45720" rtlCol="0" anchor="ctr">
+            <a:normAutofit/>
+          </a:bodyPr>
+          <a:lstStyle>
+            <a:lvl1pPr algn="l" defTabSz="914400" rtl="0" eaLnBrk="1" latinLnBrk="0" hangingPunct="1">
+              <a:lnSpc>
+                <a:spcPct val="90000"/>
+              </a:lnSpc>
+              <a:spcBef>
+                <a:spcPct val="0"/>
+              </a:spcBef>
+              <a:buNone/>
+              <a:defRPr sz="4400" kern="1200">
+                <a:solidFill>
+                  <a:schemeClr val="tx1"/>
+                </a:solidFill>
+                <a:latin typeface="+mj-lt"/>
+                <a:ea typeface="+mj-ea"/>
+                <a:cs typeface="+mj-cs"/>
+              </a:defRPr>
+            </a:lvl1pPr>
+          </a:lstStyle>
+          <a:p>
+            <a:r>
+              <a:rPr lang="en-US" sz="3600" b="1" i="0" dirty="0" err="1">
+                <a:solidFill>
+                  <a:srgbClr val="333333"/>
+                </a:solidFill>
+                <a:effectLst/>
+                <a:latin typeface="Open Sans" panose="020B0606030504020204" pitchFamily="34" charset="0"/>
+              </a:rPr>
+              <a:t>EnvPipe</a:t>
+            </a:r>
+            <a:endParaRPr lang="en-US" sz="3600" b="1" i="0" dirty="0">
+              <a:solidFill>
+                <a:srgbClr val="333333"/>
+              </a:solidFill>
+              <a:effectLst/>
+              <a:latin typeface="Open Sans" panose="020B0606030504020204" pitchFamily="34" charset="0"/>
+            </a:endParaRPr>
+          </a:p>
+        </p:txBody>
+      </p:sp>
+      <p:sp>
+        <p:nvSpPr>
+          <p:cNvPr id="7" name="Rectangle 1">
+            <a:extLst>
+              <a:ext uri="{FF2B5EF4-FFF2-40B4-BE49-F238E27FC236}">
+                <a16:creationId xmlns:a16="http://schemas.microsoft.com/office/drawing/2014/main" id="{50158EE0-C0C1-7DE3-814F-86AB54425411}"/>
+              </a:ext>
+            </a:extLst>
+          </p:cNvPr>
+          <p:cNvSpPr>
+            <a:spLocks noChangeArrowheads="1"/>
+          </p:cNvSpPr>
+          <p:nvPr/>
+        </p:nvSpPr>
+        <p:spPr bwMode="auto">
+          <a:xfrm>
+            <a:off x="641757" y="2712485"/>
+            <a:ext cx="12192000" cy="0"/>
+          </a:xfrm>
+          <a:prstGeom prst="rect">
+            <a:avLst/>
+          </a:prstGeom>
+          <a:solidFill>
+            <a:srgbClr val="FFFFFF"/>
+          </a:solidFill>
+          <a:ln>
+            <a:noFill/>
+          </a:ln>
+          <a:effectLst/>
+          <a:extLst>
+            <a:ext uri="{91240B29-F687-4F45-9708-019B960494DF}">
+              <a14:hiddenLine xmlns:a14="http://schemas.microsoft.com/office/drawing/2010/main" w="9525">
+                <a:solidFill>
+                  <a:schemeClr val="tx1"/>
+                </a:solidFill>
+                <a:miter lim="800000"/>
+                <a:headEnd/>
+                <a:tailEnd/>
+              </a14:hiddenLine>
+            </a:ext>
+            <a:ext uri="{AF507438-7753-43E0-B8FC-AC1667EBCBE1}">
+              <a14:hiddenEffects xmlns:a14="http://schemas.microsoft.com/office/drawing/2010/main">
+                <a:effectLst>
+                  <a:outerShdw dist="35921" dir="2700000" algn="ctr" rotWithShape="0">
+                    <a:schemeClr val="bg2"/>
+                  </a:outerShdw>
+                </a:effectLst>
+              </a14:hiddenEffects>
+            </a:ext>
+          </a:extLst>
+        </p:spPr>
+        <p:txBody>
+          <a:bodyPr vert="horz" wrap="none" lIns="91440" tIns="45720" rIns="91440" bIns="45720" numCol="1" anchor="ctr" anchorCtr="0" compatLnSpc="1">
+            <a:prstTxWarp prst="textNoShape">
+              <a:avLst/>
+            </a:prstTxWarp>
+            <a:spAutoFit/>
+          </a:bodyPr>
+          <a:lstStyle>
+            <a:lvl1pPr eaLnBrk="0" fontAlgn="base" hangingPunct="0">
+              <a:spcBef>
+                <a:spcPct val="0"/>
+              </a:spcBef>
+              <a:spcAft>
+                <a:spcPct val="0"/>
+              </a:spcAft>
+              <a:defRPr>
+                <a:solidFill>
+                  <a:schemeClr val="tx1"/>
+                </a:solidFill>
+                <a:latin typeface="Arial" panose="020B0604020202020204" pitchFamily="34" charset="0"/>
+              </a:defRPr>
+            </a:lvl1pPr>
+            <a:lvl2pPr eaLnBrk="0" fontAlgn="base" hangingPunct="0">
+              <a:spcBef>
+                <a:spcPct val="0"/>
+              </a:spcBef>
+              <a:spcAft>
+                <a:spcPct val="0"/>
+              </a:spcAft>
+              <a:defRPr>
+                <a:solidFill>
+                  <a:schemeClr val="tx1"/>
+                </a:solidFill>
+                <a:latin typeface="Arial" panose="020B0604020202020204" pitchFamily="34" charset="0"/>
+              </a:defRPr>
+            </a:lvl2pPr>
+            <a:lvl3pPr eaLnBrk="0" fontAlgn="base" hangingPunct="0">
+              <a:spcBef>
+                <a:spcPct val="0"/>
+              </a:spcBef>
+              <a:spcAft>
+                <a:spcPct val="0"/>
+              </a:spcAft>
+              <a:defRPr>
+                <a:solidFill>
+                  <a:schemeClr val="tx1"/>
+                </a:solidFill>
+                <a:latin typeface="Arial" panose="020B0604020202020204" pitchFamily="34" charset="0"/>
+              </a:defRPr>
+            </a:lvl3pPr>
+            <a:lvl4pPr eaLnBrk="0" fontAlgn="base" hangingPunct="0">
+              <a:spcBef>
+                <a:spcPct val="0"/>
+              </a:spcBef>
+              <a:spcAft>
+                <a:spcPct val="0"/>
+              </a:spcAft>
+              <a:defRPr>
+                <a:solidFill>
+                  <a:schemeClr val="tx1"/>
+                </a:solidFill>
+                <a:latin typeface="Arial" panose="020B0604020202020204" pitchFamily="34" charset="0"/>
+              </a:defRPr>
+            </a:lvl4pPr>
+            <a:lvl5pPr eaLnBrk="0" fontAlgn="base" hangingPunct="0">
+              <a:spcBef>
+                <a:spcPct val="0"/>
+              </a:spcBef>
+              <a:spcAft>
+                <a:spcPct val="0"/>
+              </a:spcAft>
+              <a:defRPr>
+                <a:solidFill>
+                  <a:schemeClr val="tx1"/>
+                </a:solidFill>
+                <a:latin typeface="Arial" panose="020B0604020202020204" pitchFamily="34" charset="0"/>
+              </a:defRPr>
+            </a:lvl5pPr>
+            <a:lvl6pPr eaLnBrk="0" fontAlgn="base" hangingPunct="0">
+              <a:spcBef>
+                <a:spcPct val="0"/>
+              </a:spcBef>
+              <a:spcAft>
+                <a:spcPct val="0"/>
+              </a:spcAft>
+              <a:defRPr>
+                <a:solidFill>
+                  <a:schemeClr val="tx1"/>
+                </a:solidFill>
+                <a:latin typeface="Arial" panose="020B0604020202020204" pitchFamily="34" charset="0"/>
+              </a:defRPr>
+            </a:lvl6pPr>
+            <a:lvl7pPr eaLnBrk="0" fontAlgn="base" hangingPunct="0">
+              <a:spcBef>
+                <a:spcPct val="0"/>
+              </a:spcBef>
+              <a:spcAft>
+                <a:spcPct val="0"/>
+              </a:spcAft>
+              <a:defRPr>
+                <a:solidFill>
+                  <a:schemeClr val="tx1"/>
+                </a:solidFill>
+                <a:latin typeface="Arial" panose="020B0604020202020204" pitchFamily="34" charset="0"/>
+              </a:defRPr>
+            </a:lvl7pPr>
+            <a:lvl8pPr eaLnBrk="0" fontAlgn="base" hangingPunct="0">
+              <a:spcBef>
+                <a:spcPct val="0"/>
+              </a:spcBef>
+              <a:spcAft>
+                <a:spcPct val="0"/>
+              </a:spcAft>
+              <a:defRPr>
+                <a:solidFill>
+                  <a:schemeClr val="tx1"/>
+                </a:solidFill>
+                <a:latin typeface="Arial" panose="020B0604020202020204" pitchFamily="34" charset="0"/>
+              </a:defRPr>
+            </a:lvl8pPr>
+            <a:lvl9pPr eaLnBrk="0" fontAlgn="base" hangingPunct="0">
+              <a:spcBef>
+                <a:spcPct val="0"/>
+              </a:spcBef>
+              <a:spcAft>
+                <a:spcPct val="0"/>
+              </a:spcAft>
+              <a:defRPr>
+                <a:solidFill>
+                  <a:schemeClr val="tx1"/>
+                </a:solidFill>
+                <a:latin typeface="Arial" panose="020B0604020202020204" pitchFamily="34" charset="0"/>
+              </a:defRPr>
+            </a:lvl9pPr>
+          </a:lstStyle>
+          <a:p>
+            <a:pPr marL="0" marR="0" lvl="0" indent="0" algn="l" defTabSz="914400" rtl="0" eaLnBrk="0" fontAlgn="base" latinLnBrk="0" hangingPunct="0">
+              <a:lnSpc>
+                <a:spcPct val="100000"/>
+              </a:lnSpc>
+              <a:spcBef>
+                <a:spcPct val="0"/>
+              </a:spcBef>
+              <a:spcAft>
+                <a:spcPct val="0"/>
+              </a:spcAft>
+              <a:buClrTx/>
+              <a:buSzTx/>
+              <a:buFontTx/>
+              <a:buNone/>
+              <a:tabLst/>
+            </a:pPr>
+            <a:br>
+              <a:rPr kumimoji="0" lang="en-SA" altLang="en-SA" sz="1800" b="0" i="0" u="none" strike="noStrike" cap="none" normalizeH="0" baseline="0">
+                <a:ln>
+                  <a:noFill/>
+                </a:ln>
+                <a:solidFill>
+                  <a:schemeClr val="tx1"/>
+                </a:solidFill>
+                <a:effectLst/>
+                <a:latin typeface="Arial" panose="020B0604020202020204" pitchFamily="34" charset="0"/>
+              </a:rPr>
+            </a:br>
+            <a:endParaRPr kumimoji="0" lang="en-SA" altLang="en-SA" sz="1800" b="0" i="0" u="none" strike="noStrike" cap="none" normalizeH="0" baseline="0">
+              <a:ln>
+                <a:noFill/>
+              </a:ln>
+              <a:solidFill>
+                <a:schemeClr val="tx1"/>
+              </a:solidFill>
+              <a:effectLst/>
+              <a:latin typeface="Arial" panose="020B0604020202020204" pitchFamily="34" charset="0"/>
+            </a:endParaRPr>
+          </a:p>
+          <a:p>
+            <a:pPr marL="0" marR="0" lvl="0" indent="0" algn="l" defTabSz="914400" rtl="0" eaLnBrk="0" fontAlgn="base" latinLnBrk="0" hangingPunct="0">
+              <a:lnSpc>
+                <a:spcPct val="100000"/>
+              </a:lnSpc>
+              <a:spcBef>
+                <a:spcPct val="0"/>
+              </a:spcBef>
+              <a:spcAft>
+                <a:spcPct val="0"/>
+              </a:spcAft>
+              <a:buClrTx/>
+              <a:buSzTx/>
+              <a:buFontTx/>
+              <a:buNone/>
+              <a:tabLst/>
+            </a:pPr>
+            <a:br>
+              <a:rPr kumimoji="0" lang="en-SA" altLang="en-SA" sz="1800" b="0" i="0" u="none" strike="noStrike" cap="none" normalizeH="0" baseline="0">
+                <a:ln>
+                  <a:noFill/>
+                </a:ln>
+                <a:solidFill>
+                  <a:schemeClr val="tx1"/>
+                </a:solidFill>
+                <a:effectLst/>
+                <a:latin typeface="Arial" panose="020B0604020202020204" pitchFamily="34" charset="0"/>
+              </a:rPr>
+            </a:br>
+            <a:endParaRPr kumimoji="0" lang="en-SA" altLang="en-SA" sz="1800" b="0" i="0" u="none" strike="noStrike" cap="none" normalizeH="0" baseline="0">
+              <a:ln>
+                <a:noFill/>
+              </a:ln>
+              <a:solidFill>
+                <a:schemeClr val="tx1"/>
+              </a:solidFill>
+              <a:effectLst/>
+              <a:latin typeface="Arial" panose="020B0604020202020204" pitchFamily="34" charset="0"/>
+            </a:endParaRPr>
+          </a:p>
+        </p:txBody>
+      </p:sp>
+    </p:spTree>
+    <p:extLst>
+      <p:ext uri="{BB962C8B-B14F-4D97-AF65-F5344CB8AC3E}">
+        <p14:creationId xmlns:p14="http://schemas.microsoft.com/office/powerpoint/2010/main" val="1084577805"/>
       </p:ext>
     </p:extLst>
   </p:cSld>
